--- a/reflections-of-reflecting-trust-slides.pptx
+++ b/reflections-of-reflecting-trust-slides.pptx
@@ -5,20 +5,38 @@
     <p:sldMasterId id="2147483660" r:id="rId1"/>
   </p:sldMasterIdLst>
   <p:notesMasterIdLst>
-    <p:notesMasterId r:id="rId10"/>
+    <p:notesMasterId r:id="rId28"/>
   </p:notesMasterIdLst>
   <p:handoutMasterIdLst>
-    <p:handoutMasterId r:id="rId11"/>
+    <p:handoutMasterId r:id="rId29"/>
   </p:handoutMasterIdLst>
   <p:sldIdLst>
     <p:sldId id="256" r:id="rId2"/>
     <p:sldId id="258" r:id="rId3"/>
     <p:sldId id="257" r:id="rId4"/>
-    <p:sldId id="259" r:id="rId5"/>
-    <p:sldId id="262" r:id="rId6"/>
+    <p:sldId id="262" r:id="rId5"/>
+    <p:sldId id="259" r:id="rId6"/>
     <p:sldId id="260" r:id="rId7"/>
     <p:sldId id="261" r:id="rId8"/>
     <p:sldId id="263" r:id="rId9"/>
+    <p:sldId id="265" r:id="rId10"/>
+    <p:sldId id="264" r:id="rId11"/>
+    <p:sldId id="267" r:id="rId12"/>
+    <p:sldId id="268" r:id="rId13"/>
+    <p:sldId id="269" r:id="rId14"/>
+    <p:sldId id="277" r:id="rId15"/>
+    <p:sldId id="270" r:id="rId16"/>
+    <p:sldId id="271" r:id="rId17"/>
+    <p:sldId id="273" r:id="rId18"/>
+    <p:sldId id="274" r:id="rId19"/>
+    <p:sldId id="276" r:id="rId20"/>
+    <p:sldId id="275" r:id="rId21"/>
+    <p:sldId id="272" r:id="rId22"/>
+    <p:sldId id="278" r:id="rId23"/>
+    <p:sldId id="280" r:id="rId24"/>
+    <p:sldId id="281" r:id="rId25"/>
+    <p:sldId id="279" r:id="rId26"/>
+    <p:sldId id="266" r:id="rId27"/>
   </p:sldIdLst>
   <p:sldSz cx="9144000" cy="6858000" type="screen4x3"/>
   <p:notesSz cx="9144000" cy="6858000"/>
@@ -207,7 +225,7 @@
           <a:p>
             <a:fld id="{DBB36151-A010-D04C-8956-928746249808}" type="datetimeFigureOut">
               <a:rPr lang="en-US" smtClean="0"/>
-              <a:t>12/12/15</a:t>
+              <a:t>1/3/16</a:t>
             </a:fld>
             <a:endParaRPr lang="en-US"/>
           </a:p>
@@ -372,7 +390,7 @@
           <a:p>
             <a:fld id="{A4C7C88C-CDFE-4350-B2C5-3C6CAEFDB07C}" type="datetimeFigureOut">
               <a:rPr lang="en-SG" smtClean="0"/>
-              <a:t>12/12/15</a:t>
+              <a:t>3/1/16</a:t>
             </a:fld>
             <a:endParaRPr lang="en-SG"/>
           </a:p>
@@ -771,7 +789,7 @@
           <a:p>
             <a:fld id="{422F67E2-38E7-4A1D-97B7-1A3D76F52D34}" type="datetime1">
               <a:rPr lang="en-SG" smtClean="0"/>
-              <a:t>12/12/15</a:t>
+              <a:t>3/1/16</a:t>
             </a:fld>
             <a:endParaRPr lang="en-SG"/>
           </a:p>
@@ -941,7 +959,7 @@
           <a:p>
             <a:fld id="{571D26BE-CF29-49E8-90A9-693FA176DA2E}" type="datetime1">
               <a:rPr lang="en-SG" smtClean="0"/>
-              <a:t>12/12/15</a:t>
+              <a:t>3/1/16</a:t>
             </a:fld>
             <a:endParaRPr lang="en-SG"/>
           </a:p>
@@ -1121,7 +1139,7 @@
           <a:p>
             <a:fld id="{9465F57D-487B-4FA9-9804-4E6B1445D87E}" type="datetime1">
               <a:rPr lang="en-SG" smtClean="0"/>
-              <a:t>12/12/15</a:t>
+              <a:t>3/1/16</a:t>
             </a:fld>
             <a:endParaRPr lang="en-SG"/>
           </a:p>
@@ -1291,7 +1309,7 @@
           <a:p>
             <a:fld id="{FF100F33-09D9-4424-9CFF-3583AE8E001C}" type="datetime1">
               <a:rPr lang="en-SG" smtClean="0"/>
-              <a:t>12/12/15</a:t>
+              <a:t>3/1/16</a:t>
             </a:fld>
             <a:endParaRPr lang="en-SG"/>
           </a:p>
@@ -1535,7 +1553,7 @@
           <a:p>
             <a:fld id="{FEDF4C57-AE9B-4009-AE25-E54332066983}" type="datetime1">
               <a:rPr lang="en-SG" smtClean="0"/>
-              <a:t>12/12/15</a:t>
+              <a:t>3/1/16</a:t>
             </a:fld>
             <a:endParaRPr lang="en-SG"/>
           </a:p>
@@ -1767,7 +1785,7 @@
           <a:p>
             <a:fld id="{8804DBDF-77D8-4526-82F0-2FD9258F6F4E}" type="datetime1">
               <a:rPr lang="en-SG" smtClean="0"/>
-              <a:t>12/12/15</a:t>
+              <a:t>3/1/16</a:t>
             </a:fld>
             <a:endParaRPr lang="en-SG"/>
           </a:p>
@@ -2134,7 +2152,7 @@
           <a:p>
             <a:fld id="{2EDDACF3-1137-43EC-8B9B-FFC39405A05F}" type="datetime1">
               <a:rPr lang="en-SG" smtClean="0"/>
-              <a:t>12/12/15</a:t>
+              <a:t>3/1/16</a:t>
             </a:fld>
             <a:endParaRPr lang="en-SG"/>
           </a:p>
@@ -2252,7 +2270,7 @@
           <a:p>
             <a:fld id="{7EA35B8A-1AE7-4E07-AA62-B18CC233816A}" type="datetime1">
               <a:rPr lang="en-SG" smtClean="0"/>
-              <a:t>12/12/15</a:t>
+              <a:t>3/1/16</a:t>
             </a:fld>
             <a:endParaRPr lang="en-SG"/>
           </a:p>
@@ -2347,7 +2365,7 @@
           <a:p>
             <a:fld id="{3E5DB0B1-4D46-4B8D-87D9-ED3A0D6268D9}" type="datetime1">
               <a:rPr lang="en-SG" smtClean="0"/>
-              <a:t>12/12/15</a:t>
+              <a:t>3/1/16</a:t>
             </a:fld>
             <a:endParaRPr lang="en-SG"/>
           </a:p>
@@ -2624,7 +2642,7 @@
           <a:p>
             <a:fld id="{B5FAF827-52F0-4265-95B3-9B7BE33238A1}" type="datetime1">
               <a:rPr lang="en-SG" smtClean="0"/>
-              <a:t>12/12/15</a:t>
+              <a:t>3/1/16</a:t>
             </a:fld>
             <a:endParaRPr lang="en-SG"/>
           </a:p>
@@ -2881,7 +2899,7 @@
           <a:p>
             <a:fld id="{FB910920-7330-4500-8EED-E7F9B59504DB}" type="datetime1">
               <a:rPr lang="en-SG" smtClean="0"/>
-              <a:t>12/12/15</a:t>
+              <a:t>3/1/16</a:t>
             </a:fld>
             <a:endParaRPr lang="en-SG"/>
           </a:p>
@@ -3094,7 +3112,7 @@
           <a:p>
             <a:fld id="{049282E9-B576-43F6-B614-0FB8874DC925}" type="datetime1">
               <a:rPr lang="en-SG" smtClean="0"/>
-              <a:t>12/12/15</a:t>
+              <a:t>3/1/16</a:t>
             </a:fld>
             <a:endParaRPr lang="en-SG"/>
           </a:p>
@@ -3719,6 +3737,2521 @@
       </p:transition>
     </mc:Fallback>
   </mc:AlternateContent>
+</p:sld>
+</file>
+
+<file path=ppt/slides/slide10.xml><?xml version="1.0" encoding="utf-8"?>
+<p:sld xmlns:a="http://schemas.openxmlformats.org/drawingml/2006/main" xmlns:r="http://schemas.openxmlformats.org/officeDocument/2006/relationships" xmlns:p="http://schemas.openxmlformats.org/presentationml/2006/main">
+  <p:cSld>
+    <p:spTree>
+      <p:nvGrpSpPr>
+        <p:cNvPr id="1" name=""/>
+        <p:cNvGrpSpPr/>
+        <p:nvPr/>
+      </p:nvGrpSpPr>
+      <p:grpSpPr>
+        <a:xfrm>
+          <a:off x="0" y="0"/>
+          <a:ext cx="0" cy="0"/>
+          <a:chOff x="0" y="0"/>
+          <a:chExt cx="0" cy="0"/>
+        </a:xfrm>
+      </p:grpSpPr>
+      <p:sp>
+        <p:nvSpPr>
+          <p:cNvPr id="2" name="Title 1"/>
+          <p:cNvSpPr>
+            <a:spLocks noGrp="1"/>
+          </p:cNvSpPr>
+          <p:nvPr>
+            <p:ph type="title"/>
+          </p:nvPr>
+        </p:nvSpPr>
+        <p:spPr>
+          <a:xfrm>
+            <a:off x="628650" y="18348"/>
+            <a:ext cx="7886700" cy="1325563"/>
+          </a:xfrm>
+        </p:spPr>
+        <p:txBody>
+          <a:bodyPr/>
+          <a:lstStyle/>
+          <a:p>
+            <a:r>
+              <a:rPr lang="en-SG" dirty="0" smtClean="0"/>
+              <a:t>2b. My ”clean” compiler</a:t>
+            </a:r>
+            <a:endParaRPr lang="en-SG" dirty="0"/>
+          </a:p>
+        </p:txBody>
+      </p:sp>
+      <p:sp>
+        <p:nvSpPr>
+          <p:cNvPr id="3" name="Content Placeholder 2"/>
+          <p:cNvSpPr>
+            <a:spLocks noGrp="1"/>
+          </p:cNvSpPr>
+          <p:nvPr>
+            <p:ph idx="1"/>
+          </p:nvPr>
+        </p:nvSpPr>
+        <p:spPr>
+          <a:xfrm>
+            <a:off x="628650" y="1134496"/>
+            <a:ext cx="7886700" cy="4351338"/>
+          </a:xfrm>
+        </p:spPr>
+        <p:txBody>
+          <a:bodyPr/>
+          <a:lstStyle/>
+          <a:p>
+            <a:r>
+              <a:rPr lang="en-SG" dirty="0" smtClean="0"/>
+              <a:t>”</a:t>
+            </a:r>
+            <a:r>
+              <a:rPr lang="en-SG" dirty="0" err="1" smtClean="0"/>
+              <a:t>compiler.c</a:t>
+            </a:r>
+            <a:r>
+              <a:rPr lang="en-SG" dirty="0" smtClean="0"/>
+              <a:t>”</a:t>
+            </a:r>
+          </a:p>
+          <a:p>
+            <a:r>
+              <a:rPr lang="en-SG" dirty="0" smtClean="0"/>
+              <a:t>Reads input source file</a:t>
+            </a:r>
+          </a:p>
+          <a:p>
+            <a:r>
+              <a:rPr lang="en-SG" dirty="0" smtClean="0"/>
+              <a:t>Passes source file contents to GCC via </a:t>
+            </a:r>
+            <a:r>
+              <a:rPr lang="en-SG" dirty="0" err="1" smtClean="0"/>
+              <a:t>stdin</a:t>
+            </a:r>
+            <a:endParaRPr lang="en-SG" dirty="0" smtClean="0"/>
+          </a:p>
+          <a:p>
+            <a:r>
+              <a:rPr lang="en-SG" dirty="0" smtClean="0"/>
+              <a:t>Prints source file contents to </a:t>
+            </a:r>
+            <a:r>
+              <a:rPr lang="en-SG" dirty="0" err="1" smtClean="0"/>
+              <a:t>stdout</a:t>
+            </a:r>
+            <a:endParaRPr lang="en-SG" dirty="0"/>
+          </a:p>
+        </p:txBody>
+      </p:sp>
+      <p:sp>
+        <p:nvSpPr>
+          <p:cNvPr id="4" name="Slide Number Placeholder 3"/>
+          <p:cNvSpPr>
+            <a:spLocks noGrp="1"/>
+          </p:cNvSpPr>
+          <p:nvPr>
+            <p:ph type="sldNum" sz="quarter" idx="12"/>
+          </p:nvPr>
+        </p:nvSpPr>
+        <p:spPr/>
+        <p:txBody>
+          <a:bodyPr/>
+          <a:lstStyle/>
+          <a:p>
+            <a:fld id="{9705DC4D-6496-4D9B-AA35-AB22DFE8A2F2}" type="slidenum">
+              <a:rPr lang="en-SG" smtClean="0"/>
+              <a:t>10</a:t>
+            </a:fld>
+            <a:endParaRPr lang="en-SG"/>
+          </a:p>
+        </p:txBody>
+      </p:sp>
+    </p:spTree>
+    <p:extLst>
+      <p:ext uri="{BB962C8B-B14F-4D97-AF65-F5344CB8AC3E}">
+        <p14:creationId xmlns:p14="http://schemas.microsoft.com/office/powerpoint/2010/main" val="654438619"/>
+      </p:ext>
+    </p:extLst>
+  </p:cSld>
+  <p:clrMapOvr>
+    <a:masterClrMapping/>
+  </p:clrMapOvr>
+</p:sld>
+</file>
+
+<file path=ppt/slides/slide11.xml><?xml version="1.0" encoding="utf-8"?>
+<p:sld xmlns:a="http://schemas.openxmlformats.org/drawingml/2006/main" xmlns:r="http://schemas.openxmlformats.org/officeDocument/2006/relationships" xmlns:p="http://schemas.openxmlformats.org/presentationml/2006/main">
+  <p:cSld>
+    <p:spTree>
+      <p:nvGrpSpPr>
+        <p:cNvPr id="1" name=""/>
+        <p:cNvGrpSpPr/>
+        <p:nvPr/>
+      </p:nvGrpSpPr>
+      <p:grpSpPr>
+        <a:xfrm>
+          <a:off x="0" y="0"/>
+          <a:ext cx="0" cy="0"/>
+          <a:chOff x="0" y="0"/>
+          <a:chExt cx="0" cy="0"/>
+        </a:xfrm>
+      </p:grpSpPr>
+      <p:sp>
+        <p:nvSpPr>
+          <p:cNvPr id="2" name="Title 1"/>
+          <p:cNvSpPr>
+            <a:spLocks noGrp="1"/>
+          </p:cNvSpPr>
+          <p:nvPr>
+            <p:ph type="title"/>
+          </p:nvPr>
+        </p:nvSpPr>
+        <p:spPr/>
+        <p:txBody>
+          <a:bodyPr/>
+          <a:lstStyle/>
+          <a:p>
+            <a:r>
+              <a:rPr lang="en-US" dirty="0" smtClean="0"/>
+              <a:t>2c. Clean compiler demo</a:t>
+            </a:r>
+            <a:endParaRPr lang="en-US" dirty="0"/>
+          </a:p>
+        </p:txBody>
+      </p:sp>
+      <p:sp>
+        <p:nvSpPr>
+          <p:cNvPr id="3" name="Content Placeholder 2"/>
+          <p:cNvSpPr>
+            <a:spLocks noGrp="1"/>
+          </p:cNvSpPr>
+          <p:nvPr>
+            <p:ph idx="1"/>
+          </p:nvPr>
+        </p:nvSpPr>
+        <p:spPr>
+          <a:xfrm>
+            <a:off x="461282" y="1645646"/>
+            <a:ext cx="8221436" cy="1417138"/>
+          </a:xfrm>
+        </p:spPr>
+        <p:txBody>
+          <a:bodyPr>
+            <a:normAutofit fontScale="92500"/>
+          </a:bodyPr>
+          <a:lstStyle/>
+          <a:p>
+            <a:r>
+              <a:rPr lang="en-US" dirty="0" smtClean="0"/>
+              <a:t>Compile my compiler with existing compiler </a:t>
+            </a:r>
+            <a:r>
+              <a:rPr lang="en-US" dirty="0" err="1" smtClean="0"/>
+              <a:t>eg</a:t>
+            </a:r>
+            <a:r>
+              <a:rPr lang="en-US" dirty="0" smtClean="0"/>
+              <a:t>. GCC</a:t>
+            </a:r>
+          </a:p>
+          <a:p>
+            <a:pPr lvl="1"/>
+            <a:r>
+              <a:rPr lang="en-US" dirty="0" smtClean="0"/>
+              <a:t>We can now discard GCC</a:t>
+            </a:r>
+          </a:p>
+          <a:p>
+            <a:r>
+              <a:rPr lang="en-US" dirty="0" smtClean="0"/>
+              <a:t>Use my compiler to compile hello world program (</a:t>
+            </a:r>
+            <a:r>
+              <a:rPr lang="en-US" dirty="0" err="1" smtClean="0"/>
+              <a:t>hw.c</a:t>
+            </a:r>
+            <a:r>
+              <a:rPr lang="en-US" dirty="0" smtClean="0"/>
+              <a:t>)</a:t>
+            </a:r>
+          </a:p>
+          <a:p>
+            <a:endParaRPr lang="en-US" dirty="0"/>
+          </a:p>
+        </p:txBody>
+      </p:sp>
+      <p:sp>
+        <p:nvSpPr>
+          <p:cNvPr id="4" name="Slide Number Placeholder 3"/>
+          <p:cNvSpPr>
+            <a:spLocks noGrp="1"/>
+          </p:cNvSpPr>
+          <p:nvPr>
+            <p:ph type="sldNum" sz="quarter" idx="12"/>
+          </p:nvPr>
+        </p:nvSpPr>
+        <p:spPr/>
+        <p:txBody>
+          <a:bodyPr/>
+          <a:lstStyle/>
+          <a:p>
+            <a:fld id="{9705DC4D-6496-4D9B-AA35-AB22DFE8A2F2}" type="slidenum">
+              <a:rPr lang="en-SG" smtClean="0"/>
+              <a:t>11</a:t>
+            </a:fld>
+            <a:endParaRPr lang="en-SG"/>
+          </a:p>
+        </p:txBody>
+      </p:sp>
+      <p:graphicFrame>
+        <p:nvGraphicFramePr>
+          <p:cNvPr id="5" name="Table 4"/>
+          <p:cNvGraphicFramePr>
+            <a:graphicFrameLocks noGrp="1"/>
+          </p:cNvGraphicFramePr>
+          <p:nvPr>
+            <p:extLst>
+              <p:ext uri="{D42A27DB-BD31-4B8C-83A1-F6EECF244321}">
+                <p14:modId xmlns:p14="http://schemas.microsoft.com/office/powerpoint/2010/main" val="1396986656"/>
+              </p:ext>
+            </p:extLst>
+          </p:nvPr>
+        </p:nvGraphicFramePr>
+        <p:xfrm>
+          <a:off x="628650" y="3242763"/>
+          <a:ext cx="7489372" cy="2225040"/>
+        </p:xfrm>
+        <a:graphic>
+          <a:graphicData uri="http://schemas.openxmlformats.org/drawingml/2006/table">
+            <a:tbl>
+              <a:tblPr firstRow="1" bandRow="1">
+                <a:tableStyleId>{5C22544A-7EE6-4342-B048-85BDC9FD1C3A}</a:tableStyleId>
+              </a:tblPr>
+              <a:tblGrid>
+                <a:gridCol w="3744686">
+                  <a:extLst>
+                    <a:ext uri="{9D8B030D-6E8A-4147-A177-3AD203B41FA5}">
+                      <a16:colId xmlns:a16="http://schemas.microsoft.com/office/drawing/2014/main" xmlns="" val="20000"/>
+                    </a:ext>
+                  </a:extLst>
+                </a:gridCol>
+                <a:gridCol w="3744686">
+                  <a:extLst>
+                    <a:ext uri="{9D8B030D-6E8A-4147-A177-3AD203B41FA5}">
+                      <a16:colId xmlns:a16="http://schemas.microsoft.com/office/drawing/2014/main" xmlns="" val="20001"/>
+                    </a:ext>
+                  </a:extLst>
+                </a:gridCol>
+              </a:tblGrid>
+              <a:tr h="370840">
+                <a:tc>
+                  <a:txBody>
+                    <a:bodyPr/>
+                    <a:lstStyle/>
+                    <a:p>
+                      <a:r>
+                        <a:rPr lang="en-US" dirty="0" smtClean="0"/>
+                        <a:t>Step</a:t>
+                      </a:r>
+                      <a:endParaRPr lang="en-US" dirty="0"/>
+                    </a:p>
+                  </a:txBody>
+                  <a:tcPr/>
+                </a:tc>
+                <a:tc>
+                  <a:txBody>
+                    <a:bodyPr/>
+                    <a:lstStyle/>
+                    <a:p>
+                      <a:r>
+                        <a:rPr lang="en-US" dirty="0" smtClean="0"/>
+                        <a:t>Command</a:t>
+                      </a:r>
+                      <a:endParaRPr lang="en-US" dirty="0"/>
+                    </a:p>
+                  </a:txBody>
+                  <a:tcPr/>
+                </a:tc>
+                <a:extLst>
+                  <a:ext uri="{0D108BD9-81ED-4DB2-BD59-A6C34878D82A}">
+                    <a16:rowId xmlns:a16="http://schemas.microsoft.com/office/drawing/2014/main" xmlns="" val="10000"/>
+                  </a:ext>
+                </a:extLst>
+              </a:tr>
+              <a:tr h="370840">
+                <a:tc>
+                  <a:txBody>
+                    <a:bodyPr/>
+                    <a:lstStyle/>
+                    <a:p>
+                      <a:r>
+                        <a:rPr lang="en-US" dirty="0" smtClean="0"/>
+                        <a:t>Go to codes director</a:t>
+                      </a:r>
+                      <a:endParaRPr lang="en-US" dirty="0"/>
+                    </a:p>
+                  </a:txBody>
+                  <a:tcPr/>
+                </a:tc>
+                <a:tc>
+                  <a:txBody>
+                    <a:bodyPr/>
+                    <a:lstStyle/>
+                    <a:p>
+                      <a:r>
+                        <a:rPr lang="en-SG" dirty="0" smtClean="0"/>
+                        <a:t>cd</a:t>
+                      </a:r>
+                      <a:r>
+                        <a:rPr lang="en-SG" baseline="0" dirty="0" smtClean="0"/>
+                        <a:t> codes</a:t>
+                      </a:r>
+                      <a:endParaRPr lang="en-SG" dirty="0"/>
+                    </a:p>
+                  </a:txBody>
+                  <a:tcPr/>
+                </a:tc>
+                <a:extLst>
+                  <a:ext uri="{0D108BD9-81ED-4DB2-BD59-A6C34878D82A}">
+                    <a16:rowId xmlns:a16="http://schemas.microsoft.com/office/drawing/2014/main" xmlns="" val="10001"/>
+                  </a:ext>
+                </a:extLst>
+              </a:tr>
+              <a:tr h="370840">
+                <a:tc>
+                  <a:txBody>
+                    <a:bodyPr/>
+                    <a:lstStyle/>
+                    <a:p>
+                      <a:r>
+                        <a:rPr lang="en-US" dirty="0" smtClean="0"/>
+                        <a:t>Compile my compiler with </a:t>
+                      </a:r>
+                      <a:r>
+                        <a:rPr lang="en-US" dirty="0" err="1" smtClean="0"/>
+                        <a:t>gcc</a:t>
+                      </a:r>
+                      <a:endParaRPr lang="en-US" dirty="0"/>
+                    </a:p>
+                  </a:txBody>
+                  <a:tcPr/>
+                </a:tc>
+                <a:tc>
+                  <a:txBody>
+                    <a:bodyPr/>
+                    <a:lstStyle/>
+                    <a:p>
+                      <a:r>
+                        <a:rPr lang="en-SG" dirty="0" err="1" smtClean="0"/>
+                        <a:t>gcc</a:t>
+                      </a:r>
+                      <a:r>
+                        <a:rPr lang="en-SG" dirty="0" smtClean="0"/>
+                        <a:t> </a:t>
+                      </a:r>
+                      <a:r>
+                        <a:rPr lang="en-SG" dirty="0" err="1" smtClean="0"/>
+                        <a:t>compiler.c</a:t>
+                      </a:r>
+                      <a:r>
+                        <a:rPr lang="en-SG" dirty="0" smtClean="0"/>
+                        <a:t> –o clean-</a:t>
+                      </a:r>
+                      <a:r>
+                        <a:rPr lang="en-SG" dirty="0" err="1" smtClean="0"/>
+                        <a:t>compiler.out</a:t>
+                      </a:r>
+                      <a:endParaRPr lang="en-SG" dirty="0"/>
+                    </a:p>
+                  </a:txBody>
+                  <a:tcPr/>
+                </a:tc>
+                <a:extLst>
+                  <a:ext uri="{0D108BD9-81ED-4DB2-BD59-A6C34878D82A}">
+                    <a16:rowId xmlns:a16="http://schemas.microsoft.com/office/drawing/2014/main" xmlns="" val="10002"/>
+                  </a:ext>
+                </a:extLst>
+              </a:tr>
+              <a:tr h="370840">
+                <a:tc>
+                  <a:txBody>
+                    <a:bodyPr/>
+                    <a:lstStyle/>
+                    <a:p>
+                      <a:r>
+                        <a:rPr lang="en-US" dirty="0" smtClean="0"/>
+                        <a:t>Go to stage 2 directory</a:t>
+                      </a:r>
+                      <a:endParaRPr lang="en-US" dirty="0"/>
+                    </a:p>
+                  </a:txBody>
+                  <a:tcPr/>
+                </a:tc>
+                <a:tc>
+                  <a:txBody>
+                    <a:bodyPr/>
+                    <a:lstStyle/>
+                    <a:p>
+                      <a:r>
+                        <a:rPr lang="en-US" dirty="0" smtClean="0"/>
+                        <a:t>cd</a:t>
+                      </a:r>
+                      <a:r>
+                        <a:rPr lang="en-US" baseline="0" dirty="0" smtClean="0"/>
+                        <a:t> stage2</a:t>
+                      </a:r>
+                      <a:endParaRPr lang="en-US" dirty="0"/>
+                    </a:p>
+                  </a:txBody>
+                  <a:tcPr/>
+                </a:tc>
+                <a:extLst>
+                  <a:ext uri="{0D108BD9-81ED-4DB2-BD59-A6C34878D82A}">
+                    <a16:rowId xmlns:a16="http://schemas.microsoft.com/office/drawing/2014/main" xmlns="" val="10003"/>
+                  </a:ext>
+                </a:extLst>
+              </a:tr>
+              <a:tr h="370840">
+                <a:tc>
+                  <a:txBody>
+                    <a:bodyPr/>
+                    <a:lstStyle/>
+                    <a:p>
+                      <a:r>
+                        <a:rPr lang="en-US" dirty="0" smtClean="0"/>
+                        <a:t>Compile hello</a:t>
+                      </a:r>
+                      <a:r>
+                        <a:rPr lang="en-US" baseline="0" dirty="0" smtClean="0"/>
+                        <a:t> world</a:t>
+                      </a:r>
+                      <a:endParaRPr lang="en-US" dirty="0"/>
+                    </a:p>
+                  </a:txBody>
+                  <a:tcPr/>
+                </a:tc>
+                <a:tc>
+                  <a:txBody>
+                    <a:bodyPr/>
+                    <a:lstStyle/>
+                    <a:p>
+                      <a:r>
+                        <a:rPr lang="en-US" dirty="0" smtClean="0"/>
+                        <a:t>../clean-</a:t>
+                      </a:r>
+                      <a:r>
+                        <a:rPr lang="en-US" dirty="0" err="1" smtClean="0"/>
+                        <a:t>compiler.out</a:t>
+                      </a:r>
+                      <a:r>
+                        <a:rPr lang="en-US" baseline="0" dirty="0" smtClean="0"/>
+                        <a:t> </a:t>
+                      </a:r>
+                      <a:r>
+                        <a:rPr lang="en-US" baseline="0" dirty="0" err="1" smtClean="0"/>
+                        <a:t>hw.c</a:t>
+                      </a:r>
+                      <a:r>
+                        <a:rPr lang="en-US" baseline="0" dirty="0" smtClean="0"/>
+                        <a:t> –o </a:t>
+                      </a:r>
+                      <a:r>
+                        <a:rPr lang="en-US" baseline="0" dirty="0" err="1" smtClean="0"/>
+                        <a:t>hw.out</a:t>
+                      </a:r>
+                      <a:endParaRPr lang="en-US" dirty="0"/>
+                    </a:p>
+                  </a:txBody>
+                  <a:tcPr/>
+                </a:tc>
+                <a:extLst>
+                  <a:ext uri="{0D108BD9-81ED-4DB2-BD59-A6C34878D82A}">
+                    <a16:rowId xmlns:a16="http://schemas.microsoft.com/office/drawing/2014/main" xmlns="" val="10004"/>
+                  </a:ext>
+                </a:extLst>
+              </a:tr>
+              <a:tr h="370840">
+                <a:tc>
+                  <a:txBody>
+                    <a:bodyPr/>
+                    <a:lstStyle/>
+                    <a:p>
+                      <a:r>
+                        <a:rPr lang="en-US" dirty="0" smtClean="0"/>
+                        <a:t>Run</a:t>
+                      </a:r>
+                      <a:r>
+                        <a:rPr lang="en-US" baseline="0" dirty="0" smtClean="0"/>
+                        <a:t> </a:t>
+                      </a:r>
+                      <a:r>
+                        <a:rPr lang="en-US" baseline="0" dirty="0" err="1" smtClean="0"/>
+                        <a:t>hw.out</a:t>
+                      </a:r>
+                      <a:endParaRPr lang="en-US" dirty="0"/>
+                    </a:p>
+                  </a:txBody>
+                  <a:tcPr/>
+                </a:tc>
+                <a:tc>
+                  <a:txBody>
+                    <a:bodyPr/>
+                    <a:lstStyle/>
+                    <a:p>
+                      <a:pPr marL="0" marR="0" indent="0" algn="l" defTabSz="914400" rtl="0" eaLnBrk="1" fontAlgn="auto" latinLnBrk="0" hangingPunct="1">
+                        <a:lnSpc>
+                          <a:spcPct val="100000"/>
+                        </a:lnSpc>
+                        <a:spcBef>
+                          <a:spcPts val="0"/>
+                        </a:spcBef>
+                        <a:spcAft>
+                          <a:spcPts val="0"/>
+                        </a:spcAft>
+                        <a:buClrTx/>
+                        <a:buSzTx/>
+                        <a:buFontTx/>
+                        <a:buNone/>
+                        <a:tabLst/>
+                        <a:defRPr/>
+                      </a:pPr>
+                      <a:r>
+                        <a:rPr lang="en-US" dirty="0" smtClean="0"/>
+                        <a:t>./</a:t>
+                      </a:r>
+                      <a:r>
+                        <a:rPr lang="en-US" dirty="0" err="1" smtClean="0"/>
+                        <a:t>hw.out</a:t>
+                      </a:r>
+                      <a:endParaRPr lang="en-US" dirty="0" smtClean="0"/>
+                    </a:p>
+                  </a:txBody>
+                  <a:tcPr/>
+                </a:tc>
+                <a:extLst>
+                  <a:ext uri="{0D108BD9-81ED-4DB2-BD59-A6C34878D82A}">
+                    <a16:rowId xmlns:a16="http://schemas.microsoft.com/office/drawing/2014/main" xmlns="" val="10005"/>
+                  </a:ext>
+                </a:extLst>
+              </a:tr>
+            </a:tbl>
+          </a:graphicData>
+        </a:graphic>
+      </p:graphicFrame>
+    </p:spTree>
+    <p:extLst>
+      <p:ext uri="{BB962C8B-B14F-4D97-AF65-F5344CB8AC3E}">
+        <p14:creationId xmlns:p14="http://schemas.microsoft.com/office/powerpoint/2010/main" val="1637271385"/>
+      </p:ext>
+    </p:extLst>
+  </p:cSld>
+  <p:clrMapOvr>
+    <a:masterClrMapping/>
+  </p:clrMapOvr>
+</p:sld>
+</file>
+
+<file path=ppt/slides/slide12.xml><?xml version="1.0" encoding="utf-8"?>
+<p:sld xmlns:a="http://schemas.openxmlformats.org/drawingml/2006/main" xmlns:r="http://schemas.openxmlformats.org/officeDocument/2006/relationships" xmlns:p="http://schemas.openxmlformats.org/presentationml/2006/main">
+  <p:cSld>
+    <p:spTree>
+      <p:nvGrpSpPr>
+        <p:cNvPr id="1" name=""/>
+        <p:cNvGrpSpPr/>
+        <p:nvPr/>
+      </p:nvGrpSpPr>
+      <p:grpSpPr>
+        <a:xfrm>
+          <a:off x="0" y="0"/>
+          <a:ext cx="0" cy="0"/>
+          <a:chOff x="0" y="0"/>
+          <a:chExt cx="0" cy="0"/>
+        </a:xfrm>
+      </p:grpSpPr>
+      <p:sp>
+        <p:nvSpPr>
+          <p:cNvPr id="2" name="Title 1"/>
+          <p:cNvSpPr>
+            <a:spLocks noGrp="1"/>
+          </p:cNvSpPr>
+          <p:nvPr>
+            <p:ph type="title"/>
+          </p:nvPr>
+        </p:nvSpPr>
+        <p:spPr>
+          <a:xfrm>
+            <a:off x="628650" y="1"/>
+            <a:ext cx="7886700" cy="925286"/>
+          </a:xfrm>
+        </p:spPr>
+        <p:txBody>
+          <a:bodyPr/>
+          <a:lstStyle/>
+          <a:p>
+            <a:r>
+              <a:rPr lang="en-US" dirty="0" smtClean="0"/>
+              <a:t>2d. New C keyword</a:t>
+            </a:r>
+            <a:endParaRPr lang="en-US" dirty="0"/>
+          </a:p>
+        </p:txBody>
+      </p:sp>
+      <p:sp>
+        <p:nvSpPr>
+          <p:cNvPr id="3" name="Content Placeholder 2"/>
+          <p:cNvSpPr>
+            <a:spLocks noGrp="1"/>
+          </p:cNvSpPr>
+          <p:nvPr>
+            <p:ph idx="1"/>
+          </p:nvPr>
+        </p:nvSpPr>
+        <p:spPr>
+          <a:xfrm>
+            <a:off x="628650" y="925286"/>
+            <a:ext cx="7886700" cy="5562600"/>
+          </a:xfrm>
+        </p:spPr>
+        <p:txBody>
+          <a:bodyPr>
+            <a:normAutofit lnSpcReduction="10000"/>
+          </a:bodyPr>
+          <a:lstStyle/>
+          <a:p>
+            <a:r>
+              <a:rPr lang="en-US" dirty="0" smtClean="0"/>
+              <a:t>The “uint1” </a:t>
+            </a:r>
+            <a:r>
+              <a:rPr lang="en-US" dirty="0" err="1" smtClean="0"/>
+              <a:t>datatype</a:t>
+            </a:r>
+            <a:r>
+              <a:rPr lang="en-US" dirty="0" smtClean="0"/>
+              <a:t>, same as “char”</a:t>
+            </a:r>
+          </a:p>
+          <a:p>
+            <a:r>
+              <a:rPr lang="en-US" dirty="0" smtClean="0"/>
+              <a:t>Compile with existing compiler</a:t>
+            </a:r>
+          </a:p>
+          <a:p>
+            <a:pPr lvl="1"/>
+            <a:r>
+              <a:rPr lang="en-US" sz="2000" dirty="0" smtClean="0"/>
+              <a:t>../</a:t>
+            </a:r>
+            <a:r>
+              <a:rPr lang="en-US" sz="2000" dirty="0"/>
+              <a:t>clean-</a:t>
+            </a:r>
+            <a:r>
+              <a:rPr lang="en-US" sz="2000" dirty="0" err="1"/>
+              <a:t>compiler.out</a:t>
+            </a:r>
+            <a:r>
+              <a:rPr lang="en-US" sz="2000" dirty="0"/>
+              <a:t>  </a:t>
+            </a:r>
+            <a:r>
+              <a:rPr lang="en-US" sz="2000" dirty="0" err="1"/>
+              <a:t>hw-new.c</a:t>
+            </a:r>
+            <a:r>
+              <a:rPr lang="en-US" sz="2000" dirty="0"/>
+              <a:t> -o </a:t>
+            </a:r>
+            <a:r>
+              <a:rPr lang="en-US" sz="2000" dirty="0" err="1" smtClean="0"/>
+              <a:t>hw-new.out</a:t>
+            </a:r>
+            <a:endParaRPr lang="en-US" sz="2000" dirty="0" smtClean="0"/>
+          </a:p>
+          <a:p>
+            <a:pPr lvl="1"/>
+            <a:r>
+              <a:rPr lang="en-US" sz="2000" dirty="0" smtClean="0"/>
+              <a:t>Existing compiler does not </a:t>
+            </a:r>
+            <a:r>
+              <a:rPr lang="en-US" sz="2000" dirty="0" err="1" smtClean="0"/>
+              <a:t>recognise</a:t>
+            </a:r>
+            <a:r>
+              <a:rPr lang="en-US" sz="2000" dirty="0" smtClean="0"/>
+              <a:t> ”uint1” keyword</a:t>
+            </a:r>
+            <a:endParaRPr lang="en-US" dirty="0" smtClean="0"/>
+          </a:p>
+          <a:p>
+            <a:r>
+              <a:rPr lang="en-US" dirty="0" smtClean="0"/>
+              <a:t>We train our compiler to </a:t>
+            </a:r>
+            <a:r>
+              <a:rPr lang="en-US" dirty="0" err="1" smtClean="0"/>
+              <a:t>recognise</a:t>
+            </a:r>
+            <a:r>
+              <a:rPr lang="en-US" dirty="0" smtClean="0"/>
+              <a:t> “uint1”</a:t>
+            </a:r>
+          </a:p>
+          <a:p>
+            <a:endParaRPr lang="en-US" dirty="0" smtClean="0"/>
+          </a:p>
+          <a:p>
+            <a:endParaRPr lang="en-US" dirty="0"/>
+          </a:p>
+          <a:p>
+            <a:endParaRPr lang="en-US" dirty="0" smtClean="0"/>
+          </a:p>
+          <a:p>
+            <a:endParaRPr lang="en-US" dirty="0" smtClean="0"/>
+          </a:p>
+          <a:p>
+            <a:pPr lvl="1"/>
+            <a:r>
+              <a:rPr lang="en-US" sz="2000" dirty="0" smtClean="0"/>
+              <a:t>Use existing compiler to compile “training-</a:t>
+            </a:r>
+            <a:r>
+              <a:rPr lang="en-US" sz="2000" dirty="0" err="1" smtClean="0"/>
+              <a:t>compiler.c</a:t>
+            </a:r>
+            <a:r>
+              <a:rPr lang="en-US" sz="2000" dirty="0" smtClean="0"/>
+              <a:t>”</a:t>
+            </a:r>
+          </a:p>
+          <a:p>
+            <a:pPr lvl="1"/>
+            <a:r>
+              <a:rPr lang="en-US" sz="2000" dirty="0" smtClean="0"/>
+              <a:t>../</a:t>
+            </a:r>
+            <a:r>
+              <a:rPr lang="en-US" sz="2000" dirty="0"/>
+              <a:t>clean-</a:t>
+            </a:r>
+            <a:r>
+              <a:rPr lang="en-US" sz="2000" dirty="0" err="1"/>
+              <a:t>compiler.out</a:t>
+            </a:r>
+            <a:r>
+              <a:rPr lang="en-US" sz="2000" dirty="0"/>
+              <a:t>  </a:t>
+            </a:r>
+            <a:r>
+              <a:rPr lang="en-US" sz="2000" dirty="0" smtClean="0"/>
+              <a:t>training-</a:t>
+            </a:r>
+            <a:r>
+              <a:rPr lang="en-US" sz="2000" dirty="0" err="1" smtClean="0"/>
+              <a:t>compiler.c</a:t>
+            </a:r>
+            <a:r>
+              <a:rPr lang="en-US" sz="2000" dirty="0" smtClean="0"/>
+              <a:t> –o training-</a:t>
+            </a:r>
+            <a:r>
+              <a:rPr lang="en-US" sz="2000" dirty="0" err="1" smtClean="0"/>
+              <a:t>compiler.out</a:t>
+            </a:r>
+            <a:endParaRPr lang="en-US" sz="2000" dirty="0" smtClean="0"/>
+          </a:p>
+          <a:p>
+            <a:r>
+              <a:rPr lang="en-US" dirty="0" smtClean="0"/>
+              <a:t>Our compiler now </a:t>
+            </a:r>
+            <a:r>
+              <a:rPr lang="en-US" dirty="0" err="1" smtClean="0"/>
+              <a:t>recognises</a:t>
+            </a:r>
+            <a:r>
+              <a:rPr lang="en-US" dirty="0" smtClean="0"/>
+              <a:t> “uint1”</a:t>
+            </a:r>
+          </a:p>
+          <a:p>
+            <a:pPr lvl="1"/>
+            <a:r>
+              <a:rPr lang="en-US" sz="2000" dirty="0"/>
+              <a:t>./training-</a:t>
+            </a:r>
+            <a:r>
+              <a:rPr lang="en-US" sz="2000" dirty="0" err="1"/>
+              <a:t>compiler.out</a:t>
+            </a:r>
+            <a:r>
+              <a:rPr lang="en-US" sz="2000" dirty="0"/>
+              <a:t> </a:t>
+            </a:r>
+            <a:r>
+              <a:rPr lang="en-US" sz="2000" dirty="0" err="1"/>
+              <a:t>hw-new.c</a:t>
+            </a:r>
+            <a:r>
+              <a:rPr lang="en-US" sz="2000" dirty="0"/>
+              <a:t> -o </a:t>
+            </a:r>
+            <a:r>
+              <a:rPr lang="en-US" sz="2000" dirty="0" err="1" smtClean="0"/>
+              <a:t>hw-new.out</a:t>
+            </a:r>
+            <a:endParaRPr lang="en-US" sz="2000" dirty="0" smtClean="0"/>
+          </a:p>
+          <a:p>
+            <a:pPr lvl="1"/>
+            <a:r>
+              <a:rPr lang="en-US" sz="2000" dirty="0" smtClean="0"/>
+              <a:t>./</a:t>
+            </a:r>
+            <a:r>
+              <a:rPr lang="en-US" sz="2000" dirty="0" err="1" smtClean="0"/>
+              <a:t>hw-new.out</a:t>
+            </a:r>
+            <a:endParaRPr lang="en-US" sz="2000" dirty="0"/>
+          </a:p>
+          <a:p>
+            <a:pPr lvl="1"/>
+            <a:endParaRPr lang="en-US" dirty="0"/>
+          </a:p>
+          <a:p>
+            <a:endParaRPr lang="en-US" dirty="0" smtClean="0"/>
+          </a:p>
+        </p:txBody>
+      </p:sp>
+      <p:sp>
+        <p:nvSpPr>
+          <p:cNvPr id="4" name="Slide Number Placeholder 3"/>
+          <p:cNvSpPr>
+            <a:spLocks noGrp="1"/>
+          </p:cNvSpPr>
+          <p:nvPr>
+            <p:ph type="sldNum" sz="quarter" idx="12"/>
+          </p:nvPr>
+        </p:nvSpPr>
+        <p:spPr/>
+        <p:txBody>
+          <a:bodyPr/>
+          <a:lstStyle/>
+          <a:p>
+            <a:fld id="{9705DC4D-6496-4D9B-AA35-AB22DFE8A2F2}" type="slidenum">
+              <a:rPr lang="en-SG" smtClean="0"/>
+              <a:t>12</a:t>
+            </a:fld>
+            <a:endParaRPr lang="en-SG"/>
+          </a:p>
+        </p:txBody>
+      </p:sp>
+      <p:pic>
+        <p:nvPicPr>
+          <p:cNvPr id="6" name="Picture 5"/>
+          <p:cNvPicPr>
+            <a:picLocks noChangeAspect="1"/>
+          </p:cNvPicPr>
+          <p:nvPr/>
+        </p:nvPicPr>
+        <p:blipFill>
+          <a:blip r:embed="rId2">
+            <a:extLst>
+              <a:ext uri="{28A0092B-C50C-407E-A947-70E740481C1C}">
+                <a14:useLocalDpi xmlns:a14="http://schemas.microsoft.com/office/drawing/2010/main" val="0"/>
+              </a:ext>
+            </a:extLst>
+          </a:blip>
+          <a:stretch>
+            <a:fillRect/>
+          </a:stretch>
+        </p:blipFill>
+        <p:spPr>
+          <a:xfrm>
+            <a:off x="1225550" y="2960914"/>
+            <a:ext cx="5232400" cy="1663700"/>
+          </a:xfrm>
+          <a:prstGeom prst="rect">
+            <a:avLst/>
+          </a:prstGeom>
+        </p:spPr>
+      </p:pic>
+    </p:spTree>
+    <p:extLst>
+      <p:ext uri="{BB962C8B-B14F-4D97-AF65-F5344CB8AC3E}">
+        <p14:creationId xmlns:p14="http://schemas.microsoft.com/office/powerpoint/2010/main" val="1164795930"/>
+      </p:ext>
+    </p:extLst>
+  </p:cSld>
+  <p:clrMapOvr>
+    <a:masterClrMapping/>
+  </p:clrMapOvr>
+</p:sld>
+</file>
+
+<file path=ppt/slides/slide13.xml><?xml version="1.0" encoding="utf-8"?>
+<p:sld xmlns:a="http://schemas.openxmlformats.org/drawingml/2006/main" xmlns:r="http://schemas.openxmlformats.org/officeDocument/2006/relationships" xmlns:p="http://schemas.openxmlformats.org/presentationml/2006/main">
+  <p:cSld>
+    <p:spTree>
+      <p:nvGrpSpPr>
+        <p:cNvPr id="1" name=""/>
+        <p:cNvGrpSpPr/>
+        <p:nvPr/>
+      </p:nvGrpSpPr>
+      <p:grpSpPr>
+        <a:xfrm>
+          <a:off x="0" y="0"/>
+          <a:ext cx="0" cy="0"/>
+          <a:chOff x="0" y="0"/>
+          <a:chExt cx="0" cy="0"/>
+        </a:xfrm>
+      </p:grpSpPr>
+      <p:sp>
+        <p:nvSpPr>
+          <p:cNvPr id="2" name="Title 1"/>
+          <p:cNvSpPr>
+            <a:spLocks noGrp="1"/>
+          </p:cNvSpPr>
+          <p:nvPr>
+            <p:ph type="title"/>
+          </p:nvPr>
+        </p:nvSpPr>
+        <p:spPr>
+          <a:xfrm>
+            <a:off x="0" y="0"/>
+            <a:ext cx="9144000" cy="1325563"/>
+          </a:xfrm>
+        </p:spPr>
+        <p:txBody>
+          <a:bodyPr/>
+          <a:lstStyle/>
+          <a:p>
+            <a:r>
+              <a:rPr lang="en-US" dirty="0" smtClean="0"/>
+              <a:t>2e. Compiler source uses new keyword</a:t>
+            </a:r>
+            <a:endParaRPr lang="en-US" dirty="0"/>
+          </a:p>
+        </p:txBody>
+      </p:sp>
+      <p:sp>
+        <p:nvSpPr>
+          <p:cNvPr id="3" name="Content Placeholder 2"/>
+          <p:cNvSpPr>
+            <a:spLocks noGrp="1"/>
+          </p:cNvSpPr>
+          <p:nvPr>
+            <p:ph idx="1"/>
+          </p:nvPr>
+        </p:nvSpPr>
+        <p:spPr/>
+        <p:txBody>
+          <a:bodyPr/>
+          <a:lstStyle/>
+          <a:p>
+            <a:r>
+              <a:rPr lang="en-US" dirty="0" smtClean="0"/>
+              <a:t>Use training compiler to compile trained compiler</a:t>
+            </a:r>
+          </a:p>
+          <a:p>
+            <a:pPr lvl="1"/>
+            <a:r>
+              <a:rPr lang="en-US" sz="2000" dirty="0"/>
+              <a:t>./training-</a:t>
+            </a:r>
+            <a:r>
+              <a:rPr lang="en-US" sz="2000" dirty="0" err="1"/>
+              <a:t>compiler.out</a:t>
+            </a:r>
+            <a:r>
+              <a:rPr lang="en-US" sz="2000" dirty="0"/>
+              <a:t> trained-</a:t>
+            </a:r>
+            <a:r>
+              <a:rPr lang="en-US" sz="2000" dirty="0" err="1"/>
+              <a:t>compiler.c</a:t>
+            </a:r>
+            <a:r>
+              <a:rPr lang="en-US" sz="2000" dirty="0"/>
+              <a:t> -o </a:t>
+            </a:r>
+            <a:r>
+              <a:rPr lang="en-US" sz="2000" dirty="0" smtClean="0"/>
+              <a:t>trained-</a:t>
+            </a:r>
+            <a:r>
+              <a:rPr lang="en-US" sz="2000" dirty="0" err="1" smtClean="0"/>
+              <a:t>compiler.out</a:t>
+            </a:r>
+            <a:endParaRPr lang="en-US" sz="2000" dirty="0" smtClean="0"/>
+          </a:p>
+          <a:p>
+            <a:r>
+              <a:rPr lang="en-US" dirty="0" smtClean="0"/>
+              <a:t>Final compiler is now trained</a:t>
+            </a:r>
+          </a:p>
+          <a:p>
+            <a:pPr lvl="1"/>
+            <a:r>
+              <a:rPr lang="en-US" dirty="0"/>
+              <a:t>./</a:t>
+            </a:r>
+            <a:r>
+              <a:rPr lang="en-US" dirty="0" smtClean="0"/>
+              <a:t>trained-</a:t>
+            </a:r>
+            <a:r>
+              <a:rPr lang="en-US" dirty="0" err="1" smtClean="0"/>
+              <a:t>compiler.out</a:t>
+            </a:r>
+            <a:r>
+              <a:rPr lang="en-US" dirty="0" smtClean="0"/>
+              <a:t> </a:t>
+            </a:r>
+            <a:r>
+              <a:rPr lang="en-US" dirty="0" err="1"/>
+              <a:t>hw-new.c</a:t>
+            </a:r>
+            <a:r>
+              <a:rPr lang="en-US" dirty="0"/>
+              <a:t> -o </a:t>
+            </a:r>
+            <a:r>
+              <a:rPr lang="en-US" dirty="0" err="1"/>
+              <a:t>hw-new.out</a:t>
+            </a:r>
+            <a:endParaRPr lang="en-US" dirty="0"/>
+          </a:p>
+          <a:p>
+            <a:pPr lvl="1"/>
+            <a:r>
+              <a:rPr lang="en-US" dirty="0"/>
+              <a:t>./</a:t>
+            </a:r>
+            <a:r>
+              <a:rPr lang="en-US" dirty="0" err="1"/>
+              <a:t>hw-new.out</a:t>
+            </a:r>
+            <a:endParaRPr lang="en-US" dirty="0"/>
+          </a:p>
+          <a:p>
+            <a:pPr lvl="1"/>
+            <a:endParaRPr lang="en-US" dirty="0"/>
+          </a:p>
+        </p:txBody>
+      </p:sp>
+      <p:sp>
+        <p:nvSpPr>
+          <p:cNvPr id="4" name="Slide Number Placeholder 3"/>
+          <p:cNvSpPr>
+            <a:spLocks noGrp="1"/>
+          </p:cNvSpPr>
+          <p:nvPr>
+            <p:ph type="sldNum" sz="quarter" idx="12"/>
+          </p:nvPr>
+        </p:nvSpPr>
+        <p:spPr/>
+        <p:txBody>
+          <a:bodyPr/>
+          <a:lstStyle/>
+          <a:p>
+            <a:fld id="{9705DC4D-6496-4D9B-AA35-AB22DFE8A2F2}" type="slidenum">
+              <a:rPr lang="en-SG" smtClean="0"/>
+              <a:t>13</a:t>
+            </a:fld>
+            <a:endParaRPr lang="en-SG"/>
+          </a:p>
+        </p:txBody>
+      </p:sp>
+    </p:spTree>
+    <p:extLst>
+      <p:ext uri="{BB962C8B-B14F-4D97-AF65-F5344CB8AC3E}">
+        <p14:creationId xmlns:p14="http://schemas.microsoft.com/office/powerpoint/2010/main" val="1166735218"/>
+      </p:ext>
+    </p:extLst>
+  </p:cSld>
+  <p:clrMapOvr>
+    <a:masterClrMapping/>
+  </p:clrMapOvr>
+</p:sld>
+</file>
+
+<file path=ppt/slides/slide14.xml><?xml version="1.0" encoding="utf-8"?>
+<p:sld xmlns:a="http://schemas.openxmlformats.org/drawingml/2006/main" xmlns:r="http://schemas.openxmlformats.org/officeDocument/2006/relationships" xmlns:p="http://schemas.openxmlformats.org/presentationml/2006/main">
+  <p:cSld>
+    <p:spTree>
+      <p:nvGrpSpPr>
+        <p:cNvPr id="1" name=""/>
+        <p:cNvGrpSpPr/>
+        <p:nvPr/>
+      </p:nvGrpSpPr>
+      <p:grpSpPr>
+        <a:xfrm>
+          <a:off x="0" y="0"/>
+          <a:ext cx="0" cy="0"/>
+          <a:chOff x="0" y="0"/>
+          <a:chExt cx="0" cy="0"/>
+        </a:xfrm>
+      </p:grpSpPr>
+      <p:sp>
+        <p:nvSpPr>
+          <p:cNvPr id="2" name="Title 1"/>
+          <p:cNvSpPr>
+            <a:spLocks noGrp="1"/>
+          </p:cNvSpPr>
+          <p:nvPr>
+            <p:ph type="title"/>
+          </p:nvPr>
+        </p:nvSpPr>
+        <p:spPr/>
+        <p:txBody>
+          <a:bodyPr/>
+          <a:lstStyle/>
+          <a:p>
+            <a:r>
+              <a:rPr lang="en-US" dirty="0" smtClean="0"/>
+              <a:t>What we have learned so far?</a:t>
+            </a:r>
+            <a:endParaRPr lang="en-US" dirty="0"/>
+          </a:p>
+        </p:txBody>
+      </p:sp>
+      <p:sp>
+        <p:nvSpPr>
+          <p:cNvPr id="3" name="Content Placeholder 2"/>
+          <p:cNvSpPr>
+            <a:spLocks noGrp="1"/>
+          </p:cNvSpPr>
+          <p:nvPr>
+            <p:ph idx="1"/>
+          </p:nvPr>
+        </p:nvSpPr>
+        <p:spPr>
+          <a:xfrm>
+            <a:off x="348343" y="1825625"/>
+            <a:ext cx="8167007" cy="4351338"/>
+          </a:xfrm>
+        </p:spPr>
+        <p:txBody>
+          <a:bodyPr/>
+          <a:lstStyle/>
+          <a:p>
+            <a:pPr marL="514350" indent="-514350">
+              <a:buFont typeface="+mj-lt"/>
+              <a:buAutoNum type="arabicPeriod"/>
+            </a:pPr>
+            <a:r>
+              <a:rPr lang="en-US" dirty="0" smtClean="0"/>
+              <a:t>A program can output another program even itself.</a:t>
+            </a:r>
+          </a:p>
+          <a:p>
+            <a:pPr marL="514350" indent="-514350">
+              <a:buFont typeface="+mj-lt"/>
+              <a:buAutoNum type="arabicPeriod"/>
+            </a:pPr>
+            <a:r>
+              <a:rPr lang="en-US" dirty="0" smtClean="0"/>
+              <a:t>A program can output extra text not relevant to printing itself.</a:t>
+            </a:r>
+          </a:p>
+          <a:p>
+            <a:pPr marL="514350" indent="-514350">
+              <a:buFont typeface="+mj-lt"/>
+              <a:buAutoNum type="arabicPeriod"/>
+            </a:pPr>
+            <a:r>
+              <a:rPr lang="en-US" dirty="0" smtClean="0"/>
+              <a:t>A compiler can propagate knowledge to the next generation of itself. </a:t>
+            </a:r>
+            <a:endParaRPr lang="en-US" dirty="0"/>
+          </a:p>
+        </p:txBody>
+      </p:sp>
+      <p:sp>
+        <p:nvSpPr>
+          <p:cNvPr id="4" name="Slide Number Placeholder 3"/>
+          <p:cNvSpPr>
+            <a:spLocks noGrp="1"/>
+          </p:cNvSpPr>
+          <p:nvPr>
+            <p:ph type="sldNum" sz="quarter" idx="12"/>
+          </p:nvPr>
+        </p:nvSpPr>
+        <p:spPr/>
+        <p:txBody>
+          <a:bodyPr/>
+          <a:lstStyle/>
+          <a:p>
+            <a:fld id="{9705DC4D-6496-4D9B-AA35-AB22DFE8A2F2}" type="slidenum">
+              <a:rPr lang="en-SG" smtClean="0"/>
+              <a:t>14</a:t>
+            </a:fld>
+            <a:endParaRPr lang="en-SG"/>
+          </a:p>
+        </p:txBody>
+      </p:sp>
+    </p:spTree>
+    <p:extLst>
+      <p:ext uri="{BB962C8B-B14F-4D97-AF65-F5344CB8AC3E}">
+        <p14:creationId xmlns:p14="http://schemas.microsoft.com/office/powerpoint/2010/main" val="891350688"/>
+      </p:ext>
+    </p:extLst>
+  </p:cSld>
+  <p:clrMapOvr>
+    <a:masterClrMapping/>
+  </p:clrMapOvr>
+</p:sld>
+</file>
+
+<file path=ppt/slides/slide15.xml><?xml version="1.0" encoding="utf-8"?>
+<p:sld xmlns:a="http://schemas.openxmlformats.org/drawingml/2006/main" xmlns:r="http://schemas.openxmlformats.org/officeDocument/2006/relationships" xmlns:p="http://schemas.openxmlformats.org/presentationml/2006/main">
+  <p:cSld>
+    <p:spTree>
+      <p:nvGrpSpPr>
+        <p:cNvPr id="1" name=""/>
+        <p:cNvGrpSpPr/>
+        <p:nvPr/>
+      </p:nvGrpSpPr>
+      <p:grpSpPr>
+        <a:xfrm>
+          <a:off x="0" y="0"/>
+          <a:ext cx="0" cy="0"/>
+          <a:chOff x="0" y="0"/>
+          <a:chExt cx="0" cy="0"/>
+        </a:xfrm>
+      </p:grpSpPr>
+      <p:sp>
+        <p:nvSpPr>
+          <p:cNvPr id="2" name="Title 1"/>
+          <p:cNvSpPr>
+            <a:spLocks noGrp="1"/>
+          </p:cNvSpPr>
+          <p:nvPr>
+            <p:ph type="title"/>
+          </p:nvPr>
+        </p:nvSpPr>
+        <p:spPr/>
+        <p:txBody>
+          <a:bodyPr/>
+          <a:lstStyle/>
+          <a:p>
+            <a:r>
+              <a:rPr lang="en-US" dirty="0" smtClean="0"/>
+              <a:t>3a. The attack</a:t>
+            </a:r>
+            <a:endParaRPr lang="en-US" dirty="0"/>
+          </a:p>
+        </p:txBody>
+      </p:sp>
+      <p:sp>
+        <p:nvSpPr>
+          <p:cNvPr id="3" name="Content Placeholder 2"/>
+          <p:cNvSpPr>
+            <a:spLocks noGrp="1"/>
+          </p:cNvSpPr>
+          <p:nvPr>
+            <p:ph idx="1"/>
+          </p:nvPr>
+        </p:nvSpPr>
+        <p:spPr>
+          <a:xfrm>
+            <a:off x="628650" y="2712472"/>
+            <a:ext cx="9024257" cy="874032"/>
+          </a:xfrm>
+        </p:spPr>
+        <p:txBody>
+          <a:bodyPr>
+            <a:normAutofit/>
+          </a:bodyPr>
+          <a:lstStyle/>
+          <a:p>
+            <a:pPr marL="0" indent="0">
+              <a:buNone/>
+            </a:pPr>
+            <a:r>
+              <a:rPr lang="en-US" sz="3200" dirty="0" smtClean="0"/>
+              <a:t>Goal: Add an undetectable backdoor to </a:t>
+            </a:r>
+            <a:r>
+              <a:rPr lang="en-US" sz="3200" dirty="0" err="1" smtClean="0"/>
+              <a:t>login.c</a:t>
+            </a:r>
+            <a:endParaRPr lang="en-US" sz="3200" dirty="0" smtClean="0"/>
+          </a:p>
+        </p:txBody>
+      </p:sp>
+      <p:sp>
+        <p:nvSpPr>
+          <p:cNvPr id="4" name="Slide Number Placeholder 3"/>
+          <p:cNvSpPr>
+            <a:spLocks noGrp="1"/>
+          </p:cNvSpPr>
+          <p:nvPr>
+            <p:ph type="sldNum" sz="quarter" idx="12"/>
+          </p:nvPr>
+        </p:nvSpPr>
+        <p:spPr/>
+        <p:txBody>
+          <a:bodyPr/>
+          <a:lstStyle/>
+          <a:p>
+            <a:fld id="{9705DC4D-6496-4D9B-AA35-AB22DFE8A2F2}" type="slidenum">
+              <a:rPr lang="en-SG" smtClean="0"/>
+              <a:t>15</a:t>
+            </a:fld>
+            <a:endParaRPr lang="en-SG"/>
+          </a:p>
+        </p:txBody>
+      </p:sp>
+    </p:spTree>
+    <p:extLst>
+      <p:ext uri="{BB962C8B-B14F-4D97-AF65-F5344CB8AC3E}">
+        <p14:creationId xmlns:p14="http://schemas.microsoft.com/office/powerpoint/2010/main" val="710425226"/>
+      </p:ext>
+    </p:extLst>
+  </p:cSld>
+  <p:clrMapOvr>
+    <a:masterClrMapping/>
+  </p:clrMapOvr>
+</p:sld>
+</file>
+
+<file path=ppt/slides/slide16.xml><?xml version="1.0" encoding="utf-8"?>
+<p:sld xmlns:a="http://schemas.openxmlformats.org/drawingml/2006/main" xmlns:r="http://schemas.openxmlformats.org/officeDocument/2006/relationships" xmlns:p="http://schemas.openxmlformats.org/presentationml/2006/main">
+  <p:cSld>
+    <p:spTree>
+      <p:nvGrpSpPr>
+        <p:cNvPr id="1" name=""/>
+        <p:cNvGrpSpPr/>
+        <p:nvPr/>
+      </p:nvGrpSpPr>
+      <p:grpSpPr>
+        <a:xfrm>
+          <a:off x="0" y="0"/>
+          <a:ext cx="0" cy="0"/>
+          <a:chOff x="0" y="0"/>
+          <a:chExt cx="0" cy="0"/>
+        </a:xfrm>
+      </p:grpSpPr>
+      <p:sp>
+        <p:nvSpPr>
+          <p:cNvPr id="2" name="Title 1"/>
+          <p:cNvSpPr>
+            <a:spLocks noGrp="1"/>
+          </p:cNvSpPr>
+          <p:nvPr>
+            <p:ph type="title"/>
+          </p:nvPr>
+        </p:nvSpPr>
+        <p:spPr>
+          <a:xfrm>
+            <a:off x="628650" y="0"/>
+            <a:ext cx="7886700" cy="715344"/>
+          </a:xfrm>
+        </p:spPr>
+        <p:txBody>
+          <a:bodyPr/>
+          <a:lstStyle/>
+          <a:p>
+            <a:r>
+              <a:rPr lang="en-US" dirty="0" smtClean="0"/>
+              <a:t>3b. </a:t>
+            </a:r>
+            <a:r>
+              <a:rPr lang="en-US" dirty="0" err="1"/>
+              <a:t>l</a:t>
+            </a:r>
+            <a:r>
+              <a:rPr lang="en-US" dirty="0" err="1" smtClean="0"/>
+              <a:t>ogin.c</a:t>
+            </a:r>
+            <a:endParaRPr lang="en-US" dirty="0"/>
+          </a:p>
+        </p:txBody>
+      </p:sp>
+      <p:sp>
+        <p:nvSpPr>
+          <p:cNvPr id="4" name="Slide Number Placeholder 3"/>
+          <p:cNvSpPr>
+            <a:spLocks noGrp="1"/>
+          </p:cNvSpPr>
+          <p:nvPr>
+            <p:ph type="sldNum" sz="quarter" idx="12"/>
+          </p:nvPr>
+        </p:nvSpPr>
+        <p:spPr/>
+        <p:txBody>
+          <a:bodyPr/>
+          <a:lstStyle/>
+          <a:p>
+            <a:fld id="{9705DC4D-6496-4D9B-AA35-AB22DFE8A2F2}" type="slidenum">
+              <a:rPr lang="en-SG" smtClean="0"/>
+              <a:t>16</a:t>
+            </a:fld>
+            <a:endParaRPr lang="en-SG"/>
+          </a:p>
+        </p:txBody>
+      </p:sp>
+      <p:pic>
+        <p:nvPicPr>
+          <p:cNvPr id="5" name="Picture 4"/>
+          <p:cNvPicPr>
+            <a:picLocks noChangeAspect="1"/>
+          </p:cNvPicPr>
+          <p:nvPr/>
+        </p:nvPicPr>
+        <p:blipFill>
+          <a:blip r:embed="rId2">
+            <a:extLst>
+              <a:ext uri="{28A0092B-C50C-407E-A947-70E740481C1C}">
+                <a14:useLocalDpi xmlns:a14="http://schemas.microsoft.com/office/drawing/2010/main" val="0"/>
+              </a:ext>
+            </a:extLst>
+          </a:blip>
+          <a:stretch>
+            <a:fillRect/>
+          </a:stretch>
+        </p:blipFill>
+        <p:spPr>
+          <a:xfrm>
+            <a:off x="1768928" y="693737"/>
+            <a:ext cx="5644244" cy="4489739"/>
+          </a:xfrm>
+          <a:prstGeom prst="rect">
+            <a:avLst/>
+          </a:prstGeom>
+        </p:spPr>
+      </p:pic>
+      <p:sp>
+        <p:nvSpPr>
+          <p:cNvPr id="6" name="Content Placeholder 2"/>
+          <p:cNvSpPr>
+            <a:spLocks noGrp="1"/>
+          </p:cNvSpPr>
+          <p:nvPr>
+            <p:ph idx="1"/>
+          </p:nvPr>
+        </p:nvSpPr>
+        <p:spPr>
+          <a:xfrm>
+            <a:off x="391886" y="5156707"/>
+            <a:ext cx="9024257" cy="1538000"/>
+          </a:xfrm>
+        </p:spPr>
+        <p:txBody>
+          <a:bodyPr>
+            <a:normAutofit lnSpcReduction="10000"/>
+          </a:bodyPr>
+          <a:lstStyle/>
+          <a:p>
+            <a:r>
+              <a:rPr lang="en-US" sz="2000" dirty="0" smtClean="0"/>
+              <a:t>Checks username/password combination via command-line arguments</a:t>
+            </a:r>
+          </a:p>
+          <a:p>
+            <a:r>
+              <a:rPr lang="en-US" sz="2000" dirty="0" smtClean="0"/>
+              <a:t>Commands:</a:t>
+            </a:r>
+          </a:p>
+          <a:p>
+            <a:pPr lvl="1"/>
+            <a:r>
+              <a:rPr lang="en-US" sz="1600" dirty="0" smtClean="0"/>
+              <a:t>cd stage3</a:t>
+            </a:r>
+          </a:p>
+          <a:p>
+            <a:pPr lvl="1"/>
+            <a:r>
+              <a:rPr lang="en-US" sz="1600" dirty="0"/>
+              <a:t>../clean-</a:t>
+            </a:r>
+            <a:r>
+              <a:rPr lang="en-US" sz="1600" dirty="0" err="1"/>
+              <a:t>compiler.out</a:t>
+            </a:r>
+            <a:r>
+              <a:rPr lang="en-US" sz="1600" dirty="0"/>
+              <a:t> </a:t>
+            </a:r>
+            <a:r>
+              <a:rPr lang="en-US" sz="1600" dirty="0" err="1"/>
+              <a:t>login.c</a:t>
+            </a:r>
+            <a:r>
+              <a:rPr lang="en-US" sz="1600" dirty="0"/>
+              <a:t> -o </a:t>
+            </a:r>
+            <a:r>
+              <a:rPr lang="en-US" sz="1600" dirty="0" err="1" smtClean="0"/>
+              <a:t>login.out</a:t>
+            </a:r>
+            <a:endParaRPr lang="en-US" sz="1600" dirty="0" smtClean="0"/>
+          </a:p>
+          <a:p>
+            <a:pPr lvl="1"/>
+            <a:r>
+              <a:rPr lang="en-US" sz="1600" dirty="0"/>
+              <a:t>./</a:t>
+            </a:r>
+            <a:r>
+              <a:rPr lang="en-US" sz="1600" dirty="0" err="1"/>
+              <a:t>login.out</a:t>
+            </a:r>
+            <a:r>
+              <a:rPr lang="en-US" sz="1600" dirty="0"/>
+              <a:t> username </a:t>
+            </a:r>
+            <a:r>
+              <a:rPr lang="en-US" sz="1600" dirty="0" err="1"/>
+              <a:t>passsword</a:t>
+            </a:r>
+            <a:endParaRPr lang="en-US" sz="1600" dirty="0" smtClean="0"/>
+          </a:p>
+          <a:p>
+            <a:pPr lvl="1"/>
+            <a:endParaRPr lang="en-US" sz="1600" dirty="0"/>
+          </a:p>
+          <a:p>
+            <a:endParaRPr lang="en-US" sz="2000" dirty="0" smtClean="0"/>
+          </a:p>
+        </p:txBody>
+      </p:sp>
+    </p:spTree>
+    <p:extLst>
+      <p:ext uri="{BB962C8B-B14F-4D97-AF65-F5344CB8AC3E}">
+        <p14:creationId xmlns:p14="http://schemas.microsoft.com/office/powerpoint/2010/main" val="1213443324"/>
+      </p:ext>
+    </p:extLst>
+  </p:cSld>
+  <p:clrMapOvr>
+    <a:masterClrMapping/>
+  </p:clrMapOvr>
+  <p:timing>
+    <p:tnLst>
+      <p:par>
+        <p:cTn id="1" dur="indefinite" restart="never" nodeType="tmRoot"/>
+      </p:par>
+    </p:tnLst>
+  </p:timing>
+</p:sld>
+</file>
+
+<file path=ppt/slides/slide17.xml><?xml version="1.0" encoding="utf-8"?>
+<p:sld xmlns:a="http://schemas.openxmlformats.org/drawingml/2006/main" xmlns:r="http://schemas.openxmlformats.org/officeDocument/2006/relationships" xmlns:p="http://schemas.openxmlformats.org/presentationml/2006/main">
+  <p:cSld>
+    <p:spTree>
+      <p:nvGrpSpPr>
+        <p:cNvPr id="1" name=""/>
+        <p:cNvGrpSpPr/>
+        <p:nvPr/>
+      </p:nvGrpSpPr>
+      <p:grpSpPr>
+        <a:xfrm>
+          <a:off x="0" y="0"/>
+          <a:ext cx="0" cy="0"/>
+          <a:chOff x="0" y="0"/>
+          <a:chExt cx="0" cy="0"/>
+        </a:xfrm>
+      </p:grpSpPr>
+      <p:sp>
+        <p:nvSpPr>
+          <p:cNvPr id="2" name="Title 1"/>
+          <p:cNvSpPr>
+            <a:spLocks noGrp="1"/>
+          </p:cNvSpPr>
+          <p:nvPr>
+            <p:ph type="title"/>
+          </p:nvPr>
+        </p:nvSpPr>
+        <p:spPr>
+          <a:xfrm>
+            <a:off x="628650" y="0"/>
+            <a:ext cx="7886700" cy="715344"/>
+          </a:xfrm>
+        </p:spPr>
+        <p:txBody>
+          <a:bodyPr/>
+          <a:lstStyle/>
+          <a:p>
+            <a:r>
+              <a:rPr lang="en-US" dirty="0" smtClean="0"/>
+              <a:t>3c. login-</a:t>
+            </a:r>
+            <a:r>
+              <a:rPr lang="en-US" dirty="0" err="1" smtClean="0"/>
+              <a:t>hacked.c</a:t>
+            </a:r>
+            <a:endParaRPr lang="en-US" dirty="0"/>
+          </a:p>
+        </p:txBody>
+      </p:sp>
+      <p:sp>
+        <p:nvSpPr>
+          <p:cNvPr id="4" name="Slide Number Placeholder 3"/>
+          <p:cNvSpPr>
+            <a:spLocks noGrp="1"/>
+          </p:cNvSpPr>
+          <p:nvPr>
+            <p:ph type="sldNum" sz="quarter" idx="12"/>
+          </p:nvPr>
+        </p:nvSpPr>
+        <p:spPr/>
+        <p:txBody>
+          <a:bodyPr/>
+          <a:lstStyle/>
+          <a:p>
+            <a:fld id="{9705DC4D-6496-4D9B-AA35-AB22DFE8A2F2}" type="slidenum">
+              <a:rPr lang="en-SG" smtClean="0"/>
+              <a:t>17</a:t>
+            </a:fld>
+            <a:endParaRPr lang="en-SG"/>
+          </a:p>
+        </p:txBody>
+      </p:sp>
+      <p:sp>
+        <p:nvSpPr>
+          <p:cNvPr id="6" name="Content Placeholder 2"/>
+          <p:cNvSpPr>
+            <a:spLocks noGrp="1"/>
+          </p:cNvSpPr>
+          <p:nvPr>
+            <p:ph idx="1"/>
+          </p:nvPr>
+        </p:nvSpPr>
+        <p:spPr>
+          <a:xfrm>
+            <a:off x="119743" y="2766847"/>
+            <a:ext cx="9024257" cy="1538000"/>
+          </a:xfrm>
+        </p:spPr>
+        <p:txBody>
+          <a:bodyPr>
+            <a:normAutofit/>
+          </a:bodyPr>
+          <a:lstStyle/>
+          <a:p>
+            <a:r>
+              <a:rPr lang="en-US" sz="2000" dirty="0" smtClean="0"/>
+              <a:t>Adds backdoor account</a:t>
+            </a:r>
+          </a:p>
+          <a:p>
+            <a:r>
+              <a:rPr lang="en-US" sz="2000" dirty="0" smtClean="0"/>
+              <a:t>Commands:</a:t>
+            </a:r>
+          </a:p>
+          <a:p>
+            <a:pPr lvl="1"/>
+            <a:r>
+              <a:rPr lang="en-US" sz="1600" dirty="0" smtClean="0"/>
+              <a:t>../</a:t>
+            </a:r>
+            <a:r>
+              <a:rPr lang="en-US" sz="1600" dirty="0"/>
+              <a:t>clean-</a:t>
+            </a:r>
+            <a:r>
+              <a:rPr lang="en-US" sz="1600" dirty="0" err="1"/>
+              <a:t>compiler.out</a:t>
+            </a:r>
+            <a:r>
+              <a:rPr lang="en-US" sz="1600" dirty="0"/>
+              <a:t> </a:t>
+            </a:r>
+            <a:r>
+              <a:rPr lang="en-US" sz="1600" dirty="0" smtClean="0"/>
+              <a:t>login-</a:t>
+            </a:r>
+            <a:r>
+              <a:rPr lang="en-US" sz="1600" dirty="0" err="1" smtClean="0"/>
+              <a:t>hacked.c</a:t>
+            </a:r>
+            <a:r>
+              <a:rPr lang="en-US" sz="1600" dirty="0" smtClean="0"/>
+              <a:t> </a:t>
+            </a:r>
+            <a:r>
+              <a:rPr lang="en-US" sz="1600" dirty="0"/>
+              <a:t>-o </a:t>
+            </a:r>
+            <a:r>
+              <a:rPr lang="en-US" sz="1600" dirty="0" smtClean="0"/>
+              <a:t>login-</a:t>
+            </a:r>
+            <a:r>
+              <a:rPr lang="en-US" sz="1600" dirty="0" err="1" smtClean="0"/>
+              <a:t>hacked.out</a:t>
+            </a:r>
+            <a:endParaRPr lang="en-US" sz="1600" dirty="0" smtClean="0"/>
+          </a:p>
+          <a:p>
+            <a:pPr lvl="1"/>
+            <a:r>
+              <a:rPr lang="en-US" sz="1600" dirty="0"/>
+              <a:t>./</a:t>
+            </a:r>
+            <a:r>
+              <a:rPr lang="en-US" sz="1600" dirty="0" err="1"/>
+              <a:t>login.out</a:t>
+            </a:r>
+            <a:r>
+              <a:rPr lang="en-US" sz="1600" dirty="0"/>
+              <a:t> </a:t>
+            </a:r>
+            <a:r>
+              <a:rPr lang="en-US" sz="1600" dirty="0" smtClean="0"/>
+              <a:t>hacker </a:t>
+            </a:r>
+            <a:r>
+              <a:rPr lang="en-US" sz="1600" dirty="0" err="1" smtClean="0"/>
+              <a:t>i</a:t>
+            </a:r>
+            <a:r>
+              <a:rPr lang="en-US" sz="1600" dirty="0" smtClean="0"/>
+              <a:t>-hate-numbers</a:t>
+            </a:r>
+          </a:p>
+          <a:p>
+            <a:pPr lvl="1"/>
+            <a:endParaRPr lang="en-US" sz="1600" dirty="0"/>
+          </a:p>
+          <a:p>
+            <a:endParaRPr lang="en-US" sz="2000" dirty="0" smtClean="0"/>
+          </a:p>
+        </p:txBody>
+      </p:sp>
+      <p:pic>
+        <p:nvPicPr>
+          <p:cNvPr id="3" name="Picture 2"/>
+          <p:cNvPicPr>
+            <a:picLocks noChangeAspect="1"/>
+          </p:cNvPicPr>
+          <p:nvPr/>
+        </p:nvPicPr>
+        <p:blipFill>
+          <a:blip r:embed="rId2">
+            <a:extLst>
+              <a:ext uri="{28A0092B-C50C-407E-A947-70E740481C1C}">
+                <a14:useLocalDpi xmlns:a14="http://schemas.microsoft.com/office/drawing/2010/main" val="0"/>
+              </a:ext>
+            </a:extLst>
+          </a:blip>
+          <a:stretch>
+            <a:fillRect/>
+          </a:stretch>
+        </p:blipFill>
+        <p:spPr>
+          <a:xfrm>
+            <a:off x="984250" y="1464138"/>
+            <a:ext cx="7175500" cy="901700"/>
+          </a:xfrm>
+          <a:prstGeom prst="rect">
+            <a:avLst/>
+          </a:prstGeom>
+        </p:spPr>
+      </p:pic>
+    </p:spTree>
+    <p:extLst>
+      <p:ext uri="{BB962C8B-B14F-4D97-AF65-F5344CB8AC3E}">
+        <p14:creationId xmlns:p14="http://schemas.microsoft.com/office/powerpoint/2010/main" val="633467495"/>
+      </p:ext>
+    </p:extLst>
+  </p:cSld>
+  <p:clrMapOvr>
+    <a:masterClrMapping/>
+  </p:clrMapOvr>
+  <p:timing>
+    <p:tnLst>
+      <p:par>
+        <p:cTn id="1" dur="indefinite" restart="never" nodeType="tmRoot"/>
+      </p:par>
+    </p:tnLst>
+  </p:timing>
+</p:sld>
+</file>
+
+<file path=ppt/slides/slide18.xml><?xml version="1.0" encoding="utf-8"?>
+<p:sld xmlns:a="http://schemas.openxmlformats.org/drawingml/2006/main" xmlns:r="http://schemas.openxmlformats.org/officeDocument/2006/relationships" xmlns:p="http://schemas.openxmlformats.org/presentationml/2006/main">
+  <p:cSld>
+    <p:spTree>
+      <p:nvGrpSpPr>
+        <p:cNvPr id="1" name=""/>
+        <p:cNvGrpSpPr/>
+        <p:nvPr/>
+      </p:nvGrpSpPr>
+      <p:grpSpPr>
+        <a:xfrm>
+          <a:off x="0" y="0"/>
+          <a:ext cx="0" cy="0"/>
+          <a:chOff x="0" y="0"/>
+          <a:chExt cx="0" cy="0"/>
+        </a:xfrm>
+      </p:grpSpPr>
+      <p:sp>
+        <p:nvSpPr>
+          <p:cNvPr id="2" name="Title 1"/>
+          <p:cNvSpPr>
+            <a:spLocks noGrp="1"/>
+          </p:cNvSpPr>
+          <p:nvPr>
+            <p:ph type="title"/>
+          </p:nvPr>
+        </p:nvSpPr>
+        <p:spPr>
+          <a:xfrm>
+            <a:off x="628650" y="0"/>
+            <a:ext cx="7886700" cy="715344"/>
+          </a:xfrm>
+        </p:spPr>
+        <p:txBody>
+          <a:bodyPr/>
+          <a:lstStyle/>
+          <a:p>
+            <a:r>
+              <a:rPr lang="en-US" dirty="0" smtClean="0"/>
+              <a:t>3d. compiler-hack-</a:t>
+            </a:r>
+            <a:r>
+              <a:rPr lang="en-US" dirty="0" err="1" smtClean="0"/>
+              <a:t>login.c</a:t>
+            </a:r>
+            <a:endParaRPr lang="en-US" dirty="0"/>
+          </a:p>
+        </p:txBody>
+      </p:sp>
+      <p:sp>
+        <p:nvSpPr>
+          <p:cNvPr id="4" name="Slide Number Placeholder 3"/>
+          <p:cNvSpPr>
+            <a:spLocks noGrp="1"/>
+          </p:cNvSpPr>
+          <p:nvPr>
+            <p:ph type="sldNum" sz="quarter" idx="12"/>
+          </p:nvPr>
+        </p:nvSpPr>
+        <p:spPr/>
+        <p:txBody>
+          <a:bodyPr/>
+          <a:lstStyle/>
+          <a:p>
+            <a:fld id="{9705DC4D-6496-4D9B-AA35-AB22DFE8A2F2}" type="slidenum">
+              <a:rPr lang="en-SG" smtClean="0"/>
+              <a:t>18</a:t>
+            </a:fld>
+            <a:endParaRPr lang="en-SG"/>
+          </a:p>
+        </p:txBody>
+      </p:sp>
+      <p:sp>
+        <p:nvSpPr>
+          <p:cNvPr id="6" name="Content Placeholder 2"/>
+          <p:cNvSpPr>
+            <a:spLocks noGrp="1"/>
+          </p:cNvSpPr>
+          <p:nvPr>
+            <p:ph idx="1"/>
+          </p:nvPr>
+        </p:nvSpPr>
+        <p:spPr>
+          <a:xfrm>
+            <a:off x="119743" y="4808372"/>
+            <a:ext cx="9024257" cy="1913104"/>
+          </a:xfrm>
+        </p:spPr>
+        <p:txBody>
+          <a:bodyPr>
+            <a:normAutofit/>
+          </a:bodyPr>
+          <a:lstStyle/>
+          <a:p>
+            <a:r>
+              <a:rPr lang="en-US" sz="2000" dirty="0" smtClean="0"/>
+              <a:t>Compiler adds backdoor code when it sees </a:t>
+            </a:r>
+            <a:r>
+              <a:rPr lang="en-US" sz="2000" dirty="0" err="1" smtClean="0"/>
+              <a:t>login.c</a:t>
+            </a:r>
+            <a:endParaRPr lang="en-US" sz="2000" dirty="0" smtClean="0"/>
+          </a:p>
+          <a:p>
+            <a:r>
+              <a:rPr lang="en-US" sz="2000" dirty="0" smtClean="0"/>
+              <a:t>Commands:</a:t>
+            </a:r>
+          </a:p>
+          <a:p>
+            <a:pPr lvl="1"/>
+            <a:r>
+              <a:rPr lang="en-US" sz="1600" dirty="0"/>
+              <a:t>../clean-</a:t>
+            </a:r>
+            <a:r>
+              <a:rPr lang="en-US" sz="1600" dirty="0" err="1"/>
+              <a:t>compiler.out</a:t>
+            </a:r>
+            <a:r>
+              <a:rPr lang="en-US" sz="1600" dirty="0"/>
+              <a:t> compiler-hack-</a:t>
+            </a:r>
+            <a:r>
+              <a:rPr lang="en-US" sz="1600" dirty="0" err="1"/>
+              <a:t>login.c</a:t>
+            </a:r>
+            <a:r>
+              <a:rPr lang="en-US" sz="1600" dirty="0"/>
+              <a:t> -o </a:t>
+            </a:r>
+            <a:r>
+              <a:rPr lang="en-US" sz="1600" dirty="0" smtClean="0"/>
+              <a:t>compiler-hack-</a:t>
+            </a:r>
+            <a:r>
+              <a:rPr lang="en-US" sz="1600" dirty="0" err="1" smtClean="0"/>
+              <a:t>login.out</a:t>
+            </a:r>
+            <a:endParaRPr lang="en-US" sz="1600" dirty="0" smtClean="0"/>
+          </a:p>
+          <a:p>
+            <a:pPr lvl="1"/>
+            <a:r>
+              <a:rPr lang="en-US" sz="1600" dirty="0" smtClean="0"/>
+              <a:t>./</a:t>
+            </a:r>
+            <a:r>
+              <a:rPr lang="en-US" sz="1600" dirty="0" err="1"/>
+              <a:t>login.out</a:t>
+            </a:r>
+            <a:r>
+              <a:rPr lang="en-US" sz="1600" dirty="0"/>
+              <a:t> </a:t>
+            </a:r>
+            <a:r>
+              <a:rPr lang="en-US" sz="1600" dirty="0" smtClean="0"/>
+              <a:t>hacker </a:t>
+            </a:r>
+            <a:r>
+              <a:rPr lang="en-US" sz="1600" dirty="0" err="1" smtClean="0"/>
+              <a:t>i</a:t>
+            </a:r>
+            <a:r>
+              <a:rPr lang="en-US" sz="1600" dirty="0" smtClean="0"/>
+              <a:t>-hate-numbers</a:t>
+            </a:r>
+          </a:p>
+          <a:p>
+            <a:pPr lvl="1"/>
+            <a:r>
+              <a:rPr lang="en-US" sz="1600" dirty="0"/>
+              <a:t>./compiler-hack-</a:t>
+            </a:r>
+            <a:r>
+              <a:rPr lang="en-US" sz="1600" dirty="0" err="1"/>
+              <a:t>login.out</a:t>
+            </a:r>
+            <a:r>
+              <a:rPr lang="en-US" sz="1600" dirty="0"/>
+              <a:t> </a:t>
+            </a:r>
+            <a:r>
+              <a:rPr lang="en-US" sz="1600" dirty="0" err="1"/>
+              <a:t>login.c</a:t>
+            </a:r>
+            <a:r>
+              <a:rPr lang="en-US" sz="1600" dirty="0"/>
+              <a:t> -o </a:t>
+            </a:r>
+            <a:r>
+              <a:rPr lang="en-US" sz="1600" dirty="0" smtClean="0"/>
+              <a:t>bad-</a:t>
+            </a:r>
+            <a:r>
+              <a:rPr lang="en-US" sz="1600" dirty="0" err="1" smtClean="0"/>
+              <a:t>login.out</a:t>
+            </a:r>
+            <a:endParaRPr lang="en-US" sz="1600" dirty="0" smtClean="0"/>
+          </a:p>
+          <a:p>
+            <a:pPr lvl="1"/>
+            <a:r>
+              <a:rPr lang="en-US" sz="1600" dirty="0" smtClean="0"/>
+              <a:t>./bad-</a:t>
+            </a:r>
+            <a:r>
+              <a:rPr lang="en-US" sz="1600" dirty="0" err="1" smtClean="0"/>
+              <a:t>login.out</a:t>
+            </a:r>
+            <a:r>
+              <a:rPr lang="en-US" sz="1600" dirty="0" smtClean="0"/>
+              <a:t> </a:t>
+            </a:r>
+            <a:r>
+              <a:rPr lang="en-US" sz="1600" dirty="0"/>
+              <a:t>hacker </a:t>
+            </a:r>
+            <a:r>
+              <a:rPr lang="en-US" sz="1600" dirty="0" err="1"/>
+              <a:t>i</a:t>
+            </a:r>
+            <a:r>
+              <a:rPr lang="en-US" sz="1600" dirty="0"/>
+              <a:t>-hate-numbers</a:t>
+            </a:r>
+            <a:endParaRPr lang="en-US" sz="1600" dirty="0" smtClean="0"/>
+          </a:p>
+          <a:p>
+            <a:pPr lvl="1"/>
+            <a:endParaRPr lang="en-US" sz="1600" dirty="0"/>
+          </a:p>
+          <a:p>
+            <a:endParaRPr lang="en-US" sz="2000" dirty="0" smtClean="0"/>
+          </a:p>
+        </p:txBody>
+      </p:sp>
+      <p:pic>
+        <p:nvPicPr>
+          <p:cNvPr id="7" name="Picture 6"/>
+          <p:cNvPicPr>
+            <a:picLocks noChangeAspect="1"/>
+          </p:cNvPicPr>
+          <p:nvPr/>
+        </p:nvPicPr>
+        <p:blipFill>
+          <a:blip r:embed="rId2">
+            <a:extLst>
+              <a:ext uri="{28A0092B-C50C-407E-A947-70E740481C1C}">
+                <a14:useLocalDpi xmlns:a14="http://schemas.microsoft.com/office/drawing/2010/main" val="0"/>
+              </a:ext>
+            </a:extLst>
+          </a:blip>
+          <a:stretch>
+            <a:fillRect/>
+          </a:stretch>
+        </p:blipFill>
+        <p:spPr>
+          <a:xfrm>
+            <a:off x="2121315" y="715344"/>
+            <a:ext cx="4901369" cy="4093028"/>
+          </a:xfrm>
+          <a:prstGeom prst="rect">
+            <a:avLst/>
+          </a:prstGeom>
+        </p:spPr>
+      </p:pic>
+    </p:spTree>
+    <p:extLst>
+      <p:ext uri="{BB962C8B-B14F-4D97-AF65-F5344CB8AC3E}">
+        <p14:creationId xmlns:p14="http://schemas.microsoft.com/office/powerpoint/2010/main" val="1510623627"/>
+      </p:ext>
+    </p:extLst>
+  </p:cSld>
+  <p:clrMapOvr>
+    <a:masterClrMapping/>
+  </p:clrMapOvr>
+  <p:timing>
+    <p:tnLst>
+      <p:par>
+        <p:cTn id="1" dur="indefinite" restart="never" nodeType="tmRoot"/>
+      </p:par>
+    </p:tnLst>
+  </p:timing>
+</p:sld>
+</file>
+
+<file path=ppt/slides/slide19.xml><?xml version="1.0" encoding="utf-8"?>
+<p:sld xmlns:a="http://schemas.openxmlformats.org/drawingml/2006/main" xmlns:r="http://schemas.openxmlformats.org/officeDocument/2006/relationships" xmlns:p="http://schemas.openxmlformats.org/presentationml/2006/main">
+  <p:cSld>
+    <p:spTree>
+      <p:nvGrpSpPr>
+        <p:cNvPr id="1" name=""/>
+        <p:cNvGrpSpPr/>
+        <p:nvPr/>
+      </p:nvGrpSpPr>
+      <p:grpSpPr>
+        <a:xfrm>
+          <a:off x="0" y="0"/>
+          <a:ext cx="0" cy="0"/>
+          <a:chOff x="0" y="0"/>
+          <a:chExt cx="0" cy="0"/>
+        </a:xfrm>
+      </p:grpSpPr>
+      <p:sp>
+        <p:nvSpPr>
+          <p:cNvPr id="2" name="Title 1"/>
+          <p:cNvSpPr>
+            <a:spLocks noGrp="1"/>
+          </p:cNvSpPr>
+          <p:nvPr>
+            <p:ph type="title"/>
+          </p:nvPr>
+        </p:nvSpPr>
+        <p:spPr>
+          <a:xfrm>
+            <a:off x="628650" y="0"/>
+            <a:ext cx="7886700" cy="715344"/>
+          </a:xfrm>
+        </p:spPr>
+        <p:txBody>
+          <a:bodyPr/>
+          <a:lstStyle/>
+          <a:p>
+            <a:r>
+              <a:rPr lang="en-US" dirty="0" smtClean="0"/>
+              <a:t>3e. compiler-hack-</a:t>
+            </a:r>
+            <a:r>
+              <a:rPr lang="en-US" dirty="0" err="1" smtClean="0"/>
+              <a:t>itself.c</a:t>
+            </a:r>
+            <a:endParaRPr lang="en-US" dirty="0"/>
+          </a:p>
+        </p:txBody>
+      </p:sp>
+      <p:sp>
+        <p:nvSpPr>
+          <p:cNvPr id="4" name="Slide Number Placeholder 3"/>
+          <p:cNvSpPr>
+            <a:spLocks noGrp="1"/>
+          </p:cNvSpPr>
+          <p:nvPr>
+            <p:ph type="sldNum" sz="quarter" idx="12"/>
+          </p:nvPr>
+        </p:nvSpPr>
+        <p:spPr/>
+        <p:txBody>
+          <a:bodyPr/>
+          <a:lstStyle/>
+          <a:p>
+            <a:fld id="{9705DC4D-6496-4D9B-AA35-AB22DFE8A2F2}" type="slidenum">
+              <a:rPr lang="en-SG" smtClean="0"/>
+              <a:t>19</a:t>
+            </a:fld>
+            <a:endParaRPr lang="en-SG"/>
+          </a:p>
+        </p:txBody>
+      </p:sp>
+      <p:sp>
+        <p:nvSpPr>
+          <p:cNvPr id="6" name="Content Placeholder 2"/>
+          <p:cNvSpPr>
+            <a:spLocks noGrp="1"/>
+          </p:cNvSpPr>
+          <p:nvPr>
+            <p:ph idx="1"/>
+          </p:nvPr>
+        </p:nvSpPr>
+        <p:spPr>
+          <a:xfrm>
+            <a:off x="119743" y="867742"/>
+            <a:ext cx="9024257" cy="5260915"/>
+          </a:xfrm>
+        </p:spPr>
+        <p:txBody>
+          <a:bodyPr>
+            <a:normAutofit/>
+          </a:bodyPr>
+          <a:lstStyle/>
+          <a:p>
+            <a:r>
+              <a:rPr lang="en-US" sz="2000" dirty="0" smtClean="0"/>
+              <a:t>Evil </a:t>
+            </a:r>
+            <a:r>
+              <a:rPr lang="en-US" sz="2000" dirty="0"/>
+              <a:t>c</a:t>
+            </a:r>
+            <a:r>
+              <a:rPr lang="en-US" sz="2000" dirty="0" smtClean="0"/>
+              <a:t>ompiler adds malicious code to itself when it sees </a:t>
+            </a:r>
+            <a:r>
+              <a:rPr lang="en-US" sz="2000" dirty="0" err="1" smtClean="0"/>
+              <a:t>compiler.c</a:t>
+            </a:r>
+            <a:r>
+              <a:rPr lang="en-US" sz="2000" dirty="0" smtClean="0"/>
+              <a:t>. </a:t>
+            </a:r>
+          </a:p>
+          <a:p>
+            <a:r>
+              <a:rPr lang="en-US" sz="2000" dirty="0" smtClean="0"/>
+              <a:t>Initial compile command:</a:t>
+            </a:r>
+          </a:p>
+          <a:p>
+            <a:pPr lvl="1"/>
+            <a:r>
+              <a:rPr lang="en-US" sz="1600" dirty="0"/>
+              <a:t>../clean-</a:t>
+            </a:r>
+            <a:r>
+              <a:rPr lang="en-US" sz="1600" dirty="0" err="1"/>
+              <a:t>compiler.out</a:t>
+            </a:r>
+            <a:r>
+              <a:rPr lang="en-US" sz="1600" dirty="0"/>
+              <a:t> compiler-hack-</a:t>
+            </a:r>
+            <a:r>
+              <a:rPr lang="en-US" sz="1600" dirty="0" err="1"/>
+              <a:t>itself.c</a:t>
+            </a:r>
+            <a:r>
+              <a:rPr lang="en-US" sz="1600" dirty="0"/>
+              <a:t> -o </a:t>
+            </a:r>
+            <a:r>
+              <a:rPr lang="en-US" sz="1600" dirty="0" smtClean="0"/>
+              <a:t>compiler-hack-</a:t>
+            </a:r>
+            <a:r>
+              <a:rPr lang="en-US" sz="1600" dirty="0" err="1" smtClean="0"/>
+              <a:t>itself.out</a:t>
+            </a:r>
+            <a:endParaRPr lang="en-US" sz="1600" dirty="0" smtClean="0"/>
+          </a:p>
+          <a:p>
+            <a:pPr lvl="1"/>
+            <a:r>
+              <a:rPr lang="en-US" sz="1600" dirty="0"/>
+              <a:t>We can now discard </a:t>
+            </a:r>
+            <a:r>
+              <a:rPr lang="en-US" sz="1600" dirty="0" smtClean="0"/>
+              <a:t>compiler-hack-</a:t>
+            </a:r>
+            <a:r>
+              <a:rPr lang="en-US" sz="1600" dirty="0" err="1" smtClean="0"/>
+              <a:t>itself.c</a:t>
+            </a:r>
+            <a:endParaRPr lang="en-US" sz="1600" dirty="0" smtClean="0"/>
+          </a:p>
+          <a:p>
+            <a:r>
+              <a:rPr lang="en-US" sz="2000" dirty="0" smtClean="0"/>
+              <a:t>Evil compiler hacking login</a:t>
+            </a:r>
+          </a:p>
+          <a:p>
+            <a:pPr lvl="1"/>
+            <a:r>
+              <a:rPr lang="en-US" sz="1600" dirty="0" smtClean="0"/>
+              <a:t>./compiler-hack-</a:t>
+            </a:r>
+            <a:r>
+              <a:rPr lang="en-US" sz="1600" dirty="0" err="1" smtClean="0"/>
+              <a:t>itself.out</a:t>
+            </a:r>
+            <a:r>
+              <a:rPr lang="en-US" sz="1600" dirty="0" smtClean="0"/>
+              <a:t> </a:t>
+            </a:r>
+            <a:r>
+              <a:rPr lang="en-US" sz="1600" dirty="0" err="1" smtClean="0"/>
+              <a:t>login.c</a:t>
+            </a:r>
+            <a:r>
+              <a:rPr lang="en-US" sz="1600" dirty="0" smtClean="0"/>
+              <a:t> -o evil-</a:t>
+            </a:r>
+            <a:r>
+              <a:rPr lang="en-US" sz="1600" dirty="0" err="1" smtClean="0"/>
+              <a:t>login.out</a:t>
+            </a:r>
+            <a:endParaRPr lang="en-US" sz="1600" dirty="0" smtClean="0"/>
+          </a:p>
+          <a:p>
+            <a:pPr lvl="1"/>
+            <a:r>
+              <a:rPr lang="en-US" sz="1600" dirty="0" smtClean="0"/>
+              <a:t>./evil-</a:t>
+            </a:r>
+            <a:r>
+              <a:rPr lang="en-US" sz="1600" dirty="0" err="1" smtClean="0"/>
+              <a:t>login.out</a:t>
+            </a:r>
+            <a:r>
+              <a:rPr lang="en-US" sz="1600" dirty="0" smtClean="0"/>
+              <a:t> hacker </a:t>
+            </a:r>
+            <a:r>
+              <a:rPr lang="en-US" sz="1600" dirty="0" err="1" smtClean="0"/>
+              <a:t>i</a:t>
+            </a:r>
+            <a:r>
+              <a:rPr lang="en-US" sz="1600" dirty="0" smtClean="0"/>
+              <a:t>-hate-numbers</a:t>
+            </a:r>
+          </a:p>
+          <a:p>
+            <a:r>
+              <a:rPr lang="en-US" sz="2000" dirty="0" smtClean="0"/>
+              <a:t>Evil compiler hacking its clean compiler source</a:t>
+            </a:r>
+          </a:p>
+          <a:p>
+            <a:pPr lvl="1"/>
+            <a:r>
+              <a:rPr lang="en-US" sz="1600" dirty="0" smtClean="0"/>
+              <a:t>./compiler-hack-</a:t>
+            </a:r>
+            <a:r>
+              <a:rPr lang="en-US" sz="1600" dirty="0" err="1" smtClean="0"/>
+              <a:t>itself.out</a:t>
+            </a:r>
+            <a:r>
+              <a:rPr lang="en-US" sz="1600" dirty="0" smtClean="0"/>
+              <a:t> ../</a:t>
+            </a:r>
+            <a:r>
+              <a:rPr lang="en-US" sz="1600" dirty="0" err="1" smtClean="0"/>
+              <a:t>compiler.c</a:t>
+            </a:r>
+            <a:r>
+              <a:rPr lang="en-US" sz="1600" dirty="0" smtClean="0"/>
+              <a:t> -o evil-child-</a:t>
+            </a:r>
+            <a:r>
+              <a:rPr lang="en-US" sz="1600" dirty="0" err="1" smtClean="0"/>
+              <a:t>compiler.out</a:t>
+            </a:r>
+            <a:endParaRPr lang="en-US" sz="1600" dirty="0" smtClean="0"/>
+          </a:p>
+          <a:p>
+            <a:pPr lvl="1"/>
+            <a:endParaRPr lang="en-US" sz="1600" dirty="0"/>
+          </a:p>
+          <a:p>
+            <a:r>
+              <a:rPr lang="en-US" sz="2000" dirty="0" smtClean="0"/>
+              <a:t>Evil Child compiler hacking login</a:t>
+            </a:r>
+          </a:p>
+          <a:p>
+            <a:pPr lvl="1"/>
+            <a:r>
+              <a:rPr lang="en-US" sz="1600" dirty="0" smtClean="0"/>
+              <a:t>/evil-child-</a:t>
+            </a:r>
+            <a:r>
+              <a:rPr lang="en-US" sz="1600" dirty="0" err="1" smtClean="0"/>
+              <a:t>compiler.out</a:t>
+            </a:r>
+            <a:r>
+              <a:rPr lang="en-US" sz="1600" dirty="0" smtClean="0"/>
+              <a:t> </a:t>
+            </a:r>
+            <a:r>
+              <a:rPr lang="en-US" sz="1600" dirty="0" err="1"/>
+              <a:t>login.c</a:t>
+            </a:r>
+            <a:r>
+              <a:rPr lang="en-US" sz="1600" dirty="0"/>
+              <a:t> -o </a:t>
+            </a:r>
+            <a:r>
+              <a:rPr lang="en-US" sz="1600" dirty="0" smtClean="0"/>
+              <a:t>still-evil-</a:t>
+            </a:r>
+            <a:r>
+              <a:rPr lang="en-US" sz="1600" dirty="0" err="1" smtClean="0"/>
+              <a:t>login.out</a:t>
+            </a:r>
+            <a:endParaRPr lang="en-US" sz="1600" dirty="0" smtClean="0"/>
+          </a:p>
+          <a:p>
+            <a:pPr lvl="1"/>
+            <a:r>
+              <a:rPr lang="en-US" sz="1600" dirty="0"/>
+              <a:t>./still-evil-</a:t>
+            </a:r>
+            <a:r>
+              <a:rPr lang="en-US" sz="1600" dirty="0" err="1"/>
+              <a:t>login.out</a:t>
+            </a:r>
+            <a:r>
+              <a:rPr lang="en-US" sz="1600" dirty="0"/>
+              <a:t> hacker </a:t>
+            </a:r>
+            <a:r>
+              <a:rPr lang="en-US" sz="1600" dirty="0" err="1" smtClean="0"/>
+              <a:t>i</a:t>
+            </a:r>
+            <a:r>
+              <a:rPr lang="en-US" sz="1600" dirty="0" smtClean="0"/>
+              <a:t>-hate-numbers</a:t>
+            </a:r>
+          </a:p>
+          <a:p>
+            <a:r>
+              <a:rPr lang="en-US" sz="2000" dirty="0" smtClean="0"/>
+              <a:t>Evil child compiler still hacks compiler source code</a:t>
+            </a:r>
+          </a:p>
+          <a:p>
+            <a:pPr lvl="1"/>
+            <a:r>
+              <a:rPr lang="en-US" sz="1600" dirty="0"/>
+              <a:t>/evil-child-</a:t>
+            </a:r>
+            <a:r>
+              <a:rPr lang="en-US" sz="1600" dirty="0" err="1"/>
+              <a:t>compiler.out</a:t>
+            </a:r>
+            <a:r>
+              <a:rPr lang="en-US" sz="1600" dirty="0"/>
+              <a:t> ../</a:t>
+            </a:r>
+            <a:r>
+              <a:rPr lang="en-US" sz="1600" dirty="0" err="1"/>
+              <a:t>compiler.c</a:t>
+            </a:r>
+            <a:r>
+              <a:rPr lang="en-US" sz="1600" dirty="0"/>
+              <a:t> -o evil-child-compiler2.out</a:t>
+            </a:r>
+          </a:p>
+          <a:p>
+            <a:pPr lvl="1"/>
+            <a:endParaRPr lang="en-US" sz="1600" dirty="0" smtClean="0"/>
+          </a:p>
+          <a:p>
+            <a:endParaRPr lang="en-US" sz="2000" dirty="0"/>
+          </a:p>
+          <a:p>
+            <a:endParaRPr lang="en-US" sz="2000" dirty="0" smtClean="0"/>
+          </a:p>
+          <a:p>
+            <a:pPr lvl="1"/>
+            <a:endParaRPr lang="en-US" sz="1600" dirty="0" smtClean="0"/>
+          </a:p>
+        </p:txBody>
+      </p:sp>
+    </p:spTree>
+    <p:extLst>
+      <p:ext uri="{BB962C8B-B14F-4D97-AF65-F5344CB8AC3E}">
+        <p14:creationId xmlns:p14="http://schemas.microsoft.com/office/powerpoint/2010/main" val="11682275"/>
+      </p:ext>
+    </p:extLst>
+  </p:cSld>
+  <p:clrMapOvr>
+    <a:masterClrMapping/>
+  </p:clrMapOvr>
   <p:timing>
     <p:tnLst>
       <p:par>
@@ -3758,8 +6291,8 @@
         </p:nvSpPr>
         <p:spPr>
           <a:xfrm>
-            <a:off x="628650" y="4571999"/>
-            <a:ext cx="7886700" cy="1604963"/>
+            <a:off x="628650" y="3918857"/>
+            <a:ext cx="7886700" cy="2258105"/>
           </a:xfrm>
         </p:spPr>
         <p:txBody>
@@ -3778,7 +6311,13 @@
           <a:p>
             <a:r>
               <a:rPr lang="en-US" dirty="0" smtClean="0"/>
-              <a:t>Creators of Unix and C programming language</a:t>
+              <a:t>1983 Turing award for work on Unix</a:t>
+            </a:r>
+          </a:p>
+          <a:p>
+            <a:r>
+              <a:rPr lang="en-US" dirty="0" smtClean="0"/>
+              <a:t>Thompson chose to present “Reflections on Trusting Trust”</a:t>
             </a:r>
           </a:p>
         </p:txBody>
@@ -3843,6 +6382,1437 @@
 </p:sld>
 </file>
 
+<file path=ppt/slides/slide20.xml><?xml version="1.0" encoding="utf-8"?>
+<p:sld xmlns:a="http://schemas.openxmlformats.org/drawingml/2006/main" xmlns:r="http://schemas.openxmlformats.org/officeDocument/2006/relationships" xmlns:p="http://schemas.openxmlformats.org/presentationml/2006/main">
+  <p:cSld>
+    <p:spTree>
+      <p:nvGrpSpPr>
+        <p:cNvPr id="1" name=""/>
+        <p:cNvGrpSpPr/>
+        <p:nvPr/>
+      </p:nvGrpSpPr>
+      <p:grpSpPr>
+        <a:xfrm>
+          <a:off x="0" y="0"/>
+          <a:ext cx="0" cy="0"/>
+          <a:chOff x="0" y="0"/>
+          <a:chExt cx="0" cy="0"/>
+        </a:xfrm>
+      </p:grpSpPr>
+      <p:sp>
+        <p:nvSpPr>
+          <p:cNvPr id="2" name="Title 1"/>
+          <p:cNvSpPr>
+            <a:spLocks noGrp="1"/>
+          </p:cNvSpPr>
+          <p:nvPr>
+            <p:ph type="title"/>
+          </p:nvPr>
+        </p:nvSpPr>
+        <p:spPr>
+          <a:xfrm>
+            <a:off x="628650" y="207809"/>
+            <a:ext cx="7886700" cy="1325563"/>
+          </a:xfrm>
+        </p:spPr>
+        <p:txBody>
+          <a:bodyPr/>
+          <a:lstStyle/>
+          <a:p>
+            <a:r>
+              <a:rPr lang="en-US" dirty="0" smtClean="0"/>
+              <a:t>Verifying the compiler binary</a:t>
+            </a:r>
+            <a:endParaRPr lang="en-US" dirty="0"/>
+          </a:p>
+        </p:txBody>
+      </p:sp>
+      <p:sp>
+        <p:nvSpPr>
+          <p:cNvPr id="3" name="Content Placeholder 2"/>
+          <p:cNvSpPr>
+            <a:spLocks noGrp="1"/>
+          </p:cNvSpPr>
+          <p:nvPr>
+            <p:ph idx="1"/>
+          </p:nvPr>
+        </p:nvSpPr>
+        <p:spPr>
+          <a:xfrm>
+            <a:off x="628649" y="1825625"/>
+            <a:ext cx="8232321" cy="4351338"/>
+          </a:xfrm>
+        </p:spPr>
+        <p:txBody>
+          <a:bodyPr/>
+          <a:lstStyle/>
+          <a:p>
+            <a:r>
+              <a:rPr lang="en-US" dirty="0" smtClean="0"/>
+              <a:t>Compare SHA256 hash with expected value</a:t>
+            </a:r>
+          </a:p>
+          <a:p>
+            <a:endParaRPr lang="en-US" dirty="0" smtClean="0"/>
+          </a:p>
+          <a:p>
+            <a:r>
+              <a:rPr lang="en-US" dirty="0" smtClean="0"/>
+              <a:t>Expected SHA-256 hash</a:t>
+            </a:r>
+          </a:p>
+          <a:p>
+            <a:pPr lvl="1"/>
+            <a:r>
+              <a:rPr lang="en-US" sz="2000" dirty="0" err="1" smtClean="0"/>
+              <a:t>shasum</a:t>
+            </a:r>
+            <a:r>
+              <a:rPr lang="en-US" sz="2000" dirty="0" smtClean="0"/>
+              <a:t> </a:t>
+            </a:r>
+            <a:r>
+              <a:rPr lang="en-US" sz="2000" dirty="0"/>
+              <a:t>-a 256 ../</a:t>
+            </a:r>
+            <a:r>
+              <a:rPr lang="en-US" sz="2000" dirty="0" smtClean="0"/>
+              <a:t>clean-</a:t>
+            </a:r>
+            <a:r>
+              <a:rPr lang="en-US" sz="2000" dirty="0" err="1" smtClean="0"/>
+              <a:t>compiler.out</a:t>
+            </a:r>
+            <a:endParaRPr lang="en-US" sz="2000" dirty="0" smtClean="0"/>
+          </a:p>
+          <a:p>
+            <a:pPr lvl="1"/>
+            <a:r>
+              <a:rPr lang="nl-NL" sz="1800" dirty="0" smtClean="0"/>
+              <a:t>7c76e4144fd9f550e2a846dbdfc7b03ee65c3eeb760b74dbbc9f5f1ae336e4dc</a:t>
+            </a:r>
+          </a:p>
+          <a:p>
+            <a:r>
+              <a:rPr lang="nl-NL" dirty="0" err="1" smtClean="0"/>
+              <a:t>Obtained</a:t>
+            </a:r>
+            <a:r>
+              <a:rPr lang="nl-NL" dirty="0" smtClean="0"/>
+              <a:t> SHA-256 </a:t>
+            </a:r>
+            <a:r>
+              <a:rPr lang="nl-NL" dirty="0" err="1" smtClean="0"/>
+              <a:t>hash</a:t>
+            </a:r>
+            <a:endParaRPr lang="nl-NL" dirty="0" smtClean="0"/>
+          </a:p>
+          <a:p>
+            <a:pPr lvl="1"/>
+            <a:r>
+              <a:rPr lang="nl-NL" sz="1800" dirty="0" err="1"/>
+              <a:t>shasum</a:t>
+            </a:r>
+            <a:r>
+              <a:rPr lang="nl-NL" sz="1800" dirty="0"/>
+              <a:t> -a 256 </a:t>
+            </a:r>
+            <a:r>
+              <a:rPr lang="nl-NL" sz="1800" dirty="0" smtClean="0"/>
+              <a:t>compiler-hack-</a:t>
+            </a:r>
+            <a:r>
+              <a:rPr lang="nl-NL" sz="1800" dirty="0" err="1" smtClean="0"/>
+              <a:t>itself.out</a:t>
+            </a:r>
+            <a:endParaRPr lang="nl-NL" sz="1800" dirty="0" smtClean="0"/>
+          </a:p>
+          <a:p>
+            <a:pPr lvl="1"/>
+            <a:r>
+              <a:rPr lang="is-IS" sz="1800" dirty="0"/>
+              <a:t>be8a5f9c22c28b9f2a822fa7eefb126766307ae50db1b3919322462261cf470e</a:t>
+            </a:r>
+            <a:endParaRPr lang="nl-NL" sz="1800" dirty="0" smtClean="0"/>
+          </a:p>
+          <a:p>
+            <a:pPr lvl="1"/>
+            <a:endParaRPr lang="nl-NL" sz="1800" dirty="0"/>
+          </a:p>
+          <a:p>
+            <a:pPr lvl="1"/>
+            <a:endParaRPr lang="en-US" sz="1800" dirty="0"/>
+          </a:p>
+          <a:p>
+            <a:pPr lvl="1"/>
+            <a:endParaRPr lang="en-US" dirty="0" smtClean="0"/>
+          </a:p>
+          <a:p>
+            <a:pPr lvl="1"/>
+            <a:endParaRPr lang="en-US" dirty="0"/>
+          </a:p>
+        </p:txBody>
+      </p:sp>
+      <p:sp>
+        <p:nvSpPr>
+          <p:cNvPr id="4" name="Slide Number Placeholder 3"/>
+          <p:cNvSpPr>
+            <a:spLocks noGrp="1"/>
+          </p:cNvSpPr>
+          <p:nvPr>
+            <p:ph type="sldNum" sz="quarter" idx="12"/>
+          </p:nvPr>
+        </p:nvSpPr>
+        <p:spPr/>
+        <p:txBody>
+          <a:bodyPr/>
+          <a:lstStyle/>
+          <a:p>
+            <a:fld id="{9705DC4D-6496-4D9B-AA35-AB22DFE8A2F2}" type="slidenum">
+              <a:rPr lang="en-SG" smtClean="0"/>
+              <a:t>20</a:t>
+            </a:fld>
+            <a:endParaRPr lang="en-SG"/>
+          </a:p>
+        </p:txBody>
+      </p:sp>
+    </p:spTree>
+    <p:extLst>
+      <p:ext uri="{BB962C8B-B14F-4D97-AF65-F5344CB8AC3E}">
+        <p14:creationId xmlns:p14="http://schemas.microsoft.com/office/powerpoint/2010/main" val="847071469"/>
+      </p:ext>
+    </p:extLst>
+  </p:cSld>
+  <p:clrMapOvr>
+    <a:masterClrMapping/>
+  </p:clrMapOvr>
+</p:sld>
+</file>
+
+<file path=ppt/slides/slide21.xml><?xml version="1.0" encoding="utf-8"?>
+<p:sld xmlns:a="http://schemas.openxmlformats.org/drawingml/2006/main" xmlns:r="http://schemas.openxmlformats.org/officeDocument/2006/relationships" xmlns:p="http://schemas.openxmlformats.org/presentationml/2006/main">
+  <p:cSld>
+    <p:spTree>
+      <p:nvGrpSpPr>
+        <p:cNvPr id="1" name=""/>
+        <p:cNvGrpSpPr/>
+        <p:nvPr/>
+      </p:nvGrpSpPr>
+      <p:grpSpPr>
+        <a:xfrm>
+          <a:off x="0" y="0"/>
+          <a:ext cx="0" cy="0"/>
+          <a:chOff x="0" y="0"/>
+          <a:chExt cx="0" cy="0"/>
+        </a:xfrm>
+      </p:grpSpPr>
+      <p:sp>
+        <p:nvSpPr>
+          <p:cNvPr id="2" name="Title 1"/>
+          <p:cNvSpPr>
+            <a:spLocks noGrp="1"/>
+          </p:cNvSpPr>
+          <p:nvPr>
+            <p:ph type="title"/>
+          </p:nvPr>
+        </p:nvSpPr>
+        <p:spPr/>
+        <p:txBody>
+          <a:bodyPr/>
+          <a:lstStyle/>
+          <a:p>
+            <a:r>
+              <a:rPr lang="en-US" dirty="0" smtClean="0"/>
+              <a:t>4a. Subverting verification</a:t>
+            </a:r>
+            <a:endParaRPr lang="en-US" dirty="0"/>
+          </a:p>
+        </p:txBody>
+      </p:sp>
+      <p:sp>
+        <p:nvSpPr>
+          <p:cNvPr id="3" name="Content Placeholder 2"/>
+          <p:cNvSpPr>
+            <a:spLocks noGrp="1"/>
+          </p:cNvSpPr>
+          <p:nvPr>
+            <p:ph idx="1"/>
+          </p:nvPr>
+        </p:nvSpPr>
+        <p:spPr/>
+        <p:txBody>
+          <a:bodyPr/>
+          <a:lstStyle/>
+          <a:p>
+            <a:r>
+              <a:rPr lang="en-US" dirty="0" smtClean="0"/>
+              <a:t>Can we prevent the user from detecting the bugged compiler?</a:t>
+            </a:r>
+          </a:p>
+          <a:p>
+            <a:endParaRPr lang="en-US" dirty="0"/>
+          </a:p>
+          <a:p>
+            <a:r>
+              <a:rPr lang="en-US" dirty="0" smtClean="0"/>
+              <a:t>We can subvert the SHA256 program</a:t>
+            </a:r>
+            <a:endParaRPr lang="en-US" dirty="0"/>
+          </a:p>
+        </p:txBody>
+      </p:sp>
+      <p:sp>
+        <p:nvSpPr>
+          <p:cNvPr id="4" name="Slide Number Placeholder 3"/>
+          <p:cNvSpPr>
+            <a:spLocks noGrp="1"/>
+          </p:cNvSpPr>
+          <p:nvPr>
+            <p:ph type="sldNum" sz="quarter" idx="12"/>
+          </p:nvPr>
+        </p:nvSpPr>
+        <p:spPr/>
+        <p:txBody>
+          <a:bodyPr/>
+          <a:lstStyle/>
+          <a:p>
+            <a:fld id="{9705DC4D-6496-4D9B-AA35-AB22DFE8A2F2}" type="slidenum">
+              <a:rPr lang="en-SG" smtClean="0"/>
+              <a:t>21</a:t>
+            </a:fld>
+            <a:endParaRPr lang="en-SG"/>
+          </a:p>
+        </p:txBody>
+      </p:sp>
+    </p:spTree>
+    <p:extLst>
+      <p:ext uri="{BB962C8B-B14F-4D97-AF65-F5344CB8AC3E}">
+        <p14:creationId xmlns:p14="http://schemas.microsoft.com/office/powerpoint/2010/main" val="146969169"/>
+      </p:ext>
+    </p:extLst>
+  </p:cSld>
+  <p:clrMapOvr>
+    <a:masterClrMapping/>
+  </p:clrMapOvr>
+  <p:timing>
+    <p:tnLst>
+      <p:par>
+        <p:cTn id="1" dur="indefinite" restart="never" nodeType="tmRoot"/>
+      </p:par>
+    </p:tnLst>
+  </p:timing>
+</p:sld>
+</file>
+
+<file path=ppt/slides/slide22.xml><?xml version="1.0" encoding="utf-8"?>
+<p:sld xmlns:a="http://schemas.openxmlformats.org/drawingml/2006/main" xmlns:r="http://schemas.openxmlformats.org/officeDocument/2006/relationships" xmlns:p="http://schemas.openxmlformats.org/presentationml/2006/main">
+  <p:cSld>
+    <p:spTree>
+      <p:nvGrpSpPr>
+        <p:cNvPr id="1" name=""/>
+        <p:cNvGrpSpPr/>
+        <p:nvPr/>
+      </p:nvGrpSpPr>
+      <p:grpSpPr>
+        <a:xfrm>
+          <a:off x="0" y="0"/>
+          <a:ext cx="0" cy="0"/>
+          <a:chOff x="0" y="0"/>
+          <a:chExt cx="0" cy="0"/>
+        </a:xfrm>
+      </p:grpSpPr>
+      <p:sp>
+        <p:nvSpPr>
+          <p:cNvPr id="2" name="Title 1"/>
+          <p:cNvSpPr>
+            <a:spLocks noGrp="1"/>
+          </p:cNvSpPr>
+          <p:nvPr>
+            <p:ph type="title"/>
+          </p:nvPr>
+        </p:nvSpPr>
+        <p:spPr/>
+        <p:txBody>
+          <a:bodyPr/>
+          <a:lstStyle/>
+          <a:p>
+            <a:r>
+              <a:rPr lang="en-US" dirty="0" smtClean="0"/>
+              <a:t>4b. mysha256.c</a:t>
+            </a:r>
+            <a:endParaRPr lang="en-US" dirty="0"/>
+          </a:p>
+        </p:txBody>
+      </p:sp>
+      <p:sp>
+        <p:nvSpPr>
+          <p:cNvPr id="4" name="Slide Number Placeholder 3"/>
+          <p:cNvSpPr>
+            <a:spLocks noGrp="1"/>
+          </p:cNvSpPr>
+          <p:nvPr>
+            <p:ph type="sldNum" sz="quarter" idx="12"/>
+          </p:nvPr>
+        </p:nvSpPr>
+        <p:spPr/>
+        <p:txBody>
+          <a:bodyPr/>
+          <a:lstStyle/>
+          <a:p>
+            <a:fld id="{9705DC4D-6496-4D9B-AA35-AB22DFE8A2F2}" type="slidenum">
+              <a:rPr lang="en-SG" smtClean="0"/>
+              <a:t>22</a:t>
+            </a:fld>
+            <a:endParaRPr lang="en-SG"/>
+          </a:p>
+        </p:txBody>
+      </p:sp>
+      <p:sp>
+        <p:nvSpPr>
+          <p:cNvPr id="5" name="Content Placeholder 2"/>
+          <p:cNvSpPr>
+            <a:spLocks noGrp="1"/>
+          </p:cNvSpPr>
+          <p:nvPr>
+            <p:ph idx="1"/>
+          </p:nvPr>
+        </p:nvSpPr>
+        <p:spPr>
+          <a:xfrm>
+            <a:off x="391886" y="4380022"/>
+            <a:ext cx="8479971" cy="2073636"/>
+          </a:xfrm>
+        </p:spPr>
+        <p:txBody>
+          <a:bodyPr>
+            <a:noAutofit/>
+          </a:bodyPr>
+          <a:lstStyle/>
+          <a:p>
+            <a:r>
+              <a:rPr lang="en-US" sz="2400" dirty="0" smtClean="0"/>
+              <a:t>Calculates SHA-256 hash of target file</a:t>
+            </a:r>
+          </a:p>
+          <a:p>
+            <a:r>
+              <a:rPr lang="en-US" sz="2400" dirty="0" smtClean="0"/>
+              <a:t>Commands:</a:t>
+            </a:r>
+          </a:p>
+          <a:p>
+            <a:pPr lvl="1"/>
+            <a:r>
+              <a:rPr lang="en-US" sz="1800" dirty="0" smtClean="0"/>
+              <a:t>cd stage4</a:t>
+            </a:r>
+          </a:p>
+          <a:p>
+            <a:pPr lvl="1"/>
+            <a:r>
+              <a:rPr lang="en-US" sz="1800" dirty="0"/>
+              <a:t>../clean-</a:t>
+            </a:r>
+            <a:r>
+              <a:rPr lang="en-US" sz="1800" dirty="0" err="1"/>
+              <a:t>compiler.out</a:t>
+            </a:r>
+            <a:r>
+              <a:rPr lang="en-US" sz="1800" dirty="0"/>
+              <a:t> mysha256.c -o </a:t>
+            </a:r>
+            <a:r>
+              <a:rPr lang="en-US" sz="1800" dirty="0" smtClean="0"/>
+              <a:t>mysha256.out</a:t>
+            </a:r>
+          </a:p>
+          <a:p>
+            <a:pPr lvl="1"/>
+            <a:r>
+              <a:rPr lang="en-US" sz="1800" dirty="0" smtClean="0"/>
+              <a:t>./mysha256.out ../clean-</a:t>
+            </a:r>
+            <a:r>
+              <a:rPr lang="en-US" sz="1800" dirty="0" err="1" smtClean="0"/>
+              <a:t>compiler.out</a:t>
+            </a:r>
+            <a:endParaRPr lang="en-US" sz="1800" dirty="0" smtClean="0"/>
+          </a:p>
+          <a:p>
+            <a:pPr lvl="1"/>
+            <a:r>
+              <a:rPr lang="en-US" sz="1800" dirty="0" err="1"/>
+              <a:t>shasum</a:t>
+            </a:r>
+            <a:r>
+              <a:rPr lang="en-US" sz="1800" dirty="0"/>
+              <a:t> -a 256 ../clean-</a:t>
+            </a:r>
+            <a:r>
+              <a:rPr lang="en-US" sz="1800" dirty="0" err="1"/>
+              <a:t>compiler.out</a:t>
+            </a:r>
+            <a:endParaRPr lang="en-US" sz="1800" dirty="0"/>
+          </a:p>
+        </p:txBody>
+      </p:sp>
+      <p:pic>
+        <p:nvPicPr>
+          <p:cNvPr id="6" name="Picture 5"/>
+          <p:cNvPicPr>
+            <a:picLocks noChangeAspect="1"/>
+          </p:cNvPicPr>
+          <p:nvPr/>
+        </p:nvPicPr>
+        <p:blipFill>
+          <a:blip r:embed="rId2">
+            <a:extLst>
+              <a:ext uri="{28A0092B-C50C-407E-A947-70E740481C1C}">
+                <a14:useLocalDpi xmlns:a14="http://schemas.microsoft.com/office/drawing/2010/main" val="0"/>
+              </a:ext>
+            </a:extLst>
+          </a:blip>
+          <a:stretch>
+            <a:fillRect/>
+          </a:stretch>
+        </p:blipFill>
+        <p:spPr>
+          <a:xfrm>
+            <a:off x="2457450" y="1476828"/>
+            <a:ext cx="4229100" cy="2628900"/>
+          </a:xfrm>
+          <a:prstGeom prst="rect">
+            <a:avLst/>
+          </a:prstGeom>
+        </p:spPr>
+      </p:pic>
+      <p:sp>
+        <p:nvSpPr>
+          <p:cNvPr id="7" name="Rectangle 6"/>
+          <p:cNvSpPr/>
+          <p:nvPr/>
+        </p:nvSpPr>
+        <p:spPr>
+          <a:xfrm>
+            <a:off x="5425849" y="4169552"/>
+            <a:ext cx="3446008" cy="307777"/>
+          </a:xfrm>
+          <a:prstGeom prst="rect">
+            <a:avLst/>
+          </a:prstGeom>
+        </p:spPr>
+        <p:txBody>
+          <a:bodyPr wrap="none">
+            <a:spAutoFit/>
+          </a:bodyPr>
+          <a:lstStyle/>
+          <a:p>
+            <a:r>
+              <a:rPr lang="en-US" sz="1400" dirty="0"/>
+              <a:t>https://</a:t>
+            </a:r>
+            <a:r>
+              <a:rPr lang="en-US" sz="1400" dirty="0" err="1"/>
+              <a:t>github.com</a:t>
+            </a:r>
+            <a:r>
+              <a:rPr lang="en-US" sz="1400" dirty="0"/>
+              <a:t>/B-Con/crypto-algorithms</a:t>
+            </a:r>
+          </a:p>
+        </p:txBody>
+      </p:sp>
+    </p:spTree>
+    <p:extLst>
+      <p:ext uri="{BB962C8B-B14F-4D97-AF65-F5344CB8AC3E}">
+        <p14:creationId xmlns:p14="http://schemas.microsoft.com/office/powerpoint/2010/main" val="38142975"/>
+      </p:ext>
+    </p:extLst>
+  </p:cSld>
+  <p:clrMapOvr>
+    <a:masterClrMapping/>
+  </p:clrMapOvr>
+</p:sld>
+</file>
+
+<file path=ppt/slides/slide23.xml><?xml version="1.0" encoding="utf-8"?>
+<p:sld xmlns:a="http://schemas.openxmlformats.org/drawingml/2006/main" xmlns:r="http://schemas.openxmlformats.org/officeDocument/2006/relationships" xmlns:p="http://schemas.openxmlformats.org/presentationml/2006/main">
+  <p:cSld>
+    <p:spTree>
+      <p:nvGrpSpPr>
+        <p:cNvPr id="1" name=""/>
+        <p:cNvGrpSpPr/>
+        <p:nvPr/>
+      </p:nvGrpSpPr>
+      <p:grpSpPr>
+        <a:xfrm>
+          <a:off x="0" y="0"/>
+          <a:ext cx="0" cy="0"/>
+          <a:chOff x="0" y="0"/>
+          <a:chExt cx="0" cy="0"/>
+        </a:xfrm>
+      </p:grpSpPr>
+      <p:sp>
+        <p:nvSpPr>
+          <p:cNvPr id="2" name="Title 1"/>
+          <p:cNvSpPr>
+            <a:spLocks noGrp="1"/>
+          </p:cNvSpPr>
+          <p:nvPr>
+            <p:ph type="title"/>
+          </p:nvPr>
+        </p:nvSpPr>
+        <p:spPr/>
+        <p:txBody>
+          <a:bodyPr/>
+          <a:lstStyle/>
+          <a:p>
+            <a:r>
+              <a:rPr lang="en-US" dirty="0" smtClean="0"/>
+              <a:t>4b. mysha256-hacked.c</a:t>
+            </a:r>
+            <a:endParaRPr lang="en-US" dirty="0"/>
+          </a:p>
+        </p:txBody>
+      </p:sp>
+      <p:sp>
+        <p:nvSpPr>
+          <p:cNvPr id="4" name="Slide Number Placeholder 3"/>
+          <p:cNvSpPr>
+            <a:spLocks noGrp="1"/>
+          </p:cNvSpPr>
+          <p:nvPr>
+            <p:ph type="sldNum" sz="quarter" idx="12"/>
+          </p:nvPr>
+        </p:nvSpPr>
+        <p:spPr/>
+        <p:txBody>
+          <a:bodyPr/>
+          <a:lstStyle/>
+          <a:p>
+            <a:fld id="{9705DC4D-6496-4D9B-AA35-AB22DFE8A2F2}" type="slidenum">
+              <a:rPr lang="en-SG" smtClean="0"/>
+              <a:t>23</a:t>
+            </a:fld>
+            <a:endParaRPr lang="en-SG"/>
+          </a:p>
+        </p:txBody>
+      </p:sp>
+      <p:sp>
+        <p:nvSpPr>
+          <p:cNvPr id="5" name="Content Placeholder 2"/>
+          <p:cNvSpPr>
+            <a:spLocks noGrp="1"/>
+          </p:cNvSpPr>
+          <p:nvPr>
+            <p:ph idx="1"/>
+          </p:nvPr>
+        </p:nvSpPr>
+        <p:spPr>
+          <a:xfrm>
+            <a:off x="424544" y="3204364"/>
+            <a:ext cx="8479971" cy="2728349"/>
+          </a:xfrm>
+        </p:spPr>
+        <p:txBody>
+          <a:bodyPr>
+            <a:noAutofit/>
+          </a:bodyPr>
+          <a:lstStyle/>
+          <a:p>
+            <a:r>
+              <a:rPr lang="en-US" sz="2400" dirty="0" smtClean="0"/>
+              <a:t>Returns same hash if compiler is detected</a:t>
+            </a:r>
+          </a:p>
+          <a:p>
+            <a:r>
+              <a:rPr lang="en-US" sz="2400" dirty="0" smtClean="0"/>
+              <a:t>Commands:</a:t>
+            </a:r>
+          </a:p>
+          <a:p>
+            <a:pPr lvl="1"/>
+            <a:r>
+              <a:rPr lang="en-US" sz="1800" dirty="0" smtClean="0"/>
+              <a:t>../</a:t>
+            </a:r>
+            <a:r>
+              <a:rPr lang="en-US" sz="1800" dirty="0"/>
+              <a:t>clean-</a:t>
+            </a:r>
+            <a:r>
+              <a:rPr lang="en-US" sz="1800" dirty="0" err="1"/>
+              <a:t>compiler.out</a:t>
+            </a:r>
+            <a:r>
+              <a:rPr lang="en-US" sz="1800" dirty="0"/>
+              <a:t> </a:t>
+            </a:r>
+            <a:r>
+              <a:rPr lang="en-US" sz="1800" dirty="0" smtClean="0"/>
+              <a:t>mysha256-hacked.c </a:t>
+            </a:r>
+            <a:r>
+              <a:rPr lang="en-US" sz="1800" dirty="0"/>
+              <a:t>-o </a:t>
+            </a:r>
+            <a:r>
+              <a:rPr lang="en-US" sz="1800" dirty="0" smtClean="0"/>
+              <a:t>mysha256-hacked.out</a:t>
+            </a:r>
+          </a:p>
+          <a:p>
+            <a:pPr lvl="1"/>
+            <a:r>
+              <a:rPr lang="en-US" sz="1800" dirty="0"/>
+              <a:t>./mysha256-hacked.out </a:t>
+            </a:r>
+            <a:r>
+              <a:rPr lang="en-US" sz="1800" dirty="0" smtClean="0"/>
+              <a:t>../clean-</a:t>
+            </a:r>
+            <a:r>
+              <a:rPr lang="en-US" sz="1800" dirty="0" err="1" smtClean="0"/>
+              <a:t>compiler.out</a:t>
+            </a:r>
+            <a:endParaRPr lang="en-US" sz="1800" dirty="0" smtClean="0"/>
+          </a:p>
+          <a:p>
+            <a:pPr lvl="1"/>
+            <a:r>
+              <a:rPr lang="en-US" sz="1800" dirty="0" smtClean="0"/>
+              <a:t>./</a:t>
+            </a:r>
+            <a:r>
+              <a:rPr lang="en-US" sz="1800" dirty="0"/>
+              <a:t>mysha256-hacked.out ../</a:t>
+            </a:r>
+            <a:r>
+              <a:rPr lang="en-US" sz="1800" dirty="0" smtClean="0"/>
+              <a:t>stage3/compiler-hack-</a:t>
+            </a:r>
+            <a:r>
+              <a:rPr lang="en-US" sz="1800" dirty="0" err="1" smtClean="0"/>
+              <a:t>itself.out</a:t>
+            </a:r>
+            <a:endParaRPr lang="en-US" sz="1800" dirty="0" smtClean="0"/>
+          </a:p>
+          <a:p>
+            <a:pPr lvl="1"/>
+            <a:r>
+              <a:rPr lang="nl-NL" sz="1800" dirty="0" err="1"/>
+              <a:t>shasum</a:t>
+            </a:r>
+            <a:r>
+              <a:rPr lang="nl-NL" sz="1800" dirty="0"/>
+              <a:t> -a 256 </a:t>
+            </a:r>
+            <a:r>
+              <a:rPr lang="nl-NL" sz="1800" dirty="0" smtClean="0"/>
+              <a:t>../stage3/compiler-hack-</a:t>
+            </a:r>
+            <a:r>
+              <a:rPr lang="nl-NL" sz="1800" dirty="0" err="1" smtClean="0"/>
+              <a:t>itself.out</a:t>
+            </a:r>
+            <a:endParaRPr lang="nl-NL" sz="1800" dirty="0"/>
+          </a:p>
+        </p:txBody>
+      </p:sp>
+      <p:pic>
+        <p:nvPicPr>
+          <p:cNvPr id="3" name="Picture 2"/>
+          <p:cNvPicPr>
+            <a:picLocks noChangeAspect="1"/>
+          </p:cNvPicPr>
+          <p:nvPr/>
+        </p:nvPicPr>
+        <p:blipFill>
+          <a:blip r:embed="rId2">
+            <a:extLst>
+              <a:ext uri="{28A0092B-C50C-407E-A947-70E740481C1C}">
+                <a14:useLocalDpi xmlns:a14="http://schemas.microsoft.com/office/drawing/2010/main" val="0"/>
+              </a:ext>
+            </a:extLst>
+          </a:blip>
+          <a:stretch>
+            <a:fillRect/>
+          </a:stretch>
+        </p:blipFill>
+        <p:spPr>
+          <a:xfrm>
+            <a:off x="952500" y="1473255"/>
+            <a:ext cx="7239000" cy="1041400"/>
+          </a:xfrm>
+          <a:prstGeom prst="rect">
+            <a:avLst/>
+          </a:prstGeom>
+        </p:spPr>
+      </p:pic>
+    </p:spTree>
+    <p:extLst>
+      <p:ext uri="{BB962C8B-B14F-4D97-AF65-F5344CB8AC3E}">
+        <p14:creationId xmlns:p14="http://schemas.microsoft.com/office/powerpoint/2010/main" val="1364290479"/>
+      </p:ext>
+    </p:extLst>
+  </p:cSld>
+  <p:clrMapOvr>
+    <a:masterClrMapping/>
+  </p:clrMapOvr>
+</p:sld>
+</file>
+
+<file path=ppt/slides/slide24.xml><?xml version="1.0" encoding="utf-8"?>
+<p:sld xmlns:a="http://schemas.openxmlformats.org/drawingml/2006/main" xmlns:r="http://schemas.openxmlformats.org/officeDocument/2006/relationships" xmlns:p="http://schemas.openxmlformats.org/presentationml/2006/main">
+  <p:cSld>
+    <p:spTree>
+      <p:nvGrpSpPr>
+        <p:cNvPr id="1" name=""/>
+        <p:cNvGrpSpPr/>
+        <p:nvPr/>
+      </p:nvGrpSpPr>
+      <p:grpSpPr>
+        <a:xfrm>
+          <a:off x="0" y="0"/>
+          <a:ext cx="0" cy="0"/>
+          <a:chOff x="0" y="0"/>
+          <a:chExt cx="0" cy="0"/>
+        </a:xfrm>
+      </p:grpSpPr>
+      <p:sp>
+        <p:nvSpPr>
+          <p:cNvPr id="2" name="Title 1"/>
+          <p:cNvSpPr>
+            <a:spLocks noGrp="1"/>
+          </p:cNvSpPr>
+          <p:nvPr>
+            <p:ph type="title"/>
+          </p:nvPr>
+        </p:nvSpPr>
+        <p:spPr/>
+        <p:txBody>
+          <a:bodyPr/>
+          <a:lstStyle/>
+          <a:p>
+            <a:r>
+              <a:rPr lang="en-US" dirty="0" smtClean="0"/>
+              <a:t>4c. compiler-hack-</a:t>
+            </a:r>
+            <a:r>
+              <a:rPr lang="en-US" dirty="0" err="1" smtClean="0"/>
+              <a:t>ultimate.c</a:t>
+            </a:r>
+            <a:endParaRPr lang="en-US" dirty="0"/>
+          </a:p>
+        </p:txBody>
+      </p:sp>
+      <p:sp>
+        <p:nvSpPr>
+          <p:cNvPr id="4" name="Slide Number Placeholder 3"/>
+          <p:cNvSpPr>
+            <a:spLocks noGrp="1"/>
+          </p:cNvSpPr>
+          <p:nvPr>
+            <p:ph type="sldNum" sz="quarter" idx="12"/>
+          </p:nvPr>
+        </p:nvSpPr>
+        <p:spPr/>
+        <p:txBody>
+          <a:bodyPr/>
+          <a:lstStyle/>
+          <a:p>
+            <a:fld id="{9705DC4D-6496-4D9B-AA35-AB22DFE8A2F2}" type="slidenum">
+              <a:rPr lang="en-SG" smtClean="0"/>
+              <a:t>24</a:t>
+            </a:fld>
+            <a:endParaRPr lang="en-SG"/>
+          </a:p>
+        </p:txBody>
+      </p:sp>
+      <p:sp>
+        <p:nvSpPr>
+          <p:cNvPr id="5" name="Content Placeholder 2"/>
+          <p:cNvSpPr>
+            <a:spLocks noGrp="1"/>
+          </p:cNvSpPr>
+          <p:nvPr>
+            <p:ph idx="1"/>
+          </p:nvPr>
+        </p:nvSpPr>
+        <p:spPr>
+          <a:xfrm>
+            <a:off x="435430" y="1527964"/>
+            <a:ext cx="8479971" cy="5193512"/>
+          </a:xfrm>
+        </p:spPr>
+        <p:txBody>
+          <a:bodyPr>
+            <a:noAutofit/>
+          </a:bodyPr>
+          <a:lstStyle/>
+          <a:p>
+            <a:r>
+              <a:rPr lang="en-US" sz="2000" dirty="0" smtClean="0"/>
+              <a:t>Ultimate compiler </a:t>
+            </a:r>
+            <a:r>
+              <a:rPr lang="en-US" sz="2000" dirty="0"/>
+              <a:t>adds malicious code to itself when it sees </a:t>
+            </a:r>
+            <a:r>
+              <a:rPr lang="en-US" sz="2000" dirty="0" err="1"/>
+              <a:t>compiler.c</a:t>
+            </a:r>
+            <a:r>
+              <a:rPr lang="en-US" sz="2000" dirty="0"/>
+              <a:t>. </a:t>
+            </a:r>
+          </a:p>
+          <a:p>
+            <a:r>
+              <a:rPr lang="en-US" sz="2000" dirty="0"/>
+              <a:t>Initial compile command:</a:t>
+            </a:r>
+          </a:p>
+          <a:p>
+            <a:pPr lvl="1"/>
+            <a:r>
+              <a:rPr lang="en-US" sz="1600" dirty="0" smtClean="0"/>
+              <a:t>../</a:t>
+            </a:r>
+            <a:r>
+              <a:rPr lang="en-US" sz="1600" dirty="0"/>
+              <a:t>clean-</a:t>
+            </a:r>
+            <a:r>
+              <a:rPr lang="en-US" sz="1600" dirty="0" err="1"/>
+              <a:t>compiler.out</a:t>
+            </a:r>
+            <a:r>
+              <a:rPr lang="en-US" sz="1600" dirty="0"/>
+              <a:t> compiler-hack-</a:t>
+            </a:r>
+            <a:r>
+              <a:rPr lang="en-US" sz="1600" dirty="0" err="1"/>
+              <a:t>ultimate.c</a:t>
+            </a:r>
+            <a:r>
+              <a:rPr lang="en-US" sz="1600" dirty="0"/>
+              <a:t> -o compiler-hack-</a:t>
+            </a:r>
+            <a:r>
+              <a:rPr lang="en-US" sz="1600" dirty="0" err="1"/>
+              <a:t>ultimate.out</a:t>
+            </a:r>
+            <a:endParaRPr lang="en-US" sz="1600" dirty="0"/>
+          </a:p>
+          <a:p>
+            <a:pPr lvl="1"/>
+            <a:r>
+              <a:rPr lang="en-US" sz="1600" dirty="0"/>
+              <a:t>We can now discard </a:t>
+            </a:r>
+            <a:r>
+              <a:rPr lang="en-US" sz="1600" dirty="0" smtClean="0"/>
+              <a:t>compiler-hack-</a:t>
+            </a:r>
+            <a:r>
+              <a:rPr lang="en-US" sz="1600" dirty="0" err="1" smtClean="0"/>
+              <a:t>ultimate.c</a:t>
+            </a:r>
+            <a:endParaRPr lang="en-US" sz="1600" dirty="0"/>
+          </a:p>
+          <a:p>
+            <a:r>
+              <a:rPr lang="en-US" sz="2000" dirty="0" smtClean="0"/>
+              <a:t>Ultimate </a:t>
+            </a:r>
+            <a:r>
+              <a:rPr lang="en-US" sz="2000" dirty="0"/>
+              <a:t>compiler </a:t>
+            </a:r>
+            <a:r>
+              <a:rPr lang="en-US" sz="2000" dirty="0" smtClean="0"/>
+              <a:t>hacking mysha256</a:t>
+            </a:r>
+            <a:endParaRPr lang="en-US" sz="2000" dirty="0"/>
+          </a:p>
+          <a:p>
+            <a:pPr lvl="1"/>
+            <a:r>
+              <a:rPr lang="en-US" sz="1600" dirty="0"/>
+              <a:t>./compiler-hack-</a:t>
+            </a:r>
+            <a:r>
+              <a:rPr lang="en-US" sz="1600" dirty="0" err="1"/>
+              <a:t>ultimate.out</a:t>
+            </a:r>
+            <a:r>
+              <a:rPr lang="en-US" sz="1600" dirty="0"/>
+              <a:t> mysha256.c -o </a:t>
+            </a:r>
+            <a:r>
+              <a:rPr lang="en-US" sz="1600" dirty="0" smtClean="0"/>
+              <a:t>evil-mysha256.out</a:t>
+            </a:r>
+          </a:p>
+          <a:p>
+            <a:pPr lvl="1"/>
+            <a:r>
+              <a:rPr lang="en-US" sz="1600" dirty="0"/>
+              <a:t>./evil-mysha256.out </a:t>
+            </a:r>
+            <a:r>
+              <a:rPr lang="en-US" sz="1600" dirty="0" smtClean="0"/>
+              <a:t>compiler-hack-</a:t>
+            </a:r>
+            <a:r>
+              <a:rPr lang="en-US" sz="1600" dirty="0" err="1" smtClean="0"/>
+              <a:t>ultimate.out</a:t>
+            </a:r>
+            <a:endParaRPr lang="en-US" sz="1600" dirty="0" smtClean="0"/>
+          </a:p>
+          <a:p>
+            <a:pPr lvl="1"/>
+            <a:r>
+              <a:rPr lang="en-US" sz="1600" dirty="0" err="1"/>
+              <a:t>shasum</a:t>
+            </a:r>
+            <a:r>
+              <a:rPr lang="en-US" sz="1600" dirty="0"/>
+              <a:t> -a 256 evil-mysha256.out</a:t>
+            </a:r>
+            <a:endParaRPr lang="en-US" sz="1600" dirty="0" smtClean="0"/>
+          </a:p>
+          <a:p>
+            <a:r>
+              <a:rPr lang="en-US" sz="2000" dirty="0" smtClean="0"/>
+              <a:t>Ultimate compiler </a:t>
+            </a:r>
+            <a:r>
+              <a:rPr lang="en-US" sz="2000" dirty="0"/>
+              <a:t>hacking its clean compiler source</a:t>
+            </a:r>
+          </a:p>
+          <a:p>
+            <a:pPr lvl="1"/>
+            <a:r>
+              <a:rPr lang="en-US" sz="1600" dirty="0" smtClean="0"/>
+              <a:t>./compiler-hack-</a:t>
+            </a:r>
+            <a:r>
+              <a:rPr lang="en-US" sz="1600" dirty="0" err="1" smtClean="0"/>
+              <a:t>ultimate.out</a:t>
+            </a:r>
+            <a:r>
+              <a:rPr lang="en-US" sz="1600" dirty="0" smtClean="0"/>
+              <a:t> </a:t>
+            </a:r>
+            <a:r>
+              <a:rPr lang="en-US" sz="1600" dirty="0"/>
+              <a:t>../</a:t>
+            </a:r>
+            <a:r>
+              <a:rPr lang="en-US" sz="1600" dirty="0" err="1"/>
+              <a:t>compiler.c</a:t>
+            </a:r>
+            <a:r>
+              <a:rPr lang="en-US" sz="1600" dirty="0"/>
+              <a:t> -o </a:t>
+            </a:r>
+            <a:r>
+              <a:rPr lang="en-US" sz="1600" dirty="0" smtClean="0"/>
+              <a:t>ultimate-child-</a:t>
+            </a:r>
+            <a:r>
+              <a:rPr lang="en-US" sz="1600" dirty="0" err="1" smtClean="0"/>
+              <a:t>compiler.out</a:t>
+            </a:r>
+            <a:endParaRPr lang="en-US" sz="1600" dirty="0"/>
+          </a:p>
+          <a:p>
+            <a:pPr lvl="1"/>
+            <a:endParaRPr lang="en-US" sz="1600" dirty="0"/>
+          </a:p>
+          <a:p>
+            <a:r>
+              <a:rPr lang="en-US" sz="2000" dirty="0" smtClean="0"/>
+              <a:t>Ultimate </a:t>
+            </a:r>
+            <a:r>
+              <a:rPr lang="en-US" sz="2000" dirty="0"/>
+              <a:t>Child compiler hacking </a:t>
+            </a:r>
+            <a:r>
+              <a:rPr lang="en-US" sz="2000" dirty="0" smtClean="0"/>
+              <a:t>mysha256</a:t>
+            </a:r>
+            <a:endParaRPr lang="en-US" sz="2000" dirty="0"/>
+          </a:p>
+          <a:p>
+            <a:pPr lvl="1"/>
+            <a:r>
+              <a:rPr lang="en-US" sz="1600" dirty="0"/>
+              <a:t>./ultimate-child-</a:t>
+            </a:r>
+            <a:r>
+              <a:rPr lang="en-US" sz="1600" dirty="0" err="1"/>
+              <a:t>compiler.out</a:t>
+            </a:r>
+            <a:r>
+              <a:rPr lang="en-US" sz="1600" dirty="0"/>
+              <a:t> mysha256.c -o </a:t>
+            </a:r>
+            <a:r>
+              <a:rPr lang="en-US" sz="1600" dirty="0" smtClean="0"/>
+              <a:t>evil-mysha256.out</a:t>
+            </a:r>
+          </a:p>
+          <a:p>
+            <a:pPr lvl="1"/>
+            <a:r>
+              <a:rPr lang="en-US" sz="1600" dirty="0"/>
+              <a:t>./evil-mysha256.out </a:t>
+            </a:r>
+            <a:r>
+              <a:rPr lang="en-US" sz="1600" dirty="0" smtClean="0"/>
+              <a:t>ultimate-child-</a:t>
+            </a:r>
+            <a:r>
+              <a:rPr lang="en-US" sz="1600" dirty="0" err="1" smtClean="0"/>
+              <a:t>compiler.out</a:t>
+            </a:r>
+            <a:endParaRPr lang="en-US" sz="1600" dirty="0" smtClean="0"/>
+          </a:p>
+          <a:p>
+            <a:r>
+              <a:rPr lang="en-US" sz="1800" dirty="0" smtClean="0"/>
+              <a:t>Ultimate </a:t>
+            </a:r>
+            <a:r>
+              <a:rPr lang="en-US" sz="1800" dirty="0" smtClean="0"/>
+              <a:t>child </a:t>
+            </a:r>
+            <a:r>
+              <a:rPr lang="en-US" sz="1800" dirty="0"/>
+              <a:t>compiler still hacks compiler source code</a:t>
+            </a:r>
+          </a:p>
+          <a:p>
+            <a:pPr lvl="1"/>
+            <a:r>
+              <a:rPr lang="en-US" sz="1600" dirty="0"/>
+              <a:t>./ultimate-child-</a:t>
+            </a:r>
+            <a:r>
+              <a:rPr lang="en-US" sz="1600" dirty="0" err="1"/>
+              <a:t>compiler.out</a:t>
+            </a:r>
+            <a:r>
+              <a:rPr lang="en-US" sz="1600" dirty="0"/>
+              <a:t> ../</a:t>
+            </a:r>
+            <a:r>
+              <a:rPr lang="en-US" sz="1600" dirty="0" err="1"/>
+              <a:t>compiler.c</a:t>
+            </a:r>
+            <a:r>
+              <a:rPr lang="en-US" sz="1600" dirty="0"/>
+              <a:t> -o ultimate-child-compiler2.out</a:t>
+            </a:r>
+            <a:endParaRPr lang="en-US" sz="1600" dirty="0"/>
+          </a:p>
+          <a:p>
+            <a:endParaRPr lang="en-US" sz="2000" dirty="0"/>
+          </a:p>
+          <a:p>
+            <a:endParaRPr lang="en-US" sz="2000" dirty="0"/>
+          </a:p>
+          <a:p>
+            <a:pPr lvl="1"/>
+            <a:endParaRPr lang="en-US" sz="1600" dirty="0"/>
+          </a:p>
+        </p:txBody>
+      </p:sp>
+    </p:spTree>
+    <p:extLst>
+      <p:ext uri="{BB962C8B-B14F-4D97-AF65-F5344CB8AC3E}">
+        <p14:creationId xmlns:p14="http://schemas.microsoft.com/office/powerpoint/2010/main" val="1260961901"/>
+      </p:ext>
+    </p:extLst>
+  </p:cSld>
+  <p:clrMapOvr>
+    <a:masterClrMapping/>
+  </p:clrMapOvr>
+</p:sld>
+</file>
+
+<file path=ppt/slides/slide25.xml><?xml version="1.0" encoding="utf-8"?>
+<p:sld xmlns:a="http://schemas.openxmlformats.org/drawingml/2006/main" xmlns:r="http://schemas.openxmlformats.org/officeDocument/2006/relationships" xmlns:p="http://schemas.openxmlformats.org/presentationml/2006/main">
+  <p:cSld>
+    <p:spTree>
+      <p:nvGrpSpPr>
+        <p:cNvPr id="1" name=""/>
+        <p:cNvGrpSpPr/>
+        <p:nvPr/>
+      </p:nvGrpSpPr>
+      <p:grpSpPr>
+        <a:xfrm>
+          <a:off x="0" y="0"/>
+          <a:ext cx="0" cy="0"/>
+          <a:chOff x="0" y="0"/>
+          <a:chExt cx="0" cy="0"/>
+        </a:xfrm>
+      </p:grpSpPr>
+      <p:sp>
+        <p:nvSpPr>
+          <p:cNvPr id="2" name="Title 1"/>
+          <p:cNvSpPr>
+            <a:spLocks noGrp="1"/>
+          </p:cNvSpPr>
+          <p:nvPr>
+            <p:ph type="title"/>
+          </p:nvPr>
+        </p:nvSpPr>
+        <p:spPr/>
+        <p:txBody>
+          <a:bodyPr/>
+          <a:lstStyle/>
+          <a:p>
+            <a:endParaRPr lang="en-US"/>
+          </a:p>
+        </p:txBody>
+      </p:sp>
+      <p:sp>
+        <p:nvSpPr>
+          <p:cNvPr id="3" name="Content Placeholder 2"/>
+          <p:cNvSpPr>
+            <a:spLocks noGrp="1"/>
+          </p:cNvSpPr>
+          <p:nvPr>
+            <p:ph idx="1"/>
+          </p:nvPr>
+        </p:nvSpPr>
+        <p:spPr/>
+        <p:txBody>
+          <a:bodyPr/>
+          <a:lstStyle/>
+          <a:p>
+            <a:endParaRPr lang="en-US"/>
+          </a:p>
+        </p:txBody>
+      </p:sp>
+      <p:sp>
+        <p:nvSpPr>
+          <p:cNvPr id="4" name="Slide Number Placeholder 3"/>
+          <p:cNvSpPr>
+            <a:spLocks noGrp="1"/>
+          </p:cNvSpPr>
+          <p:nvPr>
+            <p:ph type="sldNum" sz="quarter" idx="12"/>
+          </p:nvPr>
+        </p:nvSpPr>
+        <p:spPr/>
+        <p:txBody>
+          <a:bodyPr/>
+          <a:lstStyle/>
+          <a:p>
+            <a:fld id="{9705DC4D-6496-4D9B-AA35-AB22DFE8A2F2}" type="slidenum">
+              <a:rPr lang="en-SG" smtClean="0"/>
+              <a:t>25</a:t>
+            </a:fld>
+            <a:endParaRPr lang="en-SG"/>
+          </a:p>
+        </p:txBody>
+      </p:sp>
+    </p:spTree>
+    <p:extLst>
+      <p:ext uri="{BB962C8B-B14F-4D97-AF65-F5344CB8AC3E}">
+        <p14:creationId xmlns:p14="http://schemas.microsoft.com/office/powerpoint/2010/main" val="661523389"/>
+      </p:ext>
+    </p:extLst>
+  </p:cSld>
+  <p:clrMapOvr>
+    <a:masterClrMapping/>
+  </p:clrMapOvr>
+</p:sld>
+</file>
+
+<file path=ppt/slides/slide26.xml><?xml version="1.0" encoding="utf-8"?>
+<p:sld xmlns:a="http://schemas.openxmlformats.org/drawingml/2006/main" xmlns:r="http://schemas.openxmlformats.org/officeDocument/2006/relationships" xmlns:p="http://schemas.openxmlformats.org/presentationml/2006/main">
+  <p:cSld>
+    <p:spTree>
+      <p:nvGrpSpPr>
+        <p:cNvPr id="1" name=""/>
+        <p:cNvGrpSpPr/>
+        <p:nvPr/>
+      </p:nvGrpSpPr>
+      <p:grpSpPr>
+        <a:xfrm>
+          <a:off x="0" y="0"/>
+          <a:ext cx="0" cy="0"/>
+          <a:chOff x="0" y="0"/>
+          <a:chExt cx="0" cy="0"/>
+        </a:xfrm>
+      </p:grpSpPr>
+      <p:sp>
+        <p:nvSpPr>
+          <p:cNvPr id="2" name="Title 1"/>
+          <p:cNvSpPr>
+            <a:spLocks noGrp="1"/>
+          </p:cNvSpPr>
+          <p:nvPr>
+            <p:ph type="title"/>
+          </p:nvPr>
+        </p:nvSpPr>
+        <p:spPr/>
+        <p:txBody>
+          <a:bodyPr/>
+          <a:lstStyle/>
+          <a:p>
+            <a:r>
+              <a:rPr lang="en-SG" dirty="0" smtClean="0"/>
+              <a:t>The End/References</a:t>
+            </a:r>
+            <a:endParaRPr lang="en-SG" dirty="0"/>
+          </a:p>
+        </p:txBody>
+      </p:sp>
+      <p:sp>
+        <p:nvSpPr>
+          <p:cNvPr id="3" name="Content Placeholder 2"/>
+          <p:cNvSpPr>
+            <a:spLocks noGrp="1"/>
+          </p:cNvSpPr>
+          <p:nvPr>
+            <p:ph idx="1"/>
+          </p:nvPr>
+        </p:nvSpPr>
+        <p:spPr/>
+        <p:txBody>
+          <a:bodyPr/>
+          <a:lstStyle/>
+          <a:p>
+            <a:r>
+              <a:rPr lang="en-SG" dirty="0">
+                <a:hlinkClick r:id="rId2"/>
+              </a:rPr>
+              <a:t>http://www.cl.cam.ac.uk/~sd601/papers/mov.pdf</a:t>
+            </a:r>
+            <a:endParaRPr lang="en-SG" dirty="0"/>
+          </a:p>
+          <a:p>
+            <a:r>
+              <a:rPr lang="en-SG" dirty="0" smtClean="0">
+                <a:hlinkClick r:id="rId3"/>
+              </a:rPr>
+              <a:t>http</a:t>
+            </a:r>
+            <a:r>
+              <a:rPr lang="en-SG" dirty="0">
+                <a:hlinkClick r:id="rId3"/>
+              </a:rPr>
+              <a:t>://</a:t>
+            </a:r>
+            <a:r>
+              <a:rPr lang="en-SG" dirty="0" smtClean="0">
+                <a:hlinkClick r:id="rId3"/>
+              </a:rPr>
+              <a:t>www.gwern.net/Turing-complete</a:t>
+            </a:r>
+            <a:endParaRPr lang="en-SG" dirty="0" smtClean="0"/>
+          </a:p>
+          <a:p>
+            <a:r>
+              <a:rPr lang="en-SG" dirty="0">
+                <a:hlinkClick r:id="rId4"/>
+              </a:rPr>
+              <a:t>https://</a:t>
+            </a:r>
+            <a:r>
+              <a:rPr lang="en-SG" dirty="0" smtClean="0">
+                <a:hlinkClick r:id="rId4"/>
+              </a:rPr>
+              <a:t>github.com/xoreaxeaxeax/movfuscator</a:t>
+            </a:r>
+            <a:endParaRPr lang="en-SG" dirty="0" smtClean="0"/>
+          </a:p>
+          <a:p>
+            <a:r>
+              <a:rPr lang="en-SG" dirty="0">
+                <a:hlinkClick r:id="rId5"/>
+              </a:rPr>
+              <a:t>https://</a:t>
+            </a:r>
+            <a:r>
+              <a:rPr lang="en-SG" dirty="0" smtClean="0">
+                <a:hlinkClick r:id="rId5"/>
+              </a:rPr>
+              <a:t>www.youtube.com/watch?v=R7EEoWg6Ekk</a:t>
+            </a:r>
+            <a:endParaRPr lang="en-SG" dirty="0" smtClean="0"/>
+          </a:p>
+          <a:p>
+            <a:endParaRPr lang="en-SG" dirty="0"/>
+          </a:p>
+        </p:txBody>
+      </p:sp>
+      <p:sp>
+        <p:nvSpPr>
+          <p:cNvPr id="4" name="Slide Number Placeholder 3"/>
+          <p:cNvSpPr>
+            <a:spLocks noGrp="1"/>
+          </p:cNvSpPr>
+          <p:nvPr>
+            <p:ph type="sldNum" sz="quarter" idx="12"/>
+          </p:nvPr>
+        </p:nvSpPr>
+        <p:spPr/>
+        <p:txBody>
+          <a:bodyPr/>
+          <a:lstStyle/>
+          <a:p>
+            <a:fld id="{9705DC4D-6496-4D9B-AA35-AB22DFE8A2F2}" type="slidenum">
+              <a:rPr lang="en-SG" smtClean="0"/>
+              <a:t>26</a:t>
+            </a:fld>
+            <a:endParaRPr lang="en-SG"/>
+          </a:p>
+        </p:txBody>
+      </p:sp>
+    </p:spTree>
+    <p:extLst>
+      <p:ext uri="{BB962C8B-B14F-4D97-AF65-F5344CB8AC3E}">
+        <p14:creationId xmlns:p14="http://schemas.microsoft.com/office/powerpoint/2010/main" val="678853910"/>
+      </p:ext>
+    </p:extLst>
+  </p:cSld>
+  <p:clrMapOvr>
+    <a:masterClrMapping/>
+  </p:clrMapOvr>
+  <mc:AlternateContent xmlns:mc="http://schemas.openxmlformats.org/markup-compatibility/2006" xmlns:p14="http://schemas.microsoft.com/office/powerpoint/2010/main">
+    <mc:Choice Requires="p14">
+      <p:transition spd="med" p14:dur="700">
+        <p:fade/>
+      </p:transition>
+    </mc:Choice>
+    <mc:Fallback xmlns="">
+      <p:transition spd="med">
+        <p:fade/>
+      </p:transition>
+    </mc:Fallback>
+  </mc:AlternateContent>
+  <p:timing>
+    <p:tnLst>
+      <p:par>
+        <p:cTn id="1" dur="indefinite" restart="never" nodeType="tmRoot"/>
+      </p:par>
+    </p:tnLst>
+  </p:timing>
+</p:sld>
+</file>
+
 <file path=ppt/slides/slide3.xml><?xml version="1.0" encoding="utf-8"?>
 <p:sld xmlns:a="http://schemas.openxmlformats.org/drawingml/2006/main" xmlns:r="http://schemas.openxmlformats.org/officeDocument/2006/relationships" xmlns:p="http://schemas.openxmlformats.org/presentationml/2006/main">
   <p:cSld>
@@ -3878,7 +7848,7 @@
         </p:spPr>
         <p:txBody>
           <a:bodyPr>
-            <a:normAutofit lnSpcReduction="10000"/>
+            <a:normAutofit/>
           </a:bodyPr>
           <a:lstStyle/>
           <a:p>
@@ -3907,7 +7877,6 @@
               <a:rPr lang="en-US" sz="2000" i="1" dirty="0"/>
               <a:t>? </a:t>
             </a:r>
-            <a:endParaRPr lang="en-US" sz="2000" i="1" dirty="0" smtClean="0"/>
           </a:p>
           <a:p>
             <a:pPr marL="0" indent="0">
@@ -3943,12 +7912,6 @@
           </a:p>
           <a:p>
             <a:endParaRPr lang="en-US" dirty="0"/>
-          </a:p>
-          <a:p>
-            <a:r>
-              <a:rPr lang="en-US" dirty="0" smtClean="0"/>
-              <a:t>Can we trust our compiler?</a:t>
-            </a:r>
           </a:p>
         </p:txBody>
       </p:sp>
@@ -4022,7 +7985,7 @@
           <a:p>
             <a:r>
               <a:rPr lang="en-US" dirty="0" smtClean="0"/>
-              <a:t>Real-life compiler attacks</a:t>
+              <a:t>The problem</a:t>
             </a:r>
             <a:endParaRPr lang="en-US" dirty="0"/>
           </a:p>
@@ -4043,82 +8006,50 @@
           <a:bodyPr/>
           <a:lstStyle/>
           <a:p>
-            <a:pPr marL="228600" lvl="1">
-              <a:spcBef>
-                <a:spcPts val="1000"/>
-              </a:spcBef>
-            </a:pPr>
-            <a:r>
-              <a:rPr lang="en-US" sz="2800" dirty="0"/>
-              <a:t>Injects malicious code into compiled apps</a:t>
-            </a:r>
+            <a:r>
+              <a:rPr lang="en-US" dirty="0" smtClean="0"/>
+              <a:t>How do we know a program is safe?</a:t>
+            </a:r>
+          </a:p>
+          <a:p>
+            <a:r>
+              <a:rPr lang="en-US" dirty="0" smtClean="0"/>
+              <a:t>-&gt; Inspect the program’s source code.</a:t>
+            </a:r>
+          </a:p>
+          <a:p>
+            <a:r>
+              <a:rPr lang="en-US" dirty="0" smtClean="0"/>
+              <a:t>-&gt; Inspect the compiler’s source code, </a:t>
+            </a:r>
+            <a:r>
+              <a:rPr lang="en-US" dirty="0" err="1" smtClean="0"/>
+              <a:t>eg</a:t>
+            </a:r>
+            <a:r>
+              <a:rPr lang="en-US" dirty="0" smtClean="0"/>
+              <a:t>. GCC</a:t>
+            </a:r>
+          </a:p>
+          <a:p>
+            <a:r>
+              <a:rPr lang="en-US" dirty="0" smtClean="0"/>
+              <a:t>-&gt; But GCC is compiled by GCC???</a:t>
+            </a:r>
+          </a:p>
+          <a:p>
+            <a:endParaRPr lang="en-US" dirty="0" smtClean="0"/>
           </a:p>
           <a:p>
             <a:endParaRPr lang="en-US" dirty="0"/>
           </a:p>
           <a:p>
             <a:r>
-              <a:rPr lang="en-US" dirty="0" err="1" smtClean="0"/>
-              <a:t>Xcodeghost</a:t>
-            </a:r>
-            <a:endParaRPr lang="en-US" dirty="0" smtClean="0"/>
-          </a:p>
-          <a:p>
-            <a:pPr lvl="1"/>
-            <a:r>
-              <a:rPr lang="en-US" dirty="0"/>
-              <a:t>Modified </a:t>
-            </a:r>
-            <a:r>
-              <a:rPr lang="en-US" dirty="0" err="1"/>
-              <a:t>Xcode</a:t>
-            </a:r>
-            <a:r>
-              <a:rPr lang="en-US" dirty="0"/>
-              <a:t> compiler </a:t>
-            </a:r>
-            <a:r>
               <a:rPr lang="en-US" dirty="0" smtClean="0"/>
-              <a:t>hosted on Chinese websites</a:t>
-            </a:r>
-          </a:p>
-          <a:p>
-            <a:pPr lvl="1"/>
-            <a:r>
-              <a:rPr lang="en-US" dirty="0" smtClean="0"/>
-              <a:t>Discovered in Sept 2015</a:t>
-            </a:r>
-          </a:p>
-          <a:p>
-            <a:r>
-              <a:rPr lang="en-US" dirty="0" smtClean="0"/>
-              <a:t>Win32/</a:t>
-            </a:r>
-            <a:r>
-              <a:rPr lang="en-US" dirty="0" err="1" smtClean="0"/>
-              <a:t>Induc.A</a:t>
-            </a:r>
-            <a:r>
-              <a:rPr lang="en-US" dirty="0" smtClean="0"/>
-              <a:t> virus</a:t>
-            </a:r>
-          </a:p>
-          <a:p>
-            <a:pPr lvl="1"/>
-            <a:r>
-              <a:rPr lang="en-US" dirty="0" smtClean="0"/>
-              <a:t>Modifies Delphi Compiler</a:t>
-            </a:r>
-          </a:p>
-          <a:p>
-            <a:pPr lvl="1"/>
-            <a:r>
-              <a:rPr lang="en-US" dirty="0" smtClean="0"/>
-              <a:t>Discovered in Aug 2009</a:t>
-            </a:r>
-          </a:p>
-          <a:p>
-            <a:pPr lvl="1"/>
+              <a:t>So how? How deep do we go down the rabbit hole?</a:t>
+            </a:r>
+          </a:p>
+          <a:p>
             <a:endParaRPr lang="en-US" dirty="0"/>
           </a:p>
         </p:txBody>
@@ -4149,7 +8080,7 @@
     </p:spTree>
     <p:extLst>
       <p:ext uri="{BB962C8B-B14F-4D97-AF65-F5344CB8AC3E}">
-        <p14:creationId xmlns:p14="http://schemas.microsoft.com/office/powerpoint/2010/main" val="1840330803"/>
+        <p14:creationId xmlns:p14="http://schemas.microsoft.com/office/powerpoint/2010/main" val="1183967422"/>
       </p:ext>
     </p:extLst>
   </p:cSld>
@@ -4193,7 +8124,7 @@
           <a:p>
             <a:r>
               <a:rPr lang="en-US" dirty="0" smtClean="0"/>
-              <a:t>The problem</a:t>
+              <a:t>Real-life compiler attacks</a:t>
             </a:r>
             <a:endParaRPr lang="en-US" dirty="0"/>
           </a:p>
@@ -4214,50 +8145,82 @@
           <a:bodyPr/>
           <a:lstStyle/>
           <a:p>
+            <a:pPr marL="228600" lvl="1">
+              <a:spcBef>
+                <a:spcPts val="1000"/>
+              </a:spcBef>
+            </a:pPr>
+            <a:r>
+              <a:rPr lang="en-US" sz="2800" dirty="0"/>
+              <a:t>Injects malicious code into compiled apps</a:t>
+            </a:r>
+          </a:p>
+          <a:p>
+            <a:endParaRPr lang="en-US" dirty="0"/>
+          </a:p>
+          <a:p>
+            <a:r>
+              <a:rPr lang="en-US" dirty="0" err="1" smtClean="0"/>
+              <a:t>Xcodeghost</a:t>
+            </a:r>
+            <a:endParaRPr lang="en-US" dirty="0" smtClean="0"/>
+          </a:p>
+          <a:p>
+            <a:pPr lvl="1"/>
+            <a:r>
+              <a:rPr lang="en-US" dirty="0"/>
+              <a:t>Modified </a:t>
+            </a:r>
+            <a:r>
+              <a:rPr lang="en-US" dirty="0" err="1"/>
+              <a:t>Xcode</a:t>
+            </a:r>
+            <a:r>
+              <a:rPr lang="en-US" dirty="0"/>
+              <a:t> compiler </a:t>
+            </a:r>
             <a:r>
               <a:rPr lang="en-US" dirty="0" smtClean="0"/>
-              <a:t>How do we know a program is safe?</a:t>
-            </a:r>
-          </a:p>
-          <a:p>
+              <a:t>hosted on Chinese websites</a:t>
+            </a:r>
+          </a:p>
+          <a:p>
+            <a:pPr lvl="1"/>
             <a:r>
               <a:rPr lang="en-US" dirty="0" smtClean="0"/>
-              <a:t>-&gt; Inspect the program’s source code.</a:t>
+              <a:t>Discovered in Sept 2015</a:t>
             </a:r>
           </a:p>
           <a:p>
             <a:r>
               <a:rPr lang="en-US" dirty="0" smtClean="0"/>
-              <a:t>-&gt; Inspect the compiler’s source code, </a:t>
+              <a:t>Win32/</a:t>
             </a:r>
             <a:r>
               <a:rPr lang="en-US" dirty="0" err="1" smtClean="0"/>
-              <a:t>eg</a:t>
+              <a:t>Induc.A</a:t>
             </a:r>
             <a:r>
               <a:rPr lang="en-US" dirty="0" smtClean="0"/>
-              <a:t>. GCC</a:t>
-            </a:r>
-          </a:p>
-          <a:p>
+              <a:t> virus</a:t>
+            </a:r>
+          </a:p>
+          <a:p>
+            <a:pPr lvl="1"/>
             <a:r>
               <a:rPr lang="en-US" dirty="0" smtClean="0"/>
-              <a:t>-&gt; But GCC is compiled by GCC???</a:t>
-            </a:r>
-          </a:p>
-          <a:p>
-            <a:endParaRPr lang="en-US" dirty="0" smtClean="0"/>
-          </a:p>
-          <a:p>
-            <a:endParaRPr lang="en-US" dirty="0"/>
-          </a:p>
-          <a:p>
+              <a:t>Modifies Delphi Compiler</a:t>
+            </a:r>
+          </a:p>
+          <a:p>
+            <a:pPr lvl="1"/>
             <a:r>
               <a:rPr lang="en-US" dirty="0" smtClean="0"/>
-              <a:t>So how? How deep do we go down the rabbit hole?</a:t>
-            </a:r>
-          </a:p>
-          <a:p>
+              <a:t>Discovered in Aug 2009</a:t>
+            </a:r>
+          </a:p>
+          <a:p>
+            <a:pPr lvl="1"/>
             <a:endParaRPr lang="en-US" dirty="0"/>
           </a:p>
         </p:txBody>
@@ -4288,7 +8251,7 @@
     </p:spTree>
     <p:extLst>
       <p:ext uri="{BB962C8B-B14F-4D97-AF65-F5344CB8AC3E}">
-        <p14:creationId xmlns:p14="http://schemas.microsoft.com/office/powerpoint/2010/main" val="1183967422"/>
+        <p14:creationId xmlns:p14="http://schemas.microsoft.com/office/powerpoint/2010/main" val="1840330803"/>
       </p:ext>
     </p:extLst>
   </p:cSld>
@@ -4331,8 +8294,12 @@
           <a:lstStyle/>
           <a:p>
             <a:r>
+              <a:rPr lang="en-US" dirty="0"/>
+              <a:t>4</a:t>
+            </a:r>
+            <a:r>
               <a:rPr lang="en-US" dirty="0" smtClean="0"/>
-              <a:t>3 stages of ”proof”</a:t>
+              <a:t> stages of ”proof”</a:t>
             </a:r>
             <a:endParaRPr lang="en-US" dirty="0"/>
           </a:p>
@@ -4359,11 +8326,7 @@
             </a:pPr>
             <a:r>
               <a:rPr lang="en-US" dirty="0" smtClean="0"/>
-              <a:t>Self-reproducing </a:t>
-            </a:r>
-            <a:r>
-              <a:rPr lang="en-US" dirty="0" smtClean="0"/>
-              <a:t>program (</a:t>
+              <a:t>Self-reproducing program (</a:t>
             </a:r>
             <a:r>
               <a:rPr lang="en-US" dirty="0" err="1" smtClean="0"/>
@@ -4373,7 +8336,6 @@
               <a:rPr lang="en-US" dirty="0" smtClean="0"/>
               <a:t>)</a:t>
             </a:r>
-            <a:endParaRPr lang="en-US" dirty="0" smtClean="0"/>
           </a:p>
           <a:p>
             <a:pPr marL="514350" indent="-514350">
@@ -4393,6 +8355,16 @@
             <a:r>
               <a:rPr lang="en-US" dirty="0" smtClean="0"/>
               <a:t>The attack</a:t>
+            </a:r>
+          </a:p>
+          <a:p>
+            <a:pPr marL="514350" indent="-514350">
+              <a:buFont typeface="+mj-lt"/>
+              <a:buAutoNum type="arabicPeriod"/>
+            </a:pPr>
+            <a:r>
+              <a:rPr lang="en-US" dirty="0" smtClean="0"/>
+              <a:t>Subverting verification</a:t>
             </a:r>
           </a:p>
           <a:p>
@@ -4403,13 +8375,12 @@
             <a:endParaRPr lang="en-US" dirty="0" smtClean="0"/>
           </a:p>
           <a:p>
-            <a:pPr marL="514350" indent="-514350">
-              <a:buFont typeface="+mj-lt"/>
-              <a:buAutoNum type="arabicPeriod"/>
+            <a:pPr marL="0" indent="0">
+              <a:buNone/>
             </a:pPr>
             <a:r>
               <a:rPr lang="en-US" dirty="0" smtClean="0"/>
-              <a:t>The conclusion</a:t>
+              <a:t>Finally: The conclusion</a:t>
             </a:r>
             <a:endParaRPr lang="en-US" dirty="0"/>
           </a:p>
@@ -4490,11 +8461,7 @@
           <a:p>
             <a:r>
               <a:rPr lang="en-US" dirty="0" smtClean="0"/>
-              <a:t>1. Self-reproducing </a:t>
-            </a:r>
-            <a:r>
-              <a:rPr lang="en-US" dirty="0" smtClean="0"/>
-              <a:t>program (</a:t>
+              <a:t>1a. Self-reproducing program (</a:t>
             </a:r>
             <a:r>
               <a:rPr lang="en-US" dirty="0" err="1" smtClean="0"/>
@@ -4533,11 +8500,7 @@
             </a:r>
             <a:r>
               <a:rPr lang="en-US" dirty="0" smtClean="0"/>
-              <a:t>will produce </a:t>
-            </a:r>
-            <a:r>
-              <a:rPr lang="en-US" dirty="0" smtClean="0"/>
-              <a:t>as </a:t>
+              <a:t>will produce as </a:t>
             </a:r>
             <a:r>
               <a:rPr lang="en-US" dirty="0"/>
@@ -4547,7 +8510,6 @@
               <a:rPr lang="en-US" dirty="0" smtClean="0"/>
               <a:t>. (Thompson)</a:t>
             </a:r>
-            <a:endParaRPr lang="en-US" dirty="0" smtClean="0"/>
           </a:p>
           <a:p>
             <a:r>
@@ -4572,9 +8534,12 @@
             </a:pPr>
             <a:r>
               <a:rPr lang="en-US" dirty="0" smtClean="0"/>
-              <a:t>A program can include extra code to be transmitted to the output program.</a:t>
-            </a:r>
-            <a:endParaRPr lang="en-US" dirty="0"/>
+              <a:t>A </a:t>
+            </a:r>
+            <a:r>
+              <a:rPr lang="en-US" dirty="0"/>
+              <a:t>program can output extra text not relevant to printing itself.</a:t>
+            </a:r>
           </a:p>
         </p:txBody>
       </p:sp>
@@ -4653,7 +8618,7 @@
           <a:p>
             <a:r>
               <a:rPr lang="en-US" dirty="0" smtClean="0"/>
-              <a:t>Stage 1 demo</a:t>
+              <a:t>1b. Demo</a:t>
             </a:r>
             <a:endParaRPr lang="en-US" dirty="0"/>
           </a:p>
@@ -4682,36 +8647,6 @@
           </a:p>
         </p:txBody>
       </p:sp>
-      <p:pic>
-        <p:nvPicPr>
-          <p:cNvPr id="6" name="Picture 5"/>
-          <p:cNvPicPr>
-            <a:picLocks noChangeAspect="1"/>
-          </p:cNvPicPr>
-          <p:nvPr/>
-        </p:nvPicPr>
-        <p:blipFill>
-          <a:blip r:embed="rId2">
-            <a:extLst>
-              <a:ext uri="{28A0092B-C50C-407E-A947-70E740481C1C}">
-                <a14:useLocalDpi xmlns:a14="http://schemas.microsoft.com/office/drawing/2010/main" val="0"/>
-              </a:ext>
-            </a:extLst>
-          </a:blip>
-          <a:stretch>
-            <a:fillRect/>
-          </a:stretch>
-        </p:blipFill>
-        <p:spPr>
-          <a:xfrm>
-            <a:off x="535545" y="975757"/>
-            <a:ext cx="8072910" cy="2873635"/>
-          </a:xfrm>
-          <a:prstGeom prst="rect">
-            <a:avLst/>
-          </a:prstGeom>
-        </p:spPr>
-      </p:pic>
       <p:graphicFrame>
         <p:nvGraphicFramePr>
           <p:cNvPr id="9" name="Table 8"/>
@@ -4737,8 +8672,20 @@
                 <a:tableStyleId>{5C22544A-7EE6-4342-B048-85BDC9FD1C3A}</a:tableStyleId>
               </a:tblPr>
               <a:tblGrid>
-                <a:gridCol w="3048000"/>
-                <a:gridCol w="3048000"/>
+                <a:gridCol w="3048000">
+                  <a:extLst>
+                    <a:ext uri="{9D8B030D-6E8A-4147-A177-3AD203B41FA5}">
+                      <a16:colId xmlns:a16="http://schemas.microsoft.com/office/drawing/2014/main" xmlns="" val="20000"/>
+                    </a:ext>
+                  </a:extLst>
+                </a:gridCol>
+                <a:gridCol w="3048000">
+                  <a:extLst>
+                    <a:ext uri="{9D8B030D-6E8A-4147-A177-3AD203B41FA5}">
+                      <a16:colId xmlns:a16="http://schemas.microsoft.com/office/drawing/2014/main" xmlns="" val="20001"/>
+                    </a:ext>
+                  </a:extLst>
+                </a:gridCol>
               </a:tblGrid>
               <a:tr h="370840">
                 <a:tc>
@@ -4769,6 +8716,11 @@
                   </a:txBody>
                   <a:tcPr/>
                 </a:tc>
+                <a:extLst>
+                  <a:ext uri="{0D108BD9-81ED-4DB2-BD59-A6C34878D82A}">
+                    <a16:rowId xmlns:a16="http://schemas.microsoft.com/office/drawing/2014/main" xmlns="" val="10000"/>
+                  </a:ext>
+                </a:extLst>
               </a:tr>
               <a:tr h="370840">
                 <a:tc>
@@ -4832,6 +8784,11 @@
                   </a:txBody>
                   <a:tcPr/>
                 </a:tc>
+                <a:extLst>
+                  <a:ext uri="{0D108BD9-81ED-4DB2-BD59-A6C34878D82A}">
+                    <a16:rowId xmlns:a16="http://schemas.microsoft.com/office/drawing/2014/main" xmlns="" val="10001"/>
+                  </a:ext>
+                </a:extLst>
               </a:tr>
               <a:tr h="370840">
                 <a:tc>
@@ -4866,6 +8823,11 @@
                   </a:txBody>
                   <a:tcPr/>
                 </a:tc>
+                <a:extLst>
+                  <a:ext uri="{0D108BD9-81ED-4DB2-BD59-A6C34878D82A}">
+                    <a16:rowId xmlns:a16="http://schemas.microsoft.com/office/drawing/2014/main" xmlns="" val="10002"/>
+                  </a:ext>
+                </a:extLst>
               </a:tr>
               <a:tr h="370840">
                 <a:tc>
@@ -4933,6 +8895,11 @@
                   </a:txBody>
                   <a:tcPr/>
                 </a:tc>
+                <a:extLst>
+                  <a:ext uri="{0D108BD9-81ED-4DB2-BD59-A6C34878D82A}">
+                    <a16:rowId xmlns:a16="http://schemas.microsoft.com/office/drawing/2014/main" xmlns="" val="10003"/>
+                  </a:ext>
+                </a:extLst>
               </a:tr>
               <a:tr h="370840">
                 <a:tc>
@@ -4984,6 +8951,11 @@
                   </a:txBody>
                   <a:tcPr/>
                 </a:tc>
+                <a:extLst>
+                  <a:ext uri="{0D108BD9-81ED-4DB2-BD59-A6C34878D82A}">
+                    <a16:rowId xmlns:a16="http://schemas.microsoft.com/office/drawing/2014/main" xmlns="" val="10004"/>
+                  </a:ext>
+                </a:extLst>
               </a:tr>
               <a:tr h="370840">
                 <a:tc>
@@ -5043,15 +9015,212 @@
                   </a:txBody>
                   <a:tcPr/>
                 </a:tc>
+                <a:extLst>
+                  <a:ext uri="{0D108BD9-81ED-4DB2-BD59-A6C34878D82A}">
+                    <a16:rowId xmlns:a16="http://schemas.microsoft.com/office/drawing/2014/main" xmlns="" val="10005"/>
+                  </a:ext>
+                </a:extLst>
               </a:tr>
             </a:tbl>
           </a:graphicData>
         </a:graphic>
       </p:graphicFrame>
+      <p:pic>
+        <p:nvPicPr>
+          <p:cNvPr id="5" name="Picture 4"/>
+          <p:cNvPicPr>
+            <a:picLocks noChangeAspect="1"/>
+          </p:cNvPicPr>
+          <p:nvPr/>
+        </p:nvPicPr>
+        <p:blipFill>
+          <a:blip r:embed="rId2">
+            <a:extLst>
+              <a:ext uri="{28A0092B-C50C-407E-A947-70E740481C1C}">
+                <a14:useLocalDpi xmlns:a14="http://schemas.microsoft.com/office/drawing/2010/main" val="0"/>
+              </a:ext>
+            </a:extLst>
+          </a:blip>
+          <a:stretch>
+            <a:fillRect/>
+          </a:stretch>
+        </p:blipFill>
+        <p:spPr>
+          <a:xfrm>
+            <a:off x="198120" y="1027029"/>
+            <a:ext cx="8747760" cy="2540446"/>
+          </a:xfrm>
+          <a:prstGeom prst="rect">
+            <a:avLst/>
+          </a:prstGeom>
+        </p:spPr>
+      </p:pic>
+      <p:sp>
+        <p:nvSpPr>
+          <p:cNvPr id="3" name="TextBox 2"/>
+          <p:cNvSpPr txBox="1"/>
+          <p:nvPr/>
+        </p:nvSpPr>
+        <p:spPr>
+          <a:xfrm>
+            <a:off x="1524000" y="3664727"/>
+            <a:ext cx="2328907" cy="369332"/>
+          </a:xfrm>
+          <a:prstGeom prst="rect">
+            <a:avLst/>
+          </a:prstGeom>
+          <a:noFill/>
+        </p:spPr>
+        <p:txBody>
+          <a:bodyPr wrap="none" rtlCol="0">
+            <a:spAutoFit/>
+          </a:bodyPr>
+          <a:lstStyle/>
+          <a:p>
+            <a:r>
+              <a:rPr lang="en-US" dirty="0" smtClean="0"/>
+              <a:t>Go to stage1 directory:</a:t>
+            </a:r>
+            <a:endParaRPr lang="en-US" dirty="0"/>
+          </a:p>
+        </p:txBody>
+      </p:sp>
     </p:spTree>
     <p:extLst>
       <p:ext uri="{BB962C8B-B14F-4D97-AF65-F5344CB8AC3E}">
         <p14:creationId xmlns:p14="http://schemas.microsoft.com/office/powerpoint/2010/main" val="86875311"/>
+      </p:ext>
+    </p:extLst>
+  </p:cSld>
+  <p:clrMapOvr>
+    <a:masterClrMapping/>
+  </p:clrMapOvr>
+</p:sld>
+</file>
+
+<file path=ppt/slides/slide9.xml><?xml version="1.0" encoding="utf-8"?>
+<p:sld xmlns:a="http://schemas.openxmlformats.org/drawingml/2006/main" xmlns:r="http://schemas.openxmlformats.org/officeDocument/2006/relationships" xmlns:p="http://schemas.openxmlformats.org/presentationml/2006/main">
+  <p:cSld>
+    <p:spTree>
+      <p:nvGrpSpPr>
+        <p:cNvPr id="1" name=""/>
+        <p:cNvGrpSpPr/>
+        <p:nvPr/>
+      </p:nvGrpSpPr>
+      <p:grpSpPr>
+        <a:xfrm>
+          <a:off x="0" y="0"/>
+          <a:ext cx="0" cy="0"/>
+          <a:chOff x="0" y="0"/>
+          <a:chExt cx="0" cy="0"/>
+        </a:xfrm>
+      </p:grpSpPr>
+      <p:sp>
+        <p:nvSpPr>
+          <p:cNvPr id="2" name="Title 1"/>
+          <p:cNvSpPr>
+            <a:spLocks noGrp="1"/>
+          </p:cNvSpPr>
+          <p:nvPr>
+            <p:ph type="title"/>
+          </p:nvPr>
+        </p:nvSpPr>
+        <p:spPr>
+          <a:xfrm>
+            <a:off x="248194" y="365126"/>
+            <a:ext cx="8647612" cy="1325563"/>
+          </a:xfrm>
+        </p:spPr>
+        <p:txBody>
+          <a:bodyPr/>
+          <a:lstStyle/>
+          <a:p>
+            <a:r>
+              <a:rPr lang="en-US" dirty="0" smtClean="0"/>
+              <a:t>2a. Knowledge propagation</a:t>
+            </a:r>
+            <a:endParaRPr lang="en-US" dirty="0"/>
+          </a:p>
+        </p:txBody>
+      </p:sp>
+      <p:sp>
+        <p:nvSpPr>
+          <p:cNvPr id="3" name="Content Placeholder 2"/>
+          <p:cNvSpPr>
+            <a:spLocks noGrp="1"/>
+          </p:cNvSpPr>
+          <p:nvPr>
+            <p:ph idx="1"/>
+          </p:nvPr>
+        </p:nvSpPr>
+        <p:spPr/>
+        <p:txBody>
+          <a:bodyPr>
+            <a:normAutofit/>
+          </a:bodyPr>
+          <a:lstStyle/>
+          <a:p>
+            <a:r>
+              <a:rPr lang="en-US" dirty="0" smtClean="0"/>
+              <a:t>Knowledge gained in first iteration of compiler passed down to subsequent “generations”</a:t>
+            </a:r>
+          </a:p>
+          <a:p>
+            <a:r>
+              <a:rPr lang="en-US" dirty="0" smtClean="0"/>
+              <a:t>Compiler training</a:t>
+            </a:r>
+          </a:p>
+          <a:p>
+            <a:pPr lvl="1"/>
+            <a:r>
+              <a:rPr lang="en-US" dirty="0" err="1" smtClean="0"/>
+              <a:t>Recognising</a:t>
+            </a:r>
+            <a:r>
+              <a:rPr lang="en-US" dirty="0" smtClean="0"/>
+              <a:t> a new data type</a:t>
+            </a:r>
+          </a:p>
+          <a:p>
+            <a:endParaRPr lang="en-US" dirty="0"/>
+          </a:p>
+          <a:p>
+            <a:r>
+              <a:rPr lang="en-US" dirty="0" smtClean="0"/>
+              <a:t>Similar to bootstrapping the compiler</a:t>
+            </a:r>
+            <a:endParaRPr lang="en-US" dirty="0"/>
+          </a:p>
+        </p:txBody>
+      </p:sp>
+      <p:sp>
+        <p:nvSpPr>
+          <p:cNvPr id="4" name="Slide Number Placeholder 3"/>
+          <p:cNvSpPr>
+            <a:spLocks noGrp="1"/>
+          </p:cNvSpPr>
+          <p:nvPr>
+            <p:ph type="sldNum" sz="quarter" idx="12"/>
+          </p:nvPr>
+        </p:nvSpPr>
+        <p:spPr/>
+        <p:txBody>
+          <a:bodyPr/>
+          <a:lstStyle/>
+          <a:p>
+            <a:fld id="{9705DC4D-6496-4D9B-AA35-AB22DFE8A2F2}" type="slidenum">
+              <a:rPr lang="en-SG" smtClean="0"/>
+              <a:t>9</a:t>
+            </a:fld>
+            <a:endParaRPr lang="en-SG"/>
+          </a:p>
+        </p:txBody>
+      </p:sp>
+    </p:spTree>
+    <p:extLst>
+      <p:ext uri="{BB962C8B-B14F-4D97-AF65-F5344CB8AC3E}">
+        <p14:creationId xmlns:p14="http://schemas.microsoft.com/office/powerpoint/2010/main" val="3082612011"/>
       </p:ext>
     </p:extLst>
   </p:cSld>

--- a/reflections-of-reflecting-trust-slides.pptx
+++ b/reflections-of-reflecting-trust-slides.pptx
@@ -5,10 +5,10 @@
     <p:sldMasterId id="2147483660" r:id="rId1"/>
   </p:sldMasterIdLst>
   <p:notesMasterIdLst>
-    <p:notesMasterId r:id="rId28"/>
+    <p:notesMasterId r:id="rId40"/>
   </p:notesMasterIdLst>
   <p:handoutMasterIdLst>
-    <p:handoutMasterId r:id="rId29"/>
+    <p:handoutMasterId r:id="rId41"/>
   </p:handoutMasterIdLst>
   <p:sldIdLst>
     <p:sldId id="256" r:id="rId2"/>
@@ -30,13 +30,25 @@
     <p:sldId id="273" r:id="rId18"/>
     <p:sldId id="274" r:id="rId19"/>
     <p:sldId id="276" r:id="rId20"/>
-    <p:sldId id="275" r:id="rId21"/>
-    <p:sldId id="272" r:id="rId22"/>
-    <p:sldId id="278" r:id="rId23"/>
-    <p:sldId id="280" r:id="rId24"/>
-    <p:sldId id="281" r:id="rId25"/>
-    <p:sldId id="279" r:id="rId26"/>
-    <p:sldId id="266" r:id="rId27"/>
+    <p:sldId id="285" r:id="rId21"/>
+    <p:sldId id="275" r:id="rId22"/>
+    <p:sldId id="272" r:id="rId23"/>
+    <p:sldId id="278" r:id="rId24"/>
+    <p:sldId id="280" r:id="rId25"/>
+    <p:sldId id="281" r:id="rId26"/>
+    <p:sldId id="279" r:id="rId27"/>
+    <p:sldId id="282" r:id="rId28"/>
+    <p:sldId id="283" r:id="rId29"/>
+    <p:sldId id="284" r:id="rId30"/>
+    <p:sldId id="287" r:id="rId31"/>
+    <p:sldId id="286" r:id="rId32"/>
+    <p:sldId id="288" r:id="rId33"/>
+    <p:sldId id="289" r:id="rId34"/>
+    <p:sldId id="291" r:id="rId35"/>
+    <p:sldId id="290" r:id="rId36"/>
+    <p:sldId id="292" r:id="rId37"/>
+    <p:sldId id="266" r:id="rId38"/>
+    <p:sldId id="293" r:id="rId39"/>
   </p:sldIdLst>
   <p:sldSz cx="9144000" cy="6858000" type="screen4x3"/>
   <p:notesSz cx="9144000" cy="6858000"/>
@@ -225,7 +237,7 @@
           <a:p>
             <a:fld id="{DBB36151-A010-D04C-8956-928746249808}" type="datetimeFigureOut">
               <a:rPr lang="en-US" smtClean="0"/>
-              <a:t>1/3/16</a:t>
+              <a:t>1/12/16</a:t>
             </a:fld>
             <a:endParaRPr lang="en-US"/>
           </a:p>
@@ -390,7 +402,7 @@
           <a:p>
             <a:fld id="{A4C7C88C-CDFE-4350-B2C5-3C6CAEFDB07C}" type="datetimeFigureOut">
               <a:rPr lang="en-SG" smtClean="0"/>
-              <a:t>3/1/16</a:t>
+              <a:t>12/1/16</a:t>
             </a:fld>
             <a:endParaRPr lang="en-SG"/>
           </a:p>
@@ -789,7 +801,7 @@
           <a:p>
             <a:fld id="{422F67E2-38E7-4A1D-97B7-1A3D76F52D34}" type="datetime1">
               <a:rPr lang="en-SG" smtClean="0"/>
-              <a:t>3/1/16</a:t>
+              <a:t>12/1/16</a:t>
             </a:fld>
             <a:endParaRPr lang="en-SG"/>
           </a:p>
@@ -959,7 +971,7 @@
           <a:p>
             <a:fld id="{571D26BE-CF29-49E8-90A9-693FA176DA2E}" type="datetime1">
               <a:rPr lang="en-SG" smtClean="0"/>
-              <a:t>3/1/16</a:t>
+              <a:t>12/1/16</a:t>
             </a:fld>
             <a:endParaRPr lang="en-SG"/>
           </a:p>
@@ -1139,7 +1151,7 @@
           <a:p>
             <a:fld id="{9465F57D-487B-4FA9-9804-4E6B1445D87E}" type="datetime1">
               <a:rPr lang="en-SG" smtClean="0"/>
-              <a:t>3/1/16</a:t>
+              <a:t>12/1/16</a:t>
             </a:fld>
             <a:endParaRPr lang="en-SG"/>
           </a:p>
@@ -1309,7 +1321,7 @@
           <a:p>
             <a:fld id="{FF100F33-09D9-4424-9CFF-3583AE8E001C}" type="datetime1">
               <a:rPr lang="en-SG" smtClean="0"/>
-              <a:t>3/1/16</a:t>
+              <a:t>12/1/16</a:t>
             </a:fld>
             <a:endParaRPr lang="en-SG"/>
           </a:p>
@@ -1553,7 +1565,7 @@
           <a:p>
             <a:fld id="{FEDF4C57-AE9B-4009-AE25-E54332066983}" type="datetime1">
               <a:rPr lang="en-SG" smtClean="0"/>
-              <a:t>3/1/16</a:t>
+              <a:t>12/1/16</a:t>
             </a:fld>
             <a:endParaRPr lang="en-SG"/>
           </a:p>
@@ -1785,7 +1797,7 @@
           <a:p>
             <a:fld id="{8804DBDF-77D8-4526-82F0-2FD9258F6F4E}" type="datetime1">
               <a:rPr lang="en-SG" smtClean="0"/>
-              <a:t>3/1/16</a:t>
+              <a:t>12/1/16</a:t>
             </a:fld>
             <a:endParaRPr lang="en-SG"/>
           </a:p>
@@ -2152,7 +2164,7 @@
           <a:p>
             <a:fld id="{2EDDACF3-1137-43EC-8B9B-FFC39405A05F}" type="datetime1">
               <a:rPr lang="en-SG" smtClean="0"/>
-              <a:t>3/1/16</a:t>
+              <a:t>12/1/16</a:t>
             </a:fld>
             <a:endParaRPr lang="en-SG"/>
           </a:p>
@@ -2270,7 +2282,7 @@
           <a:p>
             <a:fld id="{7EA35B8A-1AE7-4E07-AA62-B18CC233816A}" type="datetime1">
               <a:rPr lang="en-SG" smtClean="0"/>
-              <a:t>3/1/16</a:t>
+              <a:t>12/1/16</a:t>
             </a:fld>
             <a:endParaRPr lang="en-SG"/>
           </a:p>
@@ -2365,7 +2377,7 @@
           <a:p>
             <a:fld id="{3E5DB0B1-4D46-4B8D-87D9-ED3A0D6268D9}" type="datetime1">
               <a:rPr lang="en-SG" smtClean="0"/>
-              <a:t>3/1/16</a:t>
+              <a:t>12/1/16</a:t>
             </a:fld>
             <a:endParaRPr lang="en-SG"/>
           </a:p>
@@ -2642,7 +2654,7 @@
           <a:p>
             <a:fld id="{B5FAF827-52F0-4265-95B3-9B7BE33238A1}" type="datetime1">
               <a:rPr lang="en-SG" smtClean="0"/>
-              <a:t>3/1/16</a:t>
+              <a:t>12/1/16</a:t>
             </a:fld>
             <a:endParaRPr lang="en-SG"/>
           </a:p>
@@ -2899,7 +2911,7 @@
           <a:p>
             <a:fld id="{FB910920-7330-4500-8EED-E7F9B59504DB}" type="datetime1">
               <a:rPr lang="en-SG" smtClean="0"/>
-              <a:t>3/1/16</a:t>
+              <a:t>12/1/16</a:t>
             </a:fld>
             <a:endParaRPr lang="en-SG"/>
           </a:p>
@@ -3112,7 +3124,7 @@
           <a:p>
             <a:fld id="{049282E9-B576-43F6-B614-0FB8874DC925}" type="datetime1">
               <a:rPr lang="en-SG" smtClean="0"/>
-              <a:t>3/1/16</a:t>
+              <a:t>12/1/16</a:t>
             </a:fld>
             <a:endParaRPr lang="en-SG"/>
           </a:p>
@@ -3530,7 +3542,7 @@
         </p:nvSpPr>
         <p:spPr>
           <a:xfrm>
-            <a:off x="518122" y="257585"/>
+            <a:off x="518122" y="0"/>
             <a:ext cx="8144691" cy="1377950"/>
           </a:xfrm>
         </p:spPr>
@@ -3564,8 +3576,8 @@
         </p:nvSpPr>
         <p:spPr>
           <a:xfrm>
-            <a:off x="1161468" y="2534936"/>
-            <a:ext cx="6858000" cy="1841121"/>
+            <a:off x="323267" y="1714628"/>
+            <a:ext cx="8534400" cy="4369485"/>
           </a:xfrm>
         </p:spPr>
         <p:txBody>
@@ -3574,39 +3586,127 @@
           </a:bodyPr>
           <a:lstStyle/>
           <a:p>
-            <a:r>
-              <a:rPr lang="en-SG" dirty="0" smtClean="0"/>
-              <a:t>Turing Award Lecture 1984</a:t>
-            </a:r>
-          </a:p>
-          <a:p>
-            <a:r>
-              <a:rPr lang="en-SG" dirty="0" smtClean="0"/>
-              <a:t>Given by: </a:t>
-            </a:r>
-            <a:r>
-              <a:rPr lang="en-SG" dirty="0"/>
+            <a:pPr marL="457200" indent="-457200" algn="l">
+              <a:buFont typeface="+mj-lt"/>
+              <a:buAutoNum type="arabicPeriod"/>
+            </a:pPr>
+            <a:r>
+              <a:rPr lang="en-SG" sz="2000" u="sng" dirty="0" smtClean="0"/>
+              <a:t>Turing Award Lecture </a:t>
+            </a:r>
+            <a:r>
+              <a:rPr lang="en-SG" sz="2000" u="sng" dirty="0" smtClean="0"/>
+              <a:t>1984</a:t>
+            </a:r>
+          </a:p>
+          <a:p>
+            <a:pPr lvl="1" algn="l"/>
+            <a:r>
+              <a:rPr lang="en-SG" sz="1800" dirty="0" smtClean="0"/>
+              <a:t>Given </a:t>
+            </a:r>
+            <a:r>
+              <a:rPr lang="en-SG" sz="1800" dirty="0" smtClean="0"/>
+              <a:t>by: </a:t>
+            </a:r>
+            <a:r>
+              <a:rPr lang="en-SG" sz="1800" dirty="0"/>
               <a:t>Ken </a:t>
             </a:r>
             <a:r>
-              <a:rPr lang="en-SG" dirty="0" smtClean="0"/>
+              <a:rPr lang="en-SG" sz="1800" dirty="0" smtClean="0"/>
               <a:t>Thompson</a:t>
             </a:r>
           </a:p>
           <a:p>
-            <a:pPr algn="l"/>
-            <a:r>
-              <a:rPr lang="en-SG" dirty="0">
+            <a:pPr lvl="1" algn="l"/>
+            <a:r>
+              <a:rPr lang="en-SG" sz="1800" dirty="0">
                 <a:hlinkClick r:id="rId2"/>
               </a:rPr>
               <a:t>https://www.ece.cmu.edu/~</a:t>
             </a:r>
             <a:r>
-              <a:rPr lang="en-SG" dirty="0" smtClean="0">
+              <a:rPr lang="en-SG" sz="1800" dirty="0" smtClean="0">
                 <a:hlinkClick r:id="rId2"/>
               </a:rPr>
               <a:t>ganger/712.fall02/papers/p761-thompson.pdf</a:t>
             </a:r>
+            <a:endParaRPr lang="en-SG" sz="1800" dirty="0" smtClean="0"/>
+          </a:p>
+          <a:p>
+            <a:pPr marL="457200" indent="-457200" algn="l">
+              <a:buFont typeface="+mj-lt"/>
+              <a:buAutoNum type="arabicPeriod"/>
+            </a:pPr>
+            <a:r>
+              <a:rPr lang="en-SG" sz="2000" u="sng" dirty="0" smtClean="0"/>
+              <a:t>Fully Countering Trust through Diverse Double Compiling (2009)</a:t>
+            </a:r>
+          </a:p>
+          <a:p>
+            <a:pPr lvl="1" algn="l"/>
+            <a:r>
+              <a:rPr lang="en-SG" sz="1800" dirty="0" smtClean="0"/>
+              <a:t>By: David A. Wheeler</a:t>
+            </a:r>
+          </a:p>
+          <a:p>
+            <a:pPr lvl="1" algn="l"/>
+            <a:r>
+              <a:rPr lang="en-SG" sz="1800" dirty="0">
+                <a:hlinkClick r:id="rId3"/>
+              </a:rPr>
+              <a:t>http://</a:t>
+            </a:r>
+            <a:r>
+              <a:rPr lang="en-SG" sz="1800" dirty="0" smtClean="0">
+                <a:hlinkClick r:id="rId3"/>
+              </a:rPr>
+              <a:t>www.dwheeler.com/trusting-trust/dissertation/wheeler-trusting-trust-ddc.pdf</a:t>
+            </a:r>
+            <a:endParaRPr lang="en-SG" sz="1800" dirty="0" smtClean="0"/>
+          </a:p>
+          <a:p>
+            <a:pPr marL="457200" indent="-457200" algn="l">
+              <a:buFont typeface="+mj-lt"/>
+              <a:buAutoNum type="arabicPeriod"/>
+            </a:pPr>
+            <a:r>
+              <a:rPr lang="en-SG" sz="2000" u="sng" dirty="0" smtClean="0"/>
+              <a:t>Critique of DDC (2010)</a:t>
+            </a:r>
+          </a:p>
+          <a:p>
+            <a:pPr lvl="1" algn="l"/>
+            <a:r>
+              <a:rPr lang="en-SG" sz="1800" dirty="0" smtClean="0"/>
+              <a:t>By: Paul </a:t>
+            </a:r>
+            <a:r>
+              <a:rPr lang="en-SG" sz="1800" dirty="0" err="1" smtClean="0"/>
+              <a:t>Jakma</a:t>
+            </a:r>
+            <a:endParaRPr lang="en-SG" sz="1800" dirty="0"/>
+          </a:p>
+          <a:p>
+            <a:pPr lvl="1" algn="l"/>
+            <a:r>
+              <a:rPr lang="en-SG" dirty="0">
+                <a:hlinkClick r:id="rId4"/>
+              </a:rPr>
+              <a:t>https://</a:t>
+            </a:r>
+            <a:r>
+              <a:rPr lang="en-SG" dirty="0" smtClean="0">
+                <a:hlinkClick r:id="rId4"/>
+              </a:rPr>
+              <a:t>pjakma.files.wordpress.com/2010/09/critique-ddc.pdf</a:t>
+            </a:r>
+            <a:endParaRPr lang="en-SG" dirty="0" smtClean="0"/>
+          </a:p>
+          <a:p>
+            <a:pPr algn="l"/>
             <a:endParaRPr lang="en-SG" dirty="0"/>
           </a:p>
         </p:txBody>
@@ -3635,7 +3735,11 @@
           <a:p>
             <a:r>
               <a:rPr lang="en-SG" dirty="0" smtClean="0"/>
-              <a:t>Papers We Love #16 (25 Jan 2015)</a:t>
+              <a:t>Papers We Love #16 (25 Jan </a:t>
+            </a:r>
+            <a:r>
+              <a:rPr lang="en-SG" dirty="0" smtClean="0"/>
+              <a:t>2016)</a:t>
             </a:r>
             <a:endParaRPr lang="en-SG" dirty="0"/>
           </a:p>
@@ -3669,7 +3773,7 @@
             </a:r>
             <a:r>
               <a:rPr lang="en-SG" dirty="0" smtClean="0">
-                <a:hlinkClick r:id="rId3"/>
+                <a:hlinkClick r:id="rId5"/>
               </a:rPr>
               <a:t>yeokm1@gmail.com)</a:t>
             </a:r>
@@ -3678,13 +3782,13 @@
           <a:p>
             <a:r>
               <a:rPr lang="en-SG" sz="1600" dirty="0">
-                <a:hlinkClick r:id="rId4"/>
+                <a:hlinkClick r:id="rId6"/>
               </a:rPr>
               <a:t>https://</a:t>
             </a:r>
             <a:r>
               <a:rPr lang="en-SG" sz="1600" dirty="0" smtClean="0">
-                <a:hlinkClick r:id="rId4"/>
+                <a:hlinkClick r:id="rId6"/>
               </a:rPr>
               <a:t>github.com/yeokm1/reflections-of-trusting-trust</a:t>
             </a:r>
@@ -4017,7 +4121,7 @@
           <p:nvPr>
             <p:extLst>
               <p:ext uri="{D42A27DB-BD31-4B8C-83A1-F6EECF244321}">
-                <p14:modId xmlns:p14="http://schemas.microsoft.com/office/powerpoint/2010/main" val="1396986656"/>
+                <p14:modId xmlns:p14="http://schemas.microsoft.com/office/powerpoint/2010/main" val="1768103004"/>
               </p:ext>
             </p:extLst>
           </p:nvPr>
@@ -4036,14 +4140,14 @@
                 <a:gridCol w="3744686">
                   <a:extLst>
                     <a:ext uri="{9D8B030D-6E8A-4147-A177-3AD203B41FA5}">
-                      <a16:colId xmlns:a16="http://schemas.microsoft.com/office/drawing/2014/main" xmlns="" val="20000"/>
+                      <a16:colId xmlns="" xmlns:a16="http://schemas.microsoft.com/office/drawing/2014/main" val="20000"/>
                     </a:ext>
                   </a:extLst>
                 </a:gridCol>
                 <a:gridCol w="3744686">
                   <a:extLst>
                     <a:ext uri="{9D8B030D-6E8A-4147-A177-3AD203B41FA5}">
-                      <a16:colId xmlns:a16="http://schemas.microsoft.com/office/drawing/2014/main" xmlns="" val="20001"/>
+                      <a16:colId xmlns="" xmlns:a16="http://schemas.microsoft.com/office/drawing/2014/main" val="20001"/>
                     </a:ext>
                   </a:extLst>
                 </a:gridCol>
@@ -4079,7 +4183,7 @@
                 </a:tc>
                 <a:extLst>
                   <a:ext uri="{0D108BD9-81ED-4DB2-BD59-A6C34878D82A}">
-                    <a16:rowId xmlns:a16="http://schemas.microsoft.com/office/drawing/2014/main" xmlns="" val="10000"/>
+                    <a16:rowId xmlns="" xmlns:a16="http://schemas.microsoft.com/office/drawing/2014/main" val="10000"/>
                   </a:ext>
                 </a:extLst>
               </a:tr>
@@ -4091,7 +4195,7 @@
                     <a:p>
                       <a:r>
                         <a:rPr lang="en-US" dirty="0" smtClean="0"/>
-                        <a:t>Go to codes director</a:t>
+                        <a:t>Go to codes directory</a:t>
                       </a:r>
                       <a:endParaRPr lang="en-US" dirty="0"/>
                     </a:p>
@@ -4118,7 +4222,7 @@
                 </a:tc>
                 <a:extLst>
                   <a:ext uri="{0D108BD9-81ED-4DB2-BD59-A6C34878D82A}">
-                    <a16:rowId xmlns:a16="http://schemas.microsoft.com/office/drawing/2014/main" xmlns="" val="10001"/>
+                    <a16:rowId xmlns="" xmlns:a16="http://schemas.microsoft.com/office/drawing/2014/main" val="10001"/>
                   </a:ext>
                 </a:extLst>
               </a:tr>
@@ -4173,7 +4277,7 @@
                 </a:tc>
                 <a:extLst>
                   <a:ext uri="{0D108BD9-81ED-4DB2-BD59-A6C34878D82A}">
-                    <a16:rowId xmlns:a16="http://schemas.microsoft.com/office/drawing/2014/main" xmlns="" val="10002"/>
+                    <a16:rowId xmlns="" xmlns:a16="http://schemas.microsoft.com/office/drawing/2014/main" val="10002"/>
                   </a:ext>
                 </a:extLst>
               </a:tr>
@@ -4212,7 +4316,7 @@
                 </a:tc>
                 <a:extLst>
                   <a:ext uri="{0D108BD9-81ED-4DB2-BD59-A6C34878D82A}">
-                    <a16:rowId xmlns:a16="http://schemas.microsoft.com/office/drawing/2014/main" xmlns="" val="10003"/>
+                    <a16:rowId xmlns="" xmlns:a16="http://schemas.microsoft.com/office/drawing/2014/main" val="10003"/>
                   </a:ext>
                 </a:extLst>
               </a:tr>
@@ -4271,7 +4375,7 @@
                 </a:tc>
                 <a:extLst>
                   <a:ext uri="{0D108BD9-81ED-4DB2-BD59-A6C34878D82A}">
-                    <a16:rowId xmlns:a16="http://schemas.microsoft.com/office/drawing/2014/main" xmlns="" val="10004"/>
+                    <a16:rowId xmlns="" xmlns:a16="http://schemas.microsoft.com/office/drawing/2014/main" val="10004"/>
                   </a:ext>
                 </a:extLst>
               </a:tr>
@@ -4335,7 +4439,7 @@
                 </a:tc>
                 <a:extLst>
                   <a:ext uri="{0D108BD9-81ED-4DB2-BD59-A6C34878D82A}">
-                    <a16:rowId xmlns:a16="http://schemas.microsoft.com/office/drawing/2014/main" xmlns="" val="10005"/>
+                    <a16:rowId xmlns="" xmlns:a16="http://schemas.microsoft.com/office/drawing/2014/main" val="10005"/>
                   </a:ext>
                 </a:extLst>
               </a:tr>
@@ -5065,7 +5169,7 @@
         </p:nvSpPr>
         <p:spPr>
           <a:xfrm>
-            <a:off x="628650" y="2712472"/>
+            <a:off x="291193" y="2603615"/>
             <a:ext cx="9024257" cy="874032"/>
           </a:xfrm>
         </p:spPr>
@@ -5339,13 +5443,6 @@
   <p:clrMapOvr>
     <a:masterClrMapping/>
   </p:clrMapOvr>
-  <p:timing>
-    <p:tnLst>
-      <p:par>
-        <p:cTn id="1" dur="indefinite" restart="never" nodeType="tmRoot"/>
-      </p:par>
-    </p:tnLst>
-  </p:timing>
 </p:sld>
 </file>
 
@@ -5574,13 +5671,6 @@
   <p:clrMapOvr>
     <a:masterClrMapping/>
   </p:clrMapOvr>
-  <p:timing>
-    <p:tnLst>
-      <p:par>
-        <p:cTn id="1" dur="indefinite" restart="never" nodeType="tmRoot"/>
-      </p:par>
-    </p:tnLst>
-  </p:timing>
 </p:sld>
 </file>
 
@@ -5862,13 +5952,6 @@
   <p:clrMapOvr>
     <a:masterClrMapping/>
   </p:clrMapOvr>
-  <p:timing>
-    <p:tnLst>
-      <p:par>
-        <p:cTn id="1" dur="indefinite" restart="never" nodeType="tmRoot"/>
-      </p:par>
-    </p:tnLst>
-  </p:timing>
 </p:sld>
 </file>
 
@@ -6139,7 +6222,7 @@
           <a:p>
             <a:r>
               <a:rPr lang="en-US" sz="2000" dirty="0" smtClean="0"/>
-              <a:t>Evil Child compiler hacking login</a:t>
+              <a:t>Evil child compiler hacking login</a:t>
             </a:r>
           </a:p>
           <a:p>
@@ -6252,13 +6335,6 @@
   <p:clrMapOvr>
     <a:masterClrMapping/>
   </p:clrMapOvr>
-  <p:timing>
-    <p:tnLst>
-      <p:par>
-        <p:cTn id="1" dur="indefinite" restart="never" nodeType="tmRoot"/>
-      </p:par>
-    </p:tnLst>
-  </p:timing>
 </p:sld>
 </file>
 
@@ -6317,7 +6393,7 @@
           <a:p>
             <a:r>
               <a:rPr lang="en-US" dirty="0" smtClean="0"/>
-              <a:t>Thompson chose to present “Reflections on Trusting Trust”</a:t>
+              <a:t>Thompson chose to present “Reflections on Trusting Trust” in his acceptance speech</a:t>
             </a:r>
           </a:p>
         </p:txBody>
@@ -6411,7 +6487,7 @@
         </p:nvSpPr>
         <p:spPr>
           <a:xfrm>
-            <a:off x="628650" y="207809"/>
+            <a:off x="628650" y="52840"/>
             <a:ext cx="7886700" cy="1325563"/>
           </a:xfrm>
         </p:spPr>
@@ -6420,136 +6496,10 @@
           <a:lstStyle/>
           <a:p>
             <a:r>
-              <a:rPr lang="en-US" dirty="0" smtClean="0"/>
-              <a:t>Verifying the compiler binary</a:t>
-            </a:r>
-            <a:endParaRPr lang="en-US" dirty="0"/>
-          </a:p>
-        </p:txBody>
-      </p:sp>
-      <p:sp>
-        <p:nvSpPr>
-          <p:cNvPr id="3" name="Content Placeholder 2"/>
-          <p:cNvSpPr>
-            <a:spLocks noGrp="1"/>
-          </p:cNvSpPr>
-          <p:nvPr>
-            <p:ph idx="1"/>
-          </p:nvPr>
-        </p:nvSpPr>
-        <p:spPr>
-          <a:xfrm>
-            <a:off x="628649" y="1825625"/>
-            <a:ext cx="8232321" cy="4351338"/>
-          </a:xfrm>
-        </p:spPr>
-        <p:txBody>
-          <a:bodyPr/>
-          <a:lstStyle/>
-          <a:p>
-            <a:r>
-              <a:rPr lang="en-US" dirty="0" smtClean="0"/>
-              <a:t>Compare SHA256 hash with expected value</a:t>
-            </a:r>
-          </a:p>
-          <a:p>
-            <a:endParaRPr lang="en-US" dirty="0" smtClean="0"/>
-          </a:p>
-          <a:p>
-            <a:r>
-              <a:rPr lang="en-US" dirty="0" smtClean="0"/>
-              <a:t>Expected SHA-256 hash</a:t>
-            </a:r>
-          </a:p>
-          <a:p>
-            <a:pPr lvl="1"/>
-            <a:r>
-              <a:rPr lang="en-US" sz="2000" dirty="0" err="1" smtClean="0"/>
-              <a:t>shasum</a:t>
-            </a:r>
-            <a:r>
-              <a:rPr lang="en-US" sz="2000" dirty="0" smtClean="0"/>
-              <a:t> </a:t>
-            </a:r>
-            <a:r>
-              <a:rPr lang="en-US" sz="2000" dirty="0"/>
-              <a:t>-a 256 ../</a:t>
-            </a:r>
-            <a:r>
-              <a:rPr lang="en-US" sz="2000" dirty="0" smtClean="0"/>
-              <a:t>clean-</a:t>
-            </a:r>
-            <a:r>
-              <a:rPr lang="en-US" sz="2000" dirty="0" err="1" smtClean="0"/>
-              <a:t>compiler.out</a:t>
-            </a:r>
-            <a:endParaRPr lang="en-US" sz="2000" dirty="0" smtClean="0"/>
-          </a:p>
-          <a:p>
-            <a:pPr lvl="1"/>
-            <a:r>
-              <a:rPr lang="nl-NL" sz="1800" dirty="0" smtClean="0"/>
-              <a:t>7c76e4144fd9f550e2a846dbdfc7b03ee65c3eeb760b74dbbc9f5f1ae336e4dc</a:t>
-            </a:r>
-          </a:p>
-          <a:p>
-            <a:r>
-              <a:rPr lang="nl-NL" dirty="0" err="1" smtClean="0"/>
-              <a:t>Obtained</a:t>
-            </a:r>
-            <a:r>
-              <a:rPr lang="nl-NL" dirty="0" smtClean="0"/>
-              <a:t> SHA-256 </a:t>
-            </a:r>
-            <a:r>
-              <a:rPr lang="nl-NL" dirty="0" err="1" smtClean="0"/>
-              <a:t>hash</a:t>
-            </a:r>
-            <a:endParaRPr lang="nl-NL" dirty="0" smtClean="0"/>
-          </a:p>
-          <a:p>
-            <a:pPr lvl="1"/>
-            <a:r>
-              <a:rPr lang="nl-NL" sz="1800" dirty="0" err="1"/>
-              <a:t>shasum</a:t>
-            </a:r>
-            <a:r>
-              <a:rPr lang="nl-NL" sz="1800" dirty="0"/>
-              <a:t> -a 256 </a:t>
-            </a:r>
-            <a:r>
-              <a:rPr lang="nl-NL" sz="1800" dirty="0" smtClean="0"/>
-              <a:t>compiler-hack-</a:t>
-            </a:r>
-            <a:r>
-              <a:rPr lang="nl-NL" sz="1800" dirty="0" err="1" smtClean="0"/>
-              <a:t>itself.out</a:t>
-            </a:r>
-            <a:endParaRPr lang="nl-NL" sz="1800" dirty="0" smtClean="0"/>
-          </a:p>
-          <a:p>
-            <a:pPr lvl="1"/>
-            <a:r>
-              <a:rPr lang="is-IS" sz="1800" dirty="0"/>
-              <a:t>be8a5f9c22c28b9f2a822fa7eefb126766307ae50db1b3919322462261cf470e</a:t>
-            </a:r>
-            <a:endParaRPr lang="nl-NL" sz="1800" dirty="0" smtClean="0"/>
-          </a:p>
-          <a:p>
-            <a:pPr lvl="1"/>
-            <a:endParaRPr lang="nl-NL" sz="1800" dirty="0"/>
-          </a:p>
-          <a:p>
-            <a:pPr lvl="1"/>
-            <a:endParaRPr lang="en-US" sz="1800" dirty="0"/>
-          </a:p>
-          <a:p>
-            <a:pPr lvl="1"/>
-            <a:endParaRPr lang="en-US" dirty="0" smtClean="0"/>
-          </a:p>
-          <a:p>
-            <a:pPr lvl="1"/>
-            <a:endParaRPr lang="en-US" dirty="0"/>
+              <a:rPr lang="en-SG" dirty="0" smtClean="0"/>
+              <a:t>Summary of stage 3</a:t>
+            </a:r>
+            <a:endParaRPr lang="en-SG" dirty="0"/>
           </a:p>
         </p:txBody>
       </p:sp>
@@ -6576,10 +6526,77 @@
           </a:p>
         </p:txBody>
       </p:sp>
+      <p:pic>
+        <p:nvPicPr>
+          <p:cNvPr id="5" name="Picture 4"/>
+          <p:cNvPicPr>
+            <a:picLocks noChangeAspect="1"/>
+          </p:cNvPicPr>
+          <p:nvPr/>
+        </p:nvPicPr>
+        <p:blipFill>
+          <a:blip r:embed="rId2">
+            <a:extLst>
+              <a:ext uri="{28A0092B-C50C-407E-A947-70E740481C1C}">
+                <a14:useLocalDpi xmlns:a14="http://schemas.microsoft.com/office/drawing/2010/main" val="0"/>
+              </a:ext>
+            </a:extLst>
+          </a:blip>
+          <a:stretch>
+            <a:fillRect/>
+          </a:stretch>
+        </p:blipFill>
+        <p:spPr>
+          <a:xfrm>
+            <a:off x="2959179" y="1498147"/>
+            <a:ext cx="3225641" cy="3672568"/>
+          </a:xfrm>
+          <a:prstGeom prst="rect">
+            <a:avLst/>
+          </a:prstGeom>
+        </p:spPr>
+      </p:pic>
+      <p:sp>
+        <p:nvSpPr>
+          <p:cNvPr id="6" name="Rectangle 5"/>
+          <p:cNvSpPr/>
+          <p:nvPr/>
+        </p:nvSpPr>
+        <p:spPr>
+          <a:xfrm>
+            <a:off x="291192" y="6169581"/>
+            <a:ext cx="8188779" cy="307777"/>
+          </a:xfrm>
+          <a:prstGeom prst="rect">
+            <a:avLst/>
+          </a:prstGeom>
+        </p:spPr>
+        <p:txBody>
+          <a:bodyPr wrap="square">
+            <a:spAutoFit/>
+          </a:bodyPr>
+          <a:lstStyle/>
+          <a:p>
+            <a:r>
+              <a:rPr lang="en-SG" sz="1400" dirty="0">
+                <a:hlinkClick r:id="rId3"/>
+              </a:rPr>
+              <a:t>http://scienceblogs.com/goodmath/2007/04/15/strange-loops-dennis-ritchie-a</a:t>
+            </a:r>
+            <a:r>
+              <a:rPr lang="en-SG" sz="1400" dirty="0" smtClean="0">
+                <a:hlinkClick r:id="rId3"/>
+              </a:rPr>
+              <a:t>/</a:t>
+            </a:r>
+            <a:endParaRPr lang="en-SG" sz="1400" dirty="0" smtClean="0"/>
+          </a:p>
+        </p:txBody>
+      </p:sp>
     </p:spTree>
     <p:extLst>
       <p:ext uri="{BB962C8B-B14F-4D97-AF65-F5344CB8AC3E}">
-        <p14:creationId xmlns:p14="http://schemas.microsoft.com/office/powerpoint/2010/main" val="847071469"/>
+        <p14:creationId xmlns:p14="http://schemas.microsoft.com/office/powerpoint/2010/main" val="2707895367"/>
       </p:ext>
     </p:extLst>
   </p:cSld>
@@ -6616,14 +6633,19 @@
             <p:ph type="title"/>
           </p:nvPr>
         </p:nvSpPr>
-        <p:spPr/>
+        <p:spPr>
+          <a:xfrm>
+            <a:off x="628650" y="207809"/>
+            <a:ext cx="7886700" cy="1325563"/>
+          </a:xfrm>
+        </p:spPr>
         <p:txBody>
           <a:bodyPr/>
           <a:lstStyle/>
           <a:p>
             <a:r>
               <a:rPr lang="en-US" dirty="0" smtClean="0"/>
-              <a:t>4a. Subverting verification</a:t>
+              <a:t>Verifying the compiler binary</a:t>
             </a:r>
             <a:endParaRPr lang="en-US" dirty="0"/>
           </a:p>
@@ -6639,24 +6661,118 @@
             <p:ph idx="1"/>
           </p:nvPr>
         </p:nvSpPr>
-        <p:spPr/>
+        <p:spPr>
+          <a:xfrm>
+            <a:off x="628649" y="1825625"/>
+            <a:ext cx="8232321" cy="4351338"/>
+          </a:xfrm>
+        </p:spPr>
         <p:txBody>
           <a:bodyPr/>
           <a:lstStyle/>
           <a:p>
             <a:r>
               <a:rPr lang="en-US" dirty="0" smtClean="0"/>
-              <a:t>Can we prevent the user from detecting the bugged compiler?</a:t>
-            </a:r>
-          </a:p>
-          <a:p>
-            <a:endParaRPr lang="en-US" dirty="0"/>
+              <a:t>Compare SHA256 hash with expected value</a:t>
+            </a:r>
+          </a:p>
+          <a:p>
+            <a:endParaRPr lang="en-US" dirty="0" smtClean="0"/>
           </a:p>
           <a:p>
             <a:r>
               <a:rPr lang="en-US" dirty="0" smtClean="0"/>
-              <a:t>We can subvert the SHA256 program</a:t>
-            </a:r>
+              <a:t>Expected SHA-256 hash</a:t>
+            </a:r>
+          </a:p>
+          <a:p>
+            <a:pPr lvl="1"/>
+            <a:r>
+              <a:rPr lang="en-US" sz="2000" dirty="0" err="1" smtClean="0"/>
+              <a:t>shasum</a:t>
+            </a:r>
+            <a:r>
+              <a:rPr lang="en-US" sz="2000" dirty="0" smtClean="0"/>
+              <a:t> </a:t>
+            </a:r>
+            <a:r>
+              <a:rPr lang="en-US" sz="2000" dirty="0"/>
+              <a:t>-a 256 ../</a:t>
+            </a:r>
+            <a:r>
+              <a:rPr lang="en-US" sz="2000" dirty="0" smtClean="0"/>
+              <a:t>clean-</a:t>
+            </a:r>
+            <a:r>
+              <a:rPr lang="en-US" sz="2000" dirty="0" err="1" smtClean="0"/>
+              <a:t>compiler.out</a:t>
+            </a:r>
+            <a:endParaRPr lang="en-US" sz="2000" dirty="0" smtClean="0"/>
+          </a:p>
+          <a:p>
+            <a:pPr lvl="1"/>
+            <a:r>
+              <a:rPr lang="nl-NL" sz="1800" dirty="0" smtClean="0"/>
+              <a:t>7c76e4144fd9f550e2a846dbdfc7b03ee65c3eeb760b74dbbc9f5f1ae336e4dc</a:t>
+            </a:r>
+          </a:p>
+          <a:p>
+            <a:r>
+              <a:rPr lang="nl-NL" dirty="0" err="1" smtClean="0"/>
+              <a:t>Obtained</a:t>
+            </a:r>
+            <a:r>
+              <a:rPr lang="nl-NL" dirty="0" smtClean="0"/>
+              <a:t> SHA-256 </a:t>
+            </a:r>
+            <a:r>
+              <a:rPr lang="nl-NL" dirty="0" err="1" smtClean="0"/>
+              <a:t>hash</a:t>
+            </a:r>
+            <a:endParaRPr lang="nl-NL" dirty="0" smtClean="0"/>
+          </a:p>
+          <a:p>
+            <a:pPr lvl="1"/>
+            <a:r>
+              <a:rPr lang="nl-NL" sz="1800" dirty="0" err="1"/>
+              <a:t>shasum</a:t>
+            </a:r>
+            <a:r>
+              <a:rPr lang="nl-NL" sz="1800" dirty="0"/>
+              <a:t> -a 256 </a:t>
+            </a:r>
+            <a:r>
+              <a:rPr lang="nl-NL" sz="1800" dirty="0" smtClean="0"/>
+              <a:t>compiler-hack-</a:t>
+            </a:r>
+            <a:r>
+              <a:rPr lang="nl-NL" sz="1800" dirty="0" err="1" smtClean="0"/>
+              <a:t>itself.out</a:t>
+            </a:r>
+            <a:endParaRPr lang="nl-NL" sz="1800" dirty="0" smtClean="0"/>
+          </a:p>
+          <a:p>
+            <a:pPr lvl="1"/>
+            <a:r>
+              <a:rPr lang="is-IS" sz="1800" dirty="0"/>
+              <a:t>be8a5f9c22c28b9f2a822fa7eefb126766307ae50db1b3919322462261cf470e</a:t>
+            </a:r>
+            <a:endParaRPr lang="nl-NL" sz="1800" dirty="0" smtClean="0"/>
+          </a:p>
+          <a:p>
+            <a:pPr lvl="1"/>
+            <a:endParaRPr lang="nl-NL" sz="1800" dirty="0"/>
+          </a:p>
+          <a:p>
+            <a:pPr lvl="1"/>
+            <a:endParaRPr lang="en-US" sz="1800" dirty="0"/>
+          </a:p>
+          <a:p>
+            <a:pPr lvl="1"/>
+            <a:endParaRPr lang="en-US" dirty="0" smtClean="0"/>
+          </a:p>
+          <a:p>
+            <a:pPr lvl="1"/>
             <a:endParaRPr lang="en-US" dirty="0"/>
           </a:p>
         </p:txBody>
@@ -6687,20 +6803,13 @@
     </p:spTree>
     <p:extLst>
       <p:ext uri="{BB962C8B-B14F-4D97-AF65-F5344CB8AC3E}">
-        <p14:creationId xmlns:p14="http://schemas.microsoft.com/office/powerpoint/2010/main" val="146969169"/>
+        <p14:creationId xmlns:p14="http://schemas.microsoft.com/office/powerpoint/2010/main" val="847071469"/>
       </p:ext>
     </p:extLst>
   </p:cSld>
   <p:clrMapOvr>
     <a:masterClrMapping/>
   </p:clrMapOvr>
-  <p:timing>
-    <p:tnLst>
-      <p:par>
-        <p:cTn id="1" dur="indefinite" restart="never" nodeType="tmRoot"/>
-      </p:par>
-    </p:tnLst>
-  </p:timing>
 </p:sld>
 </file>
 
@@ -6738,7 +6847,39 @@
           <a:p>
             <a:r>
               <a:rPr lang="en-US" dirty="0" smtClean="0"/>
-              <a:t>4b. mysha256.c</a:t>
+              <a:t>4a. Subverting verification</a:t>
+            </a:r>
+            <a:endParaRPr lang="en-US" dirty="0"/>
+          </a:p>
+        </p:txBody>
+      </p:sp>
+      <p:sp>
+        <p:nvSpPr>
+          <p:cNvPr id="3" name="Content Placeholder 2"/>
+          <p:cNvSpPr>
+            <a:spLocks noGrp="1"/>
+          </p:cNvSpPr>
+          <p:nvPr>
+            <p:ph idx="1"/>
+          </p:nvPr>
+        </p:nvSpPr>
+        <p:spPr/>
+        <p:txBody>
+          <a:bodyPr/>
+          <a:lstStyle/>
+          <a:p>
+            <a:r>
+              <a:rPr lang="en-US" dirty="0" smtClean="0"/>
+              <a:t>Can we prevent the user from detecting the bugged compiler?</a:t>
+            </a:r>
+          </a:p>
+          <a:p>
+            <a:endParaRPr lang="en-US" dirty="0"/>
+          </a:p>
+          <a:p>
+            <a:r>
+              <a:rPr lang="en-US" dirty="0" smtClean="0"/>
+              <a:t>We can subvert the SHA256 program</a:t>
             </a:r>
             <a:endParaRPr lang="en-US" dirty="0"/>
           </a:p>
@@ -6767,165 +6908,10 @@
           </a:p>
         </p:txBody>
       </p:sp>
-      <p:sp>
-        <p:nvSpPr>
-          <p:cNvPr id="5" name="Content Placeholder 2"/>
-          <p:cNvSpPr>
-            <a:spLocks noGrp="1"/>
-          </p:cNvSpPr>
-          <p:nvPr>
-            <p:ph idx="1"/>
-          </p:nvPr>
-        </p:nvSpPr>
-        <p:spPr>
-          <a:xfrm>
-            <a:off x="391886" y="4380022"/>
-            <a:ext cx="8479971" cy="2073636"/>
-          </a:xfrm>
-        </p:spPr>
-        <p:txBody>
-          <a:bodyPr>
-            <a:noAutofit/>
-          </a:bodyPr>
-          <a:lstStyle/>
-          <a:p>
-            <a:r>
-              <a:rPr lang="en-US" sz="2400" dirty="0" smtClean="0"/>
-              <a:t>Calculates SHA-256 hash of target file</a:t>
-            </a:r>
-          </a:p>
-          <a:p>
-            <a:r>
-              <a:rPr lang="en-US" sz="2400" dirty="0" smtClean="0"/>
-              <a:t>Commands:</a:t>
-            </a:r>
-          </a:p>
-          <a:p>
-            <a:pPr lvl="1"/>
-            <a:r>
-              <a:rPr lang="en-US" sz="1800" dirty="0" smtClean="0"/>
-              <a:t>cd stage4</a:t>
-            </a:r>
-          </a:p>
-          <a:p>
-            <a:pPr lvl="1"/>
-            <a:r>
-              <a:rPr lang="en-US" sz="1800" dirty="0"/>
-              <a:t>../clean-</a:t>
-            </a:r>
-            <a:r>
-              <a:rPr lang="en-US" sz="1800" dirty="0" err="1"/>
-              <a:t>compiler.out</a:t>
-            </a:r>
-            <a:r>
-              <a:rPr lang="en-US" sz="1800" dirty="0"/>
-              <a:t> mysha256.c -o </a:t>
-            </a:r>
-            <a:r>
-              <a:rPr lang="en-US" sz="1800" dirty="0" smtClean="0"/>
-              <a:t>mysha256.out</a:t>
-            </a:r>
-          </a:p>
-          <a:p>
-            <a:pPr lvl="1"/>
-            <a:r>
-              <a:rPr lang="en-US" sz="1800" dirty="0" smtClean="0"/>
-              <a:t>./mysha256.out ../clean-</a:t>
-            </a:r>
-            <a:r>
-              <a:rPr lang="en-US" sz="1800" dirty="0" err="1" smtClean="0"/>
-              <a:t>compiler.out</a:t>
-            </a:r>
-            <a:endParaRPr lang="en-US" sz="1800" dirty="0" smtClean="0"/>
-          </a:p>
-          <a:p>
-            <a:pPr lvl="1"/>
-            <a:r>
-              <a:rPr lang="en-US" sz="1800" dirty="0" err="1"/>
-              <a:t>shasum</a:t>
-            </a:r>
-            <a:r>
-              <a:rPr lang="en-US" sz="1800" dirty="0"/>
-              <a:t> -a 256 ../clean-</a:t>
-            </a:r>
-            <a:r>
-              <a:rPr lang="en-US" sz="1800" dirty="0" err="1"/>
-              <a:t>compiler.out</a:t>
-            </a:r>
-            <a:endParaRPr lang="en-US" sz="1800" dirty="0"/>
-          </a:p>
-        </p:txBody>
-      </p:sp>
-      <p:pic>
-        <p:nvPicPr>
-          <p:cNvPr id="6" name="Picture 5"/>
-          <p:cNvPicPr>
-            <a:picLocks noChangeAspect="1"/>
-          </p:cNvPicPr>
-          <p:nvPr/>
-        </p:nvPicPr>
-        <p:blipFill>
-          <a:blip r:embed="rId2">
-            <a:extLst>
-              <a:ext uri="{28A0092B-C50C-407E-A947-70E740481C1C}">
-                <a14:useLocalDpi xmlns:a14="http://schemas.microsoft.com/office/drawing/2010/main" val="0"/>
-              </a:ext>
-            </a:extLst>
-          </a:blip>
-          <a:stretch>
-            <a:fillRect/>
-          </a:stretch>
-        </p:blipFill>
-        <p:spPr>
-          <a:xfrm>
-            <a:off x="2457450" y="1476828"/>
-            <a:ext cx="4229100" cy="2628900"/>
-          </a:xfrm>
-          <a:prstGeom prst="rect">
-            <a:avLst/>
-          </a:prstGeom>
-        </p:spPr>
-      </p:pic>
-      <p:sp>
-        <p:nvSpPr>
-          <p:cNvPr id="7" name="Rectangle 6"/>
-          <p:cNvSpPr/>
-          <p:nvPr/>
-        </p:nvSpPr>
-        <p:spPr>
-          <a:xfrm>
-            <a:off x="5425849" y="4169552"/>
-            <a:ext cx="3446008" cy="307777"/>
-          </a:xfrm>
-          <a:prstGeom prst="rect">
-            <a:avLst/>
-          </a:prstGeom>
-        </p:spPr>
-        <p:txBody>
-          <a:bodyPr wrap="none">
-            <a:spAutoFit/>
-          </a:bodyPr>
-          <a:lstStyle/>
-          <a:p>
-            <a:r>
-              <a:rPr lang="en-US" sz="1400" dirty="0"/>
-              <a:t>https://</a:t>
-            </a:r>
-            <a:r>
-              <a:rPr lang="en-US" sz="1400" dirty="0" err="1"/>
-              <a:t>github.com</a:t>
-            </a:r>
-            <a:r>
-              <a:rPr lang="en-US" sz="1400" dirty="0"/>
-              <a:t>/B-Con/crypto-algorithms</a:t>
-            </a:r>
-          </a:p>
-        </p:txBody>
-      </p:sp>
     </p:spTree>
     <p:extLst>
       <p:ext uri="{BB962C8B-B14F-4D97-AF65-F5344CB8AC3E}">
-        <p14:creationId xmlns:p14="http://schemas.microsoft.com/office/powerpoint/2010/main" val="38142975"/>
+        <p14:creationId xmlns:p14="http://schemas.microsoft.com/office/powerpoint/2010/main" val="146969169"/>
       </p:ext>
     </p:extLst>
   </p:cSld>
@@ -6969,7 +6955,7 @@
           <a:p>
             <a:r>
               <a:rPr lang="en-US" dirty="0" smtClean="0"/>
-              <a:t>4b. mysha256-hacked.c</a:t>
+              <a:t>4c. mysha256.c</a:t>
             </a:r>
             <a:endParaRPr lang="en-US" dirty="0"/>
           </a:p>
@@ -7010,8 +6996,8 @@
         </p:nvSpPr>
         <p:spPr>
           <a:xfrm>
-            <a:off x="424544" y="3204364"/>
-            <a:ext cx="8479971" cy="2728349"/>
+            <a:off x="391886" y="4380022"/>
+            <a:ext cx="8479971" cy="2073636"/>
           </a:xfrm>
         </p:spPr>
         <p:txBody>
@@ -7022,7 +7008,7 @@
           <a:p>
             <a:r>
               <a:rPr lang="en-US" sz="2400" dirty="0" smtClean="0"/>
-              <a:t>Returns same hash if compiler is detected</a:t>
+              <a:t>Calculates SHA-256 hash of target file</a:t>
             </a:r>
           </a:p>
           <a:p>
@@ -7035,11 +7021,14 @@
             <a:pPr lvl="1"/>
             <a:r>
               <a:rPr lang="en-US" sz="1800" dirty="0" smtClean="0"/>
-              <a:t>../</a:t>
-            </a:r>
+              <a:t>cd stage4</a:t>
+            </a:r>
+          </a:p>
+          <a:p>
+            <a:pPr lvl="1"/>
             <a:r>
               <a:rPr lang="en-US" sz="1800" dirty="0"/>
-              <a:t>clean-</a:t>
+              <a:t>../clean-</a:t>
             </a:r>
             <a:r>
               <a:rPr lang="en-US" sz="1800" dirty="0" err="1"/>
@@ -7047,30 +7036,18 @@
             </a:r>
             <a:r>
               <a:rPr lang="en-US" sz="1800" dirty="0"/>
-              <a:t> </a:t>
+              <a:t> mysha256.c -o </a:t>
             </a:r>
             <a:r>
               <a:rPr lang="en-US" sz="1800" dirty="0" smtClean="0"/>
-              <a:t>mysha256-hacked.c </a:t>
-            </a:r>
-            <a:r>
-              <a:rPr lang="en-US" sz="1800" dirty="0"/>
-              <a:t>-o </a:t>
-            </a:r>
+              <a:t>mysha256.out</a:t>
+            </a:r>
+          </a:p>
+          <a:p>
+            <a:pPr lvl="1"/>
             <a:r>
               <a:rPr lang="en-US" sz="1800" dirty="0" smtClean="0"/>
-              <a:t>mysha256-hacked.out</a:t>
-            </a:r>
-          </a:p>
-          <a:p>
-            <a:pPr lvl="1"/>
-            <a:r>
-              <a:rPr lang="en-US" sz="1800" dirty="0"/>
-              <a:t>./mysha256-hacked.out </a:t>
-            </a:r>
-            <a:r>
-              <a:rPr lang="en-US" sz="1800" dirty="0" smtClean="0"/>
-              <a:t>../clean-</a:t>
+              <a:t>./mysha256.out ../clean-</a:t>
             </a:r>
             <a:r>
               <a:rPr lang="en-US" sz="1800" dirty="0" err="1" smtClean="0"/>
@@ -7081,48 +7058,24 @@
           <a:p>
             <a:pPr lvl="1"/>
             <a:r>
-              <a:rPr lang="en-US" sz="1800" dirty="0" smtClean="0"/>
-              <a:t>./</a:t>
+              <a:rPr lang="en-US" sz="1800" dirty="0" err="1"/>
+              <a:t>shasum</a:t>
             </a:r>
             <a:r>
               <a:rPr lang="en-US" sz="1800" dirty="0"/>
-              <a:t>mysha256-hacked.out ../</a:t>
-            </a:r>
-            <a:r>
-              <a:rPr lang="en-US" sz="1800" dirty="0" smtClean="0"/>
-              <a:t>stage3/compiler-hack-</a:t>
-            </a:r>
-            <a:r>
-              <a:rPr lang="en-US" sz="1800" dirty="0" err="1" smtClean="0"/>
-              <a:t>itself.out</a:t>
-            </a:r>
-            <a:endParaRPr lang="en-US" sz="1800" dirty="0" smtClean="0"/>
-          </a:p>
-          <a:p>
-            <a:pPr lvl="1"/>
-            <a:r>
-              <a:rPr lang="nl-NL" sz="1800" dirty="0" err="1"/>
-              <a:t>shasum</a:t>
-            </a:r>
-            <a:r>
-              <a:rPr lang="nl-NL" sz="1800" dirty="0"/>
-              <a:t> -a 256 </a:t>
-            </a:r>
-            <a:r>
-              <a:rPr lang="nl-NL" sz="1800" dirty="0" smtClean="0"/>
-              <a:t>../stage3/compiler-hack-</a:t>
-            </a:r>
-            <a:r>
-              <a:rPr lang="nl-NL" sz="1800" dirty="0" err="1" smtClean="0"/>
-              <a:t>itself.out</a:t>
-            </a:r>
-            <a:endParaRPr lang="nl-NL" sz="1800" dirty="0"/>
+              <a:t> -a 256 ../clean-</a:t>
+            </a:r>
+            <a:r>
+              <a:rPr lang="en-US" sz="1800" dirty="0" err="1"/>
+              <a:t>compiler.out</a:t>
+            </a:r>
+            <a:endParaRPr lang="en-US" sz="1800" dirty="0"/>
           </a:p>
         </p:txBody>
       </p:sp>
       <p:pic>
         <p:nvPicPr>
-          <p:cNvPr id="3" name="Picture 2"/>
+          <p:cNvPr id="6" name="Picture 5"/>
           <p:cNvPicPr>
             <a:picLocks noChangeAspect="1"/>
           </p:cNvPicPr>
@@ -7142,18 +7095,54 @@
         </p:blipFill>
         <p:spPr>
           <a:xfrm>
-            <a:off x="952500" y="1473255"/>
-            <a:ext cx="7239000" cy="1041400"/>
+            <a:off x="2457450" y="1476828"/>
+            <a:ext cx="4229100" cy="2628900"/>
           </a:xfrm>
           <a:prstGeom prst="rect">
             <a:avLst/>
           </a:prstGeom>
         </p:spPr>
       </p:pic>
+      <p:sp>
+        <p:nvSpPr>
+          <p:cNvPr id="7" name="Rectangle 6"/>
+          <p:cNvSpPr/>
+          <p:nvPr/>
+        </p:nvSpPr>
+        <p:spPr>
+          <a:xfrm>
+            <a:off x="5425849" y="4169552"/>
+            <a:ext cx="3446008" cy="307777"/>
+          </a:xfrm>
+          <a:prstGeom prst="rect">
+            <a:avLst/>
+          </a:prstGeom>
+        </p:spPr>
+        <p:txBody>
+          <a:bodyPr wrap="none">
+            <a:spAutoFit/>
+          </a:bodyPr>
+          <a:lstStyle/>
+          <a:p>
+            <a:r>
+              <a:rPr lang="en-US" sz="1400" dirty="0"/>
+              <a:t>https://</a:t>
+            </a:r>
+            <a:r>
+              <a:rPr lang="en-US" sz="1400" dirty="0" err="1"/>
+              <a:t>github.com</a:t>
+            </a:r>
+            <a:r>
+              <a:rPr lang="en-US" sz="1400" dirty="0"/>
+              <a:t>/B-Con/crypto-algorithms</a:t>
+            </a:r>
+          </a:p>
+        </p:txBody>
+      </p:sp>
     </p:spTree>
     <p:extLst>
       <p:ext uri="{BB962C8B-B14F-4D97-AF65-F5344CB8AC3E}">
-        <p14:creationId xmlns:p14="http://schemas.microsoft.com/office/powerpoint/2010/main" val="1364290479"/>
+        <p14:creationId xmlns:p14="http://schemas.microsoft.com/office/powerpoint/2010/main" val="38142975"/>
       </p:ext>
     </p:extLst>
   </p:cSld>
@@ -7197,11 +7186,7 @@
           <a:p>
             <a:r>
               <a:rPr lang="en-US" dirty="0" smtClean="0"/>
-              <a:t>4c. compiler-hack-</a:t>
-            </a:r>
-            <a:r>
-              <a:rPr lang="en-US" dirty="0" err="1" smtClean="0"/>
-              <a:t>ultimate.c</a:t>
+              <a:t>4d. mysha256-hacked.c</a:t>
             </a:r>
             <a:endParaRPr lang="en-US" dirty="0"/>
           </a:p>
@@ -7242,8 +7227,8 @@
         </p:nvSpPr>
         <p:spPr>
           <a:xfrm>
-            <a:off x="435430" y="1527964"/>
-            <a:ext cx="8479971" cy="5193512"/>
+            <a:off x="424544" y="3204364"/>
+            <a:ext cx="8479971" cy="2728349"/>
           </a:xfrm>
         </p:spPr>
         <p:txBody>
@@ -7253,292 +7238,139 @@
           <a:lstStyle/>
           <a:p>
             <a:r>
-              <a:rPr lang="en-US" sz="2000" dirty="0" smtClean="0"/>
-              <a:t>Ultimate compiler </a:t>
-            </a:r>
-            <a:r>
-              <a:rPr lang="en-US" sz="2000" dirty="0"/>
-              <a:t>adds malicious code to itself when it sees </a:t>
-            </a:r>
-            <a:r>
-              <a:rPr lang="en-US" sz="2000" dirty="0" err="1"/>
-              <a:t>compiler.c</a:t>
-            </a:r>
-            <a:r>
-              <a:rPr lang="en-US" sz="2000" dirty="0"/>
-              <a:t>. </a:t>
-            </a:r>
-          </a:p>
-          <a:p>
-            <a:r>
-              <a:rPr lang="en-US" sz="2000" dirty="0"/>
-              <a:t>Initial compile command:</a:t>
+              <a:rPr lang="en-US" sz="2400" dirty="0" smtClean="0"/>
+              <a:t>Returns expected hash if compiler is detected</a:t>
+            </a:r>
+          </a:p>
+          <a:p>
+            <a:r>
+              <a:rPr lang="en-US" sz="2400" dirty="0" smtClean="0"/>
+              <a:t>Commands:</a:t>
             </a:r>
           </a:p>
           <a:p>
             <a:pPr lvl="1"/>
             <a:r>
-              <a:rPr lang="en-US" sz="1600" dirty="0" smtClean="0"/>
+              <a:rPr lang="en-US" sz="1800" dirty="0" smtClean="0"/>
               <a:t>../</a:t>
             </a:r>
             <a:r>
-              <a:rPr lang="en-US" sz="1600" dirty="0"/>
+              <a:rPr lang="en-US" sz="1800" dirty="0"/>
               <a:t>clean-</a:t>
             </a:r>
             <a:r>
-              <a:rPr lang="en-US" sz="1600" dirty="0" err="1"/>
+              <a:rPr lang="en-US" sz="1800" dirty="0" err="1"/>
               <a:t>compiler.out</a:t>
             </a:r>
             <a:r>
-              <a:rPr lang="en-US" sz="1600" dirty="0"/>
-              <a:t> compiler-hack-</a:t>
-            </a:r>
-            <a:r>
-              <a:rPr lang="en-US" sz="1600" dirty="0" err="1"/>
-              <a:t>ultimate.c</a:t>
-            </a:r>
-            <a:r>
-              <a:rPr lang="en-US" sz="1600" dirty="0"/>
-              <a:t> -o compiler-hack-</a:t>
-            </a:r>
-            <a:r>
-              <a:rPr lang="en-US" sz="1600" dirty="0" err="1"/>
-              <a:t>ultimate.out</a:t>
-            </a:r>
-            <a:endParaRPr lang="en-US" sz="1600" dirty="0"/>
+              <a:rPr lang="en-US" sz="1800" dirty="0"/>
+              <a:t> </a:t>
+            </a:r>
+            <a:r>
+              <a:rPr lang="en-US" sz="1800" dirty="0" smtClean="0"/>
+              <a:t>mysha256-hacked.c </a:t>
+            </a:r>
+            <a:r>
+              <a:rPr lang="en-US" sz="1800" dirty="0"/>
+              <a:t>-o </a:t>
+            </a:r>
+            <a:r>
+              <a:rPr lang="en-US" sz="1800" dirty="0" smtClean="0"/>
+              <a:t>mysha256-hacked.out</a:t>
+            </a:r>
           </a:p>
           <a:p>
             <a:pPr lvl="1"/>
             <a:r>
-              <a:rPr lang="en-US" sz="1600" dirty="0"/>
-              <a:t>We can now discard </a:t>
-            </a:r>
-            <a:r>
-              <a:rPr lang="en-US" sz="1600" dirty="0" smtClean="0"/>
-              <a:t>compiler-hack-</a:t>
-            </a:r>
-            <a:r>
-              <a:rPr lang="en-US" sz="1600" dirty="0" err="1" smtClean="0"/>
-              <a:t>ultimate.c</a:t>
-            </a:r>
-            <a:endParaRPr lang="en-US" sz="1600" dirty="0"/>
-          </a:p>
-          <a:p>
-            <a:r>
-              <a:rPr lang="en-US" sz="2000" dirty="0" smtClean="0"/>
-              <a:t>Ultimate </a:t>
-            </a:r>
-            <a:r>
-              <a:rPr lang="en-US" sz="2000" dirty="0"/>
-              <a:t>compiler </a:t>
-            </a:r>
-            <a:r>
-              <a:rPr lang="en-US" sz="2000" dirty="0" smtClean="0"/>
-              <a:t>hacking mysha256</a:t>
-            </a:r>
-            <a:endParaRPr lang="en-US" sz="2000" dirty="0"/>
+              <a:rPr lang="en-US" sz="1800" dirty="0"/>
+              <a:t>./mysha256-hacked.out </a:t>
+            </a:r>
+            <a:r>
+              <a:rPr lang="en-US" sz="1800" dirty="0" smtClean="0"/>
+              <a:t>../clean-</a:t>
+            </a:r>
+            <a:r>
+              <a:rPr lang="en-US" sz="1800" dirty="0" err="1" smtClean="0"/>
+              <a:t>compiler.out</a:t>
+            </a:r>
+            <a:endParaRPr lang="en-US" sz="1800" dirty="0" smtClean="0"/>
           </a:p>
           <a:p>
             <a:pPr lvl="1"/>
             <a:r>
-              <a:rPr lang="en-US" sz="1600" dirty="0"/>
-              <a:t>./compiler-hack-</a:t>
-            </a:r>
-            <a:r>
-              <a:rPr lang="en-US" sz="1600" dirty="0" err="1"/>
-              <a:t>ultimate.out</a:t>
-            </a:r>
-            <a:r>
-              <a:rPr lang="en-US" sz="1600" dirty="0"/>
-              <a:t> mysha256.c -o </a:t>
-            </a:r>
-            <a:r>
-              <a:rPr lang="en-US" sz="1600" dirty="0" smtClean="0"/>
-              <a:t>evil-mysha256.out</a:t>
-            </a:r>
+              <a:rPr lang="en-US" sz="1800" dirty="0" smtClean="0"/>
+              <a:t>./</a:t>
+            </a:r>
+            <a:r>
+              <a:rPr lang="en-US" sz="1800" dirty="0"/>
+              <a:t>mysha256-hacked.out ../</a:t>
+            </a:r>
+            <a:r>
+              <a:rPr lang="en-US" sz="1800" dirty="0" smtClean="0"/>
+              <a:t>stage3/compiler-hack-</a:t>
+            </a:r>
+            <a:r>
+              <a:rPr lang="en-US" sz="1800" dirty="0" err="1" smtClean="0"/>
+              <a:t>itself.out</a:t>
+            </a:r>
+            <a:endParaRPr lang="en-US" sz="1800" dirty="0" smtClean="0"/>
           </a:p>
           <a:p>
             <a:pPr lvl="1"/>
             <a:r>
-              <a:rPr lang="en-US" sz="1600" dirty="0"/>
-              <a:t>./evil-mysha256.out </a:t>
-            </a:r>
-            <a:r>
-              <a:rPr lang="en-US" sz="1600" dirty="0" smtClean="0"/>
-              <a:t>compiler-hack-</a:t>
-            </a:r>
-            <a:r>
-              <a:rPr lang="en-US" sz="1600" dirty="0" err="1" smtClean="0"/>
-              <a:t>ultimate.out</a:t>
-            </a:r>
-            <a:endParaRPr lang="en-US" sz="1600" dirty="0" smtClean="0"/>
-          </a:p>
-          <a:p>
-            <a:pPr lvl="1"/>
-            <a:r>
-              <a:rPr lang="en-US" sz="1600" dirty="0" err="1"/>
+              <a:rPr lang="nl-NL" sz="1800" dirty="0" err="1"/>
               <a:t>shasum</a:t>
             </a:r>
             <a:r>
-              <a:rPr lang="en-US" sz="1600" dirty="0"/>
-              <a:t> -a 256 evil-mysha256.out</a:t>
-            </a:r>
-            <a:endParaRPr lang="en-US" sz="1600" dirty="0" smtClean="0"/>
-          </a:p>
-          <a:p>
-            <a:r>
-              <a:rPr lang="en-US" sz="2000" dirty="0" smtClean="0"/>
-              <a:t>Ultimate compiler </a:t>
-            </a:r>
-            <a:r>
-              <a:rPr lang="en-US" sz="2000" dirty="0"/>
-              <a:t>hacking its clean compiler source</a:t>
-            </a:r>
-          </a:p>
-          <a:p>
-            <a:pPr lvl="1"/>
-            <a:r>
-              <a:rPr lang="en-US" sz="1600" dirty="0" smtClean="0"/>
-              <a:t>./compiler-hack-</a:t>
-            </a:r>
-            <a:r>
-              <a:rPr lang="en-US" sz="1600" dirty="0" err="1" smtClean="0"/>
-              <a:t>ultimate.out</a:t>
-            </a:r>
-            <a:r>
-              <a:rPr lang="en-US" sz="1600" dirty="0" smtClean="0"/>
-              <a:t> </a:t>
-            </a:r>
-            <a:r>
-              <a:rPr lang="en-US" sz="1600" dirty="0"/>
-              <a:t>../</a:t>
-            </a:r>
-            <a:r>
-              <a:rPr lang="en-US" sz="1600" dirty="0" err="1"/>
-              <a:t>compiler.c</a:t>
-            </a:r>
-            <a:r>
-              <a:rPr lang="en-US" sz="1600" dirty="0"/>
-              <a:t> -o </a:t>
-            </a:r>
-            <a:r>
-              <a:rPr lang="en-US" sz="1600" dirty="0" smtClean="0"/>
-              <a:t>ultimate-child-</a:t>
-            </a:r>
-            <a:r>
-              <a:rPr lang="en-US" sz="1600" dirty="0" err="1" smtClean="0"/>
-              <a:t>compiler.out</a:t>
-            </a:r>
-            <a:endParaRPr lang="en-US" sz="1600" dirty="0"/>
-          </a:p>
-          <a:p>
-            <a:pPr lvl="1"/>
-            <a:endParaRPr lang="en-US" sz="1600" dirty="0"/>
-          </a:p>
-          <a:p>
-            <a:r>
-              <a:rPr lang="en-US" sz="2000" dirty="0" smtClean="0"/>
-              <a:t>Ultimate </a:t>
-            </a:r>
-            <a:r>
-              <a:rPr lang="en-US" sz="2000" dirty="0"/>
-              <a:t>Child compiler hacking </a:t>
-            </a:r>
-            <a:r>
-              <a:rPr lang="en-US" sz="2000" dirty="0" smtClean="0"/>
-              <a:t>mysha256</a:t>
-            </a:r>
-            <a:endParaRPr lang="en-US" sz="2000" dirty="0"/>
-          </a:p>
-          <a:p>
-            <a:pPr lvl="1"/>
-            <a:r>
-              <a:rPr lang="en-US" sz="1600" dirty="0"/>
-              <a:t>./ultimate-child-</a:t>
-            </a:r>
-            <a:r>
-              <a:rPr lang="en-US" sz="1600" dirty="0" err="1"/>
-              <a:t>compiler.out</a:t>
-            </a:r>
-            <a:r>
-              <a:rPr lang="en-US" sz="1600" dirty="0"/>
-              <a:t> mysha256.c -o </a:t>
-            </a:r>
-            <a:r>
-              <a:rPr lang="en-US" sz="1600" dirty="0" smtClean="0"/>
-              <a:t>evil-mysha256.out</a:t>
-            </a:r>
-          </a:p>
-          <a:p>
-            <a:pPr lvl="1"/>
-            <a:r>
-              <a:rPr lang="en-US" sz="1600" dirty="0"/>
-              <a:t>./evil-mysha256.out </a:t>
-            </a:r>
-            <a:r>
-              <a:rPr lang="en-US" sz="1600" dirty="0" smtClean="0"/>
-              <a:t>ultimate-child-</a:t>
-            </a:r>
-            <a:r>
-              <a:rPr lang="en-US" sz="1600" dirty="0" err="1" smtClean="0"/>
-              <a:t>compiler.out</a:t>
-            </a:r>
-            <a:endParaRPr lang="en-US" sz="1600" dirty="0" smtClean="0"/>
-          </a:p>
-          <a:p>
-            <a:r>
-              <a:rPr lang="en-US" sz="1800" dirty="0" smtClean="0"/>
-              <a:t>Ultimate </a:t>
-            </a:r>
-            <a:r>
-              <a:rPr lang="en-US" sz="1800" dirty="0" smtClean="0"/>
-              <a:t>child </a:t>
-            </a:r>
-            <a:r>
-              <a:rPr lang="en-US" sz="1800" dirty="0"/>
-              <a:t>compiler still hacks compiler source code</a:t>
-            </a:r>
-          </a:p>
-          <a:p>
-            <a:pPr lvl="1"/>
-            <a:r>
-              <a:rPr lang="en-US" sz="1600" dirty="0"/>
-              <a:t>./ultimate-child-</a:t>
-            </a:r>
-            <a:r>
-              <a:rPr lang="en-US" sz="1600" dirty="0" err="1"/>
-              <a:t>compiler.out</a:t>
-            </a:r>
-            <a:r>
-              <a:rPr lang="en-US" sz="1600" dirty="0"/>
-              <a:t> ../</a:t>
-            </a:r>
-            <a:r>
-              <a:rPr lang="en-US" sz="1600" dirty="0" err="1"/>
-              <a:t>compiler.c</a:t>
-            </a:r>
-            <a:r>
-              <a:rPr lang="en-US" sz="1600" dirty="0"/>
-              <a:t> -o ultimate-child-compiler2.out</a:t>
-            </a:r>
-            <a:endParaRPr lang="en-US" sz="1600" dirty="0"/>
-          </a:p>
-          <a:p>
-            <a:endParaRPr lang="en-US" sz="2000" dirty="0"/>
-          </a:p>
-          <a:p>
-            <a:endParaRPr lang="en-US" sz="2000" dirty="0"/>
-          </a:p>
-          <a:p>
-            <a:pPr lvl="1"/>
-            <a:endParaRPr lang="en-US" sz="1600" dirty="0"/>
-          </a:p>
-        </p:txBody>
-      </p:sp>
+              <a:rPr lang="nl-NL" sz="1800" dirty="0"/>
+              <a:t> -a 256 </a:t>
+            </a:r>
+            <a:r>
+              <a:rPr lang="nl-NL" sz="1800" dirty="0" smtClean="0"/>
+              <a:t>../stage3/compiler-hack-</a:t>
+            </a:r>
+            <a:r>
+              <a:rPr lang="nl-NL" sz="1800" dirty="0" err="1" smtClean="0"/>
+              <a:t>itself.out</a:t>
+            </a:r>
+            <a:endParaRPr lang="nl-NL" sz="1800" dirty="0"/>
+          </a:p>
+        </p:txBody>
+      </p:sp>
+      <p:pic>
+        <p:nvPicPr>
+          <p:cNvPr id="3" name="Picture 2"/>
+          <p:cNvPicPr>
+            <a:picLocks noChangeAspect="1"/>
+          </p:cNvPicPr>
+          <p:nvPr/>
+        </p:nvPicPr>
+        <p:blipFill>
+          <a:blip r:embed="rId2">
+            <a:extLst>
+              <a:ext uri="{28A0092B-C50C-407E-A947-70E740481C1C}">
+                <a14:useLocalDpi xmlns:a14="http://schemas.microsoft.com/office/drawing/2010/main" val="0"/>
+              </a:ext>
+            </a:extLst>
+          </a:blip>
+          <a:stretch>
+            <a:fillRect/>
+          </a:stretch>
+        </p:blipFill>
+        <p:spPr>
+          <a:xfrm>
+            <a:off x="952500" y="1473255"/>
+            <a:ext cx="7239000" cy="1041400"/>
+          </a:xfrm>
+          <a:prstGeom prst="rect">
+            <a:avLst/>
+          </a:prstGeom>
+        </p:spPr>
+      </p:pic>
     </p:spTree>
     <p:extLst>
       <p:ext uri="{BB962C8B-B14F-4D97-AF65-F5344CB8AC3E}">
-        <p14:creationId xmlns:p14="http://schemas.microsoft.com/office/powerpoint/2010/main" val="1260961901"/>
+        <p14:creationId xmlns:p14="http://schemas.microsoft.com/office/powerpoint/2010/main" val="1364290479"/>
       </p:ext>
     </p:extLst>
   </p:cSld>
@@ -7575,31 +7407,25 @@
             <p:ph type="title"/>
           </p:nvPr>
         </p:nvSpPr>
-        <p:spPr/>
+        <p:spPr>
+          <a:xfrm>
+            <a:off x="628650" y="0"/>
+            <a:ext cx="7886700" cy="1325563"/>
+          </a:xfrm>
+        </p:spPr>
         <p:txBody>
           <a:bodyPr/>
           <a:lstStyle/>
           <a:p>
-            <a:endParaRPr lang="en-US"/>
-          </a:p>
-        </p:txBody>
-      </p:sp>
-      <p:sp>
-        <p:nvSpPr>
-          <p:cNvPr id="3" name="Content Placeholder 2"/>
-          <p:cNvSpPr>
-            <a:spLocks noGrp="1"/>
-          </p:cNvSpPr>
-          <p:nvPr>
-            <p:ph idx="1"/>
-          </p:nvPr>
-        </p:nvSpPr>
-        <p:spPr/>
-        <p:txBody>
-          <a:bodyPr/>
-          <a:lstStyle/>
-          <a:p>
-            <a:endParaRPr lang="en-US"/>
+            <a:r>
+              <a:rPr lang="en-US" dirty="0" smtClean="0"/>
+              <a:t>4e. compiler-hack-</a:t>
+            </a:r>
+            <a:r>
+              <a:rPr lang="en-US" dirty="0" err="1" smtClean="0"/>
+              <a:t>ultimate.c</a:t>
+            </a:r>
+            <a:endParaRPr lang="en-US" dirty="0"/>
           </a:p>
         </p:txBody>
       </p:sp>
@@ -7626,10 +7452,318 @@
           </a:p>
         </p:txBody>
       </p:sp>
+      <p:sp>
+        <p:nvSpPr>
+          <p:cNvPr id="5" name="Content Placeholder 2"/>
+          <p:cNvSpPr>
+            <a:spLocks noGrp="1"/>
+          </p:cNvSpPr>
+          <p:nvPr>
+            <p:ph idx="1"/>
+          </p:nvPr>
+        </p:nvSpPr>
+        <p:spPr>
+          <a:xfrm>
+            <a:off x="332014" y="1070764"/>
+            <a:ext cx="8479971" cy="5193512"/>
+          </a:xfrm>
+        </p:spPr>
+        <p:txBody>
+          <a:bodyPr>
+            <a:noAutofit/>
+          </a:bodyPr>
+          <a:lstStyle/>
+          <a:p>
+            <a:r>
+              <a:rPr lang="en-US" sz="2000" dirty="0" smtClean="0"/>
+              <a:t>Ultimate compiler </a:t>
+            </a:r>
+            <a:r>
+              <a:rPr lang="en-US" sz="2000" dirty="0"/>
+              <a:t>adds malicious code to itself when it sees </a:t>
+            </a:r>
+            <a:r>
+              <a:rPr lang="en-US" sz="2000" dirty="0" err="1"/>
+              <a:t>compiler.c</a:t>
+            </a:r>
+            <a:r>
+              <a:rPr lang="en-US" sz="2000" dirty="0"/>
+              <a:t>. </a:t>
+            </a:r>
+          </a:p>
+          <a:p>
+            <a:r>
+              <a:rPr lang="en-US" sz="2000" dirty="0"/>
+              <a:t>Initial compile command:</a:t>
+            </a:r>
+          </a:p>
+          <a:p>
+            <a:pPr lvl="1"/>
+            <a:r>
+              <a:rPr lang="en-US" sz="1600" dirty="0" smtClean="0"/>
+              <a:t>../</a:t>
+            </a:r>
+            <a:r>
+              <a:rPr lang="en-US" sz="1600" dirty="0"/>
+              <a:t>clean-</a:t>
+            </a:r>
+            <a:r>
+              <a:rPr lang="en-US" sz="1600" dirty="0" err="1"/>
+              <a:t>compiler.out</a:t>
+            </a:r>
+            <a:r>
+              <a:rPr lang="en-US" sz="1600" dirty="0"/>
+              <a:t> compiler-hack-</a:t>
+            </a:r>
+            <a:r>
+              <a:rPr lang="en-US" sz="1600" dirty="0" err="1"/>
+              <a:t>ultimate.c</a:t>
+            </a:r>
+            <a:r>
+              <a:rPr lang="en-US" sz="1600" dirty="0"/>
+              <a:t> -o compiler-hack-</a:t>
+            </a:r>
+            <a:r>
+              <a:rPr lang="en-US" sz="1600" dirty="0" err="1"/>
+              <a:t>ultimate.out</a:t>
+            </a:r>
+            <a:endParaRPr lang="en-US" sz="1600" dirty="0"/>
+          </a:p>
+          <a:p>
+            <a:pPr lvl="1"/>
+            <a:r>
+              <a:rPr lang="en-US" sz="1600" dirty="0"/>
+              <a:t>We can now discard </a:t>
+            </a:r>
+            <a:r>
+              <a:rPr lang="en-US" sz="1600" dirty="0" smtClean="0"/>
+              <a:t>compiler-hack-</a:t>
+            </a:r>
+            <a:r>
+              <a:rPr lang="en-US" sz="1600" dirty="0" err="1" smtClean="0"/>
+              <a:t>ultimate.c</a:t>
+            </a:r>
+            <a:endParaRPr lang="en-US" sz="1600" dirty="0"/>
+          </a:p>
+          <a:p>
+            <a:r>
+              <a:rPr lang="en-US" sz="2000" dirty="0" smtClean="0"/>
+              <a:t>Ultimate </a:t>
+            </a:r>
+            <a:r>
+              <a:rPr lang="en-US" sz="2000" dirty="0"/>
+              <a:t>compiler </a:t>
+            </a:r>
+            <a:r>
+              <a:rPr lang="en-US" sz="2000" dirty="0" smtClean="0"/>
+              <a:t>hacking mysha256</a:t>
+            </a:r>
+            <a:endParaRPr lang="en-US" sz="2000" dirty="0"/>
+          </a:p>
+          <a:p>
+            <a:pPr lvl="1"/>
+            <a:r>
+              <a:rPr lang="en-US" sz="1600" dirty="0"/>
+              <a:t>./compiler-hack-</a:t>
+            </a:r>
+            <a:r>
+              <a:rPr lang="en-US" sz="1600" dirty="0" err="1"/>
+              <a:t>ultimate.out</a:t>
+            </a:r>
+            <a:r>
+              <a:rPr lang="en-US" sz="1600" dirty="0"/>
+              <a:t> mysha256.c -o </a:t>
+            </a:r>
+            <a:r>
+              <a:rPr lang="en-US" sz="1600" dirty="0" smtClean="0"/>
+              <a:t>evil-mysha256.out</a:t>
+            </a:r>
+          </a:p>
+          <a:p>
+            <a:pPr lvl="1"/>
+            <a:r>
+              <a:rPr lang="en-US" sz="1600" dirty="0"/>
+              <a:t>./evil-mysha256.out </a:t>
+            </a:r>
+            <a:r>
+              <a:rPr lang="en-US" sz="1600" dirty="0" smtClean="0"/>
+              <a:t>compiler-hack-</a:t>
+            </a:r>
+            <a:r>
+              <a:rPr lang="en-US" sz="1600" dirty="0" err="1" smtClean="0"/>
+              <a:t>ultimate.out</a:t>
+            </a:r>
+            <a:endParaRPr lang="en-US" sz="1600" dirty="0" smtClean="0"/>
+          </a:p>
+          <a:p>
+            <a:pPr lvl="1"/>
+            <a:r>
+              <a:rPr lang="en-US" sz="1600" dirty="0" err="1"/>
+              <a:t>shasum</a:t>
+            </a:r>
+            <a:r>
+              <a:rPr lang="en-US" sz="1600" dirty="0"/>
+              <a:t> -a 256 evil-mysha256.out</a:t>
+            </a:r>
+            <a:endParaRPr lang="en-US" sz="1600" dirty="0" smtClean="0"/>
+          </a:p>
+          <a:p>
+            <a:r>
+              <a:rPr lang="en-US" sz="2000" dirty="0" smtClean="0"/>
+              <a:t>Ultimate compiler </a:t>
+            </a:r>
+            <a:r>
+              <a:rPr lang="en-US" sz="2000" dirty="0"/>
+              <a:t>hacking its clean compiler source</a:t>
+            </a:r>
+          </a:p>
+          <a:p>
+            <a:pPr lvl="1"/>
+            <a:r>
+              <a:rPr lang="en-US" sz="1600" dirty="0" smtClean="0"/>
+              <a:t>./compiler-hack-</a:t>
+            </a:r>
+            <a:r>
+              <a:rPr lang="en-US" sz="1600" dirty="0" err="1" smtClean="0"/>
+              <a:t>ultimate.out</a:t>
+            </a:r>
+            <a:r>
+              <a:rPr lang="en-US" sz="1600" dirty="0" smtClean="0"/>
+              <a:t> </a:t>
+            </a:r>
+            <a:r>
+              <a:rPr lang="en-US" sz="1600" dirty="0"/>
+              <a:t>../</a:t>
+            </a:r>
+            <a:r>
+              <a:rPr lang="en-US" sz="1600" dirty="0" err="1"/>
+              <a:t>compiler.c</a:t>
+            </a:r>
+            <a:r>
+              <a:rPr lang="en-US" sz="1600" dirty="0"/>
+              <a:t> -o </a:t>
+            </a:r>
+            <a:r>
+              <a:rPr lang="en-US" sz="1600" dirty="0" smtClean="0"/>
+              <a:t>ultimate-child-</a:t>
+            </a:r>
+            <a:r>
+              <a:rPr lang="en-US" sz="1600" dirty="0" err="1" smtClean="0"/>
+              <a:t>compiler.out</a:t>
+            </a:r>
+            <a:endParaRPr lang="en-US" sz="1600" dirty="0"/>
+          </a:p>
+          <a:p>
+            <a:pPr lvl="1"/>
+            <a:endParaRPr lang="en-US" sz="1600" dirty="0"/>
+          </a:p>
+          <a:p>
+            <a:r>
+              <a:rPr lang="en-US" sz="2000" dirty="0" smtClean="0"/>
+              <a:t>Ultimate </a:t>
+            </a:r>
+            <a:r>
+              <a:rPr lang="en-US" sz="2000" dirty="0"/>
+              <a:t>c</a:t>
+            </a:r>
+            <a:r>
+              <a:rPr lang="en-US" sz="2000" dirty="0" smtClean="0"/>
+              <a:t>hild </a:t>
+            </a:r>
+            <a:r>
+              <a:rPr lang="en-US" sz="2000" dirty="0"/>
+              <a:t>compiler hacking </a:t>
+            </a:r>
+            <a:r>
+              <a:rPr lang="en-US" sz="2000" dirty="0" smtClean="0"/>
+              <a:t>mysha256</a:t>
+            </a:r>
+            <a:endParaRPr lang="en-US" sz="2000" dirty="0"/>
+          </a:p>
+          <a:p>
+            <a:pPr lvl="1"/>
+            <a:r>
+              <a:rPr lang="en-US" sz="1600" dirty="0"/>
+              <a:t>./ultimate-child-</a:t>
+            </a:r>
+            <a:r>
+              <a:rPr lang="en-US" sz="1600" dirty="0" err="1"/>
+              <a:t>compiler.out</a:t>
+            </a:r>
+            <a:r>
+              <a:rPr lang="en-US" sz="1600" dirty="0"/>
+              <a:t> mysha256.c -o </a:t>
+            </a:r>
+            <a:r>
+              <a:rPr lang="en-US" sz="1600" dirty="0" smtClean="0"/>
+              <a:t>evil-mysha256.out</a:t>
+            </a:r>
+          </a:p>
+          <a:p>
+            <a:pPr lvl="1"/>
+            <a:r>
+              <a:rPr lang="en-US" sz="1600" dirty="0"/>
+              <a:t>./evil-mysha256.out </a:t>
+            </a:r>
+            <a:r>
+              <a:rPr lang="en-US" sz="1600" dirty="0" smtClean="0"/>
+              <a:t>ultimate-child-</a:t>
+            </a:r>
+            <a:r>
+              <a:rPr lang="en-US" sz="1600" dirty="0" err="1" smtClean="0"/>
+              <a:t>compiler.out</a:t>
+            </a:r>
+            <a:endParaRPr lang="en-US" sz="1600" dirty="0" smtClean="0"/>
+          </a:p>
+          <a:p>
+            <a:r>
+              <a:rPr lang="en-US" sz="1800" dirty="0" smtClean="0"/>
+              <a:t>Ultimate child </a:t>
+            </a:r>
+            <a:r>
+              <a:rPr lang="en-US" sz="1800" dirty="0"/>
+              <a:t>compiler still hacks compiler source code</a:t>
+            </a:r>
+          </a:p>
+          <a:p>
+            <a:pPr lvl="1"/>
+            <a:r>
+              <a:rPr lang="en-US" sz="1600" dirty="0"/>
+              <a:t>./ultimate-child-</a:t>
+            </a:r>
+            <a:r>
+              <a:rPr lang="en-US" sz="1600" dirty="0" err="1"/>
+              <a:t>compiler.out</a:t>
+            </a:r>
+            <a:r>
+              <a:rPr lang="en-US" sz="1600" dirty="0"/>
+              <a:t> ../</a:t>
+            </a:r>
+            <a:r>
+              <a:rPr lang="en-US" sz="1600" dirty="0" err="1"/>
+              <a:t>compiler.c</a:t>
+            </a:r>
+            <a:r>
+              <a:rPr lang="en-US" sz="1600" dirty="0"/>
+              <a:t> -o ultimate-child-compiler2.out</a:t>
+            </a:r>
+          </a:p>
+          <a:p>
+            <a:endParaRPr lang="en-US" sz="2000" dirty="0"/>
+          </a:p>
+          <a:p>
+            <a:endParaRPr lang="en-US" sz="2000" dirty="0"/>
+          </a:p>
+          <a:p>
+            <a:pPr lvl="1"/>
+            <a:endParaRPr lang="en-US" sz="1600" dirty="0"/>
+          </a:p>
+        </p:txBody>
+      </p:sp>
     </p:spTree>
     <p:extLst>
       <p:ext uri="{BB962C8B-B14F-4D97-AF65-F5344CB8AC3E}">
-        <p14:creationId xmlns:p14="http://schemas.microsoft.com/office/powerpoint/2010/main" val="661523389"/>
+        <p14:creationId xmlns:p14="http://schemas.microsoft.com/office/powerpoint/2010/main" val="1260961901"/>
       </p:ext>
     </p:extLst>
   </p:cSld>
@@ -7672,11 +7806,171 @@
           <a:lstStyle/>
           <a:p>
             <a:r>
+              <a:rPr lang="en-US" dirty="0" smtClean="0"/>
+              <a:t>Thompson’s conclusion</a:t>
+            </a:r>
+            <a:endParaRPr lang="en-US" dirty="0"/>
+          </a:p>
+        </p:txBody>
+      </p:sp>
+      <p:sp>
+        <p:nvSpPr>
+          <p:cNvPr id="3" name="Content Placeholder 2"/>
+          <p:cNvSpPr>
+            <a:spLocks noGrp="1"/>
+          </p:cNvSpPr>
+          <p:nvPr>
+            <p:ph idx="1"/>
+          </p:nvPr>
+        </p:nvSpPr>
+        <p:spPr/>
+        <p:txBody>
+          <a:bodyPr>
+            <a:normAutofit lnSpcReduction="10000"/>
+          </a:bodyPr>
+          <a:lstStyle/>
+          <a:p>
+            <a:r>
+              <a:rPr lang="en-US" dirty="0" smtClean="0"/>
+              <a:t>“You can’t trust code that you did not totally create yourself”</a:t>
+            </a:r>
+          </a:p>
+          <a:p>
+            <a:endParaRPr lang="en-US" dirty="0"/>
+          </a:p>
+          <a:p>
+            <a:r>
+              <a:rPr lang="en-US" dirty="0" smtClean="0"/>
+              <a:t>“</a:t>
+            </a:r>
+            <a:r>
+              <a:rPr lang="en-SG" dirty="0"/>
+              <a:t>No amount </a:t>
+            </a:r>
+            <a:r>
               <a:rPr lang="en-SG" dirty="0" smtClean="0"/>
-              <a:t>The End/References</a:t>
-            </a:r>
+              <a:t>of source-level </a:t>
+            </a:r>
+            <a:r>
+              <a:rPr lang="en-SG" dirty="0"/>
+              <a:t>verification or scrutiny will </a:t>
+            </a:r>
+            <a:r>
+              <a:rPr lang="en-SG" dirty="0" smtClean="0"/>
+              <a:t>protect you from </a:t>
+            </a:r>
+            <a:r>
+              <a:rPr lang="en-SG" dirty="0"/>
+              <a:t>using untrusted code</a:t>
+            </a:r>
+            <a:r>
+              <a:rPr lang="en-SG" dirty="0" smtClean="0"/>
+              <a:t>.”</a:t>
+            </a:r>
+          </a:p>
+          <a:p>
             <a:endParaRPr lang="en-SG" dirty="0"/>
           </a:p>
+          <a:p>
+            <a:r>
+              <a:rPr lang="en-SG" dirty="0" smtClean="0"/>
+              <a:t>“We can go lower to avoid detection like assembler, loader or microcode”</a:t>
+            </a:r>
+          </a:p>
+          <a:p>
+            <a:endParaRPr lang="en-SG" dirty="0"/>
+          </a:p>
+          <a:p>
+            <a:r>
+              <a:rPr lang="en-SG" b="1" dirty="0" smtClean="0"/>
+              <a:t>-&gt; You always have to trust somebody</a:t>
+            </a:r>
+            <a:endParaRPr lang="en-US" b="1" dirty="0"/>
+          </a:p>
+        </p:txBody>
+      </p:sp>
+      <p:sp>
+        <p:nvSpPr>
+          <p:cNvPr id="4" name="Slide Number Placeholder 3"/>
+          <p:cNvSpPr>
+            <a:spLocks noGrp="1"/>
+          </p:cNvSpPr>
+          <p:nvPr>
+            <p:ph type="sldNum" sz="quarter" idx="12"/>
+          </p:nvPr>
+        </p:nvSpPr>
+        <p:spPr/>
+        <p:txBody>
+          <a:bodyPr/>
+          <a:lstStyle/>
+          <a:p>
+            <a:fld id="{9705DC4D-6496-4D9B-AA35-AB22DFE8A2F2}" type="slidenum">
+              <a:rPr lang="en-SG" smtClean="0"/>
+              <a:t>26</a:t>
+            </a:fld>
+            <a:endParaRPr lang="en-SG"/>
+          </a:p>
+        </p:txBody>
+      </p:sp>
+    </p:spTree>
+    <p:extLst>
+      <p:ext uri="{BB962C8B-B14F-4D97-AF65-F5344CB8AC3E}">
+        <p14:creationId xmlns:p14="http://schemas.microsoft.com/office/powerpoint/2010/main" val="661523389"/>
+      </p:ext>
+    </p:extLst>
+  </p:cSld>
+  <p:clrMapOvr>
+    <a:masterClrMapping/>
+  </p:clrMapOvr>
+</p:sld>
+</file>
+
+<file path=ppt/slides/slide27.xml><?xml version="1.0" encoding="utf-8"?>
+<p:sld xmlns:a="http://schemas.openxmlformats.org/drawingml/2006/main" xmlns:r="http://schemas.openxmlformats.org/officeDocument/2006/relationships" xmlns:p="http://schemas.openxmlformats.org/presentationml/2006/main">
+  <p:cSld>
+    <p:spTree>
+      <p:nvGrpSpPr>
+        <p:cNvPr id="1" name=""/>
+        <p:cNvGrpSpPr/>
+        <p:nvPr/>
+      </p:nvGrpSpPr>
+      <p:grpSpPr>
+        <a:xfrm>
+          <a:off x="0" y="0"/>
+          <a:ext cx="0" cy="0"/>
+          <a:chOff x="0" y="0"/>
+          <a:chExt cx="0" cy="0"/>
+        </a:xfrm>
+      </p:grpSpPr>
+      <p:sp>
+        <p:nvSpPr>
+          <p:cNvPr id="2" name="Title 1"/>
+          <p:cNvSpPr>
+            <a:spLocks noGrp="1"/>
+          </p:cNvSpPr>
+          <p:nvPr>
+            <p:ph type="title"/>
+          </p:nvPr>
+        </p:nvSpPr>
+        <p:spPr/>
+        <p:txBody>
+          <a:bodyPr/>
+          <a:lstStyle/>
+          <a:p>
+            <a:r>
+              <a:rPr lang="en-SG" dirty="0" smtClean="0"/>
+              <a:t>Possible </a:t>
+            </a:r>
+            <a:r>
+              <a:rPr lang="en-SG" dirty="0" err="1" smtClean="0"/>
+              <a:t>defense</a:t>
+            </a:r>
+            <a:r>
+              <a:rPr lang="en-SG" dirty="0" smtClean="0"/>
+              <a:t>?</a:t>
+            </a:r>
+            <a:endParaRPr lang="en-SG" dirty="0"/>
+          </a:p>
         </p:txBody>
       </p:sp>
       <p:sp>
@@ -7693,63 +7987,60 @@
         <p:txBody>
           <a:bodyPr/>
           <a:lstStyle/>
+          <a:p>
+            <a:r>
+              <a:rPr lang="en-SG" i="1" dirty="0" smtClean="0"/>
+              <a:t>“Fully </a:t>
+            </a:r>
+            <a:r>
+              <a:rPr lang="en-SG" i="1" dirty="0"/>
+              <a:t>Countering Trusting Trust through Diverse Double-Compiling (DDC) - Countering Trojan Horse attacks on </a:t>
+            </a:r>
+            <a:r>
+              <a:rPr lang="en-SG" i="1" dirty="0" smtClean="0"/>
+              <a:t>Compilers”</a:t>
+            </a:r>
+          </a:p>
+          <a:p>
+            <a:endParaRPr lang="en-SG" dirty="0" smtClean="0"/>
+          </a:p>
+          <a:p>
+            <a:r>
+              <a:rPr lang="en-SG" dirty="0" smtClean="0"/>
+              <a:t>2009 </a:t>
+            </a:r>
+            <a:r>
+              <a:rPr lang="en-SG" dirty="0"/>
+              <a:t>PhD </a:t>
+            </a:r>
+            <a:r>
+              <a:rPr lang="en-SG" dirty="0" smtClean="0"/>
+              <a:t>dissertation of </a:t>
+            </a:r>
+            <a:r>
+              <a:rPr lang="en-SG" dirty="0"/>
+              <a:t>David A. Wheeler </a:t>
+            </a:r>
+            <a:endParaRPr lang="en-SG" dirty="0" smtClean="0"/>
+          </a:p>
+          <a:p>
+            <a:r>
+              <a:rPr lang="en-SG" dirty="0" smtClean="0"/>
+              <a:t>George Mason University</a:t>
+            </a:r>
+          </a:p>
           <a:p>
             <a:r>
               <a:rPr lang="en-SG" dirty="0">
                 <a:hlinkClick r:id="rId2"/>
               </a:rPr>
-              <a:t>http://www.cl.cam.ac.uk/~sd601/papers/mov.pdf</a:t>
-            </a:r>
-            <a:endParaRPr lang="en-SG" dirty="0"/>
-          </a:p>
-          <a:p>
+              <a:t>http://</a:t>
+            </a:r>
             <a:r>
               <a:rPr lang="en-SG" dirty="0" smtClean="0">
-                <a:hlinkClick r:id="rId3"/>
+                <a:hlinkClick r:id="rId2"/>
               </a:rPr>
-              <a:t>http</a:t>
-            </a:r>
-            <a:r>
-              <a:rPr lang="en-SG" dirty="0">
-                <a:hlinkClick r:id="rId3"/>
-              </a:rPr>
-              <a:t>://</a:t>
-            </a:r>
-            <a:r>
-              <a:rPr lang="en-SG" dirty="0" smtClean="0">
-                <a:hlinkClick r:id="rId3"/>
-              </a:rPr>
-              <a:t>www.gwern.net/Turing-complete</a:t>
-            </a:r>
-            <a:endParaRPr lang="en-SG" dirty="0" smtClean="0"/>
-          </a:p>
-          <a:p>
-            <a:r>
-              <a:rPr lang="en-SG" dirty="0">
-                <a:hlinkClick r:id="rId4"/>
-              </a:rPr>
-              <a:t>https://</a:t>
-            </a:r>
-            <a:r>
-              <a:rPr lang="en-SG" dirty="0" smtClean="0">
-                <a:hlinkClick r:id="rId4"/>
-              </a:rPr>
-              <a:t>github.com/xoreaxeaxeax/movfuscator</a:t>
-            </a:r>
-            <a:endParaRPr lang="en-SG" dirty="0" smtClean="0"/>
-          </a:p>
-          <a:p>
-            <a:r>
-              <a:rPr lang="en-SG" dirty="0">
-                <a:hlinkClick r:id="rId5"/>
-              </a:rPr>
-              <a:t>https://</a:t>
-            </a:r>
-            <a:r>
-              <a:rPr lang="en-SG" dirty="0" smtClean="0">
-                <a:hlinkClick r:id="rId5"/>
-              </a:rPr>
-              <a:t>www.youtube.com/watch?v=R7EEoWg6Ekk</a:t>
+              <a:t>www.dwheeler.com/trusting-trust/dissertation/wheeler-trusting-trust-ddc.pdf</a:t>
             </a:r>
             <a:endParaRPr lang="en-SG" dirty="0" smtClean="0"/>
           </a:p>
@@ -7775,7 +8066,4556 @@
           <a:p>
             <a:fld id="{9705DC4D-6496-4D9B-AA35-AB22DFE8A2F2}" type="slidenum">
               <a:rPr lang="en-SG" smtClean="0"/>
-              <a:t>26</a:t>
+              <a:t>27</a:t>
+            </a:fld>
+            <a:endParaRPr lang="en-SG"/>
+          </a:p>
+        </p:txBody>
+      </p:sp>
+    </p:spTree>
+    <p:extLst>
+      <p:ext uri="{BB962C8B-B14F-4D97-AF65-F5344CB8AC3E}">
+        <p14:creationId xmlns:p14="http://schemas.microsoft.com/office/powerpoint/2010/main" val="1179978648"/>
+      </p:ext>
+    </p:extLst>
+  </p:cSld>
+  <p:clrMapOvr>
+    <a:masterClrMapping/>
+  </p:clrMapOvr>
+</p:sld>
+</file>
+
+<file path=ppt/slides/slide28.xml><?xml version="1.0" encoding="utf-8"?>
+<p:sld xmlns:a="http://schemas.openxmlformats.org/drawingml/2006/main" xmlns:r="http://schemas.openxmlformats.org/officeDocument/2006/relationships" xmlns:p="http://schemas.openxmlformats.org/presentationml/2006/main">
+  <p:cSld>
+    <p:spTree>
+      <p:nvGrpSpPr>
+        <p:cNvPr id="1" name=""/>
+        <p:cNvGrpSpPr/>
+        <p:nvPr/>
+      </p:nvGrpSpPr>
+      <p:grpSpPr>
+        <a:xfrm>
+          <a:off x="0" y="0"/>
+          <a:ext cx="0" cy="0"/>
+          <a:chOff x="0" y="0"/>
+          <a:chExt cx="0" cy="0"/>
+        </a:xfrm>
+      </p:grpSpPr>
+      <p:sp>
+        <p:nvSpPr>
+          <p:cNvPr id="2" name="Title 1"/>
+          <p:cNvSpPr>
+            <a:spLocks noGrp="1"/>
+          </p:cNvSpPr>
+          <p:nvPr>
+            <p:ph type="title"/>
+          </p:nvPr>
+        </p:nvSpPr>
+        <p:spPr>
+          <a:xfrm>
+            <a:off x="533399" y="320674"/>
+            <a:ext cx="8373836" cy="1325563"/>
+          </a:xfrm>
+        </p:spPr>
+        <p:txBody>
+          <a:bodyPr/>
+          <a:lstStyle/>
+          <a:p>
+            <a:r>
+              <a:rPr lang="en-SG" dirty="0" smtClean="0"/>
+              <a:t>5a. Diverse Double Compiling (DDC)</a:t>
+            </a:r>
+            <a:endParaRPr lang="en-SG" dirty="0"/>
+          </a:p>
+        </p:txBody>
+      </p:sp>
+      <p:sp>
+        <p:nvSpPr>
+          <p:cNvPr id="3" name="Content Placeholder 2"/>
+          <p:cNvSpPr>
+            <a:spLocks noGrp="1"/>
+          </p:cNvSpPr>
+          <p:nvPr>
+            <p:ph idx="1"/>
+          </p:nvPr>
+        </p:nvSpPr>
+        <p:spPr>
+          <a:xfrm>
+            <a:off x="141514" y="1825625"/>
+            <a:ext cx="8373836" cy="4351338"/>
+          </a:xfrm>
+        </p:spPr>
+        <p:txBody>
+          <a:bodyPr/>
+          <a:lstStyle/>
+          <a:p>
+            <a:r>
+              <a:rPr lang="en-SG" sz="2400" dirty="0" smtClean="0"/>
+              <a:t>Purpose</a:t>
+            </a:r>
+          </a:p>
+          <a:p>
+            <a:pPr lvl="1"/>
+            <a:r>
+              <a:rPr lang="en-SG" sz="2000" dirty="0" smtClean="0"/>
+              <a:t>To detect the trusting attack</a:t>
+            </a:r>
+          </a:p>
+          <a:p>
+            <a:pPr lvl="1"/>
+            <a:r>
+              <a:rPr lang="en-SG" sz="2000" dirty="0" smtClean="0"/>
+              <a:t>Use another compiler in the verification process</a:t>
+            </a:r>
+          </a:p>
+          <a:p>
+            <a:pPr marL="0" indent="0">
+              <a:buNone/>
+            </a:pPr>
+            <a:endParaRPr lang="en-SG" sz="2400" dirty="0"/>
+          </a:p>
+          <a:p>
+            <a:r>
+              <a:rPr lang="en-SG" sz="2400" dirty="0" smtClean="0"/>
+              <a:t>Requirements</a:t>
+            </a:r>
+          </a:p>
+          <a:p>
+            <a:pPr lvl="1"/>
+            <a:r>
+              <a:rPr lang="en-SG" sz="2000" dirty="0" smtClean="0"/>
+              <a:t>≥2 compilers, one of which is under test</a:t>
+            </a:r>
+          </a:p>
+          <a:p>
+            <a:pPr lvl="1"/>
+            <a:r>
+              <a:rPr lang="en-SG" sz="2000" dirty="0" smtClean="0"/>
+              <a:t>Source code of compiler under test needs to be available</a:t>
+            </a:r>
+          </a:p>
+          <a:p>
+            <a:pPr marL="0" indent="0">
+              <a:buNone/>
+            </a:pPr>
+            <a:endParaRPr lang="en-SG" dirty="0" smtClean="0"/>
+          </a:p>
+        </p:txBody>
+      </p:sp>
+      <p:sp>
+        <p:nvSpPr>
+          <p:cNvPr id="4" name="Slide Number Placeholder 3"/>
+          <p:cNvSpPr>
+            <a:spLocks noGrp="1"/>
+          </p:cNvSpPr>
+          <p:nvPr>
+            <p:ph type="sldNum" sz="quarter" idx="12"/>
+          </p:nvPr>
+        </p:nvSpPr>
+        <p:spPr/>
+        <p:txBody>
+          <a:bodyPr/>
+          <a:lstStyle/>
+          <a:p>
+            <a:fld id="{9705DC4D-6496-4D9B-AA35-AB22DFE8A2F2}" type="slidenum">
+              <a:rPr lang="en-SG" smtClean="0"/>
+              <a:t>28</a:t>
+            </a:fld>
+            <a:endParaRPr lang="en-SG"/>
+          </a:p>
+        </p:txBody>
+      </p:sp>
+    </p:spTree>
+    <p:extLst>
+      <p:ext uri="{BB962C8B-B14F-4D97-AF65-F5344CB8AC3E}">
+        <p14:creationId xmlns:p14="http://schemas.microsoft.com/office/powerpoint/2010/main" val="747836468"/>
+      </p:ext>
+    </p:extLst>
+  </p:cSld>
+  <p:clrMapOvr>
+    <a:masterClrMapping/>
+  </p:clrMapOvr>
+</p:sld>
+</file>
+
+<file path=ppt/slides/slide29.xml><?xml version="1.0" encoding="utf-8"?>
+<p:sld xmlns:a="http://schemas.openxmlformats.org/drawingml/2006/main" xmlns:r="http://schemas.openxmlformats.org/officeDocument/2006/relationships" xmlns:p="http://schemas.openxmlformats.org/presentationml/2006/main">
+  <p:cSld>
+    <p:spTree>
+      <p:nvGrpSpPr>
+        <p:cNvPr id="1" name=""/>
+        <p:cNvGrpSpPr/>
+        <p:nvPr/>
+      </p:nvGrpSpPr>
+      <p:grpSpPr>
+        <a:xfrm>
+          <a:off x="0" y="0"/>
+          <a:ext cx="0" cy="0"/>
+          <a:chOff x="0" y="0"/>
+          <a:chExt cx="0" cy="0"/>
+        </a:xfrm>
+      </p:grpSpPr>
+      <p:sp>
+        <p:nvSpPr>
+          <p:cNvPr id="2" name="Title 1"/>
+          <p:cNvSpPr>
+            <a:spLocks noGrp="1"/>
+          </p:cNvSpPr>
+          <p:nvPr>
+            <p:ph type="title"/>
+          </p:nvPr>
+        </p:nvSpPr>
+        <p:spPr/>
+        <p:txBody>
+          <a:bodyPr/>
+          <a:lstStyle/>
+          <a:p>
+            <a:r>
+              <a:rPr lang="en-SG" dirty="0" smtClean="0"/>
+              <a:t>5b. DDC Process</a:t>
+            </a:r>
+            <a:endParaRPr lang="en-SG" dirty="0"/>
+          </a:p>
+        </p:txBody>
+      </p:sp>
+      <p:sp>
+        <p:nvSpPr>
+          <p:cNvPr id="3" name="Content Placeholder 2"/>
+          <p:cNvSpPr>
+            <a:spLocks noGrp="1"/>
+          </p:cNvSpPr>
+          <p:nvPr>
+            <p:ph idx="1"/>
+          </p:nvPr>
+        </p:nvSpPr>
+        <p:spPr>
+          <a:xfrm>
+            <a:off x="250371" y="1825625"/>
+            <a:ext cx="8264979" cy="4351338"/>
+          </a:xfrm>
+        </p:spPr>
+        <p:txBody>
+          <a:bodyPr>
+            <a:normAutofit/>
+          </a:bodyPr>
+          <a:lstStyle/>
+          <a:p>
+            <a:r>
+              <a:rPr lang="en-SG" dirty="0" smtClean="0"/>
+              <a:t>Assume we are using GCC and Tiny C (</a:t>
+            </a:r>
+            <a:r>
+              <a:rPr lang="en-SG" dirty="0" err="1" smtClean="0"/>
+              <a:t>tcc</a:t>
+            </a:r>
+            <a:r>
+              <a:rPr lang="en-SG" dirty="0" smtClean="0"/>
+              <a:t>) compilers</a:t>
+            </a:r>
+          </a:p>
+          <a:p>
+            <a:r>
+              <a:rPr lang="en-SG" dirty="0" smtClean="0"/>
+              <a:t>We suspect GCC is malicious and want to test it</a:t>
+            </a:r>
+          </a:p>
+          <a:p>
+            <a:endParaRPr lang="en-SG" dirty="0"/>
+          </a:p>
+          <a:p>
+            <a:r>
+              <a:rPr lang="en-SG" dirty="0" smtClean="0"/>
+              <a:t>Compiler-under-test : GCC</a:t>
+            </a:r>
+          </a:p>
+          <a:p>
+            <a:r>
+              <a:rPr lang="en-SG" dirty="0" smtClean="0"/>
+              <a:t>Independent-compiler: TCC</a:t>
+            </a:r>
+          </a:p>
+          <a:p>
+            <a:endParaRPr lang="en-SG" dirty="0"/>
+          </a:p>
+          <a:p>
+            <a:r>
+              <a:rPr lang="en-SG" dirty="0"/>
+              <a:t>Independent-compiler </a:t>
+            </a:r>
+            <a:r>
+              <a:rPr lang="en-SG" dirty="0" smtClean="0"/>
+              <a:t>can be:</a:t>
+            </a:r>
+          </a:p>
+          <a:p>
+            <a:pPr lvl="1"/>
+            <a:r>
+              <a:rPr lang="en-SG" dirty="0" smtClean="0"/>
+              <a:t>Small: just </a:t>
+            </a:r>
+            <a:r>
+              <a:rPr lang="en-SG" dirty="0"/>
+              <a:t>enough code to compile compiler-under-test</a:t>
+            </a:r>
+            <a:endParaRPr lang="en-SG" dirty="0" smtClean="0"/>
+          </a:p>
+          <a:p>
+            <a:pPr lvl="1"/>
+            <a:r>
+              <a:rPr lang="en-SG" dirty="0" smtClean="0"/>
+              <a:t>Inefficient</a:t>
+            </a:r>
+          </a:p>
+          <a:p>
+            <a:pPr lvl="1"/>
+            <a:endParaRPr lang="en-SG" dirty="0"/>
+          </a:p>
+        </p:txBody>
+      </p:sp>
+      <p:sp>
+        <p:nvSpPr>
+          <p:cNvPr id="4" name="Slide Number Placeholder 3"/>
+          <p:cNvSpPr>
+            <a:spLocks noGrp="1"/>
+          </p:cNvSpPr>
+          <p:nvPr>
+            <p:ph type="sldNum" sz="quarter" idx="12"/>
+          </p:nvPr>
+        </p:nvSpPr>
+        <p:spPr/>
+        <p:txBody>
+          <a:bodyPr/>
+          <a:lstStyle/>
+          <a:p>
+            <a:fld id="{9705DC4D-6496-4D9B-AA35-AB22DFE8A2F2}" type="slidenum">
+              <a:rPr lang="en-SG" smtClean="0"/>
+              <a:t>29</a:t>
+            </a:fld>
+            <a:endParaRPr lang="en-SG"/>
+          </a:p>
+        </p:txBody>
+      </p:sp>
+    </p:spTree>
+    <p:extLst>
+      <p:ext uri="{BB962C8B-B14F-4D97-AF65-F5344CB8AC3E}">
+        <p14:creationId xmlns:p14="http://schemas.microsoft.com/office/powerpoint/2010/main" val="1956526758"/>
+      </p:ext>
+    </p:extLst>
+  </p:cSld>
+  <p:clrMapOvr>
+    <a:masterClrMapping/>
+  </p:clrMapOvr>
+</p:sld>
+</file>
+
+<file path=ppt/slides/slide3.xml><?xml version="1.0" encoding="utf-8"?>
+<p:sld xmlns:a="http://schemas.openxmlformats.org/drawingml/2006/main" xmlns:r="http://schemas.openxmlformats.org/officeDocument/2006/relationships" xmlns:p="http://schemas.openxmlformats.org/presentationml/2006/main">
+  <p:cSld>
+    <p:spTree>
+      <p:nvGrpSpPr>
+        <p:cNvPr id="1" name=""/>
+        <p:cNvGrpSpPr/>
+        <p:nvPr/>
+      </p:nvGrpSpPr>
+      <p:grpSpPr>
+        <a:xfrm>
+          <a:off x="0" y="0"/>
+          <a:ext cx="0" cy="0"/>
+          <a:chOff x="0" y="0"/>
+          <a:chExt cx="0" cy="0"/>
+        </a:xfrm>
+      </p:grpSpPr>
+      <p:sp>
+        <p:nvSpPr>
+          <p:cNvPr id="3" name="Content Placeholder 2"/>
+          <p:cNvSpPr>
+            <a:spLocks noGrp="1"/>
+          </p:cNvSpPr>
+          <p:nvPr>
+            <p:ph idx="1"/>
+          </p:nvPr>
+        </p:nvSpPr>
+        <p:spPr>
+          <a:xfrm>
+            <a:off x="628650" y="950414"/>
+            <a:ext cx="7886700" cy="3935095"/>
+          </a:xfrm>
+        </p:spPr>
+        <p:txBody>
+          <a:bodyPr>
+            <a:normAutofit/>
+          </a:bodyPr>
+          <a:lstStyle/>
+          <a:p>
+            <a:pPr marL="0" indent="0">
+              <a:buNone/>
+            </a:pPr>
+            <a:r>
+              <a:rPr lang="en-US" u="sng" dirty="0" smtClean="0"/>
+              <a:t>Opening Statement</a:t>
+            </a:r>
+          </a:p>
+          <a:p>
+            <a:pPr marL="0" indent="0">
+              <a:buNone/>
+            </a:pPr>
+            <a:endParaRPr lang="en-US" sz="2000" i="1" dirty="0" smtClean="0"/>
+          </a:p>
+          <a:p>
+            <a:pPr marL="0" indent="0">
+              <a:buNone/>
+            </a:pPr>
+            <a:r>
+              <a:rPr lang="en-US" sz="2000" i="1" dirty="0" smtClean="0"/>
+              <a:t>“</a:t>
+            </a:r>
+            <a:r>
+              <a:rPr lang="en-US" sz="2000" i="1" dirty="0" smtClean="0"/>
+              <a:t>To </a:t>
+            </a:r>
+            <a:r>
+              <a:rPr lang="en-US" sz="2000" i="1" dirty="0"/>
+              <a:t>what extent should one trust a statement that a program is free of </a:t>
+            </a:r>
+            <a:r>
+              <a:rPr lang="en-US" sz="2000" i="1" dirty="0" smtClean="0"/>
+              <a:t>Trojan horses</a:t>
+            </a:r>
+            <a:r>
+              <a:rPr lang="en-US" sz="2000" i="1" dirty="0"/>
+              <a:t>? </a:t>
+            </a:r>
+          </a:p>
+          <a:p>
+            <a:pPr marL="0" indent="0">
+              <a:buNone/>
+            </a:pPr>
+            <a:endParaRPr lang="en-US" sz="2000" i="1" dirty="0"/>
+          </a:p>
+          <a:p>
+            <a:pPr marL="0" indent="0">
+              <a:buNone/>
+            </a:pPr>
+            <a:r>
+              <a:rPr lang="en-US" sz="2000" i="1" dirty="0" smtClean="0"/>
+              <a:t>Perhaps </a:t>
+            </a:r>
+            <a:r>
+              <a:rPr lang="en-US" sz="2000" i="1" dirty="0"/>
+              <a:t>it is more important to trust the people who wrote </a:t>
+            </a:r>
+            <a:r>
+              <a:rPr lang="en-US" sz="2000" i="1" dirty="0" smtClean="0"/>
+              <a:t>the software.”</a:t>
+            </a:r>
+          </a:p>
+          <a:p>
+            <a:pPr marL="0" indent="0">
+              <a:buNone/>
+            </a:pPr>
+            <a:endParaRPr lang="en-US" i="1" dirty="0"/>
+          </a:p>
+          <a:p>
+            <a:endParaRPr lang="en-US" dirty="0" smtClean="0"/>
+          </a:p>
+          <a:p>
+            <a:endParaRPr lang="en-US" dirty="0"/>
+          </a:p>
+        </p:txBody>
+      </p:sp>
+      <p:sp>
+        <p:nvSpPr>
+          <p:cNvPr id="4" name="Slide Number Placeholder 3"/>
+          <p:cNvSpPr>
+            <a:spLocks noGrp="1"/>
+          </p:cNvSpPr>
+          <p:nvPr>
+            <p:ph type="sldNum" sz="quarter" idx="12"/>
+          </p:nvPr>
+        </p:nvSpPr>
+        <p:spPr/>
+        <p:txBody>
+          <a:bodyPr/>
+          <a:lstStyle/>
+          <a:p>
+            <a:fld id="{9705DC4D-6496-4D9B-AA35-AB22DFE8A2F2}" type="slidenum">
+              <a:rPr lang="en-SG" smtClean="0"/>
+              <a:t>3</a:t>
+            </a:fld>
+            <a:endParaRPr lang="en-SG"/>
+          </a:p>
+        </p:txBody>
+      </p:sp>
+    </p:spTree>
+    <p:extLst>
+      <p:ext uri="{BB962C8B-B14F-4D97-AF65-F5344CB8AC3E}">
+        <p14:creationId xmlns:p14="http://schemas.microsoft.com/office/powerpoint/2010/main" val="1596953689"/>
+      </p:ext>
+    </p:extLst>
+  </p:cSld>
+  <p:clrMapOvr>
+    <a:masterClrMapping/>
+  </p:clrMapOvr>
+</p:sld>
+</file>
+
+<file path=ppt/slides/slide30.xml><?xml version="1.0" encoding="utf-8"?>
+<p:sld xmlns:a="http://schemas.openxmlformats.org/drawingml/2006/main" xmlns:r="http://schemas.openxmlformats.org/officeDocument/2006/relationships" xmlns:p="http://schemas.openxmlformats.org/presentationml/2006/main">
+  <p:cSld>
+    <p:spTree>
+      <p:nvGrpSpPr>
+        <p:cNvPr id="1" name=""/>
+        <p:cNvGrpSpPr/>
+        <p:nvPr/>
+      </p:nvGrpSpPr>
+      <p:grpSpPr>
+        <a:xfrm>
+          <a:off x="0" y="0"/>
+          <a:ext cx="0" cy="0"/>
+          <a:chOff x="0" y="0"/>
+          <a:chExt cx="0" cy="0"/>
+        </a:xfrm>
+      </p:grpSpPr>
+      <p:sp>
+        <p:nvSpPr>
+          <p:cNvPr id="2" name="Title 1"/>
+          <p:cNvSpPr>
+            <a:spLocks noGrp="1"/>
+          </p:cNvSpPr>
+          <p:nvPr>
+            <p:ph type="title"/>
+          </p:nvPr>
+        </p:nvSpPr>
+        <p:spPr>
+          <a:xfrm>
+            <a:off x="567690" y="124595"/>
+            <a:ext cx="7886700" cy="667886"/>
+          </a:xfrm>
+        </p:spPr>
+        <p:txBody>
+          <a:bodyPr>
+            <a:normAutofit fontScale="90000"/>
+          </a:bodyPr>
+          <a:lstStyle/>
+          <a:p>
+            <a:r>
+              <a:rPr lang="en-SG" dirty="0" smtClean="0"/>
+              <a:t>5c. DDC Process</a:t>
+            </a:r>
+            <a:endParaRPr lang="en-SG" dirty="0"/>
+          </a:p>
+        </p:txBody>
+      </p:sp>
+      <p:sp>
+        <p:nvSpPr>
+          <p:cNvPr id="4" name="Slide Number Placeholder 3"/>
+          <p:cNvSpPr>
+            <a:spLocks noGrp="1"/>
+          </p:cNvSpPr>
+          <p:nvPr>
+            <p:ph type="sldNum" sz="quarter" idx="12"/>
+          </p:nvPr>
+        </p:nvSpPr>
+        <p:spPr/>
+        <p:txBody>
+          <a:bodyPr/>
+          <a:lstStyle/>
+          <a:p>
+            <a:fld id="{9705DC4D-6496-4D9B-AA35-AB22DFE8A2F2}" type="slidenum">
+              <a:rPr lang="en-SG" smtClean="0"/>
+              <a:t>30</a:t>
+            </a:fld>
+            <a:endParaRPr lang="en-SG"/>
+          </a:p>
+        </p:txBody>
+      </p:sp>
+      <p:sp>
+        <p:nvSpPr>
+          <p:cNvPr id="5" name="Rounded Rectangle 4"/>
+          <p:cNvSpPr/>
+          <p:nvPr/>
+        </p:nvSpPr>
+        <p:spPr>
+          <a:xfrm>
+            <a:off x="1845701" y="1650158"/>
+            <a:ext cx="1520678" cy="487680"/>
+          </a:xfrm>
+          <a:prstGeom prst="roundRect">
+            <a:avLst/>
+          </a:prstGeom>
+          <a:solidFill>
+            <a:srgbClr val="C00000"/>
+          </a:solidFill>
+        </p:spPr>
+        <p:style>
+          <a:lnRef idx="2">
+            <a:schemeClr val="accent1">
+              <a:shade val="50000"/>
+            </a:schemeClr>
+          </a:lnRef>
+          <a:fillRef idx="1">
+            <a:schemeClr val="accent1"/>
+          </a:fillRef>
+          <a:effectRef idx="0">
+            <a:schemeClr val="accent1"/>
+          </a:effectRef>
+          <a:fontRef idx="minor">
+            <a:schemeClr val="lt1"/>
+          </a:fontRef>
+        </p:style>
+        <p:txBody>
+          <a:bodyPr rtlCol="0" anchor="ctr"/>
+          <a:lstStyle/>
+          <a:p>
+            <a:pPr algn="ctr"/>
+            <a:r>
+              <a:rPr lang="en-SG" dirty="0" smtClean="0"/>
+              <a:t>GCC</a:t>
+            </a:r>
+            <a:endParaRPr lang="en-SG" dirty="0"/>
+          </a:p>
+        </p:txBody>
+      </p:sp>
+      <p:sp>
+        <p:nvSpPr>
+          <p:cNvPr id="6" name="Rounded Rectangle 5"/>
+          <p:cNvSpPr/>
+          <p:nvPr/>
+        </p:nvSpPr>
+        <p:spPr>
+          <a:xfrm>
+            <a:off x="6709410" y="1650158"/>
+            <a:ext cx="1470660" cy="487680"/>
+          </a:xfrm>
+          <a:prstGeom prst="roundRect">
+            <a:avLst/>
+          </a:prstGeom>
+          <a:solidFill>
+            <a:srgbClr val="92D050"/>
+          </a:solidFill>
+        </p:spPr>
+        <p:style>
+          <a:lnRef idx="2">
+            <a:schemeClr val="accent1">
+              <a:shade val="50000"/>
+            </a:schemeClr>
+          </a:lnRef>
+          <a:fillRef idx="1">
+            <a:schemeClr val="accent1"/>
+          </a:fillRef>
+          <a:effectRef idx="0">
+            <a:schemeClr val="accent1"/>
+          </a:effectRef>
+          <a:fontRef idx="minor">
+            <a:schemeClr val="lt1"/>
+          </a:fontRef>
+        </p:style>
+        <p:txBody>
+          <a:bodyPr rtlCol="0" anchor="ctr"/>
+          <a:lstStyle/>
+          <a:p>
+            <a:pPr algn="ctr"/>
+            <a:r>
+              <a:rPr lang="en-SG" dirty="0"/>
+              <a:t>T</a:t>
+            </a:r>
+            <a:r>
+              <a:rPr lang="en-SG" dirty="0" smtClean="0"/>
+              <a:t>CC</a:t>
+            </a:r>
+            <a:endParaRPr lang="en-SG" dirty="0"/>
+          </a:p>
+        </p:txBody>
+      </p:sp>
+      <p:sp>
+        <p:nvSpPr>
+          <p:cNvPr id="9" name="Down Arrow 8"/>
+          <p:cNvSpPr/>
+          <p:nvPr/>
+        </p:nvSpPr>
+        <p:spPr>
+          <a:xfrm rot="16200000">
+            <a:off x="1354211" y="1714748"/>
+            <a:ext cx="243840" cy="350520"/>
+          </a:xfrm>
+          <a:prstGeom prst="downArrow">
+            <a:avLst/>
+          </a:prstGeom>
+        </p:spPr>
+        <p:style>
+          <a:lnRef idx="2">
+            <a:schemeClr val="accent1">
+              <a:shade val="50000"/>
+            </a:schemeClr>
+          </a:lnRef>
+          <a:fillRef idx="1">
+            <a:schemeClr val="accent1"/>
+          </a:fillRef>
+          <a:effectRef idx="0">
+            <a:schemeClr val="accent1"/>
+          </a:effectRef>
+          <a:fontRef idx="minor">
+            <a:schemeClr val="lt1"/>
+          </a:fontRef>
+        </p:style>
+        <p:txBody>
+          <a:bodyPr rtlCol="0" anchor="ctr"/>
+          <a:lstStyle/>
+          <a:p>
+            <a:pPr algn="ctr"/>
+            <a:endParaRPr lang="en-SG"/>
+          </a:p>
+        </p:txBody>
+      </p:sp>
+      <p:sp>
+        <p:nvSpPr>
+          <p:cNvPr id="10" name="TextBox 9"/>
+          <p:cNvSpPr txBox="1"/>
+          <p:nvPr/>
+        </p:nvSpPr>
+        <p:spPr>
+          <a:xfrm>
+            <a:off x="251460" y="1753624"/>
+            <a:ext cx="1085362" cy="369332"/>
+          </a:xfrm>
+          <a:prstGeom prst="rect">
+            <a:avLst/>
+          </a:prstGeom>
+          <a:noFill/>
+        </p:spPr>
+        <p:txBody>
+          <a:bodyPr wrap="none" rtlCol="0">
+            <a:spAutoFit/>
+          </a:bodyPr>
+          <a:lstStyle/>
+          <a:p>
+            <a:r>
+              <a:rPr lang="en-SG" dirty="0" err="1" smtClean="0"/>
+              <a:t>Source</a:t>
+            </a:r>
+            <a:r>
+              <a:rPr lang="en-SG" baseline="-25000" dirty="0" err="1" smtClean="0"/>
+              <a:t>GCC</a:t>
+            </a:r>
+            <a:endParaRPr lang="en-SG" baseline="-25000" dirty="0"/>
+          </a:p>
+        </p:txBody>
+      </p:sp>
+      <p:sp>
+        <p:nvSpPr>
+          <p:cNvPr id="11" name="Down Arrow 10"/>
+          <p:cNvSpPr/>
+          <p:nvPr/>
+        </p:nvSpPr>
+        <p:spPr>
+          <a:xfrm rot="16200000">
+            <a:off x="6257925" y="1652538"/>
+            <a:ext cx="243840" cy="350520"/>
+          </a:xfrm>
+          <a:prstGeom prst="downArrow">
+            <a:avLst/>
+          </a:prstGeom>
+        </p:spPr>
+        <p:style>
+          <a:lnRef idx="2">
+            <a:schemeClr val="accent1">
+              <a:shade val="50000"/>
+            </a:schemeClr>
+          </a:lnRef>
+          <a:fillRef idx="1">
+            <a:schemeClr val="accent1"/>
+          </a:fillRef>
+          <a:effectRef idx="0">
+            <a:schemeClr val="accent1"/>
+          </a:effectRef>
+          <a:fontRef idx="minor">
+            <a:schemeClr val="lt1"/>
+          </a:fontRef>
+        </p:style>
+        <p:txBody>
+          <a:bodyPr rtlCol="0" anchor="ctr"/>
+          <a:lstStyle/>
+          <a:p>
+            <a:pPr algn="ctr"/>
+            <a:endParaRPr lang="en-SG"/>
+          </a:p>
+        </p:txBody>
+      </p:sp>
+      <p:sp>
+        <p:nvSpPr>
+          <p:cNvPr id="12" name="TextBox 11"/>
+          <p:cNvSpPr txBox="1"/>
+          <p:nvPr/>
+        </p:nvSpPr>
+        <p:spPr>
+          <a:xfrm>
+            <a:off x="5119223" y="1702306"/>
+            <a:ext cx="1085362" cy="369332"/>
+          </a:xfrm>
+          <a:prstGeom prst="rect">
+            <a:avLst/>
+          </a:prstGeom>
+          <a:noFill/>
+        </p:spPr>
+        <p:txBody>
+          <a:bodyPr wrap="none" rtlCol="0">
+            <a:spAutoFit/>
+          </a:bodyPr>
+          <a:lstStyle/>
+          <a:p>
+            <a:r>
+              <a:rPr lang="en-SG" dirty="0" err="1" smtClean="0"/>
+              <a:t>Source</a:t>
+            </a:r>
+            <a:r>
+              <a:rPr lang="en-SG" baseline="-25000" dirty="0" err="1" smtClean="0"/>
+              <a:t>GCC</a:t>
+            </a:r>
+            <a:endParaRPr lang="en-SG" baseline="-25000" dirty="0"/>
+          </a:p>
+        </p:txBody>
+      </p:sp>
+      <p:sp>
+        <p:nvSpPr>
+          <p:cNvPr id="13" name="Down Arrow 12"/>
+          <p:cNvSpPr/>
+          <p:nvPr/>
+        </p:nvSpPr>
+        <p:spPr>
+          <a:xfrm>
+            <a:off x="2484120" y="2295318"/>
+            <a:ext cx="243840" cy="350520"/>
+          </a:xfrm>
+          <a:prstGeom prst="downArrow">
+            <a:avLst/>
+          </a:prstGeom>
+        </p:spPr>
+        <p:style>
+          <a:lnRef idx="2">
+            <a:schemeClr val="accent1">
+              <a:shade val="50000"/>
+            </a:schemeClr>
+          </a:lnRef>
+          <a:fillRef idx="1">
+            <a:schemeClr val="accent1"/>
+          </a:fillRef>
+          <a:effectRef idx="0">
+            <a:schemeClr val="accent1"/>
+          </a:effectRef>
+          <a:fontRef idx="minor">
+            <a:schemeClr val="lt1"/>
+          </a:fontRef>
+        </p:style>
+        <p:txBody>
+          <a:bodyPr rtlCol="0" anchor="ctr"/>
+          <a:lstStyle/>
+          <a:p>
+            <a:pPr algn="ctr"/>
+            <a:endParaRPr lang="en-SG"/>
+          </a:p>
+        </p:txBody>
+      </p:sp>
+      <p:sp>
+        <p:nvSpPr>
+          <p:cNvPr id="14" name="Down Arrow 13"/>
+          <p:cNvSpPr/>
+          <p:nvPr/>
+        </p:nvSpPr>
+        <p:spPr>
+          <a:xfrm>
+            <a:off x="7353300" y="2327786"/>
+            <a:ext cx="243840" cy="350520"/>
+          </a:xfrm>
+          <a:prstGeom prst="downArrow">
+            <a:avLst/>
+          </a:prstGeom>
+        </p:spPr>
+        <p:style>
+          <a:lnRef idx="2">
+            <a:schemeClr val="accent1">
+              <a:shade val="50000"/>
+            </a:schemeClr>
+          </a:lnRef>
+          <a:fillRef idx="1">
+            <a:schemeClr val="accent1"/>
+          </a:fillRef>
+          <a:effectRef idx="0">
+            <a:schemeClr val="accent1"/>
+          </a:effectRef>
+          <a:fontRef idx="minor">
+            <a:schemeClr val="lt1"/>
+          </a:fontRef>
+        </p:style>
+        <p:txBody>
+          <a:bodyPr rtlCol="0" anchor="ctr"/>
+          <a:lstStyle/>
+          <a:p>
+            <a:pPr algn="ctr"/>
+            <a:endParaRPr lang="en-SG"/>
+          </a:p>
+        </p:txBody>
+      </p:sp>
+      <p:sp>
+        <p:nvSpPr>
+          <p:cNvPr id="15" name="Rounded Rectangle 14"/>
+          <p:cNvSpPr/>
+          <p:nvPr/>
+        </p:nvSpPr>
+        <p:spPr>
+          <a:xfrm>
+            <a:off x="1845701" y="2856976"/>
+            <a:ext cx="1520678" cy="487680"/>
+          </a:xfrm>
+          <a:prstGeom prst="roundRect">
+            <a:avLst/>
+          </a:prstGeom>
+          <a:solidFill>
+            <a:srgbClr val="C00000"/>
+          </a:solidFill>
+        </p:spPr>
+        <p:style>
+          <a:lnRef idx="2">
+            <a:schemeClr val="accent1">
+              <a:shade val="50000"/>
+            </a:schemeClr>
+          </a:lnRef>
+          <a:fillRef idx="1">
+            <a:schemeClr val="accent1"/>
+          </a:fillRef>
+          <a:effectRef idx="0">
+            <a:schemeClr val="accent1"/>
+          </a:effectRef>
+          <a:fontRef idx="minor">
+            <a:schemeClr val="lt1"/>
+          </a:fontRef>
+        </p:style>
+        <p:txBody>
+          <a:bodyPr rtlCol="0" anchor="ctr"/>
+          <a:lstStyle/>
+          <a:p>
+            <a:pPr algn="ctr"/>
+            <a:r>
+              <a:rPr lang="en-SG" dirty="0" smtClean="0"/>
+              <a:t>GCC (c. GCC)</a:t>
+            </a:r>
+            <a:endParaRPr lang="en-SG" dirty="0"/>
+          </a:p>
+        </p:txBody>
+      </p:sp>
+      <p:sp>
+        <p:nvSpPr>
+          <p:cNvPr id="16" name="Rounded Rectangle 15"/>
+          <p:cNvSpPr/>
+          <p:nvPr/>
+        </p:nvSpPr>
+        <p:spPr>
+          <a:xfrm>
+            <a:off x="6709410" y="2855590"/>
+            <a:ext cx="1531620" cy="487680"/>
+          </a:xfrm>
+          <a:prstGeom prst="roundRect">
+            <a:avLst/>
+          </a:prstGeom>
+          <a:solidFill>
+            <a:srgbClr val="FF0000"/>
+          </a:solidFill>
+        </p:spPr>
+        <p:style>
+          <a:lnRef idx="2">
+            <a:schemeClr val="accent1">
+              <a:shade val="50000"/>
+            </a:schemeClr>
+          </a:lnRef>
+          <a:fillRef idx="1">
+            <a:schemeClr val="accent1"/>
+          </a:fillRef>
+          <a:effectRef idx="0">
+            <a:schemeClr val="accent1"/>
+          </a:effectRef>
+          <a:fontRef idx="minor">
+            <a:schemeClr val="lt1"/>
+          </a:fontRef>
+        </p:style>
+        <p:txBody>
+          <a:bodyPr rtlCol="0" anchor="ctr"/>
+          <a:lstStyle/>
+          <a:p>
+            <a:pPr algn="ctr"/>
+            <a:r>
+              <a:rPr lang="en-SG" dirty="0" smtClean="0"/>
+              <a:t>GCC (c. TCC)</a:t>
+            </a:r>
+            <a:endParaRPr lang="en-SG" dirty="0"/>
+          </a:p>
+        </p:txBody>
+      </p:sp>
+      <p:sp>
+        <p:nvSpPr>
+          <p:cNvPr id="17" name="Rounded Rectangle 16"/>
+          <p:cNvSpPr/>
+          <p:nvPr/>
+        </p:nvSpPr>
+        <p:spPr>
+          <a:xfrm>
+            <a:off x="1845701" y="3976046"/>
+            <a:ext cx="1520678" cy="487680"/>
+          </a:xfrm>
+          <a:prstGeom prst="roundRect">
+            <a:avLst/>
+          </a:prstGeom>
+          <a:solidFill>
+            <a:srgbClr val="C00000"/>
+          </a:solidFill>
+        </p:spPr>
+        <p:style>
+          <a:lnRef idx="2">
+            <a:schemeClr val="accent1">
+              <a:shade val="50000"/>
+            </a:schemeClr>
+          </a:lnRef>
+          <a:fillRef idx="1">
+            <a:schemeClr val="accent1"/>
+          </a:fillRef>
+          <a:effectRef idx="0">
+            <a:schemeClr val="accent1"/>
+          </a:effectRef>
+          <a:fontRef idx="minor">
+            <a:schemeClr val="lt1"/>
+          </a:fontRef>
+        </p:style>
+        <p:txBody>
+          <a:bodyPr rtlCol="0" anchor="ctr"/>
+          <a:lstStyle/>
+          <a:p>
+            <a:pPr algn="ctr"/>
+            <a:r>
+              <a:rPr lang="en-SG" sz="1200" dirty="0" smtClean="0"/>
+              <a:t>GCC (c. GCC,  c. GCC)</a:t>
+            </a:r>
+            <a:endParaRPr lang="en-SG" sz="1200" dirty="0"/>
+          </a:p>
+        </p:txBody>
+      </p:sp>
+      <p:sp>
+        <p:nvSpPr>
+          <p:cNvPr id="18" name="Down Arrow 17"/>
+          <p:cNvSpPr/>
+          <p:nvPr/>
+        </p:nvSpPr>
+        <p:spPr>
+          <a:xfrm rot="16200000">
+            <a:off x="1354211" y="2929344"/>
+            <a:ext cx="243840" cy="350520"/>
+          </a:xfrm>
+          <a:prstGeom prst="downArrow">
+            <a:avLst/>
+          </a:prstGeom>
+        </p:spPr>
+        <p:style>
+          <a:lnRef idx="2">
+            <a:schemeClr val="accent1">
+              <a:shade val="50000"/>
+            </a:schemeClr>
+          </a:lnRef>
+          <a:fillRef idx="1">
+            <a:schemeClr val="accent1"/>
+          </a:fillRef>
+          <a:effectRef idx="0">
+            <a:schemeClr val="accent1"/>
+          </a:effectRef>
+          <a:fontRef idx="minor">
+            <a:schemeClr val="lt1"/>
+          </a:fontRef>
+        </p:style>
+        <p:txBody>
+          <a:bodyPr rtlCol="0" anchor="ctr"/>
+          <a:lstStyle/>
+          <a:p>
+            <a:pPr algn="ctr"/>
+            <a:endParaRPr lang="en-SG"/>
+          </a:p>
+        </p:txBody>
+      </p:sp>
+      <p:sp>
+        <p:nvSpPr>
+          <p:cNvPr id="19" name="TextBox 18"/>
+          <p:cNvSpPr txBox="1"/>
+          <p:nvPr/>
+        </p:nvSpPr>
+        <p:spPr>
+          <a:xfrm>
+            <a:off x="251460" y="2968220"/>
+            <a:ext cx="1085362" cy="369332"/>
+          </a:xfrm>
+          <a:prstGeom prst="rect">
+            <a:avLst/>
+          </a:prstGeom>
+          <a:noFill/>
+        </p:spPr>
+        <p:txBody>
+          <a:bodyPr wrap="none" rtlCol="0">
+            <a:spAutoFit/>
+          </a:bodyPr>
+          <a:lstStyle/>
+          <a:p>
+            <a:r>
+              <a:rPr lang="en-SG" dirty="0" err="1" smtClean="0"/>
+              <a:t>Source</a:t>
+            </a:r>
+            <a:r>
+              <a:rPr lang="en-SG" baseline="-25000" dirty="0" err="1" smtClean="0"/>
+              <a:t>GCC</a:t>
+            </a:r>
+            <a:endParaRPr lang="en-SG" baseline="-25000" dirty="0"/>
+          </a:p>
+        </p:txBody>
+      </p:sp>
+      <p:sp>
+        <p:nvSpPr>
+          <p:cNvPr id="20" name="Down Arrow 19"/>
+          <p:cNvSpPr/>
+          <p:nvPr/>
+        </p:nvSpPr>
+        <p:spPr>
+          <a:xfrm>
+            <a:off x="2484120" y="3481763"/>
+            <a:ext cx="243840" cy="350520"/>
+          </a:xfrm>
+          <a:prstGeom prst="downArrow">
+            <a:avLst/>
+          </a:prstGeom>
+        </p:spPr>
+        <p:style>
+          <a:lnRef idx="2">
+            <a:schemeClr val="accent1">
+              <a:shade val="50000"/>
+            </a:schemeClr>
+          </a:lnRef>
+          <a:fillRef idx="1">
+            <a:schemeClr val="accent1"/>
+          </a:fillRef>
+          <a:effectRef idx="0">
+            <a:schemeClr val="accent1"/>
+          </a:effectRef>
+          <a:fontRef idx="minor">
+            <a:schemeClr val="lt1"/>
+          </a:fontRef>
+        </p:style>
+        <p:txBody>
+          <a:bodyPr rtlCol="0" anchor="ctr"/>
+          <a:lstStyle/>
+          <a:p>
+            <a:pPr algn="ctr"/>
+            <a:endParaRPr lang="en-SG"/>
+          </a:p>
+        </p:txBody>
+      </p:sp>
+      <p:sp>
+        <p:nvSpPr>
+          <p:cNvPr id="21" name="Rounded Rectangle 20"/>
+          <p:cNvSpPr/>
+          <p:nvPr/>
+        </p:nvSpPr>
+        <p:spPr>
+          <a:xfrm>
+            <a:off x="325511" y="3485091"/>
+            <a:ext cx="1440180" cy="490955"/>
+          </a:xfrm>
+          <a:prstGeom prst="roundRect">
+            <a:avLst/>
+          </a:prstGeom>
+        </p:spPr>
+        <p:style>
+          <a:lnRef idx="2">
+            <a:schemeClr val="accent1">
+              <a:shade val="50000"/>
+            </a:schemeClr>
+          </a:lnRef>
+          <a:fillRef idx="1">
+            <a:schemeClr val="accent1"/>
+          </a:fillRef>
+          <a:effectRef idx="0">
+            <a:schemeClr val="accent1"/>
+          </a:effectRef>
+          <a:fontRef idx="minor">
+            <a:schemeClr val="lt1"/>
+          </a:fontRef>
+        </p:style>
+        <p:txBody>
+          <a:bodyPr rtlCol="0" anchor="ctr"/>
+          <a:lstStyle/>
+          <a:p>
+            <a:pPr algn="ctr"/>
+            <a:r>
+              <a:rPr lang="en-SG" sz="1200" dirty="0" smtClean="0"/>
+              <a:t>Self-regeneration test (Control)</a:t>
+            </a:r>
+            <a:endParaRPr lang="en-SG" sz="1200" dirty="0"/>
+          </a:p>
+        </p:txBody>
+      </p:sp>
+      <p:cxnSp>
+        <p:nvCxnSpPr>
+          <p:cNvPr id="23" name="Straight Arrow Connector 22"/>
+          <p:cNvCxnSpPr/>
+          <p:nvPr/>
+        </p:nvCxnSpPr>
+        <p:spPr>
+          <a:xfrm flipV="1">
+            <a:off x="1845701" y="3432900"/>
+            <a:ext cx="267775" cy="119521"/>
+          </a:xfrm>
+          <a:prstGeom prst="straightConnector1">
+            <a:avLst/>
+          </a:prstGeom>
+          <a:ln>
+            <a:tailEnd type="triangle"/>
+          </a:ln>
+        </p:spPr>
+        <p:style>
+          <a:lnRef idx="1">
+            <a:schemeClr val="accent1"/>
+          </a:lnRef>
+          <a:fillRef idx="0">
+            <a:schemeClr val="accent1"/>
+          </a:fillRef>
+          <a:effectRef idx="0">
+            <a:schemeClr val="accent1"/>
+          </a:effectRef>
+          <a:fontRef idx="minor">
+            <a:schemeClr val="tx1"/>
+          </a:fontRef>
+        </p:style>
+      </p:cxnSp>
+      <p:cxnSp>
+        <p:nvCxnSpPr>
+          <p:cNvPr id="25" name="Straight Arrow Connector 24"/>
+          <p:cNvCxnSpPr/>
+          <p:nvPr/>
+        </p:nvCxnSpPr>
+        <p:spPr>
+          <a:xfrm>
+            <a:off x="1845701" y="3807345"/>
+            <a:ext cx="257712" cy="96945"/>
+          </a:xfrm>
+          <a:prstGeom prst="straightConnector1">
+            <a:avLst/>
+          </a:prstGeom>
+          <a:ln>
+            <a:tailEnd type="triangle"/>
+          </a:ln>
+        </p:spPr>
+        <p:style>
+          <a:lnRef idx="1">
+            <a:schemeClr val="accent1"/>
+          </a:lnRef>
+          <a:fillRef idx="0">
+            <a:schemeClr val="accent1"/>
+          </a:fillRef>
+          <a:effectRef idx="0">
+            <a:schemeClr val="accent1"/>
+          </a:effectRef>
+          <a:fontRef idx="minor">
+            <a:schemeClr val="tx1"/>
+          </a:fontRef>
+        </p:style>
+      </p:cxnSp>
+      <p:sp>
+        <p:nvSpPr>
+          <p:cNvPr id="27" name="Rounded Rectangle 26"/>
+          <p:cNvSpPr/>
+          <p:nvPr/>
+        </p:nvSpPr>
+        <p:spPr>
+          <a:xfrm>
+            <a:off x="6742039" y="3976046"/>
+            <a:ext cx="1498991" cy="487680"/>
+          </a:xfrm>
+          <a:prstGeom prst="roundRect">
+            <a:avLst/>
+          </a:prstGeom>
+          <a:solidFill>
+            <a:srgbClr val="FF0000"/>
+          </a:solidFill>
+        </p:spPr>
+        <p:style>
+          <a:lnRef idx="2">
+            <a:schemeClr val="accent1">
+              <a:shade val="50000"/>
+            </a:schemeClr>
+          </a:lnRef>
+          <a:fillRef idx="1">
+            <a:schemeClr val="accent1"/>
+          </a:fillRef>
+          <a:effectRef idx="0">
+            <a:schemeClr val="accent1"/>
+          </a:effectRef>
+          <a:fontRef idx="minor">
+            <a:schemeClr val="lt1"/>
+          </a:fontRef>
+        </p:style>
+        <p:txBody>
+          <a:bodyPr rtlCol="0" anchor="ctr"/>
+          <a:lstStyle/>
+          <a:p>
+            <a:pPr algn="ctr"/>
+            <a:r>
+              <a:rPr lang="en-SG" sz="1200" dirty="0" smtClean="0"/>
+              <a:t>GCC (c. GCC, c. TCC)</a:t>
+            </a:r>
+            <a:endParaRPr lang="en-SG" sz="1200" dirty="0"/>
+          </a:p>
+        </p:txBody>
+      </p:sp>
+      <p:sp>
+        <p:nvSpPr>
+          <p:cNvPr id="32" name="Down Arrow 31"/>
+          <p:cNvSpPr/>
+          <p:nvPr/>
+        </p:nvSpPr>
+        <p:spPr>
+          <a:xfrm>
+            <a:off x="7353300" y="3492660"/>
+            <a:ext cx="243840" cy="350520"/>
+          </a:xfrm>
+          <a:prstGeom prst="downArrow">
+            <a:avLst/>
+          </a:prstGeom>
+        </p:spPr>
+        <p:style>
+          <a:lnRef idx="2">
+            <a:schemeClr val="accent1">
+              <a:shade val="50000"/>
+            </a:schemeClr>
+          </a:lnRef>
+          <a:fillRef idx="1">
+            <a:schemeClr val="accent1"/>
+          </a:fillRef>
+          <a:effectRef idx="0">
+            <a:schemeClr val="accent1"/>
+          </a:effectRef>
+          <a:fontRef idx="minor">
+            <a:schemeClr val="lt1"/>
+          </a:fontRef>
+        </p:style>
+        <p:txBody>
+          <a:bodyPr rtlCol="0" anchor="ctr"/>
+          <a:lstStyle/>
+          <a:p>
+            <a:pPr algn="ctr"/>
+            <a:endParaRPr lang="en-SG"/>
+          </a:p>
+        </p:txBody>
+      </p:sp>
+      <p:sp>
+        <p:nvSpPr>
+          <p:cNvPr id="33" name="Down Arrow 32"/>
+          <p:cNvSpPr/>
+          <p:nvPr/>
+        </p:nvSpPr>
+        <p:spPr>
+          <a:xfrm rot="16200000">
+            <a:off x="6257925" y="2918452"/>
+            <a:ext cx="243840" cy="350520"/>
+          </a:xfrm>
+          <a:prstGeom prst="downArrow">
+            <a:avLst/>
+          </a:prstGeom>
+        </p:spPr>
+        <p:style>
+          <a:lnRef idx="2">
+            <a:schemeClr val="accent1">
+              <a:shade val="50000"/>
+            </a:schemeClr>
+          </a:lnRef>
+          <a:fillRef idx="1">
+            <a:schemeClr val="accent1"/>
+          </a:fillRef>
+          <a:effectRef idx="0">
+            <a:schemeClr val="accent1"/>
+          </a:effectRef>
+          <a:fontRef idx="minor">
+            <a:schemeClr val="lt1"/>
+          </a:fontRef>
+        </p:style>
+        <p:txBody>
+          <a:bodyPr rtlCol="0" anchor="ctr"/>
+          <a:lstStyle/>
+          <a:p>
+            <a:pPr algn="ctr"/>
+            <a:endParaRPr lang="en-SG"/>
+          </a:p>
+        </p:txBody>
+      </p:sp>
+      <p:sp>
+        <p:nvSpPr>
+          <p:cNvPr id="34" name="TextBox 33"/>
+          <p:cNvSpPr txBox="1"/>
+          <p:nvPr/>
+        </p:nvSpPr>
+        <p:spPr>
+          <a:xfrm>
+            <a:off x="5119223" y="2968220"/>
+            <a:ext cx="1085362" cy="369332"/>
+          </a:xfrm>
+          <a:prstGeom prst="rect">
+            <a:avLst/>
+          </a:prstGeom>
+          <a:noFill/>
+        </p:spPr>
+        <p:txBody>
+          <a:bodyPr wrap="none" rtlCol="0">
+            <a:spAutoFit/>
+          </a:bodyPr>
+          <a:lstStyle/>
+          <a:p>
+            <a:r>
+              <a:rPr lang="en-SG" dirty="0" err="1" smtClean="0"/>
+              <a:t>Source</a:t>
+            </a:r>
+            <a:r>
+              <a:rPr lang="en-SG" baseline="-25000" dirty="0" err="1" smtClean="0"/>
+              <a:t>GCC</a:t>
+            </a:r>
+            <a:endParaRPr lang="en-SG" baseline="-25000" dirty="0"/>
+          </a:p>
+        </p:txBody>
+      </p:sp>
+      <p:sp>
+        <p:nvSpPr>
+          <p:cNvPr id="35" name="Rounded Rectangle 34"/>
+          <p:cNvSpPr/>
+          <p:nvPr/>
+        </p:nvSpPr>
+        <p:spPr>
+          <a:xfrm>
+            <a:off x="3859702" y="5213351"/>
+            <a:ext cx="2091690" cy="487680"/>
+          </a:xfrm>
+          <a:prstGeom prst="roundRect">
+            <a:avLst/>
+          </a:prstGeom>
+          <a:noFill/>
+        </p:spPr>
+        <p:style>
+          <a:lnRef idx="2">
+            <a:schemeClr val="accent1">
+              <a:shade val="50000"/>
+            </a:schemeClr>
+          </a:lnRef>
+          <a:fillRef idx="1">
+            <a:schemeClr val="accent1"/>
+          </a:fillRef>
+          <a:effectRef idx="0">
+            <a:schemeClr val="accent1"/>
+          </a:effectRef>
+          <a:fontRef idx="minor">
+            <a:schemeClr val="lt1"/>
+          </a:fontRef>
+        </p:style>
+        <p:txBody>
+          <a:bodyPr rtlCol="0" anchor="ctr"/>
+          <a:lstStyle/>
+          <a:p>
+            <a:pPr algn="ctr"/>
+            <a:r>
+              <a:rPr lang="en-SG" dirty="0" smtClean="0">
+                <a:solidFill>
+                  <a:schemeClr val="tx1"/>
+                </a:solidFill>
+              </a:rPr>
+              <a:t>Should be identical</a:t>
+            </a:r>
+            <a:endParaRPr lang="en-SG" dirty="0">
+              <a:solidFill>
+                <a:schemeClr val="tx1"/>
+              </a:solidFill>
+            </a:endParaRPr>
+          </a:p>
+        </p:txBody>
+      </p:sp>
+      <p:sp>
+        <p:nvSpPr>
+          <p:cNvPr id="36" name="Down Arrow 35"/>
+          <p:cNvSpPr/>
+          <p:nvPr/>
+        </p:nvSpPr>
+        <p:spPr>
+          <a:xfrm rot="7983205">
+            <a:off x="3354940" y="4518470"/>
+            <a:ext cx="297180" cy="697209"/>
+          </a:xfrm>
+          <a:prstGeom prst="downArrow">
+            <a:avLst/>
+          </a:prstGeom>
+        </p:spPr>
+        <p:style>
+          <a:lnRef idx="2">
+            <a:schemeClr val="accent4">
+              <a:shade val="50000"/>
+            </a:schemeClr>
+          </a:lnRef>
+          <a:fillRef idx="1">
+            <a:schemeClr val="accent4"/>
+          </a:fillRef>
+          <a:effectRef idx="0">
+            <a:schemeClr val="accent4"/>
+          </a:effectRef>
+          <a:fontRef idx="minor">
+            <a:schemeClr val="lt1"/>
+          </a:fontRef>
+        </p:style>
+        <p:txBody>
+          <a:bodyPr rtlCol="0" anchor="ctr"/>
+          <a:lstStyle/>
+          <a:p>
+            <a:pPr algn="ctr"/>
+            <a:endParaRPr lang="en-SG"/>
+          </a:p>
+        </p:txBody>
+      </p:sp>
+      <p:sp>
+        <p:nvSpPr>
+          <p:cNvPr id="37" name="Down Arrow 36"/>
+          <p:cNvSpPr/>
+          <p:nvPr/>
+        </p:nvSpPr>
+        <p:spPr>
+          <a:xfrm rot="13535049">
+            <a:off x="6183762" y="4492843"/>
+            <a:ext cx="297180" cy="775514"/>
+          </a:xfrm>
+          <a:prstGeom prst="downArrow">
+            <a:avLst/>
+          </a:prstGeom>
+        </p:spPr>
+        <p:style>
+          <a:lnRef idx="2">
+            <a:schemeClr val="accent4">
+              <a:shade val="50000"/>
+            </a:schemeClr>
+          </a:lnRef>
+          <a:fillRef idx="1">
+            <a:schemeClr val="accent4"/>
+          </a:fillRef>
+          <a:effectRef idx="0">
+            <a:schemeClr val="accent4"/>
+          </a:effectRef>
+          <a:fontRef idx="minor">
+            <a:schemeClr val="lt1"/>
+          </a:fontRef>
+        </p:style>
+        <p:txBody>
+          <a:bodyPr rtlCol="0" anchor="ctr"/>
+          <a:lstStyle/>
+          <a:p>
+            <a:pPr algn="ctr"/>
+            <a:endParaRPr lang="en-SG"/>
+          </a:p>
+        </p:txBody>
+      </p:sp>
+      <p:sp>
+        <p:nvSpPr>
+          <p:cNvPr id="38" name="Rectangle 37"/>
+          <p:cNvSpPr/>
+          <p:nvPr/>
+        </p:nvSpPr>
+        <p:spPr>
+          <a:xfrm>
+            <a:off x="160020" y="781320"/>
+            <a:ext cx="4572000" cy="646331"/>
+          </a:xfrm>
+          <a:prstGeom prst="rect">
+            <a:avLst/>
+          </a:prstGeom>
+        </p:spPr>
+        <p:txBody>
+          <a:bodyPr>
+            <a:spAutoFit/>
+          </a:bodyPr>
+          <a:lstStyle/>
+          <a:p>
+            <a:r>
+              <a:rPr lang="en-SG" dirty="0" smtClean="0"/>
+              <a:t>Compiler-under-test:     GCC</a:t>
+            </a:r>
+            <a:endParaRPr lang="en-SG" dirty="0"/>
+          </a:p>
+          <a:p>
+            <a:r>
+              <a:rPr lang="en-SG" dirty="0" smtClean="0"/>
+              <a:t>Independent-compiler: TCC</a:t>
+            </a:r>
+            <a:endParaRPr lang="en-SG" dirty="0"/>
+          </a:p>
+        </p:txBody>
+      </p:sp>
+    </p:spTree>
+    <p:extLst>
+      <p:ext uri="{BB962C8B-B14F-4D97-AF65-F5344CB8AC3E}">
+        <p14:creationId xmlns:p14="http://schemas.microsoft.com/office/powerpoint/2010/main" val="848124839"/>
+      </p:ext>
+    </p:extLst>
+  </p:cSld>
+  <p:clrMapOvr>
+    <a:masterClrMapping/>
+  </p:clrMapOvr>
+</p:sld>
+</file>
+
+<file path=ppt/slides/slide31.xml><?xml version="1.0" encoding="utf-8"?>
+<p:sld xmlns:a="http://schemas.openxmlformats.org/drawingml/2006/main" xmlns:r="http://schemas.openxmlformats.org/officeDocument/2006/relationships" xmlns:p="http://schemas.openxmlformats.org/presentationml/2006/main">
+  <p:cSld>
+    <p:spTree>
+      <p:nvGrpSpPr>
+        <p:cNvPr id="1" name=""/>
+        <p:cNvGrpSpPr/>
+        <p:nvPr/>
+      </p:nvGrpSpPr>
+      <p:grpSpPr>
+        <a:xfrm>
+          <a:off x="0" y="0"/>
+          <a:ext cx="0" cy="0"/>
+          <a:chOff x="0" y="0"/>
+          <a:chExt cx="0" cy="0"/>
+        </a:xfrm>
+      </p:grpSpPr>
+      <p:sp>
+        <p:nvSpPr>
+          <p:cNvPr id="2" name="Title 1"/>
+          <p:cNvSpPr>
+            <a:spLocks noGrp="1"/>
+          </p:cNvSpPr>
+          <p:nvPr>
+            <p:ph type="title"/>
+          </p:nvPr>
+        </p:nvSpPr>
+        <p:spPr/>
+        <p:txBody>
+          <a:bodyPr/>
+          <a:lstStyle/>
+          <a:p>
+            <a:r>
+              <a:rPr lang="en-SG" dirty="0" smtClean="0"/>
+              <a:t>5c. Why this works?</a:t>
+            </a:r>
+            <a:endParaRPr lang="en-SG" dirty="0"/>
+          </a:p>
+        </p:txBody>
+      </p:sp>
+      <p:sp>
+        <p:nvSpPr>
+          <p:cNvPr id="3" name="Content Placeholder 2"/>
+          <p:cNvSpPr>
+            <a:spLocks noGrp="1"/>
+          </p:cNvSpPr>
+          <p:nvPr>
+            <p:ph idx="1"/>
+          </p:nvPr>
+        </p:nvSpPr>
+        <p:spPr>
+          <a:xfrm>
+            <a:off x="373380" y="1825625"/>
+            <a:ext cx="8141970" cy="4351338"/>
+          </a:xfrm>
+        </p:spPr>
+        <p:txBody>
+          <a:bodyPr>
+            <a:normAutofit/>
+          </a:bodyPr>
+          <a:lstStyle/>
+          <a:p>
+            <a:r>
+              <a:rPr lang="en-SG" sz="2000" dirty="0"/>
+              <a:t>TCC can be malicious but not malicious in a way that affects GCC</a:t>
+            </a:r>
+          </a:p>
+          <a:p>
+            <a:r>
+              <a:rPr lang="en-SG" sz="2000" dirty="0" smtClean="0"/>
+              <a:t>Hacker must compromise both GCC and TCC in the same way.</a:t>
+            </a:r>
+          </a:p>
+          <a:p>
+            <a:r>
+              <a:rPr lang="en-SG" sz="2000" dirty="0" smtClean="0"/>
+              <a:t>Easier to review smaller verifying-compiler source code</a:t>
+            </a:r>
+            <a:endParaRPr lang="en-SG" sz="2000" dirty="0"/>
+          </a:p>
+        </p:txBody>
+      </p:sp>
+      <p:sp>
+        <p:nvSpPr>
+          <p:cNvPr id="4" name="Slide Number Placeholder 3"/>
+          <p:cNvSpPr>
+            <a:spLocks noGrp="1"/>
+          </p:cNvSpPr>
+          <p:nvPr>
+            <p:ph type="sldNum" sz="quarter" idx="12"/>
+          </p:nvPr>
+        </p:nvSpPr>
+        <p:spPr/>
+        <p:txBody>
+          <a:bodyPr/>
+          <a:lstStyle/>
+          <a:p>
+            <a:fld id="{9705DC4D-6496-4D9B-AA35-AB22DFE8A2F2}" type="slidenum">
+              <a:rPr lang="en-SG" smtClean="0"/>
+              <a:t>31</a:t>
+            </a:fld>
+            <a:endParaRPr lang="en-SG"/>
+          </a:p>
+        </p:txBody>
+      </p:sp>
+    </p:spTree>
+    <p:extLst>
+      <p:ext uri="{BB962C8B-B14F-4D97-AF65-F5344CB8AC3E}">
+        <p14:creationId xmlns:p14="http://schemas.microsoft.com/office/powerpoint/2010/main" val="1753056077"/>
+      </p:ext>
+    </p:extLst>
+  </p:cSld>
+  <p:clrMapOvr>
+    <a:masterClrMapping/>
+  </p:clrMapOvr>
+</p:sld>
+</file>
+
+<file path=ppt/slides/slide32.xml><?xml version="1.0" encoding="utf-8"?>
+<p:sld xmlns:a="http://schemas.openxmlformats.org/drawingml/2006/main" xmlns:r="http://schemas.openxmlformats.org/officeDocument/2006/relationships" xmlns:p="http://schemas.openxmlformats.org/presentationml/2006/main">
+  <p:cSld>
+    <p:spTree>
+      <p:nvGrpSpPr>
+        <p:cNvPr id="1" name=""/>
+        <p:cNvGrpSpPr/>
+        <p:nvPr/>
+      </p:nvGrpSpPr>
+      <p:grpSpPr>
+        <a:xfrm>
+          <a:off x="0" y="0"/>
+          <a:ext cx="0" cy="0"/>
+          <a:chOff x="0" y="0"/>
+          <a:chExt cx="0" cy="0"/>
+        </a:xfrm>
+      </p:grpSpPr>
+      <p:sp>
+        <p:nvSpPr>
+          <p:cNvPr id="2" name="Title 1"/>
+          <p:cNvSpPr>
+            <a:spLocks noGrp="1"/>
+          </p:cNvSpPr>
+          <p:nvPr>
+            <p:ph type="title"/>
+          </p:nvPr>
+        </p:nvSpPr>
+        <p:spPr>
+          <a:xfrm>
+            <a:off x="567690" y="124595"/>
+            <a:ext cx="7886700" cy="667886"/>
+          </a:xfrm>
+        </p:spPr>
+        <p:txBody>
+          <a:bodyPr>
+            <a:normAutofit fontScale="90000"/>
+          </a:bodyPr>
+          <a:lstStyle/>
+          <a:p>
+            <a:r>
+              <a:rPr lang="en-SG" dirty="0" smtClean="0"/>
+              <a:t>5d. DDC Scaling</a:t>
+            </a:r>
+            <a:endParaRPr lang="en-SG" dirty="0"/>
+          </a:p>
+        </p:txBody>
+      </p:sp>
+      <p:sp>
+        <p:nvSpPr>
+          <p:cNvPr id="4" name="Slide Number Placeholder 3"/>
+          <p:cNvSpPr>
+            <a:spLocks noGrp="1"/>
+          </p:cNvSpPr>
+          <p:nvPr>
+            <p:ph type="sldNum" sz="quarter" idx="12"/>
+          </p:nvPr>
+        </p:nvSpPr>
+        <p:spPr/>
+        <p:txBody>
+          <a:bodyPr/>
+          <a:lstStyle/>
+          <a:p>
+            <a:fld id="{9705DC4D-6496-4D9B-AA35-AB22DFE8A2F2}" type="slidenum">
+              <a:rPr lang="en-SG" smtClean="0"/>
+              <a:t>32</a:t>
+            </a:fld>
+            <a:endParaRPr lang="en-SG"/>
+          </a:p>
+        </p:txBody>
+      </p:sp>
+      <p:sp>
+        <p:nvSpPr>
+          <p:cNvPr id="5" name="Rounded Rectangle 4"/>
+          <p:cNvSpPr/>
+          <p:nvPr/>
+        </p:nvSpPr>
+        <p:spPr>
+          <a:xfrm>
+            <a:off x="1845701" y="1650158"/>
+            <a:ext cx="1520678" cy="487680"/>
+          </a:xfrm>
+          <a:prstGeom prst="roundRect">
+            <a:avLst/>
+          </a:prstGeom>
+          <a:solidFill>
+            <a:srgbClr val="C00000"/>
+          </a:solidFill>
+        </p:spPr>
+        <p:style>
+          <a:lnRef idx="2">
+            <a:schemeClr val="accent1">
+              <a:shade val="50000"/>
+            </a:schemeClr>
+          </a:lnRef>
+          <a:fillRef idx="1">
+            <a:schemeClr val="accent1"/>
+          </a:fillRef>
+          <a:effectRef idx="0">
+            <a:schemeClr val="accent1"/>
+          </a:effectRef>
+          <a:fontRef idx="minor">
+            <a:schemeClr val="lt1"/>
+          </a:fontRef>
+        </p:style>
+        <p:txBody>
+          <a:bodyPr rtlCol="0" anchor="ctr"/>
+          <a:lstStyle/>
+          <a:p>
+            <a:pPr algn="ctr"/>
+            <a:r>
+              <a:rPr lang="en-SG" dirty="0" smtClean="0"/>
+              <a:t>GCC</a:t>
+            </a:r>
+            <a:endParaRPr lang="en-SG" dirty="0"/>
+          </a:p>
+        </p:txBody>
+      </p:sp>
+      <p:sp>
+        <p:nvSpPr>
+          <p:cNvPr id="6" name="Rounded Rectangle 5"/>
+          <p:cNvSpPr/>
+          <p:nvPr/>
+        </p:nvSpPr>
+        <p:spPr>
+          <a:xfrm>
+            <a:off x="6709410" y="1650158"/>
+            <a:ext cx="1470660" cy="487680"/>
+          </a:xfrm>
+          <a:prstGeom prst="roundRect">
+            <a:avLst/>
+          </a:prstGeom>
+          <a:solidFill>
+            <a:srgbClr val="92D050"/>
+          </a:solidFill>
+        </p:spPr>
+        <p:style>
+          <a:lnRef idx="2">
+            <a:schemeClr val="accent1">
+              <a:shade val="50000"/>
+            </a:schemeClr>
+          </a:lnRef>
+          <a:fillRef idx="1">
+            <a:schemeClr val="accent1"/>
+          </a:fillRef>
+          <a:effectRef idx="0">
+            <a:schemeClr val="accent1"/>
+          </a:effectRef>
+          <a:fontRef idx="minor">
+            <a:schemeClr val="lt1"/>
+          </a:fontRef>
+        </p:style>
+        <p:txBody>
+          <a:bodyPr rtlCol="0" anchor="ctr"/>
+          <a:lstStyle/>
+          <a:p>
+            <a:pPr algn="ctr"/>
+            <a:r>
+              <a:rPr lang="en-SG" dirty="0" smtClean="0"/>
+              <a:t>Intel</a:t>
+            </a:r>
+            <a:endParaRPr lang="en-SG" dirty="0"/>
+          </a:p>
+        </p:txBody>
+      </p:sp>
+      <p:sp>
+        <p:nvSpPr>
+          <p:cNvPr id="9" name="Down Arrow 8"/>
+          <p:cNvSpPr/>
+          <p:nvPr/>
+        </p:nvSpPr>
+        <p:spPr>
+          <a:xfrm rot="16200000">
+            <a:off x="1354211" y="1714748"/>
+            <a:ext cx="243840" cy="350520"/>
+          </a:xfrm>
+          <a:prstGeom prst="downArrow">
+            <a:avLst/>
+          </a:prstGeom>
+        </p:spPr>
+        <p:style>
+          <a:lnRef idx="2">
+            <a:schemeClr val="accent1">
+              <a:shade val="50000"/>
+            </a:schemeClr>
+          </a:lnRef>
+          <a:fillRef idx="1">
+            <a:schemeClr val="accent1"/>
+          </a:fillRef>
+          <a:effectRef idx="0">
+            <a:schemeClr val="accent1"/>
+          </a:effectRef>
+          <a:fontRef idx="minor">
+            <a:schemeClr val="lt1"/>
+          </a:fontRef>
+        </p:style>
+        <p:txBody>
+          <a:bodyPr rtlCol="0" anchor="ctr"/>
+          <a:lstStyle/>
+          <a:p>
+            <a:pPr algn="ctr"/>
+            <a:endParaRPr lang="en-SG"/>
+          </a:p>
+        </p:txBody>
+      </p:sp>
+      <p:sp>
+        <p:nvSpPr>
+          <p:cNvPr id="10" name="TextBox 9"/>
+          <p:cNvSpPr txBox="1"/>
+          <p:nvPr/>
+        </p:nvSpPr>
+        <p:spPr>
+          <a:xfrm>
+            <a:off x="251460" y="1753624"/>
+            <a:ext cx="1085362" cy="369332"/>
+          </a:xfrm>
+          <a:prstGeom prst="rect">
+            <a:avLst/>
+          </a:prstGeom>
+          <a:noFill/>
+        </p:spPr>
+        <p:txBody>
+          <a:bodyPr wrap="none" rtlCol="0">
+            <a:spAutoFit/>
+          </a:bodyPr>
+          <a:lstStyle/>
+          <a:p>
+            <a:r>
+              <a:rPr lang="en-SG" dirty="0" err="1" smtClean="0"/>
+              <a:t>Source</a:t>
+            </a:r>
+            <a:r>
+              <a:rPr lang="en-SG" baseline="-25000" dirty="0" err="1" smtClean="0"/>
+              <a:t>GCC</a:t>
+            </a:r>
+            <a:endParaRPr lang="en-SG" baseline="-25000" dirty="0"/>
+          </a:p>
+        </p:txBody>
+      </p:sp>
+      <p:sp>
+        <p:nvSpPr>
+          <p:cNvPr id="13" name="Down Arrow 12"/>
+          <p:cNvSpPr/>
+          <p:nvPr/>
+        </p:nvSpPr>
+        <p:spPr>
+          <a:xfrm>
+            <a:off x="2484120" y="2295318"/>
+            <a:ext cx="243840" cy="350520"/>
+          </a:xfrm>
+          <a:prstGeom prst="downArrow">
+            <a:avLst/>
+          </a:prstGeom>
+        </p:spPr>
+        <p:style>
+          <a:lnRef idx="2">
+            <a:schemeClr val="accent1">
+              <a:shade val="50000"/>
+            </a:schemeClr>
+          </a:lnRef>
+          <a:fillRef idx="1">
+            <a:schemeClr val="accent1"/>
+          </a:fillRef>
+          <a:effectRef idx="0">
+            <a:schemeClr val="accent1"/>
+          </a:effectRef>
+          <a:fontRef idx="minor">
+            <a:schemeClr val="lt1"/>
+          </a:fontRef>
+        </p:style>
+        <p:txBody>
+          <a:bodyPr rtlCol="0" anchor="ctr"/>
+          <a:lstStyle/>
+          <a:p>
+            <a:pPr algn="ctr"/>
+            <a:endParaRPr lang="en-SG"/>
+          </a:p>
+        </p:txBody>
+      </p:sp>
+      <p:sp>
+        <p:nvSpPr>
+          <p:cNvPr id="14" name="Down Arrow 13"/>
+          <p:cNvSpPr/>
+          <p:nvPr/>
+        </p:nvSpPr>
+        <p:spPr>
+          <a:xfrm>
+            <a:off x="7353300" y="2327786"/>
+            <a:ext cx="243840" cy="350520"/>
+          </a:xfrm>
+          <a:prstGeom prst="downArrow">
+            <a:avLst/>
+          </a:prstGeom>
+        </p:spPr>
+        <p:style>
+          <a:lnRef idx="2">
+            <a:schemeClr val="accent1">
+              <a:shade val="50000"/>
+            </a:schemeClr>
+          </a:lnRef>
+          <a:fillRef idx="1">
+            <a:schemeClr val="accent1"/>
+          </a:fillRef>
+          <a:effectRef idx="0">
+            <a:schemeClr val="accent1"/>
+          </a:effectRef>
+          <a:fontRef idx="minor">
+            <a:schemeClr val="lt1"/>
+          </a:fontRef>
+        </p:style>
+        <p:txBody>
+          <a:bodyPr rtlCol="0" anchor="ctr"/>
+          <a:lstStyle/>
+          <a:p>
+            <a:pPr algn="ctr"/>
+            <a:endParaRPr lang="en-SG"/>
+          </a:p>
+        </p:txBody>
+      </p:sp>
+      <p:sp>
+        <p:nvSpPr>
+          <p:cNvPr id="15" name="Rounded Rectangle 14"/>
+          <p:cNvSpPr/>
+          <p:nvPr/>
+        </p:nvSpPr>
+        <p:spPr>
+          <a:xfrm>
+            <a:off x="1845701" y="2856976"/>
+            <a:ext cx="1520678" cy="487680"/>
+          </a:xfrm>
+          <a:prstGeom prst="roundRect">
+            <a:avLst/>
+          </a:prstGeom>
+          <a:solidFill>
+            <a:srgbClr val="C00000"/>
+          </a:solidFill>
+        </p:spPr>
+        <p:style>
+          <a:lnRef idx="2">
+            <a:schemeClr val="accent1">
+              <a:shade val="50000"/>
+            </a:schemeClr>
+          </a:lnRef>
+          <a:fillRef idx="1">
+            <a:schemeClr val="accent1"/>
+          </a:fillRef>
+          <a:effectRef idx="0">
+            <a:schemeClr val="accent1"/>
+          </a:effectRef>
+          <a:fontRef idx="minor">
+            <a:schemeClr val="lt1"/>
+          </a:fontRef>
+        </p:style>
+        <p:txBody>
+          <a:bodyPr rtlCol="0" anchor="ctr"/>
+          <a:lstStyle/>
+          <a:p>
+            <a:pPr algn="ctr"/>
+            <a:r>
+              <a:rPr lang="en-SG" dirty="0" smtClean="0"/>
+              <a:t>GCC (c. GCC)</a:t>
+            </a:r>
+            <a:endParaRPr lang="en-SG" dirty="0"/>
+          </a:p>
+        </p:txBody>
+      </p:sp>
+      <p:sp>
+        <p:nvSpPr>
+          <p:cNvPr id="16" name="Rounded Rectangle 15"/>
+          <p:cNvSpPr/>
+          <p:nvPr/>
+        </p:nvSpPr>
+        <p:spPr>
+          <a:xfrm>
+            <a:off x="6709410" y="2855590"/>
+            <a:ext cx="1531620" cy="487680"/>
+          </a:xfrm>
+          <a:prstGeom prst="roundRect">
+            <a:avLst/>
+          </a:prstGeom>
+          <a:solidFill>
+            <a:srgbClr val="FF0000"/>
+          </a:solidFill>
+        </p:spPr>
+        <p:style>
+          <a:lnRef idx="2">
+            <a:schemeClr val="accent1">
+              <a:shade val="50000"/>
+            </a:schemeClr>
+          </a:lnRef>
+          <a:fillRef idx="1">
+            <a:schemeClr val="accent1"/>
+          </a:fillRef>
+          <a:effectRef idx="0">
+            <a:schemeClr val="accent1"/>
+          </a:effectRef>
+          <a:fontRef idx="minor">
+            <a:schemeClr val="lt1"/>
+          </a:fontRef>
+        </p:style>
+        <p:txBody>
+          <a:bodyPr rtlCol="0" anchor="ctr"/>
+          <a:lstStyle/>
+          <a:p>
+            <a:pPr algn="ctr"/>
+            <a:r>
+              <a:rPr lang="en-SG" dirty="0" smtClean="0"/>
+              <a:t>GCC (c. Intel)</a:t>
+            </a:r>
+            <a:endParaRPr lang="en-SG" dirty="0"/>
+          </a:p>
+        </p:txBody>
+      </p:sp>
+      <p:sp>
+        <p:nvSpPr>
+          <p:cNvPr id="17" name="Rounded Rectangle 16"/>
+          <p:cNvSpPr/>
+          <p:nvPr/>
+        </p:nvSpPr>
+        <p:spPr>
+          <a:xfrm>
+            <a:off x="1845701" y="3976046"/>
+            <a:ext cx="1520678" cy="487680"/>
+          </a:xfrm>
+          <a:prstGeom prst="roundRect">
+            <a:avLst/>
+          </a:prstGeom>
+          <a:solidFill>
+            <a:srgbClr val="C00000"/>
+          </a:solidFill>
+        </p:spPr>
+        <p:style>
+          <a:lnRef idx="2">
+            <a:schemeClr val="accent1">
+              <a:shade val="50000"/>
+            </a:schemeClr>
+          </a:lnRef>
+          <a:fillRef idx="1">
+            <a:schemeClr val="accent1"/>
+          </a:fillRef>
+          <a:effectRef idx="0">
+            <a:schemeClr val="accent1"/>
+          </a:effectRef>
+          <a:fontRef idx="minor">
+            <a:schemeClr val="lt1"/>
+          </a:fontRef>
+        </p:style>
+        <p:txBody>
+          <a:bodyPr rtlCol="0" anchor="ctr"/>
+          <a:lstStyle/>
+          <a:p>
+            <a:pPr algn="ctr"/>
+            <a:r>
+              <a:rPr lang="en-SG" sz="1200" dirty="0" smtClean="0"/>
+              <a:t>GCC (c. GCC,  c. GCC)</a:t>
+            </a:r>
+            <a:endParaRPr lang="en-SG" sz="1200" dirty="0"/>
+          </a:p>
+        </p:txBody>
+      </p:sp>
+      <p:sp>
+        <p:nvSpPr>
+          <p:cNvPr id="18" name="Down Arrow 17"/>
+          <p:cNvSpPr/>
+          <p:nvPr/>
+        </p:nvSpPr>
+        <p:spPr>
+          <a:xfrm rot="16200000">
+            <a:off x="1354211" y="2929344"/>
+            <a:ext cx="243840" cy="350520"/>
+          </a:xfrm>
+          <a:prstGeom prst="downArrow">
+            <a:avLst/>
+          </a:prstGeom>
+        </p:spPr>
+        <p:style>
+          <a:lnRef idx="2">
+            <a:schemeClr val="accent1">
+              <a:shade val="50000"/>
+            </a:schemeClr>
+          </a:lnRef>
+          <a:fillRef idx="1">
+            <a:schemeClr val="accent1"/>
+          </a:fillRef>
+          <a:effectRef idx="0">
+            <a:schemeClr val="accent1"/>
+          </a:effectRef>
+          <a:fontRef idx="minor">
+            <a:schemeClr val="lt1"/>
+          </a:fontRef>
+        </p:style>
+        <p:txBody>
+          <a:bodyPr rtlCol="0" anchor="ctr"/>
+          <a:lstStyle/>
+          <a:p>
+            <a:pPr algn="ctr"/>
+            <a:endParaRPr lang="en-SG"/>
+          </a:p>
+        </p:txBody>
+      </p:sp>
+      <p:sp>
+        <p:nvSpPr>
+          <p:cNvPr id="19" name="TextBox 18"/>
+          <p:cNvSpPr txBox="1"/>
+          <p:nvPr/>
+        </p:nvSpPr>
+        <p:spPr>
+          <a:xfrm>
+            <a:off x="251460" y="2968220"/>
+            <a:ext cx="1085362" cy="369332"/>
+          </a:xfrm>
+          <a:prstGeom prst="rect">
+            <a:avLst/>
+          </a:prstGeom>
+          <a:noFill/>
+        </p:spPr>
+        <p:txBody>
+          <a:bodyPr wrap="none" rtlCol="0">
+            <a:spAutoFit/>
+          </a:bodyPr>
+          <a:lstStyle/>
+          <a:p>
+            <a:r>
+              <a:rPr lang="en-SG" dirty="0" err="1" smtClean="0"/>
+              <a:t>Source</a:t>
+            </a:r>
+            <a:r>
+              <a:rPr lang="en-SG" baseline="-25000" dirty="0" err="1" smtClean="0"/>
+              <a:t>GCC</a:t>
+            </a:r>
+            <a:endParaRPr lang="en-SG" baseline="-25000" dirty="0"/>
+          </a:p>
+        </p:txBody>
+      </p:sp>
+      <p:sp>
+        <p:nvSpPr>
+          <p:cNvPr id="20" name="Down Arrow 19"/>
+          <p:cNvSpPr/>
+          <p:nvPr/>
+        </p:nvSpPr>
+        <p:spPr>
+          <a:xfrm>
+            <a:off x="2484120" y="3481763"/>
+            <a:ext cx="243840" cy="350520"/>
+          </a:xfrm>
+          <a:prstGeom prst="downArrow">
+            <a:avLst/>
+          </a:prstGeom>
+        </p:spPr>
+        <p:style>
+          <a:lnRef idx="2">
+            <a:schemeClr val="accent1">
+              <a:shade val="50000"/>
+            </a:schemeClr>
+          </a:lnRef>
+          <a:fillRef idx="1">
+            <a:schemeClr val="accent1"/>
+          </a:fillRef>
+          <a:effectRef idx="0">
+            <a:schemeClr val="accent1"/>
+          </a:effectRef>
+          <a:fontRef idx="minor">
+            <a:schemeClr val="lt1"/>
+          </a:fontRef>
+        </p:style>
+        <p:txBody>
+          <a:bodyPr rtlCol="0" anchor="ctr"/>
+          <a:lstStyle/>
+          <a:p>
+            <a:pPr algn="ctr"/>
+            <a:endParaRPr lang="en-SG"/>
+          </a:p>
+        </p:txBody>
+      </p:sp>
+      <p:sp>
+        <p:nvSpPr>
+          <p:cNvPr id="21" name="Rounded Rectangle 20"/>
+          <p:cNvSpPr/>
+          <p:nvPr/>
+        </p:nvSpPr>
+        <p:spPr>
+          <a:xfrm>
+            <a:off x="325511" y="3485091"/>
+            <a:ext cx="1440180" cy="490955"/>
+          </a:xfrm>
+          <a:prstGeom prst="roundRect">
+            <a:avLst/>
+          </a:prstGeom>
+        </p:spPr>
+        <p:style>
+          <a:lnRef idx="2">
+            <a:schemeClr val="accent1">
+              <a:shade val="50000"/>
+            </a:schemeClr>
+          </a:lnRef>
+          <a:fillRef idx="1">
+            <a:schemeClr val="accent1"/>
+          </a:fillRef>
+          <a:effectRef idx="0">
+            <a:schemeClr val="accent1"/>
+          </a:effectRef>
+          <a:fontRef idx="minor">
+            <a:schemeClr val="lt1"/>
+          </a:fontRef>
+        </p:style>
+        <p:txBody>
+          <a:bodyPr rtlCol="0" anchor="ctr"/>
+          <a:lstStyle/>
+          <a:p>
+            <a:pPr algn="ctr"/>
+            <a:r>
+              <a:rPr lang="en-SG" sz="1200" dirty="0" smtClean="0"/>
+              <a:t>Self-regeneration test (Control)</a:t>
+            </a:r>
+            <a:endParaRPr lang="en-SG" sz="1200" dirty="0"/>
+          </a:p>
+        </p:txBody>
+      </p:sp>
+      <p:cxnSp>
+        <p:nvCxnSpPr>
+          <p:cNvPr id="23" name="Straight Arrow Connector 22"/>
+          <p:cNvCxnSpPr/>
+          <p:nvPr/>
+        </p:nvCxnSpPr>
+        <p:spPr>
+          <a:xfrm flipV="1">
+            <a:off x="1845701" y="3432900"/>
+            <a:ext cx="267775" cy="119521"/>
+          </a:xfrm>
+          <a:prstGeom prst="straightConnector1">
+            <a:avLst/>
+          </a:prstGeom>
+          <a:ln>
+            <a:tailEnd type="triangle"/>
+          </a:ln>
+        </p:spPr>
+        <p:style>
+          <a:lnRef idx="1">
+            <a:schemeClr val="accent1"/>
+          </a:lnRef>
+          <a:fillRef idx="0">
+            <a:schemeClr val="accent1"/>
+          </a:fillRef>
+          <a:effectRef idx="0">
+            <a:schemeClr val="accent1"/>
+          </a:effectRef>
+          <a:fontRef idx="minor">
+            <a:schemeClr val="tx1"/>
+          </a:fontRef>
+        </p:style>
+      </p:cxnSp>
+      <p:cxnSp>
+        <p:nvCxnSpPr>
+          <p:cNvPr id="25" name="Straight Arrow Connector 24"/>
+          <p:cNvCxnSpPr/>
+          <p:nvPr/>
+        </p:nvCxnSpPr>
+        <p:spPr>
+          <a:xfrm>
+            <a:off x="1845701" y="3807345"/>
+            <a:ext cx="257712" cy="96945"/>
+          </a:xfrm>
+          <a:prstGeom prst="straightConnector1">
+            <a:avLst/>
+          </a:prstGeom>
+          <a:ln>
+            <a:tailEnd type="triangle"/>
+          </a:ln>
+        </p:spPr>
+        <p:style>
+          <a:lnRef idx="1">
+            <a:schemeClr val="accent1"/>
+          </a:lnRef>
+          <a:fillRef idx="0">
+            <a:schemeClr val="accent1"/>
+          </a:fillRef>
+          <a:effectRef idx="0">
+            <a:schemeClr val="accent1"/>
+          </a:effectRef>
+          <a:fontRef idx="minor">
+            <a:schemeClr val="tx1"/>
+          </a:fontRef>
+        </p:style>
+      </p:cxnSp>
+      <p:sp>
+        <p:nvSpPr>
+          <p:cNvPr id="27" name="Rounded Rectangle 26"/>
+          <p:cNvSpPr/>
+          <p:nvPr/>
+        </p:nvSpPr>
+        <p:spPr>
+          <a:xfrm>
+            <a:off x="6749659" y="4019368"/>
+            <a:ext cx="1498991" cy="487680"/>
+          </a:xfrm>
+          <a:prstGeom prst="roundRect">
+            <a:avLst/>
+          </a:prstGeom>
+          <a:solidFill>
+            <a:srgbClr val="FF0000"/>
+          </a:solidFill>
+        </p:spPr>
+        <p:style>
+          <a:lnRef idx="2">
+            <a:schemeClr val="accent1">
+              <a:shade val="50000"/>
+            </a:schemeClr>
+          </a:lnRef>
+          <a:fillRef idx="1">
+            <a:schemeClr val="accent1"/>
+          </a:fillRef>
+          <a:effectRef idx="0">
+            <a:schemeClr val="accent1"/>
+          </a:effectRef>
+          <a:fontRef idx="minor">
+            <a:schemeClr val="lt1"/>
+          </a:fontRef>
+        </p:style>
+        <p:txBody>
+          <a:bodyPr rtlCol="0" anchor="ctr"/>
+          <a:lstStyle/>
+          <a:p>
+            <a:pPr algn="ctr"/>
+            <a:r>
+              <a:rPr lang="en-SG" sz="1200" dirty="0" smtClean="0"/>
+              <a:t>GCC (c. GCC, </a:t>
+            </a:r>
+            <a:r>
+              <a:rPr lang="en-SG" sz="1200" dirty="0" err="1" smtClean="0"/>
+              <a:t>c.Intel</a:t>
+            </a:r>
+            <a:r>
+              <a:rPr lang="en-SG" sz="1200" dirty="0" smtClean="0"/>
+              <a:t>)</a:t>
+            </a:r>
+            <a:endParaRPr lang="en-SG" sz="1200" dirty="0"/>
+          </a:p>
+        </p:txBody>
+      </p:sp>
+      <p:sp>
+        <p:nvSpPr>
+          <p:cNvPr id="32" name="Down Arrow 31"/>
+          <p:cNvSpPr/>
+          <p:nvPr/>
+        </p:nvSpPr>
+        <p:spPr>
+          <a:xfrm>
+            <a:off x="7353300" y="3492660"/>
+            <a:ext cx="243840" cy="350520"/>
+          </a:xfrm>
+          <a:prstGeom prst="downArrow">
+            <a:avLst/>
+          </a:prstGeom>
+        </p:spPr>
+        <p:style>
+          <a:lnRef idx="2">
+            <a:schemeClr val="accent1">
+              <a:shade val="50000"/>
+            </a:schemeClr>
+          </a:lnRef>
+          <a:fillRef idx="1">
+            <a:schemeClr val="accent1"/>
+          </a:fillRef>
+          <a:effectRef idx="0">
+            <a:schemeClr val="accent1"/>
+          </a:effectRef>
+          <a:fontRef idx="minor">
+            <a:schemeClr val="lt1"/>
+          </a:fontRef>
+        </p:style>
+        <p:txBody>
+          <a:bodyPr rtlCol="0" anchor="ctr"/>
+          <a:lstStyle/>
+          <a:p>
+            <a:pPr algn="ctr"/>
+            <a:endParaRPr lang="en-SG"/>
+          </a:p>
+        </p:txBody>
+      </p:sp>
+      <p:sp>
+        <p:nvSpPr>
+          <p:cNvPr id="35" name="Rounded Rectangle 34"/>
+          <p:cNvSpPr/>
+          <p:nvPr/>
+        </p:nvSpPr>
+        <p:spPr>
+          <a:xfrm>
+            <a:off x="3766615" y="5213638"/>
+            <a:ext cx="2327738" cy="487680"/>
+          </a:xfrm>
+          <a:prstGeom prst="roundRect">
+            <a:avLst/>
+          </a:prstGeom>
+          <a:noFill/>
+        </p:spPr>
+        <p:style>
+          <a:lnRef idx="2">
+            <a:schemeClr val="accent1">
+              <a:shade val="50000"/>
+            </a:schemeClr>
+          </a:lnRef>
+          <a:fillRef idx="1">
+            <a:schemeClr val="accent1"/>
+          </a:fillRef>
+          <a:effectRef idx="0">
+            <a:schemeClr val="accent1"/>
+          </a:effectRef>
+          <a:fontRef idx="minor">
+            <a:schemeClr val="lt1"/>
+          </a:fontRef>
+        </p:style>
+        <p:txBody>
+          <a:bodyPr rtlCol="0" anchor="ctr"/>
+          <a:lstStyle/>
+          <a:p>
+            <a:pPr algn="ctr"/>
+            <a:r>
+              <a:rPr lang="en-SG" dirty="0" smtClean="0">
+                <a:solidFill>
+                  <a:schemeClr val="tx1"/>
+                </a:solidFill>
+              </a:rPr>
+              <a:t>Should all be identical</a:t>
+            </a:r>
+            <a:endParaRPr lang="en-SG" dirty="0">
+              <a:solidFill>
+                <a:schemeClr val="tx1"/>
+              </a:solidFill>
+            </a:endParaRPr>
+          </a:p>
+        </p:txBody>
+      </p:sp>
+      <p:sp>
+        <p:nvSpPr>
+          <p:cNvPr id="36" name="Down Arrow 35"/>
+          <p:cNvSpPr/>
+          <p:nvPr/>
+        </p:nvSpPr>
+        <p:spPr>
+          <a:xfrm rot="7983205">
+            <a:off x="3354940" y="4518470"/>
+            <a:ext cx="297180" cy="697209"/>
+          </a:xfrm>
+          <a:prstGeom prst="downArrow">
+            <a:avLst/>
+          </a:prstGeom>
+        </p:spPr>
+        <p:style>
+          <a:lnRef idx="2">
+            <a:schemeClr val="accent4">
+              <a:shade val="50000"/>
+            </a:schemeClr>
+          </a:lnRef>
+          <a:fillRef idx="1">
+            <a:schemeClr val="accent4"/>
+          </a:fillRef>
+          <a:effectRef idx="0">
+            <a:schemeClr val="accent4"/>
+          </a:effectRef>
+          <a:fontRef idx="minor">
+            <a:schemeClr val="lt1"/>
+          </a:fontRef>
+        </p:style>
+        <p:txBody>
+          <a:bodyPr rtlCol="0" anchor="ctr"/>
+          <a:lstStyle/>
+          <a:p>
+            <a:pPr algn="ctr"/>
+            <a:endParaRPr lang="en-SG"/>
+          </a:p>
+        </p:txBody>
+      </p:sp>
+      <p:sp>
+        <p:nvSpPr>
+          <p:cNvPr id="37" name="Down Arrow 36"/>
+          <p:cNvSpPr/>
+          <p:nvPr/>
+        </p:nvSpPr>
+        <p:spPr>
+          <a:xfrm rot="13535049">
+            <a:off x="6229695" y="4417878"/>
+            <a:ext cx="297180" cy="775514"/>
+          </a:xfrm>
+          <a:prstGeom prst="downArrow">
+            <a:avLst/>
+          </a:prstGeom>
+        </p:spPr>
+        <p:style>
+          <a:lnRef idx="2">
+            <a:schemeClr val="accent4">
+              <a:shade val="50000"/>
+            </a:schemeClr>
+          </a:lnRef>
+          <a:fillRef idx="1">
+            <a:schemeClr val="accent4"/>
+          </a:fillRef>
+          <a:effectRef idx="0">
+            <a:schemeClr val="accent4"/>
+          </a:effectRef>
+          <a:fontRef idx="minor">
+            <a:schemeClr val="lt1"/>
+          </a:fontRef>
+        </p:style>
+        <p:txBody>
+          <a:bodyPr rtlCol="0" anchor="ctr"/>
+          <a:lstStyle/>
+          <a:p>
+            <a:pPr algn="ctr"/>
+            <a:endParaRPr lang="en-SG"/>
+          </a:p>
+        </p:txBody>
+      </p:sp>
+      <p:sp>
+        <p:nvSpPr>
+          <p:cNvPr id="38" name="Rectangle 37"/>
+          <p:cNvSpPr/>
+          <p:nvPr/>
+        </p:nvSpPr>
+        <p:spPr>
+          <a:xfrm>
+            <a:off x="160020" y="781320"/>
+            <a:ext cx="4572000" cy="646331"/>
+          </a:xfrm>
+          <a:prstGeom prst="rect">
+            <a:avLst/>
+          </a:prstGeom>
+        </p:spPr>
+        <p:txBody>
+          <a:bodyPr>
+            <a:spAutoFit/>
+          </a:bodyPr>
+          <a:lstStyle/>
+          <a:p>
+            <a:r>
+              <a:rPr lang="en-SG" dirty="0"/>
+              <a:t>Compiler-under-test:     GCC</a:t>
+            </a:r>
+          </a:p>
+          <a:p>
+            <a:r>
+              <a:rPr lang="en-SG" dirty="0" smtClean="0"/>
+              <a:t>Independent-compilers: TCC, Intel</a:t>
+            </a:r>
+            <a:endParaRPr lang="en-SG" dirty="0"/>
+          </a:p>
+        </p:txBody>
+      </p:sp>
+      <p:sp>
+        <p:nvSpPr>
+          <p:cNvPr id="29" name="Content Placeholder 2"/>
+          <p:cNvSpPr>
+            <a:spLocks noGrp="1"/>
+          </p:cNvSpPr>
+          <p:nvPr>
+            <p:ph idx="1"/>
+          </p:nvPr>
+        </p:nvSpPr>
+        <p:spPr>
+          <a:xfrm>
+            <a:off x="251460" y="5954053"/>
+            <a:ext cx="8141970" cy="879635"/>
+          </a:xfrm>
+        </p:spPr>
+        <p:txBody>
+          <a:bodyPr>
+            <a:normAutofit/>
+          </a:bodyPr>
+          <a:lstStyle/>
+          <a:p>
+            <a:r>
+              <a:rPr lang="en-SG" sz="2000" dirty="0" smtClean="0"/>
+              <a:t>Hacker must compromise GCC, TCC and Intel to be successful</a:t>
+            </a:r>
+          </a:p>
+          <a:p>
+            <a:r>
+              <a:rPr lang="en-SG" sz="2000" dirty="0" smtClean="0"/>
+              <a:t>O(n</a:t>
+            </a:r>
+            <a:r>
+              <a:rPr lang="en-SG" sz="2000" baseline="30000" dirty="0" smtClean="0"/>
+              <a:t>2</a:t>
+            </a:r>
+            <a:r>
+              <a:rPr lang="en-SG" sz="2000" dirty="0" smtClean="0"/>
+              <a:t>) problem for hackers, O(n) for defenders</a:t>
+            </a:r>
+          </a:p>
+        </p:txBody>
+      </p:sp>
+      <p:sp>
+        <p:nvSpPr>
+          <p:cNvPr id="30" name="Rounded Rectangle 29"/>
+          <p:cNvSpPr/>
+          <p:nvPr/>
+        </p:nvSpPr>
+        <p:spPr>
+          <a:xfrm>
+            <a:off x="4170217" y="1650005"/>
+            <a:ext cx="1470660" cy="487680"/>
+          </a:xfrm>
+          <a:prstGeom prst="roundRect">
+            <a:avLst/>
+          </a:prstGeom>
+          <a:solidFill>
+            <a:srgbClr val="92D050"/>
+          </a:solidFill>
+        </p:spPr>
+        <p:style>
+          <a:lnRef idx="2">
+            <a:schemeClr val="accent1">
+              <a:shade val="50000"/>
+            </a:schemeClr>
+          </a:lnRef>
+          <a:fillRef idx="1">
+            <a:schemeClr val="accent1"/>
+          </a:fillRef>
+          <a:effectRef idx="0">
+            <a:schemeClr val="accent1"/>
+          </a:effectRef>
+          <a:fontRef idx="minor">
+            <a:schemeClr val="lt1"/>
+          </a:fontRef>
+        </p:style>
+        <p:txBody>
+          <a:bodyPr rtlCol="0" anchor="ctr"/>
+          <a:lstStyle/>
+          <a:p>
+            <a:pPr algn="ctr"/>
+            <a:r>
+              <a:rPr lang="en-SG" dirty="0"/>
+              <a:t>T</a:t>
+            </a:r>
+            <a:r>
+              <a:rPr lang="en-SG" dirty="0" smtClean="0"/>
+              <a:t>CC</a:t>
+            </a:r>
+            <a:endParaRPr lang="en-SG" dirty="0"/>
+          </a:p>
+        </p:txBody>
+      </p:sp>
+      <p:sp>
+        <p:nvSpPr>
+          <p:cNvPr id="40" name="Down Arrow 39"/>
+          <p:cNvSpPr/>
+          <p:nvPr/>
+        </p:nvSpPr>
+        <p:spPr>
+          <a:xfrm>
+            <a:off x="4783627" y="2317443"/>
+            <a:ext cx="243840" cy="350520"/>
+          </a:xfrm>
+          <a:prstGeom prst="downArrow">
+            <a:avLst/>
+          </a:prstGeom>
+        </p:spPr>
+        <p:style>
+          <a:lnRef idx="2">
+            <a:schemeClr val="accent1">
+              <a:shade val="50000"/>
+            </a:schemeClr>
+          </a:lnRef>
+          <a:fillRef idx="1">
+            <a:schemeClr val="accent1"/>
+          </a:fillRef>
+          <a:effectRef idx="0">
+            <a:schemeClr val="accent1"/>
+          </a:effectRef>
+          <a:fontRef idx="minor">
+            <a:schemeClr val="lt1"/>
+          </a:fontRef>
+        </p:style>
+        <p:txBody>
+          <a:bodyPr rtlCol="0" anchor="ctr"/>
+          <a:lstStyle/>
+          <a:p>
+            <a:pPr algn="ctr"/>
+            <a:endParaRPr lang="en-SG"/>
+          </a:p>
+        </p:txBody>
+      </p:sp>
+      <p:sp>
+        <p:nvSpPr>
+          <p:cNvPr id="41" name="Rounded Rectangle 40"/>
+          <p:cNvSpPr/>
+          <p:nvPr/>
+        </p:nvSpPr>
+        <p:spPr>
+          <a:xfrm>
+            <a:off x="4170217" y="2855590"/>
+            <a:ext cx="1531620" cy="487680"/>
+          </a:xfrm>
+          <a:prstGeom prst="roundRect">
+            <a:avLst/>
+          </a:prstGeom>
+          <a:solidFill>
+            <a:srgbClr val="FF0000"/>
+          </a:solidFill>
+        </p:spPr>
+        <p:style>
+          <a:lnRef idx="2">
+            <a:schemeClr val="accent1">
+              <a:shade val="50000"/>
+            </a:schemeClr>
+          </a:lnRef>
+          <a:fillRef idx="1">
+            <a:schemeClr val="accent1"/>
+          </a:fillRef>
+          <a:effectRef idx="0">
+            <a:schemeClr val="accent1"/>
+          </a:effectRef>
+          <a:fontRef idx="minor">
+            <a:schemeClr val="lt1"/>
+          </a:fontRef>
+        </p:style>
+        <p:txBody>
+          <a:bodyPr rtlCol="0" anchor="ctr"/>
+          <a:lstStyle/>
+          <a:p>
+            <a:pPr algn="ctr"/>
+            <a:r>
+              <a:rPr lang="en-SG" dirty="0" smtClean="0"/>
+              <a:t>GCC (c. TCC)</a:t>
+            </a:r>
+            <a:endParaRPr lang="en-SG" dirty="0"/>
+          </a:p>
+        </p:txBody>
+      </p:sp>
+      <p:sp>
+        <p:nvSpPr>
+          <p:cNvPr id="42" name="Rounded Rectangle 41"/>
+          <p:cNvSpPr/>
+          <p:nvPr/>
+        </p:nvSpPr>
+        <p:spPr>
+          <a:xfrm>
+            <a:off x="4169874" y="3989820"/>
+            <a:ext cx="1531963" cy="487680"/>
+          </a:xfrm>
+          <a:prstGeom prst="roundRect">
+            <a:avLst/>
+          </a:prstGeom>
+          <a:solidFill>
+            <a:srgbClr val="FF0000"/>
+          </a:solidFill>
+        </p:spPr>
+        <p:style>
+          <a:lnRef idx="2">
+            <a:schemeClr val="accent1">
+              <a:shade val="50000"/>
+            </a:schemeClr>
+          </a:lnRef>
+          <a:fillRef idx="1">
+            <a:schemeClr val="accent1"/>
+          </a:fillRef>
+          <a:effectRef idx="0">
+            <a:schemeClr val="accent1"/>
+          </a:effectRef>
+          <a:fontRef idx="minor">
+            <a:schemeClr val="lt1"/>
+          </a:fontRef>
+        </p:style>
+        <p:txBody>
+          <a:bodyPr rtlCol="0" anchor="ctr"/>
+          <a:lstStyle/>
+          <a:p>
+            <a:pPr algn="ctr"/>
+            <a:r>
+              <a:rPr lang="en-SG" sz="1200" dirty="0" smtClean="0"/>
+              <a:t>GCC (c. GCC, c. TCC)</a:t>
+            </a:r>
+            <a:endParaRPr lang="en-SG" sz="1200" dirty="0"/>
+          </a:p>
+        </p:txBody>
+      </p:sp>
+      <p:sp>
+        <p:nvSpPr>
+          <p:cNvPr id="43" name="Down Arrow 42"/>
+          <p:cNvSpPr/>
+          <p:nvPr/>
+        </p:nvSpPr>
+        <p:spPr>
+          <a:xfrm>
+            <a:off x="4797450" y="3491285"/>
+            <a:ext cx="243840" cy="350520"/>
+          </a:xfrm>
+          <a:prstGeom prst="downArrow">
+            <a:avLst/>
+          </a:prstGeom>
+        </p:spPr>
+        <p:style>
+          <a:lnRef idx="2">
+            <a:schemeClr val="accent1">
+              <a:shade val="50000"/>
+            </a:schemeClr>
+          </a:lnRef>
+          <a:fillRef idx="1">
+            <a:schemeClr val="accent1"/>
+          </a:fillRef>
+          <a:effectRef idx="0">
+            <a:schemeClr val="accent1"/>
+          </a:effectRef>
+          <a:fontRef idx="minor">
+            <a:schemeClr val="lt1"/>
+          </a:fontRef>
+        </p:style>
+        <p:txBody>
+          <a:bodyPr rtlCol="0" anchor="ctr"/>
+          <a:lstStyle/>
+          <a:p>
+            <a:pPr algn="ctr"/>
+            <a:endParaRPr lang="en-SG"/>
+          </a:p>
+        </p:txBody>
+      </p:sp>
+      <p:sp>
+        <p:nvSpPr>
+          <p:cNvPr id="46" name="Down Arrow 45"/>
+          <p:cNvSpPr/>
+          <p:nvPr/>
+        </p:nvSpPr>
+        <p:spPr>
+          <a:xfrm rot="10800000">
+            <a:off x="4878877" y="4652642"/>
+            <a:ext cx="297180" cy="459875"/>
+          </a:xfrm>
+          <a:prstGeom prst="downArrow">
+            <a:avLst/>
+          </a:prstGeom>
+        </p:spPr>
+        <p:style>
+          <a:lnRef idx="2">
+            <a:schemeClr val="accent4">
+              <a:shade val="50000"/>
+            </a:schemeClr>
+          </a:lnRef>
+          <a:fillRef idx="1">
+            <a:schemeClr val="accent4"/>
+          </a:fillRef>
+          <a:effectRef idx="0">
+            <a:schemeClr val="accent4"/>
+          </a:effectRef>
+          <a:fontRef idx="minor">
+            <a:schemeClr val="lt1"/>
+          </a:fontRef>
+        </p:style>
+        <p:txBody>
+          <a:bodyPr rtlCol="0" anchor="ctr"/>
+          <a:lstStyle/>
+          <a:p>
+            <a:pPr algn="ctr"/>
+            <a:endParaRPr lang="en-SG"/>
+          </a:p>
+        </p:txBody>
+      </p:sp>
+    </p:spTree>
+    <p:extLst>
+      <p:ext uri="{BB962C8B-B14F-4D97-AF65-F5344CB8AC3E}">
+        <p14:creationId xmlns:p14="http://schemas.microsoft.com/office/powerpoint/2010/main" val="339429141"/>
+      </p:ext>
+    </p:extLst>
+  </p:cSld>
+  <p:clrMapOvr>
+    <a:masterClrMapping/>
+  </p:clrMapOvr>
+</p:sld>
+</file>
+
+<file path=ppt/slides/slide33.xml><?xml version="1.0" encoding="utf-8"?>
+<p:sld xmlns:a="http://schemas.openxmlformats.org/drawingml/2006/main" xmlns:r="http://schemas.openxmlformats.org/officeDocument/2006/relationships" xmlns:p="http://schemas.openxmlformats.org/presentationml/2006/main">
+  <p:cSld>
+    <p:spTree>
+      <p:nvGrpSpPr>
+        <p:cNvPr id="1" name=""/>
+        <p:cNvGrpSpPr/>
+        <p:nvPr/>
+      </p:nvGrpSpPr>
+      <p:grpSpPr>
+        <a:xfrm>
+          <a:off x="0" y="0"/>
+          <a:ext cx="0" cy="0"/>
+          <a:chOff x="0" y="0"/>
+          <a:chExt cx="0" cy="0"/>
+        </a:xfrm>
+      </p:grpSpPr>
+      <p:sp>
+        <p:nvSpPr>
+          <p:cNvPr id="2" name="Title 1"/>
+          <p:cNvSpPr>
+            <a:spLocks noGrp="1"/>
+          </p:cNvSpPr>
+          <p:nvPr>
+            <p:ph type="title"/>
+          </p:nvPr>
+        </p:nvSpPr>
+        <p:spPr/>
+        <p:txBody>
+          <a:bodyPr/>
+          <a:lstStyle/>
+          <a:p>
+            <a:r>
+              <a:rPr lang="en-SG" dirty="0" smtClean="0"/>
+              <a:t>Critique of DDC</a:t>
+            </a:r>
+            <a:endParaRPr lang="en-SG" dirty="0"/>
+          </a:p>
+        </p:txBody>
+      </p:sp>
+      <p:sp>
+        <p:nvSpPr>
+          <p:cNvPr id="3" name="Content Placeholder 2"/>
+          <p:cNvSpPr>
+            <a:spLocks noGrp="1"/>
+          </p:cNvSpPr>
+          <p:nvPr>
+            <p:ph idx="1"/>
+          </p:nvPr>
+        </p:nvSpPr>
+        <p:spPr/>
+        <p:txBody>
+          <a:bodyPr/>
+          <a:lstStyle/>
+          <a:p>
+            <a:r>
+              <a:rPr lang="en-SG" i="1" dirty="0" smtClean="0"/>
+              <a:t>Critique of Diverse Double-Compiling</a:t>
+            </a:r>
+          </a:p>
+          <a:p>
+            <a:r>
+              <a:rPr lang="en-SG" dirty="0"/>
+              <a:t>20 September 2010</a:t>
+            </a:r>
+          </a:p>
+          <a:p>
+            <a:endParaRPr lang="en-SG" dirty="0" smtClean="0"/>
+          </a:p>
+          <a:p>
+            <a:r>
+              <a:rPr lang="en-SG" dirty="0" smtClean="0"/>
+              <a:t>By: Paul </a:t>
+            </a:r>
+            <a:r>
+              <a:rPr lang="en-SG" dirty="0" err="1" smtClean="0"/>
+              <a:t>Jakma</a:t>
+            </a:r>
+            <a:endParaRPr lang="en-SG" dirty="0" smtClean="0"/>
+          </a:p>
+          <a:p>
+            <a:pPr lvl="1"/>
+            <a:r>
+              <a:rPr lang="en-SG" dirty="0" smtClean="0"/>
+              <a:t>PhD student, University of Glasgow</a:t>
+            </a:r>
+            <a:endParaRPr lang="en-SG" dirty="0" smtClean="0"/>
+          </a:p>
+          <a:p>
+            <a:endParaRPr lang="en-SG" dirty="0">
+              <a:hlinkClick r:id="rId2"/>
+            </a:endParaRPr>
+          </a:p>
+          <a:p>
+            <a:r>
+              <a:rPr lang="en-SG" dirty="0">
+                <a:hlinkClick r:id="rId2"/>
+              </a:rPr>
+              <a:t>https://pjakma.files.wordpress.com/2010/09/critique-ddc.pdf</a:t>
+            </a:r>
+            <a:endParaRPr lang="en-SG" dirty="0" smtClean="0">
+              <a:hlinkClick r:id="rId3"/>
+            </a:endParaRPr>
+          </a:p>
+        </p:txBody>
+      </p:sp>
+      <p:sp>
+        <p:nvSpPr>
+          <p:cNvPr id="4" name="Slide Number Placeholder 3"/>
+          <p:cNvSpPr>
+            <a:spLocks noGrp="1"/>
+          </p:cNvSpPr>
+          <p:nvPr>
+            <p:ph type="sldNum" sz="quarter" idx="12"/>
+          </p:nvPr>
+        </p:nvSpPr>
+        <p:spPr/>
+        <p:txBody>
+          <a:bodyPr/>
+          <a:lstStyle/>
+          <a:p>
+            <a:fld id="{9705DC4D-6496-4D9B-AA35-AB22DFE8A2F2}" type="slidenum">
+              <a:rPr lang="en-SG" smtClean="0"/>
+              <a:t>33</a:t>
+            </a:fld>
+            <a:endParaRPr lang="en-SG"/>
+          </a:p>
+        </p:txBody>
+      </p:sp>
+    </p:spTree>
+    <p:extLst>
+      <p:ext uri="{BB962C8B-B14F-4D97-AF65-F5344CB8AC3E}">
+        <p14:creationId xmlns:p14="http://schemas.microsoft.com/office/powerpoint/2010/main" val="3604249004"/>
+      </p:ext>
+    </p:extLst>
+  </p:cSld>
+  <p:clrMapOvr>
+    <a:masterClrMapping/>
+  </p:clrMapOvr>
+</p:sld>
+</file>
+
+<file path=ppt/slides/slide34.xml><?xml version="1.0" encoding="utf-8"?>
+<p:sld xmlns:a="http://schemas.openxmlformats.org/drawingml/2006/main" xmlns:r="http://schemas.openxmlformats.org/officeDocument/2006/relationships" xmlns:p="http://schemas.openxmlformats.org/presentationml/2006/main">
+  <p:cSld>
+    <p:spTree>
+      <p:nvGrpSpPr>
+        <p:cNvPr id="1" name=""/>
+        <p:cNvGrpSpPr/>
+        <p:nvPr/>
+      </p:nvGrpSpPr>
+      <p:grpSpPr>
+        <a:xfrm>
+          <a:off x="0" y="0"/>
+          <a:ext cx="0" cy="0"/>
+          <a:chOff x="0" y="0"/>
+          <a:chExt cx="0" cy="0"/>
+        </a:xfrm>
+      </p:grpSpPr>
+      <p:sp>
+        <p:nvSpPr>
+          <p:cNvPr id="2" name="Title 1"/>
+          <p:cNvSpPr>
+            <a:spLocks noGrp="1"/>
+          </p:cNvSpPr>
+          <p:nvPr>
+            <p:ph type="title"/>
+          </p:nvPr>
+        </p:nvSpPr>
+        <p:spPr>
+          <a:xfrm>
+            <a:off x="468087" y="223612"/>
+            <a:ext cx="8479970" cy="1325563"/>
+          </a:xfrm>
+        </p:spPr>
+        <p:txBody>
+          <a:bodyPr/>
+          <a:lstStyle/>
+          <a:p>
+            <a:r>
+              <a:rPr lang="en-US" dirty="0" smtClean="0"/>
+              <a:t>6a. Must trust independent compiler</a:t>
+            </a:r>
+            <a:endParaRPr lang="en-US" dirty="0"/>
+          </a:p>
+        </p:txBody>
+      </p:sp>
+      <p:sp>
+        <p:nvSpPr>
+          <p:cNvPr id="3" name="Content Placeholder 2"/>
+          <p:cNvSpPr>
+            <a:spLocks noGrp="1"/>
+          </p:cNvSpPr>
+          <p:nvPr>
+            <p:ph idx="1"/>
+          </p:nvPr>
+        </p:nvSpPr>
+        <p:spPr/>
+        <p:txBody>
+          <a:bodyPr/>
+          <a:lstStyle/>
+          <a:p>
+            <a:r>
+              <a:rPr lang="en-US" dirty="0" smtClean="0"/>
+              <a:t>Just bootstrap compiler-under-test with independent compiler</a:t>
+            </a:r>
+          </a:p>
+          <a:p>
+            <a:endParaRPr lang="en-US" dirty="0"/>
+          </a:p>
+          <a:p>
+            <a:r>
+              <a:rPr lang="en-US" dirty="0" smtClean="0"/>
+              <a:t>We just ignore the untrusted compiler binary</a:t>
+            </a:r>
+          </a:p>
+          <a:p>
+            <a:endParaRPr lang="en-US" dirty="0"/>
+          </a:p>
+          <a:p>
+            <a:r>
+              <a:rPr lang="en-US" dirty="0" smtClean="0"/>
+              <a:t>-&gt; Still have to trust independent compiler</a:t>
+            </a:r>
+          </a:p>
+          <a:p>
+            <a:r>
+              <a:rPr lang="en-US" dirty="0" smtClean="0"/>
+              <a:t>-&gt; Thompson is still correct</a:t>
+            </a:r>
+          </a:p>
+        </p:txBody>
+      </p:sp>
+      <p:sp>
+        <p:nvSpPr>
+          <p:cNvPr id="4" name="Slide Number Placeholder 3"/>
+          <p:cNvSpPr>
+            <a:spLocks noGrp="1"/>
+          </p:cNvSpPr>
+          <p:nvPr>
+            <p:ph type="sldNum" sz="quarter" idx="12"/>
+          </p:nvPr>
+        </p:nvSpPr>
+        <p:spPr/>
+        <p:txBody>
+          <a:bodyPr/>
+          <a:lstStyle/>
+          <a:p>
+            <a:fld id="{9705DC4D-6496-4D9B-AA35-AB22DFE8A2F2}" type="slidenum">
+              <a:rPr lang="en-SG" smtClean="0"/>
+              <a:t>34</a:t>
+            </a:fld>
+            <a:endParaRPr lang="en-SG"/>
+          </a:p>
+        </p:txBody>
+      </p:sp>
+    </p:spTree>
+    <p:extLst>
+      <p:ext uri="{BB962C8B-B14F-4D97-AF65-F5344CB8AC3E}">
+        <p14:creationId xmlns:p14="http://schemas.microsoft.com/office/powerpoint/2010/main" val="1157809090"/>
+      </p:ext>
+    </p:extLst>
+  </p:cSld>
+  <p:clrMapOvr>
+    <a:masterClrMapping/>
+  </p:clrMapOvr>
+</p:sld>
+</file>
+
+<file path=ppt/slides/slide35.xml><?xml version="1.0" encoding="utf-8"?>
+<p:sld xmlns:a="http://schemas.openxmlformats.org/drawingml/2006/main" xmlns:r="http://schemas.openxmlformats.org/officeDocument/2006/relationships" xmlns:p="http://schemas.openxmlformats.org/presentationml/2006/main">
+  <p:cSld>
+    <p:spTree>
+      <p:nvGrpSpPr>
+        <p:cNvPr id="1" name=""/>
+        <p:cNvGrpSpPr/>
+        <p:nvPr/>
+      </p:nvGrpSpPr>
+      <p:grpSpPr>
+        <a:xfrm>
+          <a:off x="0" y="0"/>
+          <a:ext cx="0" cy="0"/>
+          <a:chOff x="0" y="0"/>
+          <a:chExt cx="0" cy="0"/>
+        </a:xfrm>
+      </p:grpSpPr>
+      <p:sp>
+        <p:nvSpPr>
+          <p:cNvPr id="2" name="Title 1"/>
+          <p:cNvSpPr>
+            <a:spLocks noGrp="1"/>
+          </p:cNvSpPr>
+          <p:nvPr>
+            <p:ph type="title"/>
+          </p:nvPr>
+        </p:nvSpPr>
+        <p:spPr>
+          <a:xfrm>
+            <a:off x="613410" y="0"/>
+            <a:ext cx="7886700" cy="1325563"/>
+          </a:xfrm>
+        </p:spPr>
+        <p:txBody>
+          <a:bodyPr/>
+          <a:lstStyle/>
+          <a:p>
+            <a:r>
+              <a:rPr lang="en-SG" dirty="0" smtClean="0"/>
+              <a:t>6b. Multiple DDC</a:t>
+            </a:r>
+            <a:endParaRPr lang="en-SG" dirty="0"/>
+          </a:p>
+        </p:txBody>
+      </p:sp>
+      <p:sp>
+        <p:nvSpPr>
+          <p:cNvPr id="3" name="Content Placeholder 2"/>
+          <p:cNvSpPr>
+            <a:spLocks noGrp="1"/>
+          </p:cNvSpPr>
+          <p:nvPr>
+            <p:ph idx="1"/>
+          </p:nvPr>
+        </p:nvSpPr>
+        <p:spPr>
+          <a:xfrm>
+            <a:off x="413657" y="4622597"/>
+            <a:ext cx="8101693" cy="1890106"/>
+          </a:xfrm>
+        </p:spPr>
+        <p:txBody>
+          <a:bodyPr>
+            <a:noAutofit/>
+          </a:bodyPr>
+          <a:lstStyle/>
+          <a:p>
+            <a:r>
+              <a:rPr lang="en-SG" sz="1800" dirty="0" smtClean="0"/>
+              <a:t>DDC scaling infeasible in practice</a:t>
+            </a:r>
+          </a:p>
+          <a:p>
+            <a:r>
+              <a:rPr lang="en-SG" sz="1800" dirty="0" smtClean="0"/>
+              <a:t>Time consuming</a:t>
+            </a:r>
+          </a:p>
+          <a:p>
+            <a:r>
+              <a:rPr lang="en-SG" sz="1800" dirty="0" smtClean="0"/>
+              <a:t>Compiler bugs/source code has to be adjusted to allow </a:t>
+            </a:r>
+            <a:r>
+              <a:rPr lang="en-SG" sz="1800" dirty="0" err="1" smtClean="0"/>
+              <a:t>compilibility</a:t>
+            </a:r>
+            <a:r>
+              <a:rPr lang="en-SG" sz="1800" dirty="0" smtClean="0"/>
+              <a:t> by others</a:t>
+            </a:r>
+          </a:p>
+          <a:p>
+            <a:r>
+              <a:rPr lang="en-SG" sz="1800" dirty="0" smtClean="0"/>
+              <a:t>O(n) vs O(n</a:t>
+            </a:r>
+            <a:r>
+              <a:rPr lang="en-SG" sz="1800" baseline="30000" dirty="0" smtClean="0"/>
+              <a:t>2</a:t>
+            </a:r>
+            <a:r>
+              <a:rPr lang="en-SG" sz="1800" dirty="0" smtClean="0"/>
+              <a:t>), ”n” is still small. </a:t>
+            </a:r>
+          </a:p>
+          <a:p>
+            <a:pPr lvl="1"/>
+            <a:r>
+              <a:rPr lang="en-SG" sz="1600" dirty="0" smtClean="0"/>
+              <a:t>Not many C compilers in existence, organisation/nation with large resources can subvert common compilers.</a:t>
+            </a:r>
+          </a:p>
+        </p:txBody>
+      </p:sp>
+      <p:sp>
+        <p:nvSpPr>
+          <p:cNvPr id="4" name="Slide Number Placeholder 3"/>
+          <p:cNvSpPr>
+            <a:spLocks noGrp="1"/>
+          </p:cNvSpPr>
+          <p:nvPr>
+            <p:ph type="sldNum" sz="quarter" idx="12"/>
+          </p:nvPr>
+        </p:nvSpPr>
+        <p:spPr/>
+        <p:txBody>
+          <a:bodyPr/>
+          <a:lstStyle/>
+          <a:p>
+            <a:fld id="{9705DC4D-6496-4D9B-AA35-AB22DFE8A2F2}" type="slidenum">
+              <a:rPr lang="en-SG" smtClean="0"/>
+              <a:t>35</a:t>
+            </a:fld>
+            <a:endParaRPr lang="en-SG" dirty="0"/>
+          </a:p>
+        </p:txBody>
+      </p:sp>
+      <p:sp>
+        <p:nvSpPr>
+          <p:cNvPr id="31" name="Rounded Rectangle 30"/>
+          <p:cNvSpPr/>
+          <p:nvPr/>
+        </p:nvSpPr>
+        <p:spPr>
+          <a:xfrm>
+            <a:off x="1845701" y="1650158"/>
+            <a:ext cx="1520678" cy="487680"/>
+          </a:xfrm>
+          <a:prstGeom prst="roundRect">
+            <a:avLst/>
+          </a:prstGeom>
+          <a:solidFill>
+            <a:srgbClr val="C00000"/>
+          </a:solidFill>
+        </p:spPr>
+        <p:style>
+          <a:lnRef idx="2">
+            <a:schemeClr val="accent1">
+              <a:shade val="50000"/>
+            </a:schemeClr>
+          </a:lnRef>
+          <a:fillRef idx="1">
+            <a:schemeClr val="accent1"/>
+          </a:fillRef>
+          <a:effectRef idx="0">
+            <a:schemeClr val="accent1"/>
+          </a:effectRef>
+          <a:fontRef idx="minor">
+            <a:schemeClr val="lt1"/>
+          </a:fontRef>
+        </p:style>
+        <p:txBody>
+          <a:bodyPr rtlCol="0" anchor="ctr"/>
+          <a:lstStyle/>
+          <a:p>
+            <a:pPr algn="ctr"/>
+            <a:r>
+              <a:rPr lang="en-SG" dirty="0" smtClean="0"/>
+              <a:t>GCC</a:t>
+            </a:r>
+            <a:endParaRPr lang="en-SG" dirty="0"/>
+          </a:p>
+        </p:txBody>
+      </p:sp>
+      <p:sp>
+        <p:nvSpPr>
+          <p:cNvPr id="32" name="Rounded Rectangle 31"/>
+          <p:cNvSpPr/>
+          <p:nvPr/>
+        </p:nvSpPr>
+        <p:spPr>
+          <a:xfrm>
+            <a:off x="6709410" y="1650158"/>
+            <a:ext cx="1470660" cy="487680"/>
+          </a:xfrm>
+          <a:prstGeom prst="roundRect">
+            <a:avLst/>
+          </a:prstGeom>
+          <a:solidFill>
+            <a:srgbClr val="92D050"/>
+          </a:solidFill>
+        </p:spPr>
+        <p:style>
+          <a:lnRef idx="2">
+            <a:schemeClr val="accent1">
+              <a:shade val="50000"/>
+            </a:schemeClr>
+          </a:lnRef>
+          <a:fillRef idx="1">
+            <a:schemeClr val="accent1"/>
+          </a:fillRef>
+          <a:effectRef idx="0">
+            <a:schemeClr val="accent1"/>
+          </a:effectRef>
+          <a:fontRef idx="minor">
+            <a:schemeClr val="lt1"/>
+          </a:fontRef>
+        </p:style>
+        <p:txBody>
+          <a:bodyPr rtlCol="0" anchor="ctr"/>
+          <a:lstStyle/>
+          <a:p>
+            <a:pPr algn="ctr"/>
+            <a:r>
+              <a:rPr lang="en-SG" dirty="0" smtClean="0"/>
+              <a:t>Intel</a:t>
+            </a:r>
+            <a:endParaRPr lang="en-SG" dirty="0"/>
+          </a:p>
+        </p:txBody>
+      </p:sp>
+      <p:sp>
+        <p:nvSpPr>
+          <p:cNvPr id="33" name="Down Arrow 32"/>
+          <p:cNvSpPr/>
+          <p:nvPr/>
+        </p:nvSpPr>
+        <p:spPr>
+          <a:xfrm rot="16200000">
+            <a:off x="1354211" y="1714748"/>
+            <a:ext cx="243840" cy="350520"/>
+          </a:xfrm>
+          <a:prstGeom prst="downArrow">
+            <a:avLst/>
+          </a:prstGeom>
+        </p:spPr>
+        <p:style>
+          <a:lnRef idx="2">
+            <a:schemeClr val="accent1">
+              <a:shade val="50000"/>
+            </a:schemeClr>
+          </a:lnRef>
+          <a:fillRef idx="1">
+            <a:schemeClr val="accent1"/>
+          </a:fillRef>
+          <a:effectRef idx="0">
+            <a:schemeClr val="accent1"/>
+          </a:effectRef>
+          <a:fontRef idx="minor">
+            <a:schemeClr val="lt1"/>
+          </a:fontRef>
+        </p:style>
+        <p:txBody>
+          <a:bodyPr rtlCol="0" anchor="ctr"/>
+          <a:lstStyle/>
+          <a:p>
+            <a:pPr algn="ctr"/>
+            <a:endParaRPr lang="en-SG"/>
+          </a:p>
+        </p:txBody>
+      </p:sp>
+      <p:sp>
+        <p:nvSpPr>
+          <p:cNvPr id="34" name="TextBox 33"/>
+          <p:cNvSpPr txBox="1"/>
+          <p:nvPr/>
+        </p:nvSpPr>
+        <p:spPr>
+          <a:xfrm>
+            <a:off x="251460" y="1753624"/>
+            <a:ext cx="1085362" cy="369332"/>
+          </a:xfrm>
+          <a:prstGeom prst="rect">
+            <a:avLst/>
+          </a:prstGeom>
+          <a:noFill/>
+        </p:spPr>
+        <p:txBody>
+          <a:bodyPr wrap="none" rtlCol="0">
+            <a:spAutoFit/>
+          </a:bodyPr>
+          <a:lstStyle/>
+          <a:p>
+            <a:r>
+              <a:rPr lang="en-SG" dirty="0" err="1" smtClean="0"/>
+              <a:t>Source</a:t>
+            </a:r>
+            <a:r>
+              <a:rPr lang="en-SG" baseline="-25000" dirty="0" err="1" smtClean="0"/>
+              <a:t>GCC</a:t>
+            </a:r>
+            <a:endParaRPr lang="en-SG" baseline="-25000" dirty="0"/>
+          </a:p>
+        </p:txBody>
+      </p:sp>
+      <p:sp>
+        <p:nvSpPr>
+          <p:cNvPr id="35" name="Down Arrow 34"/>
+          <p:cNvSpPr/>
+          <p:nvPr/>
+        </p:nvSpPr>
+        <p:spPr>
+          <a:xfrm>
+            <a:off x="2484120" y="2295318"/>
+            <a:ext cx="243840" cy="350520"/>
+          </a:xfrm>
+          <a:prstGeom prst="downArrow">
+            <a:avLst/>
+          </a:prstGeom>
+        </p:spPr>
+        <p:style>
+          <a:lnRef idx="2">
+            <a:schemeClr val="accent1">
+              <a:shade val="50000"/>
+            </a:schemeClr>
+          </a:lnRef>
+          <a:fillRef idx="1">
+            <a:schemeClr val="accent1"/>
+          </a:fillRef>
+          <a:effectRef idx="0">
+            <a:schemeClr val="accent1"/>
+          </a:effectRef>
+          <a:fontRef idx="minor">
+            <a:schemeClr val="lt1"/>
+          </a:fontRef>
+        </p:style>
+        <p:txBody>
+          <a:bodyPr rtlCol="0" anchor="ctr"/>
+          <a:lstStyle/>
+          <a:p>
+            <a:pPr algn="ctr"/>
+            <a:endParaRPr lang="en-SG"/>
+          </a:p>
+        </p:txBody>
+      </p:sp>
+      <p:sp>
+        <p:nvSpPr>
+          <p:cNvPr id="36" name="Down Arrow 35"/>
+          <p:cNvSpPr/>
+          <p:nvPr/>
+        </p:nvSpPr>
+        <p:spPr>
+          <a:xfrm>
+            <a:off x="7353300" y="2327786"/>
+            <a:ext cx="243840" cy="350520"/>
+          </a:xfrm>
+          <a:prstGeom prst="downArrow">
+            <a:avLst/>
+          </a:prstGeom>
+        </p:spPr>
+        <p:style>
+          <a:lnRef idx="2">
+            <a:schemeClr val="accent1">
+              <a:shade val="50000"/>
+            </a:schemeClr>
+          </a:lnRef>
+          <a:fillRef idx="1">
+            <a:schemeClr val="accent1"/>
+          </a:fillRef>
+          <a:effectRef idx="0">
+            <a:schemeClr val="accent1"/>
+          </a:effectRef>
+          <a:fontRef idx="minor">
+            <a:schemeClr val="lt1"/>
+          </a:fontRef>
+        </p:style>
+        <p:txBody>
+          <a:bodyPr rtlCol="0" anchor="ctr"/>
+          <a:lstStyle/>
+          <a:p>
+            <a:pPr algn="ctr"/>
+            <a:endParaRPr lang="en-SG"/>
+          </a:p>
+        </p:txBody>
+      </p:sp>
+      <p:sp>
+        <p:nvSpPr>
+          <p:cNvPr id="37" name="Rounded Rectangle 36"/>
+          <p:cNvSpPr/>
+          <p:nvPr/>
+        </p:nvSpPr>
+        <p:spPr>
+          <a:xfrm>
+            <a:off x="1845701" y="2856976"/>
+            <a:ext cx="1520678" cy="487680"/>
+          </a:xfrm>
+          <a:prstGeom prst="roundRect">
+            <a:avLst/>
+          </a:prstGeom>
+          <a:solidFill>
+            <a:srgbClr val="C00000"/>
+          </a:solidFill>
+        </p:spPr>
+        <p:style>
+          <a:lnRef idx="2">
+            <a:schemeClr val="accent1">
+              <a:shade val="50000"/>
+            </a:schemeClr>
+          </a:lnRef>
+          <a:fillRef idx="1">
+            <a:schemeClr val="accent1"/>
+          </a:fillRef>
+          <a:effectRef idx="0">
+            <a:schemeClr val="accent1"/>
+          </a:effectRef>
+          <a:fontRef idx="minor">
+            <a:schemeClr val="lt1"/>
+          </a:fontRef>
+        </p:style>
+        <p:txBody>
+          <a:bodyPr rtlCol="0" anchor="ctr"/>
+          <a:lstStyle/>
+          <a:p>
+            <a:pPr algn="ctr"/>
+            <a:r>
+              <a:rPr lang="en-SG" dirty="0" smtClean="0"/>
+              <a:t>GCC (c. GCC)</a:t>
+            </a:r>
+            <a:endParaRPr lang="en-SG" dirty="0"/>
+          </a:p>
+        </p:txBody>
+      </p:sp>
+      <p:sp>
+        <p:nvSpPr>
+          <p:cNvPr id="38" name="Rounded Rectangle 37"/>
+          <p:cNvSpPr/>
+          <p:nvPr/>
+        </p:nvSpPr>
+        <p:spPr>
+          <a:xfrm>
+            <a:off x="6709410" y="2855590"/>
+            <a:ext cx="1531620" cy="487680"/>
+          </a:xfrm>
+          <a:prstGeom prst="roundRect">
+            <a:avLst/>
+          </a:prstGeom>
+          <a:solidFill>
+            <a:srgbClr val="FF0000"/>
+          </a:solidFill>
+        </p:spPr>
+        <p:style>
+          <a:lnRef idx="2">
+            <a:schemeClr val="accent1">
+              <a:shade val="50000"/>
+            </a:schemeClr>
+          </a:lnRef>
+          <a:fillRef idx="1">
+            <a:schemeClr val="accent1"/>
+          </a:fillRef>
+          <a:effectRef idx="0">
+            <a:schemeClr val="accent1"/>
+          </a:effectRef>
+          <a:fontRef idx="minor">
+            <a:schemeClr val="lt1"/>
+          </a:fontRef>
+        </p:style>
+        <p:txBody>
+          <a:bodyPr rtlCol="0" anchor="ctr"/>
+          <a:lstStyle/>
+          <a:p>
+            <a:pPr algn="ctr"/>
+            <a:r>
+              <a:rPr lang="en-SG" dirty="0" smtClean="0"/>
+              <a:t>GCC (c. Intel)</a:t>
+            </a:r>
+            <a:endParaRPr lang="en-SG" dirty="0"/>
+          </a:p>
+        </p:txBody>
+      </p:sp>
+      <p:sp>
+        <p:nvSpPr>
+          <p:cNvPr id="39" name="Rounded Rectangle 38"/>
+          <p:cNvSpPr/>
+          <p:nvPr/>
+        </p:nvSpPr>
+        <p:spPr>
+          <a:xfrm>
+            <a:off x="1845701" y="3976046"/>
+            <a:ext cx="1520678" cy="487680"/>
+          </a:xfrm>
+          <a:prstGeom prst="roundRect">
+            <a:avLst/>
+          </a:prstGeom>
+          <a:solidFill>
+            <a:srgbClr val="C00000"/>
+          </a:solidFill>
+        </p:spPr>
+        <p:style>
+          <a:lnRef idx="2">
+            <a:schemeClr val="accent1">
+              <a:shade val="50000"/>
+            </a:schemeClr>
+          </a:lnRef>
+          <a:fillRef idx="1">
+            <a:schemeClr val="accent1"/>
+          </a:fillRef>
+          <a:effectRef idx="0">
+            <a:schemeClr val="accent1"/>
+          </a:effectRef>
+          <a:fontRef idx="minor">
+            <a:schemeClr val="lt1"/>
+          </a:fontRef>
+        </p:style>
+        <p:txBody>
+          <a:bodyPr rtlCol="0" anchor="ctr"/>
+          <a:lstStyle/>
+          <a:p>
+            <a:pPr algn="ctr"/>
+            <a:r>
+              <a:rPr lang="en-SG" sz="1200" dirty="0" smtClean="0"/>
+              <a:t>GCC (c. GCC,  c. GCC)</a:t>
+            </a:r>
+            <a:endParaRPr lang="en-SG" sz="1200" dirty="0"/>
+          </a:p>
+        </p:txBody>
+      </p:sp>
+      <p:sp>
+        <p:nvSpPr>
+          <p:cNvPr id="40" name="Down Arrow 39"/>
+          <p:cNvSpPr/>
+          <p:nvPr/>
+        </p:nvSpPr>
+        <p:spPr>
+          <a:xfrm rot="16200000">
+            <a:off x="1354211" y="2929344"/>
+            <a:ext cx="243840" cy="350520"/>
+          </a:xfrm>
+          <a:prstGeom prst="downArrow">
+            <a:avLst/>
+          </a:prstGeom>
+        </p:spPr>
+        <p:style>
+          <a:lnRef idx="2">
+            <a:schemeClr val="accent1">
+              <a:shade val="50000"/>
+            </a:schemeClr>
+          </a:lnRef>
+          <a:fillRef idx="1">
+            <a:schemeClr val="accent1"/>
+          </a:fillRef>
+          <a:effectRef idx="0">
+            <a:schemeClr val="accent1"/>
+          </a:effectRef>
+          <a:fontRef idx="minor">
+            <a:schemeClr val="lt1"/>
+          </a:fontRef>
+        </p:style>
+        <p:txBody>
+          <a:bodyPr rtlCol="0" anchor="ctr"/>
+          <a:lstStyle/>
+          <a:p>
+            <a:pPr algn="ctr"/>
+            <a:endParaRPr lang="en-SG"/>
+          </a:p>
+        </p:txBody>
+      </p:sp>
+      <p:sp>
+        <p:nvSpPr>
+          <p:cNvPr id="41" name="TextBox 40"/>
+          <p:cNvSpPr txBox="1"/>
+          <p:nvPr/>
+        </p:nvSpPr>
+        <p:spPr>
+          <a:xfrm>
+            <a:off x="251460" y="2968220"/>
+            <a:ext cx="1085362" cy="369332"/>
+          </a:xfrm>
+          <a:prstGeom prst="rect">
+            <a:avLst/>
+          </a:prstGeom>
+          <a:noFill/>
+        </p:spPr>
+        <p:txBody>
+          <a:bodyPr wrap="none" rtlCol="0">
+            <a:spAutoFit/>
+          </a:bodyPr>
+          <a:lstStyle/>
+          <a:p>
+            <a:r>
+              <a:rPr lang="en-SG" dirty="0" err="1" smtClean="0"/>
+              <a:t>Source</a:t>
+            </a:r>
+            <a:r>
+              <a:rPr lang="en-SG" baseline="-25000" dirty="0" err="1" smtClean="0"/>
+              <a:t>GCC</a:t>
+            </a:r>
+            <a:endParaRPr lang="en-SG" baseline="-25000" dirty="0"/>
+          </a:p>
+        </p:txBody>
+      </p:sp>
+      <p:sp>
+        <p:nvSpPr>
+          <p:cNvPr id="42" name="Down Arrow 41"/>
+          <p:cNvSpPr/>
+          <p:nvPr/>
+        </p:nvSpPr>
+        <p:spPr>
+          <a:xfrm>
+            <a:off x="2484120" y="3481763"/>
+            <a:ext cx="243840" cy="350520"/>
+          </a:xfrm>
+          <a:prstGeom prst="downArrow">
+            <a:avLst/>
+          </a:prstGeom>
+        </p:spPr>
+        <p:style>
+          <a:lnRef idx="2">
+            <a:schemeClr val="accent1">
+              <a:shade val="50000"/>
+            </a:schemeClr>
+          </a:lnRef>
+          <a:fillRef idx="1">
+            <a:schemeClr val="accent1"/>
+          </a:fillRef>
+          <a:effectRef idx="0">
+            <a:schemeClr val="accent1"/>
+          </a:effectRef>
+          <a:fontRef idx="minor">
+            <a:schemeClr val="lt1"/>
+          </a:fontRef>
+        </p:style>
+        <p:txBody>
+          <a:bodyPr rtlCol="0" anchor="ctr"/>
+          <a:lstStyle/>
+          <a:p>
+            <a:pPr algn="ctr"/>
+            <a:endParaRPr lang="en-SG"/>
+          </a:p>
+        </p:txBody>
+      </p:sp>
+      <p:sp>
+        <p:nvSpPr>
+          <p:cNvPr id="43" name="Rounded Rectangle 42"/>
+          <p:cNvSpPr/>
+          <p:nvPr/>
+        </p:nvSpPr>
+        <p:spPr>
+          <a:xfrm>
+            <a:off x="325511" y="3485091"/>
+            <a:ext cx="1440180" cy="490955"/>
+          </a:xfrm>
+          <a:prstGeom prst="roundRect">
+            <a:avLst/>
+          </a:prstGeom>
+        </p:spPr>
+        <p:style>
+          <a:lnRef idx="2">
+            <a:schemeClr val="accent1">
+              <a:shade val="50000"/>
+            </a:schemeClr>
+          </a:lnRef>
+          <a:fillRef idx="1">
+            <a:schemeClr val="accent1"/>
+          </a:fillRef>
+          <a:effectRef idx="0">
+            <a:schemeClr val="accent1"/>
+          </a:effectRef>
+          <a:fontRef idx="minor">
+            <a:schemeClr val="lt1"/>
+          </a:fontRef>
+        </p:style>
+        <p:txBody>
+          <a:bodyPr rtlCol="0" anchor="ctr"/>
+          <a:lstStyle/>
+          <a:p>
+            <a:pPr algn="ctr"/>
+            <a:r>
+              <a:rPr lang="en-SG" sz="1200" dirty="0" smtClean="0"/>
+              <a:t>Self-regeneration test (Control)</a:t>
+            </a:r>
+            <a:endParaRPr lang="en-SG" sz="1200" dirty="0"/>
+          </a:p>
+        </p:txBody>
+      </p:sp>
+      <p:cxnSp>
+        <p:nvCxnSpPr>
+          <p:cNvPr id="44" name="Straight Arrow Connector 43"/>
+          <p:cNvCxnSpPr/>
+          <p:nvPr/>
+        </p:nvCxnSpPr>
+        <p:spPr>
+          <a:xfrm flipV="1">
+            <a:off x="1845701" y="3432900"/>
+            <a:ext cx="267775" cy="119521"/>
+          </a:xfrm>
+          <a:prstGeom prst="straightConnector1">
+            <a:avLst/>
+          </a:prstGeom>
+          <a:ln>
+            <a:tailEnd type="triangle"/>
+          </a:ln>
+        </p:spPr>
+        <p:style>
+          <a:lnRef idx="1">
+            <a:schemeClr val="accent1"/>
+          </a:lnRef>
+          <a:fillRef idx="0">
+            <a:schemeClr val="accent1"/>
+          </a:fillRef>
+          <a:effectRef idx="0">
+            <a:schemeClr val="accent1"/>
+          </a:effectRef>
+          <a:fontRef idx="minor">
+            <a:schemeClr val="tx1"/>
+          </a:fontRef>
+        </p:style>
+      </p:cxnSp>
+      <p:cxnSp>
+        <p:nvCxnSpPr>
+          <p:cNvPr id="45" name="Straight Arrow Connector 44"/>
+          <p:cNvCxnSpPr/>
+          <p:nvPr/>
+        </p:nvCxnSpPr>
+        <p:spPr>
+          <a:xfrm>
+            <a:off x="1845701" y="3807345"/>
+            <a:ext cx="257712" cy="96945"/>
+          </a:xfrm>
+          <a:prstGeom prst="straightConnector1">
+            <a:avLst/>
+          </a:prstGeom>
+          <a:ln>
+            <a:tailEnd type="triangle"/>
+          </a:ln>
+        </p:spPr>
+        <p:style>
+          <a:lnRef idx="1">
+            <a:schemeClr val="accent1"/>
+          </a:lnRef>
+          <a:fillRef idx="0">
+            <a:schemeClr val="accent1"/>
+          </a:fillRef>
+          <a:effectRef idx="0">
+            <a:schemeClr val="accent1"/>
+          </a:effectRef>
+          <a:fontRef idx="minor">
+            <a:schemeClr val="tx1"/>
+          </a:fontRef>
+        </p:style>
+      </p:cxnSp>
+      <p:sp>
+        <p:nvSpPr>
+          <p:cNvPr id="46" name="Rounded Rectangle 45"/>
+          <p:cNvSpPr/>
+          <p:nvPr/>
+        </p:nvSpPr>
+        <p:spPr>
+          <a:xfrm>
+            <a:off x="6749659" y="4019368"/>
+            <a:ext cx="1498991" cy="487680"/>
+          </a:xfrm>
+          <a:prstGeom prst="roundRect">
+            <a:avLst/>
+          </a:prstGeom>
+          <a:solidFill>
+            <a:srgbClr val="FF0000"/>
+          </a:solidFill>
+        </p:spPr>
+        <p:style>
+          <a:lnRef idx="2">
+            <a:schemeClr val="accent1">
+              <a:shade val="50000"/>
+            </a:schemeClr>
+          </a:lnRef>
+          <a:fillRef idx="1">
+            <a:schemeClr val="accent1"/>
+          </a:fillRef>
+          <a:effectRef idx="0">
+            <a:schemeClr val="accent1"/>
+          </a:effectRef>
+          <a:fontRef idx="minor">
+            <a:schemeClr val="lt1"/>
+          </a:fontRef>
+        </p:style>
+        <p:txBody>
+          <a:bodyPr rtlCol="0" anchor="ctr"/>
+          <a:lstStyle/>
+          <a:p>
+            <a:pPr algn="ctr"/>
+            <a:r>
+              <a:rPr lang="en-SG" sz="1200" dirty="0" smtClean="0"/>
+              <a:t>GCC (c. GCC, </a:t>
+            </a:r>
+            <a:r>
+              <a:rPr lang="en-SG" sz="1200" dirty="0" err="1" smtClean="0"/>
+              <a:t>c.Intel</a:t>
+            </a:r>
+            <a:r>
+              <a:rPr lang="en-SG" sz="1200" dirty="0" smtClean="0"/>
+              <a:t>)</a:t>
+            </a:r>
+            <a:endParaRPr lang="en-SG" sz="1200" dirty="0"/>
+          </a:p>
+        </p:txBody>
+      </p:sp>
+      <p:sp>
+        <p:nvSpPr>
+          <p:cNvPr id="47" name="Down Arrow 46"/>
+          <p:cNvSpPr/>
+          <p:nvPr/>
+        </p:nvSpPr>
+        <p:spPr>
+          <a:xfrm>
+            <a:off x="7353300" y="3492660"/>
+            <a:ext cx="243840" cy="350520"/>
+          </a:xfrm>
+          <a:prstGeom prst="downArrow">
+            <a:avLst/>
+          </a:prstGeom>
+        </p:spPr>
+        <p:style>
+          <a:lnRef idx="2">
+            <a:schemeClr val="accent1">
+              <a:shade val="50000"/>
+            </a:schemeClr>
+          </a:lnRef>
+          <a:fillRef idx="1">
+            <a:schemeClr val="accent1"/>
+          </a:fillRef>
+          <a:effectRef idx="0">
+            <a:schemeClr val="accent1"/>
+          </a:effectRef>
+          <a:fontRef idx="minor">
+            <a:schemeClr val="lt1"/>
+          </a:fontRef>
+        </p:style>
+        <p:txBody>
+          <a:bodyPr rtlCol="0" anchor="ctr"/>
+          <a:lstStyle/>
+          <a:p>
+            <a:pPr algn="ctr"/>
+            <a:endParaRPr lang="en-SG"/>
+          </a:p>
+        </p:txBody>
+      </p:sp>
+      <p:sp>
+        <p:nvSpPr>
+          <p:cNvPr id="51" name="Rounded Rectangle 50"/>
+          <p:cNvSpPr/>
+          <p:nvPr/>
+        </p:nvSpPr>
+        <p:spPr>
+          <a:xfrm>
+            <a:off x="4170217" y="1650005"/>
+            <a:ext cx="1470660" cy="487680"/>
+          </a:xfrm>
+          <a:prstGeom prst="roundRect">
+            <a:avLst/>
+          </a:prstGeom>
+          <a:solidFill>
+            <a:srgbClr val="92D050"/>
+          </a:solidFill>
+        </p:spPr>
+        <p:style>
+          <a:lnRef idx="2">
+            <a:schemeClr val="accent1">
+              <a:shade val="50000"/>
+            </a:schemeClr>
+          </a:lnRef>
+          <a:fillRef idx="1">
+            <a:schemeClr val="accent1"/>
+          </a:fillRef>
+          <a:effectRef idx="0">
+            <a:schemeClr val="accent1"/>
+          </a:effectRef>
+          <a:fontRef idx="minor">
+            <a:schemeClr val="lt1"/>
+          </a:fontRef>
+        </p:style>
+        <p:txBody>
+          <a:bodyPr rtlCol="0" anchor="ctr"/>
+          <a:lstStyle/>
+          <a:p>
+            <a:pPr algn="ctr"/>
+            <a:r>
+              <a:rPr lang="en-SG" dirty="0"/>
+              <a:t>T</a:t>
+            </a:r>
+            <a:r>
+              <a:rPr lang="en-SG" dirty="0" smtClean="0"/>
+              <a:t>CC</a:t>
+            </a:r>
+            <a:endParaRPr lang="en-SG" dirty="0"/>
+          </a:p>
+        </p:txBody>
+      </p:sp>
+      <p:sp>
+        <p:nvSpPr>
+          <p:cNvPr id="52" name="Down Arrow 51"/>
+          <p:cNvSpPr/>
+          <p:nvPr/>
+        </p:nvSpPr>
+        <p:spPr>
+          <a:xfrm>
+            <a:off x="4783627" y="2317443"/>
+            <a:ext cx="243840" cy="350520"/>
+          </a:xfrm>
+          <a:prstGeom prst="downArrow">
+            <a:avLst/>
+          </a:prstGeom>
+        </p:spPr>
+        <p:style>
+          <a:lnRef idx="2">
+            <a:schemeClr val="accent1">
+              <a:shade val="50000"/>
+            </a:schemeClr>
+          </a:lnRef>
+          <a:fillRef idx="1">
+            <a:schemeClr val="accent1"/>
+          </a:fillRef>
+          <a:effectRef idx="0">
+            <a:schemeClr val="accent1"/>
+          </a:effectRef>
+          <a:fontRef idx="minor">
+            <a:schemeClr val="lt1"/>
+          </a:fontRef>
+        </p:style>
+        <p:txBody>
+          <a:bodyPr rtlCol="0" anchor="ctr"/>
+          <a:lstStyle/>
+          <a:p>
+            <a:pPr algn="ctr"/>
+            <a:endParaRPr lang="en-SG"/>
+          </a:p>
+        </p:txBody>
+      </p:sp>
+      <p:sp>
+        <p:nvSpPr>
+          <p:cNvPr id="53" name="Rounded Rectangle 52"/>
+          <p:cNvSpPr/>
+          <p:nvPr/>
+        </p:nvSpPr>
+        <p:spPr>
+          <a:xfrm>
+            <a:off x="4170217" y="2855590"/>
+            <a:ext cx="1531620" cy="487680"/>
+          </a:xfrm>
+          <a:prstGeom prst="roundRect">
+            <a:avLst/>
+          </a:prstGeom>
+          <a:solidFill>
+            <a:srgbClr val="FF0000"/>
+          </a:solidFill>
+        </p:spPr>
+        <p:style>
+          <a:lnRef idx="2">
+            <a:schemeClr val="accent1">
+              <a:shade val="50000"/>
+            </a:schemeClr>
+          </a:lnRef>
+          <a:fillRef idx="1">
+            <a:schemeClr val="accent1"/>
+          </a:fillRef>
+          <a:effectRef idx="0">
+            <a:schemeClr val="accent1"/>
+          </a:effectRef>
+          <a:fontRef idx="minor">
+            <a:schemeClr val="lt1"/>
+          </a:fontRef>
+        </p:style>
+        <p:txBody>
+          <a:bodyPr rtlCol="0" anchor="ctr"/>
+          <a:lstStyle/>
+          <a:p>
+            <a:pPr algn="ctr"/>
+            <a:r>
+              <a:rPr lang="en-SG" dirty="0" smtClean="0"/>
+              <a:t>GCC (c. TCC)</a:t>
+            </a:r>
+            <a:endParaRPr lang="en-SG" dirty="0"/>
+          </a:p>
+        </p:txBody>
+      </p:sp>
+      <p:sp>
+        <p:nvSpPr>
+          <p:cNvPr id="54" name="Rounded Rectangle 53"/>
+          <p:cNvSpPr/>
+          <p:nvPr/>
+        </p:nvSpPr>
+        <p:spPr>
+          <a:xfrm>
+            <a:off x="4169874" y="3989820"/>
+            <a:ext cx="1531963" cy="487680"/>
+          </a:xfrm>
+          <a:prstGeom prst="roundRect">
+            <a:avLst/>
+          </a:prstGeom>
+          <a:solidFill>
+            <a:srgbClr val="FF0000"/>
+          </a:solidFill>
+        </p:spPr>
+        <p:style>
+          <a:lnRef idx="2">
+            <a:schemeClr val="accent1">
+              <a:shade val="50000"/>
+            </a:schemeClr>
+          </a:lnRef>
+          <a:fillRef idx="1">
+            <a:schemeClr val="accent1"/>
+          </a:fillRef>
+          <a:effectRef idx="0">
+            <a:schemeClr val="accent1"/>
+          </a:effectRef>
+          <a:fontRef idx="minor">
+            <a:schemeClr val="lt1"/>
+          </a:fontRef>
+        </p:style>
+        <p:txBody>
+          <a:bodyPr rtlCol="0" anchor="ctr"/>
+          <a:lstStyle/>
+          <a:p>
+            <a:pPr algn="ctr"/>
+            <a:r>
+              <a:rPr lang="en-SG" sz="1200" dirty="0" smtClean="0"/>
+              <a:t>GCC (c. GCC, c. TCC)</a:t>
+            </a:r>
+            <a:endParaRPr lang="en-SG" sz="1200" dirty="0"/>
+          </a:p>
+        </p:txBody>
+      </p:sp>
+      <p:sp>
+        <p:nvSpPr>
+          <p:cNvPr id="55" name="Down Arrow 54"/>
+          <p:cNvSpPr/>
+          <p:nvPr/>
+        </p:nvSpPr>
+        <p:spPr>
+          <a:xfrm>
+            <a:off x="4797450" y="3491285"/>
+            <a:ext cx="243840" cy="350520"/>
+          </a:xfrm>
+          <a:prstGeom prst="downArrow">
+            <a:avLst/>
+          </a:prstGeom>
+        </p:spPr>
+        <p:style>
+          <a:lnRef idx="2">
+            <a:schemeClr val="accent1">
+              <a:shade val="50000"/>
+            </a:schemeClr>
+          </a:lnRef>
+          <a:fillRef idx="1">
+            <a:schemeClr val="accent1"/>
+          </a:fillRef>
+          <a:effectRef idx="0">
+            <a:schemeClr val="accent1"/>
+          </a:effectRef>
+          <a:fontRef idx="minor">
+            <a:schemeClr val="lt1"/>
+          </a:fontRef>
+        </p:style>
+        <p:txBody>
+          <a:bodyPr rtlCol="0" anchor="ctr"/>
+          <a:lstStyle/>
+          <a:p>
+            <a:pPr algn="ctr"/>
+            <a:endParaRPr lang="en-SG"/>
+          </a:p>
+        </p:txBody>
+      </p:sp>
+    </p:spTree>
+    <p:extLst>
+      <p:ext uri="{BB962C8B-B14F-4D97-AF65-F5344CB8AC3E}">
+        <p14:creationId xmlns:p14="http://schemas.microsoft.com/office/powerpoint/2010/main" val="2112097940"/>
+      </p:ext>
+    </p:extLst>
+  </p:cSld>
+  <p:clrMapOvr>
+    <a:masterClrMapping/>
+  </p:clrMapOvr>
+</p:sld>
+</file>
+
+<file path=ppt/slides/slide36.xml><?xml version="1.0" encoding="utf-8"?>
+<p:sld xmlns:a="http://schemas.openxmlformats.org/drawingml/2006/main" xmlns:r="http://schemas.openxmlformats.org/officeDocument/2006/relationships" xmlns:p="http://schemas.openxmlformats.org/presentationml/2006/main">
+  <p:cSld>
+    <p:spTree>
+      <p:nvGrpSpPr>
+        <p:cNvPr id="1" name=""/>
+        <p:cNvGrpSpPr/>
+        <p:nvPr/>
+      </p:nvGrpSpPr>
+      <p:grpSpPr>
+        <a:xfrm>
+          <a:off x="0" y="0"/>
+          <a:ext cx="0" cy="0"/>
+          <a:chOff x="0" y="0"/>
+          <a:chExt cx="0" cy="0"/>
+        </a:xfrm>
+      </p:grpSpPr>
+      <p:sp>
+        <p:nvSpPr>
+          <p:cNvPr id="2" name="Title 1"/>
+          <p:cNvSpPr>
+            <a:spLocks noGrp="1"/>
+          </p:cNvSpPr>
+          <p:nvPr>
+            <p:ph type="title"/>
+          </p:nvPr>
+        </p:nvSpPr>
+        <p:spPr/>
+        <p:txBody>
+          <a:bodyPr/>
+          <a:lstStyle/>
+          <a:p>
+            <a:r>
+              <a:rPr lang="en-US" dirty="0" smtClean="0"/>
+              <a:t>6c. Attacks not restricted to compiler level</a:t>
+            </a:r>
+            <a:endParaRPr lang="en-US" dirty="0"/>
+          </a:p>
+        </p:txBody>
+      </p:sp>
+      <p:sp>
+        <p:nvSpPr>
+          <p:cNvPr id="3" name="Content Placeholder 2"/>
+          <p:cNvSpPr>
+            <a:spLocks noGrp="1"/>
+          </p:cNvSpPr>
+          <p:nvPr>
+            <p:ph idx="1"/>
+          </p:nvPr>
+        </p:nvSpPr>
+        <p:spPr/>
+        <p:txBody>
+          <a:bodyPr/>
+          <a:lstStyle/>
+          <a:p>
+            <a:r>
+              <a:rPr lang="en-US" dirty="0" smtClean="0"/>
+              <a:t>Wheeler assumes attacks occur on compile-time</a:t>
+            </a:r>
+          </a:p>
+          <a:p>
+            <a:endParaRPr lang="en-US" dirty="0"/>
+          </a:p>
+          <a:p>
+            <a:r>
+              <a:rPr lang="en-US" dirty="0" smtClean="0"/>
+              <a:t>An external virus can get the job done </a:t>
+            </a:r>
+            <a:r>
+              <a:rPr lang="en-US" dirty="0" smtClean="0"/>
+              <a:t>equally</a:t>
+            </a:r>
+          </a:p>
+          <a:p>
+            <a:r>
+              <a:rPr lang="en-US" dirty="0" smtClean="0"/>
+              <a:t>Can affect both compiler-under-test and independent compiler</a:t>
+            </a:r>
+            <a:endParaRPr lang="en-US" dirty="0"/>
+          </a:p>
+        </p:txBody>
+      </p:sp>
+      <p:sp>
+        <p:nvSpPr>
+          <p:cNvPr id="4" name="Slide Number Placeholder 3"/>
+          <p:cNvSpPr>
+            <a:spLocks noGrp="1"/>
+          </p:cNvSpPr>
+          <p:nvPr>
+            <p:ph type="sldNum" sz="quarter" idx="12"/>
+          </p:nvPr>
+        </p:nvSpPr>
+        <p:spPr/>
+        <p:txBody>
+          <a:bodyPr/>
+          <a:lstStyle/>
+          <a:p>
+            <a:fld id="{9705DC4D-6496-4D9B-AA35-AB22DFE8A2F2}" type="slidenum">
+              <a:rPr lang="en-SG" smtClean="0"/>
+              <a:t>36</a:t>
+            </a:fld>
+            <a:endParaRPr lang="en-SG"/>
+          </a:p>
+        </p:txBody>
+      </p:sp>
+    </p:spTree>
+    <p:extLst>
+      <p:ext uri="{BB962C8B-B14F-4D97-AF65-F5344CB8AC3E}">
+        <p14:creationId xmlns:p14="http://schemas.microsoft.com/office/powerpoint/2010/main" val="724310971"/>
+      </p:ext>
+    </p:extLst>
+  </p:cSld>
+  <p:clrMapOvr>
+    <a:masterClrMapping/>
+  </p:clrMapOvr>
+</p:sld>
+</file>
+
+<file path=ppt/slides/slide37.xml><?xml version="1.0" encoding="utf-8"?>
+<p:sld xmlns:a="http://schemas.openxmlformats.org/drawingml/2006/main" xmlns:r="http://schemas.openxmlformats.org/officeDocument/2006/relationships" xmlns:p="http://schemas.openxmlformats.org/presentationml/2006/main">
+  <p:cSld>
+    <p:spTree>
+      <p:nvGrpSpPr>
+        <p:cNvPr id="1" name=""/>
+        <p:cNvGrpSpPr/>
+        <p:nvPr/>
+      </p:nvGrpSpPr>
+      <p:grpSpPr>
+        <a:xfrm>
+          <a:off x="0" y="0"/>
+          <a:ext cx="0" cy="0"/>
+          <a:chOff x="0" y="0"/>
+          <a:chExt cx="0" cy="0"/>
+        </a:xfrm>
+      </p:grpSpPr>
+      <p:sp>
+        <p:nvSpPr>
+          <p:cNvPr id="2" name="Title 1"/>
+          <p:cNvSpPr>
+            <a:spLocks noGrp="1"/>
+          </p:cNvSpPr>
+          <p:nvPr>
+            <p:ph type="title"/>
+          </p:nvPr>
+        </p:nvSpPr>
+        <p:spPr/>
+        <p:txBody>
+          <a:bodyPr/>
+          <a:lstStyle/>
+          <a:p>
+            <a:r>
+              <a:rPr lang="en-SG" dirty="0" err="1" smtClean="0"/>
+              <a:t>Jakma’s</a:t>
+            </a:r>
+            <a:r>
+              <a:rPr lang="en-SG" dirty="0" smtClean="0"/>
+              <a:t> conclusion</a:t>
+            </a:r>
+            <a:endParaRPr lang="en-SG" dirty="0"/>
+          </a:p>
+        </p:txBody>
+      </p:sp>
+      <p:sp>
+        <p:nvSpPr>
+          <p:cNvPr id="3" name="Content Placeholder 2"/>
+          <p:cNvSpPr>
+            <a:spLocks noGrp="1"/>
+          </p:cNvSpPr>
+          <p:nvPr>
+            <p:ph idx="1"/>
+          </p:nvPr>
+        </p:nvSpPr>
+        <p:spPr/>
+        <p:txBody>
+          <a:bodyPr/>
+          <a:lstStyle/>
+          <a:p>
+            <a:r>
+              <a:rPr lang="en-SG" dirty="0" smtClean="0"/>
+              <a:t>DDC is not </a:t>
+            </a:r>
+            <a:r>
+              <a:rPr lang="en-SG" dirty="0" err="1" smtClean="0"/>
+              <a:t>foolproof</a:t>
+            </a:r>
+            <a:endParaRPr lang="en-SG" dirty="0" smtClean="0"/>
+          </a:p>
+          <a:p>
+            <a:r>
+              <a:rPr lang="en-SG" dirty="0" smtClean="0"/>
+              <a:t>Can still flag discrepancies for further examination</a:t>
+            </a:r>
+            <a:endParaRPr lang="en-SG" dirty="0"/>
+          </a:p>
+        </p:txBody>
+      </p:sp>
+      <p:sp>
+        <p:nvSpPr>
+          <p:cNvPr id="4" name="Slide Number Placeholder 3"/>
+          <p:cNvSpPr>
+            <a:spLocks noGrp="1"/>
+          </p:cNvSpPr>
+          <p:nvPr>
+            <p:ph type="sldNum" sz="quarter" idx="12"/>
+          </p:nvPr>
+        </p:nvSpPr>
+        <p:spPr/>
+        <p:txBody>
+          <a:bodyPr/>
+          <a:lstStyle/>
+          <a:p>
+            <a:fld id="{9705DC4D-6496-4D9B-AA35-AB22DFE8A2F2}" type="slidenum">
+              <a:rPr lang="en-SG" smtClean="0"/>
+              <a:t>37</a:t>
             </a:fld>
             <a:endParaRPr lang="en-SG"/>
           </a:p>
@@ -7803,17 +12643,10 @@
       </p:transition>
     </mc:Fallback>
   </mc:AlternateContent>
-  <p:timing>
-    <p:tnLst>
-      <p:par>
-        <p:cTn id="1" dur="indefinite" restart="never" nodeType="tmRoot"/>
-      </p:par>
-    </p:tnLst>
-  </p:timing>
 </p:sld>
 </file>
 
-<file path=ppt/slides/slide3.xml><?xml version="1.0" encoding="utf-8"?>
+<file path=ppt/slides/slide38.xml><?xml version="1.0" encoding="utf-8"?>
 <p:sld xmlns:a="http://schemas.openxmlformats.org/drawingml/2006/main" xmlns:r="http://schemas.openxmlformats.org/officeDocument/2006/relationships" xmlns:p="http://schemas.openxmlformats.org/presentationml/2006/main">
   <p:cSld>
     <p:spTree>
@@ -7832,85 +12665,29 @@
       </p:grpSpPr>
       <p:sp>
         <p:nvSpPr>
-          <p:cNvPr id="3" name="Content Placeholder 2"/>
-          <p:cNvSpPr>
-            <a:spLocks noGrp="1"/>
-          </p:cNvSpPr>
-          <p:nvPr>
-            <p:ph idx="1"/>
+          <p:cNvPr id="2" name="Title 1"/>
+          <p:cNvSpPr>
+            <a:spLocks noGrp="1"/>
+          </p:cNvSpPr>
+          <p:nvPr>
+            <p:ph type="title"/>
           </p:nvPr>
         </p:nvSpPr>
         <p:spPr>
           <a:xfrm>
-            <a:off x="628650" y="950414"/>
-            <a:ext cx="7886700" cy="3935095"/>
-          </a:xfrm>
-        </p:spPr>
-        <p:txBody>
-          <a:bodyPr>
-            <a:normAutofit/>
-          </a:bodyPr>
-          <a:lstStyle/>
-          <a:p>
+            <a:off x="628650" y="2487840"/>
+            <a:ext cx="7886700" cy="1325563"/>
+          </a:xfrm>
+        </p:spPr>
+        <p:txBody>
+          <a:bodyPr/>
+          <a:lstStyle/>
+          <a:p>
+            <a:pPr algn="ctr"/>
             <a:r>
               <a:rPr lang="en-US" dirty="0" smtClean="0"/>
-              <a:t>Opening Statement</a:t>
-            </a:r>
-          </a:p>
-          <a:p>
-            <a:pPr marL="0" indent="0">
-              <a:buNone/>
-            </a:pPr>
-            <a:r>
-              <a:rPr lang="en-US" sz="2000" i="1" dirty="0" smtClean="0"/>
-              <a:t>“To </a:t>
-            </a:r>
-            <a:r>
-              <a:rPr lang="en-US" sz="2000" i="1" dirty="0"/>
-              <a:t>what extent should one trust a statement that a program is free of </a:t>
-            </a:r>
-            <a:r>
-              <a:rPr lang="en-US" sz="2000" i="1" dirty="0" smtClean="0"/>
-              <a:t>Trojan horses</a:t>
-            </a:r>
-            <a:r>
-              <a:rPr lang="en-US" sz="2000" i="1" dirty="0"/>
-              <a:t>? </a:t>
-            </a:r>
-          </a:p>
-          <a:p>
-            <a:pPr marL="0" indent="0">
-              <a:buNone/>
-            </a:pPr>
-            <a:endParaRPr lang="en-US" sz="2000" i="1" dirty="0"/>
-          </a:p>
-          <a:p>
-            <a:pPr marL="0" indent="0">
-              <a:buNone/>
-            </a:pPr>
-            <a:r>
-              <a:rPr lang="en-US" sz="2000" i="1" dirty="0" smtClean="0"/>
-              <a:t>Perhaps </a:t>
-            </a:r>
-            <a:r>
-              <a:rPr lang="en-US" sz="2000" i="1" dirty="0"/>
-              <a:t>it is more important to trust the people who wrote </a:t>
-            </a:r>
-            <a:r>
-              <a:rPr lang="en-US" sz="2000" i="1" dirty="0" smtClean="0"/>
-              <a:t>the software.”</a:t>
-            </a:r>
-          </a:p>
-          <a:p>
-            <a:pPr marL="0" indent="0">
-              <a:buNone/>
-            </a:pPr>
-            <a:endParaRPr lang="en-US" i="1" dirty="0"/>
-          </a:p>
-          <a:p>
-            <a:endParaRPr lang="en-US" dirty="0" smtClean="0"/>
-          </a:p>
-          <a:p>
+              <a:t>The End</a:t>
+            </a:r>
             <a:endParaRPr lang="en-US" dirty="0"/>
           </a:p>
         </p:txBody>
@@ -7932,7 +12709,7 @@
           <a:p>
             <a:fld id="{9705DC4D-6496-4D9B-AA35-AB22DFE8A2F2}" type="slidenum">
               <a:rPr lang="en-SG" smtClean="0"/>
-              <a:t>3</a:t>
+              <a:t>38</a:t>
             </a:fld>
             <a:endParaRPr lang="en-SG"/>
           </a:p>
@@ -7941,7 +12718,7 @@
     </p:spTree>
     <p:extLst>
       <p:ext uri="{BB962C8B-B14F-4D97-AF65-F5344CB8AC3E}">
-        <p14:creationId xmlns:p14="http://schemas.microsoft.com/office/powerpoint/2010/main" val="1596953689"/>
+        <p14:creationId xmlns:p14="http://schemas.microsoft.com/office/powerpoint/2010/main" val="199365587"/>
       </p:ext>
     </p:extLst>
   </p:cSld>
@@ -8364,7 +13141,7 @@
             </a:pPr>
             <a:r>
               <a:rPr lang="en-US" dirty="0" smtClean="0"/>
-              <a:t>Subverting verification</a:t>
+              <a:t>Subverting verification*</a:t>
             </a:r>
           </a:p>
           <a:p>
@@ -8406,6 +13183,36 @@
               <a:t>6</a:t>
             </a:fld>
             <a:endParaRPr lang="en-SG"/>
+          </a:p>
+        </p:txBody>
+      </p:sp>
+      <p:sp>
+        <p:nvSpPr>
+          <p:cNvPr id="5" name="TextBox 4"/>
+          <p:cNvSpPr txBox="1"/>
+          <p:nvPr/>
+        </p:nvSpPr>
+        <p:spPr>
+          <a:xfrm>
+            <a:off x="628650" y="5987019"/>
+            <a:ext cx="2175596" cy="369332"/>
+          </a:xfrm>
+          <a:prstGeom prst="rect">
+            <a:avLst/>
+          </a:prstGeom>
+          <a:noFill/>
+        </p:spPr>
+        <p:txBody>
+          <a:bodyPr wrap="none" rtlCol="0">
+            <a:spAutoFit/>
+          </a:bodyPr>
+          <a:lstStyle/>
+          <a:p>
+            <a:r>
+              <a:rPr lang="en-SG" dirty="0" smtClean="0"/>
+              <a:t>*My custom addition</a:t>
+            </a:r>
+            <a:endParaRPr lang="en-SG" dirty="0"/>
           </a:p>
         </p:txBody>
       </p:sp>
@@ -8675,14 +13482,14 @@
                 <a:gridCol w="3048000">
                   <a:extLst>
                     <a:ext uri="{9D8B030D-6E8A-4147-A177-3AD203B41FA5}">
-                      <a16:colId xmlns:a16="http://schemas.microsoft.com/office/drawing/2014/main" xmlns="" val="20000"/>
+                      <a16:colId xmlns="" xmlns:a16="http://schemas.microsoft.com/office/drawing/2014/main" val="20000"/>
                     </a:ext>
                   </a:extLst>
                 </a:gridCol>
                 <a:gridCol w="3048000">
                   <a:extLst>
                     <a:ext uri="{9D8B030D-6E8A-4147-A177-3AD203B41FA5}">
-                      <a16:colId xmlns:a16="http://schemas.microsoft.com/office/drawing/2014/main" xmlns="" val="20001"/>
+                      <a16:colId xmlns="" xmlns:a16="http://schemas.microsoft.com/office/drawing/2014/main" val="20001"/>
                     </a:ext>
                   </a:extLst>
                 </a:gridCol>
@@ -8718,7 +13525,7 @@
                 </a:tc>
                 <a:extLst>
                   <a:ext uri="{0D108BD9-81ED-4DB2-BD59-A6C34878D82A}">
-                    <a16:rowId xmlns:a16="http://schemas.microsoft.com/office/drawing/2014/main" xmlns="" val="10000"/>
+                    <a16:rowId xmlns="" xmlns:a16="http://schemas.microsoft.com/office/drawing/2014/main" val="10000"/>
                   </a:ext>
                 </a:extLst>
               </a:tr>
@@ -8786,7 +13593,7 @@
                 </a:tc>
                 <a:extLst>
                   <a:ext uri="{0D108BD9-81ED-4DB2-BD59-A6C34878D82A}">
-                    <a16:rowId xmlns:a16="http://schemas.microsoft.com/office/drawing/2014/main" xmlns="" val="10001"/>
+                    <a16:rowId xmlns="" xmlns:a16="http://schemas.microsoft.com/office/drawing/2014/main" val="10001"/>
                   </a:ext>
                 </a:extLst>
               </a:tr>
@@ -8825,7 +13632,7 @@
                 </a:tc>
                 <a:extLst>
                   <a:ext uri="{0D108BD9-81ED-4DB2-BD59-A6C34878D82A}">
-                    <a16:rowId xmlns:a16="http://schemas.microsoft.com/office/drawing/2014/main" xmlns="" val="10002"/>
+                    <a16:rowId xmlns="" xmlns:a16="http://schemas.microsoft.com/office/drawing/2014/main" val="10002"/>
                   </a:ext>
                 </a:extLst>
               </a:tr>
@@ -8897,7 +13704,7 @@
                 </a:tc>
                 <a:extLst>
                   <a:ext uri="{0D108BD9-81ED-4DB2-BD59-A6C34878D82A}">
-                    <a16:rowId xmlns:a16="http://schemas.microsoft.com/office/drawing/2014/main" xmlns="" val="10003"/>
+                    <a16:rowId xmlns="" xmlns:a16="http://schemas.microsoft.com/office/drawing/2014/main" val="10003"/>
                   </a:ext>
                 </a:extLst>
               </a:tr>
@@ -8953,7 +13760,7 @@
                 </a:tc>
                 <a:extLst>
                   <a:ext uri="{0D108BD9-81ED-4DB2-BD59-A6C34878D82A}">
-                    <a16:rowId xmlns:a16="http://schemas.microsoft.com/office/drawing/2014/main" xmlns="" val="10004"/>
+                    <a16:rowId xmlns="" xmlns:a16="http://schemas.microsoft.com/office/drawing/2014/main" val="10004"/>
                   </a:ext>
                 </a:extLst>
               </a:tr>
@@ -9017,7 +13824,7 @@
                 </a:tc>
                 <a:extLst>
                   <a:ext uri="{0D108BD9-81ED-4DB2-BD59-A6C34878D82A}">
-                    <a16:rowId xmlns:a16="http://schemas.microsoft.com/office/drawing/2014/main" xmlns="" val="10005"/>
+                    <a16:rowId xmlns="" xmlns:a16="http://schemas.microsoft.com/office/drawing/2014/main" val="10005"/>
                   </a:ext>
                 </a:extLst>
               </a:tr>

--- a/reflections-of-reflecting-trust-slides.pptx
+++ b/reflections-of-reflecting-trust-slides.pptx
@@ -237,7 +237,7 @@
           <a:p>
             <a:fld id="{DBB36151-A010-D04C-8956-928746249808}" type="datetimeFigureOut">
               <a:rPr lang="en-US" smtClean="0"/>
-              <a:t>1/12/16</a:t>
+              <a:t>1/12/2016</a:t>
             </a:fld>
             <a:endParaRPr lang="en-US"/>
           </a:p>
@@ -402,7 +402,7 @@
           <a:p>
             <a:fld id="{A4C7C88C-CDFE-4350-B2C5-3C6CAEFDB07C}" type="datetimeFigureOut">
               <a:rPr lang="en-SG" smtClean="0"/>
-              <a:t>12/1/16</a:t>
+              <a:t>12/1/2016</a:t>
             </a:fld>
             <a:endParaRPr lang="en-SG"/>
           </a:p>
@@ -801,7 +801,7 @@
           <a:p>
             <a:fld id="{422F67E2-38E7-4A1D-97B7-1A3D76F52D34}" type="datetime1">
               <a:rPr lang="en-SG" smtClean="0"/>
-              <a:t>12/1/16</a:t>
+              <a:t>12/1/2016</a:t>
             </a:fld>
             <a:endParaRPr lang="en-SG"/>
           </a:p>
@@ -971,7 +971,7 @@
           <a:p>
             <a:fld id="{571D26BE-CF29-49E8-90A9-693FA176DA2E}" type="datetime1">
               <a:rPr lang="en-SG" smtClean="0"/>
-              <a:t>12/1/16</a:t>
+              <a:t>12/1/2016</a:t>
             </a:fld>
             <a:endParaRPr lang="en-SG"/>
           </a:p>
@@ -1151,7 +1151,7 @@
           <a:p>
             <a:fld id="{9465F57D-487B-4FA9-9804-4E6B1445D87E}" type="datetime1">
               <a:rPr lang="en-SG" smtClean="0"/>
-              <a:t>12/1/16</a:t>
+              <a:t>12/1/2016</a:t>
             </a:fld>
             <a:endParaRPr lang="en-SG"/>
           </a:p>
@@ -1321,7 +1321,7 @@
           <a:p>
             <a:fld id="{FF100F33-09D9-4424-9CFF-3583AE8E001C}" type="datetime1">
               <a:rPr lang="en-SG" smtClean="0"/>
-              <a:t>12/1/16</a:t>
+              <a:t>12/1/2016</a:t>
             </a:fld>
             <a:endParaRPr lang="en-SG"/>
           </a:p>
@@ -1565,7 +1565,7 @@
           <a:p>
             <a:fld id="{FEDF4C57-AE9B-4009-AE25-E54332066983}" type="datetime1">
               <a:rPr lang="en-SG" smtClean="0"/>
-              <a:t>12/1/16</a:t>
+              <a:t>12/1/2016</a:t>
             </a:fld>
             <a:endParaRPr lang="en-SG"/>
           </a:p>
@@ -1797,7 +1797,7 @@
           <a:p>
             <a:fld id="{8804DBDF-77D8-4526-82F0-2FD9258F6F4E}" type="datetime1">
               <a:rPr lang="en-SG" smtClean="0"/>
-              <a:t>12/1/16</a:t>
+              <a:t>12/1/2016</a:t>
             </a:fld>
             <a:endParaRPr lang="en-SG"/>
           </a:p>
@@ -2164,7 +2164,7 @@
           <a:p>
             <a:fld id="{2EDDACF3-1137-43EC-8B9B-FFC39405A05F}" type="datetime1">
               <a:rPr lang="en-SG" smtClean="0"/>
-              <a:t>12/1/16</a:t>
+              <a:t>12/1/2016</a:t>
             </a:fld>
             <a:endParaRPr lang="en-SG"/>
           </a:p>
@@ -2282,7 +2282,7 @@
           <a:p>
             <a:fld id="{7EA35B8A-1AE7-4E07-AA62-B18CC233816A}" type="datetime1">
               <a:rPr lang="en-SG" smtClean="0"/>
-              <a:t>12/1/16</a:t>
+              <a:t>12/1/2016</a:t>
             </a:fld>
             <a:endParaRPr lang="en-SG"/>
           </a:p>
@@ -2377,7 +2377,7 @@
           <a:p>
             <a:fld id="{3E5DB0B1-4D46-4B8D-87D9-ED3A0D6268D9}" type="datetime1">
               <a:rPr lang="en-SG" smtClean="0"/>
-              <a:t>12/1/16</a:t>
+              <a:t>12/1/2016</a:t>
             </a:fld>
             <a:endParaRPr lang="en-SG"/>
           </a:p>
@@ -2654,7 +2654,7 @@
           <a:p>
             <a:fld id="{B5FAF827-52F0-4265-95B3-9B7BE33238A1}" type="datetime1">
               <a:rPr lang="en-SG" smtClean="0"/>
-              <a:t>12/1/16</a:t>
+              <a:t>12/1/2016</a:t>
             </a:fld>
             <a:endParaRPr lang="en-SG"/>
           </a:p>
@@ -2911,7 +2911,7 @@
           <a:p>
             <a:fld id="{FB910920-7330-4500-8EED-E7F9B59504DB}" type="datetime1">
               <a:rPr lang="en-SG" smtClean="0"/>
-              <a:t>12/1/16</a:t>
+              <a:t>12/1/2016</a:t>
             </a:fld>
             <a:endParaRPr lang="en-SG"/>
           </a:p>
@@ -3124,7 +3124,7 @@
           <a:p>
             <a:fld id="{049282E9-B576-43F6-B614-0FB8874DC925}" type="datetime1">
               <a:rPr lang="en-SG" smtClean="0"/>
-              <a:t>12/1/16</a:t>
+              <a:t>12/1/2016</a:t>
             </a:fld>
             <a:endParaRPr lang="en-SG"/>
           </a:p>
@@ -3576,8 +3576,8 @@
         </p:nvSpPr>
         <p:spPr>
           <a:xfrm>
-            <a:off x="323267" y="1714628"/>
-            <a:ext cx="8534400" cy="4369485"/>
+            <a:off x="260110" y="1714628"/>
+            <a:ext cx="8660713" cy="4369485"/>
           </a:xfrm>
         </p:spPr>
         <p:txBody>
@@ -3591,23 +3591,15 @@
               <a:buAutoNum type="arabicPeriod"/>
             </a:pPr>
             <a:r>
-              <a:rPr lang="en-SG" sz="2000" u="sng" dirty="0" smtClean="0"/>
-              <a:t>Turing Award Lecture </a:t>
-            </a:r>
-            <a:r>
-              <a:rPr lang="en-SG" sz="2000" u="sng" dirty="0" smtClean="0"/>
-              <a:t>1984</a:t>
+              <a:rPr lang="en-SG" sz="2000" b="1" dirty="0" smtClean="0"/>
+              <a:t>Turing Award Lecture 1984</a:t>
             </a:r>
           </a:p>
           <a:p>
             <a:pPr lvl="1" algn="l"/>
             <a:r>
               <a:rPr lang="en-SG" sz="1800" dirty="0" smtClean="0"/>
-              <a:t>Given </a:t>
-            </a:r>
-            <a:r>
-              <a:rPr lang="en-SG" sz="1800" dirty="0" smtClean="0"/>
-              <a:t>by: </a:t>
+              <a:t>Given by: </a:t>
             </a:r>
             <a:r>
               <a:rPr lang="en-SG" sz="1800" dirty="0"/>
@@ -3640,7 +3632,7 @@
               <a:buAutoNum type="arabicPeriod"/>
             </a:pPr>
             <a:r>
-              <a:rPr lang="en-SG" sz="2000" u="sng" dirty="0" smtClean="0"/>
+              <a:rPr lang="en-SG" sz="2000" b="1" dirty="0" smtClean="0"/>
               <a:t>Fully Countering Trust through Diverse Double Compiling (2009)</a:t>
             </a:r>
           </a:p>
@@ -3673,7 +3665,7 @@
               <a:buAutoNum type="arabicPeriod"/>
             </a:pPr>
             <a:r>
-              <a:rPr lang="en-SG" sz="2000" u="sng" dirty="0" smtClean="0"/>
+              <a:rPr lang="en-SG" sz="2000" b="1" dirty="0" smtClean="0"/>
               <a:t>Critique of DDC (2010)</a:t>
             </a:r>
           </a:p>
@@ -3692,18 +3684,18 @@
           <a:p>
             <a:pPr lvl="1" algn="l"/>
             <a:r>
-              <a:rPr lang="en-SG" dirty="0">
+              <a:rPr lang="en-SG" sz="1800" dirty="0">
                 <a:hlinkClick r:id="rId4"/>
               </a:rPr>
               <a:t>https://</a:t>
             </a:r>
             <a:r>
-              <a:rPr lang="en-SG" dirty="0" smtClean="0">
+              <a:rPr lang="en-SG" sz="1800" dirty="0" smtClean="0">
                 <a:hlinkClick r:id="rId4"/>
               </a:rPr>
               <a:t>pjakma.files.wordpress.com/2010/09/critique-ddc.pdf</a:t>
             </a:r>
-            <a:endParaRPr lang="en-SG" dirty="0" smtClean="0"/>
+            <a:endParaRPr lang="en-SG" sz="1800" dirty="0" smtClean="0"/>
           </a:p>
           <a:p>
             <a:pPr algn="l"/>
@@ -3735,11 +3727,7 @@
           <a:p>
             <a:r>
               <a:rPr lang="en-SG" dirty="0" smtClean="0"/>
-              <a:t>Papers We Love #16 (25 Jan </a:t>
-            </a:r>
-            <a:r>
-              <a:rPr lang="en-SG" dirty="0" smtClean="0"/>
-              <a:t>2016)</a:t>
+              <a:t>Papers We Love #16 (25 Jan 2016)</a:t>
             </a:r>
             <a:endParaRPr lang="en-SG" dirty="0"/>
           </a:p>
@@ -4140,14 +4128,14 @@
                 <a:gridCol w="3744686">
                   <a:extLst>
                     <a:ext uri="{9D8B030D-6E8A-4147-A177-3AD203B41FA5}">
-                      <a16:colId xmlns="" xmlns:a16="http://schemas.microsoft.com/office/drawing/2014/main" val="20000"/>
+                      <a16:colId xmlns:a16="http://schemas.microsoft.com/office/drawing/2014/main" val="20000"/>
                     </a:ext>
                   </a:extLst>
                 </a:gridCol>
                 <a:gridCol w="3744686">
                   <a:extLst>
                     <a:ext uri="{9D8B030D-6E8A-4147-A177-3AD203B41FA5}">
-                      <a16:colId xmlns="" xmlns:a16="http://schemas.microsoft.com/office/drawing/2014/main" val="20001"/>
+                      <a16:colId xmlns:a16="http://schemas.microsoft.com/office/drawing/2014/main" val="20001"/>
                     </a:ext>
                   </a:extLst>
                 </a:gridCol>
@@ -4183,7 +4171,7 @@
                 </a:tc>
                 <a:extLst>
                   <a:ext uri="{0D108BD9-81ED-4DB2-BD59-A6C34878D82A}">
-                    <a16:rowId xmlns="" xmlns:a16="http://schemas.microsoft.com/office/drawing/2014/main" val="10000"/>
+                    <a16:rowId xmlns:a16="http://schemas.microsoft.com/office/drawing/2014/main" val="10000"/>
                   </a:ext>
                 </a:extLst>
               </a:tr>
@@ -4222,7 +4210,7 @@
                 </a:tc>
                 <a:extLst>
                   <a:ext uri="{0D108BD9-81ED-4DB2-BD59-A6C34878D82A}">
-                    <a16:rowId xmlns="" xmlns:a16="http://schemas.microsoft.com/office/drawing/2014/main" val="10001"/>
+                    <a16:rowId xmlns:a16="http://schemas.microsoft.com/office/drawing/2014/main" val="10001"/>
                   </a:ext>
                 </a:extLst>
               </a:tr>
@@ -4277,7 +4265,7 @@
                 </a:tc>
                 <a:extLst>
                   <a:ext uri="{0D108BD9-81ED-4DB2-BD59-A6C34878D82A}">
-                    <a16:rowId xmlns="" xmlns:a16="http://schemas.microsoft.com/office/drawing/2014/main" val="10002"/>
+                    <a16:rowId xmlns:a16="http://schemas.microsoft.com/office/drawing/2014/main" val="10002"/>
                   </a:ext>
                 </a:extLst>
               </a:tr>
@@ -4316,7 +4304,7 @@
                 </a:tc>
                 <a:extLst>
                   <a:ext uri="{0D108BD9-81ED-4DB2-BD59-A6C34878D82A}">
-                    <a16:rowId xmlns="" xmlns:a16="http://schemas.microsoft.com/office/drawing/2014/main" val="10003"/>
+                    <a16:rowId xmlns:a16="http://schemas.microsoft.com/office/drawing/2014/main" val="10003"/>
                   </a:ext>
                 </a:extLst>
               </a:tr>
@@ -4375,7 +4363,7 @@
                 </a:tc>
                 <a:extLst>
                   <a:ext uri="{0D108BD9-81ED-4DB2-BD59-A6C34878D82A}">
-                    <a16:rowId xmlns="" xmlns:a16="http://schemas.microsoft.com/office/drawing/2014/main" val="10004"/>
+                    <a16:rowId xmlns:a16="http://schemas.microsoft.com/office/drawing/2014/main" val="10004"/>
                   </a:ext>
                 </a:extLst>
               </a:tr>
@@ -4439,7 +4427,7 @@
                 </a:tc>
                 <a:extLst>
                   <a:ext uri="{0D108BD9-81ED-4DB2-BD59-A6C34878D82A}">
-                    <a16:rowId xmlns="" xmlns:a16="http://schemas.microsoft.com/office/drawing/2014/main" val="10005"/>
+                    <a16:rowId xmlns:a16="http://schemas.microsoft.com/office/drawing/2014/main" val="10005"/>
                   </a:ext>
                 </a:extLst>
               </a:tr>
@@ -5114,6 +5102,219 @@
   <p:clrMapOvr>
     <a:masterClrMapping/>
   </p:clrMapOvr>
+  <p:timing>
+    <p:tnLst>
+      <p:par>
+        <p:cTn id="1" dur="indefinite" restart="never" nodeType="tmRoot">
+          <p:childTnLst>
+            <p:seq concurrent="1" nextAc="seek">
+              <p:cTn id="2" dur="indefinite" nodeType="mainSeq">
+                <p:childTnLst>
+                  <p:par>
+                    <p:cTn id="3" fill="hold">
+                      <p:stCondLst>
+                        <p:cond delay="indefinite"/>
+                      </p:stCondLst>
+                      <p:childTnLst>
+                        <p:par>
+                          <p:cTn id="4" fill="hold">
+                            <p:stCondLst>
+                              <p:cond delay="0"/>
+                            </p:stCondLst>
+                            <p:childTnLst>
+                              <p:par>
+                                <p:cTn id="5" presetID="10" presetClass="entr" presetSubtype="0" fill="hold" nodeType="clickEffect">
+                                  <p:stCondLst>
+                                    <p:cond delay="0"/>
+                                  </p:stCondLst>
+                                  <p:childTnLst>
+                                    <p:set>
+                                      <p:cBhvr>
+                                        <p:cTn id="6" dur="1" fill="hold">
+                                          <p:stCondLst>
+                                            <p:cond delay="0"/>
+                                          </p:stCondLst>
+                                        </p:cTn>
+                                        <p:tgtEl>
+                                          <p:spTgt spid="3">
+                                            <p:txEl>
+                                              <p:pRg st="0" end="0"/>
+                                            </p:txEl>
+                                          </p:spTgt>
+                                        </p:tgtEl>
+                                        <p:attrNameLst>
+                                          <p:attrName>style.visibility</p:attrName>
+                                        </p:attrNameLst>
+                                      </p:cBhvr>
+                                      <p:to>
+                                        <p:strVal val="visible"/>
+                                      </p:to>
+                                    </p:set>
+                                    <p:animEffect transition="in" filter="fade">
+                                      <p:cBhvr>
+                                        <p:cTn id="7" dur="500"/>
+                                        <p:tgtEl>
+                                          <p:spTgt spid="3">
+                                            <p:txEl>
+                                              <p:pRg st="0" end="0"/>
+                                            </p:txEl>
+                                          </p:spTgt>
+                                        </p:tgtEl>
+                                      </p:cBhvr>
+                                    </p:animEffect>
+                                  </p:childTnLst>
+                                </p:cTn>
+                              </p:par>
+                            </p:childTnLst>
+                          </p:cTn>
+                        </p:par>
+                      </p:childTnLst>
+                    </p:cTn>
+                  </p:par>
+                  <p:par>
+                    <p:cTn id="8" fill="hold">
+                      <p:stCondLst>
+                        <p:cond delay="indefinite"/>
+                      </p:stCondLst>
+                      <p:childTnLst>
+                        <p:par>
+                          <p:cTn id="9" fill="hold">
+                            <p:stCondLst>
+                              <p:cond delay="0"/>
+                            </p:stCondLst>
+                            <p:childTnLst>
+                              <p:par>
+                                <p:cTn id="10" presetID="10" presetClass="entr" presetSubtype="0" fill="hold" nodeType="clickEffect">
+                                  <p:stCondLst>
+                                    <p:cond delay="0"/>
+                                  </p:stCondLst>
+                                  <p:childTnLst>
+                                    <p:set>
+                                      <p:cBhvr>
+                                        <p:cTn id="11" dur="1" fill="hold">
+                                          <p:stCondLst>
+                                            <p:cond delay="0"/>
+                                          </p:stCondLst>
+                                        </p:cTn>
+                                        <p:tgtEl>
+                                          <p:spTgt spid="3">
+                                            <p:txEl>
+                                              <p:pRg st="1" end="1"/>
+                                            </p:txEl>
+                                          </p:spTgt>
+                                        </p:tgtEl>
+                                        <p:attrNameLst>
+                                          <p:attrName>style.visibility</p:attrName>
+                                        </p:attrNameLst>
+                                      </p:cBhvr>
+                                      <p:to>
+                                        <p:strVal val="visible"/>
+                                      </p:to>
+                                    </p:set>
+                                    <p:animEffect transition="in" filter="fade">
+                                      <p:cBhvr>
+                                        <p:cTn id="12" dur="500"/>
+                                        <p:tgtEl>
+                                          <p:spTgt spid="3">
+                                            <p:txEl>
+                                              <p:pRg st="1" end="1"/>
+                                            </p:txEl>
+                                          </p:spTgt>
+                                        </p:tgtEl>
+                                      </p:cBhvr>
+                                    </p:animEffect>
+                                  </p:childTnLst>
+                                </p:cTn>
+                              </p:par>
+                            </p:childTnLst>
+                          </p:cTn>
+                        </p:par>
+                      </p:childTnLst>
+                    </p:cTn>
+                  </p:par>
+                  <p:par>
+                    <p:cTn id="13" fill="hold">
+                      <p:stCondLst>
+                        <p:cond delay="indefinite"/>
+                      </p:stCondLst>
+                      <p:childTnLst>
+                        <p:par>
+                          <p:cTn id="14" fill="hold">
+                            <p:stCondLst>
+                              <p:cond delay="0"/>
+                            </p:stCondLst>
+                            <p:childTnLst>
+                              <p:par>
+                                <p:cTn id="15" presetID="10" presetClass="entr" presetSubtype="0" fill="hold" nodeType="clickEffect">
+                                  <p:stCondLst>
+                                    <p:cond delay="0"/>
+                                  </p:stCondLst>
+                                  <p:childTnLst>
+                                    <p:set>
+                                      <p:cBhvr>
+                                        <p:cTn id="16" dur="1" fill="hold">
+                                          <p:stCondLst>
+                                            <p:cond delay="0"/>
+                                          </p:stCondLst>
+                                        </p:cTn>
+                                        <p:tgtEl>
+                                          <p:spTgt spid="3">
+                                            <p:txEl>
+                                              <p:pRg st="2" end="2"/>
+                                            </p:txEl>
+                                          </p:spTgt>
+                                        </p:tgtEl>
+                                        <p:attrNameLst>
+                                          <p:attrName>style.visibility</p:attrName>
+                                        </p:attrNameLst>
+                                      </p:cBhvr>
+                                      <p:to>
+                                        <p:strVal val="visible"/>
+                                      </p:to>
+                                    </p:set>
+                                    <p:animEffect transition="in" filter="fade">
+                                      <p:cBhvr>
+                                        <p:cTn id="17" dur="500"/>
+                                        <p:tgtEl>
+                                          <p:spTgt spid="3">
+                                            <p:txEl>
+                                              <p:pRg st="2" end="2"/>
+                                            </p:txEl>
+                                          </p:spTgt>
+                                        </p:tgtEl>
+                                      </p:cBhvr>
+                                    </p:animEffect>
+                                  </p:childTnLst>
+                                </p:cTn>
+                              </p:par>
+                            </p:childTnLst>
+                          </p:cTn>
+                        </p:par>
+                      </p:childTnLst>
+                    </p:cTn>
+                  </p:par>
+                </p:childTnLst>
+              </p:cTn>
+              <p:prevCondLst>
+                <p:cond evt="onPrev" delay="0">
+                  <p:tgtEl>
+                    <p:sldTgt/>
+                  </p:tgtEl>
+                </p:cond>
+              </p:prevCondLst>
+              <p:nextCondLst>
+                <p:cond evt="onNext" delay="0">
+                  <p:tgtEl>
+                    <p:sldTgt/>
+                  </p:tgtEl>
+                </p:cond>
+              </p:nextCondLst>
+            </p:seq>
+          </p:childTnLst>
+        </p:cTn>
+      </p:par>
+    </p:tnLst>
+  </p:timing>
 </p:sld>
 </file>
 
@@ -5169,13 +5370,13 @@
         </p:nvSpPr>
         <p:spPr>
           <a:xfrm>
-            <a:off x="291193" y="2603615"/>
-            <a:ext cx="9024257" cy="874032"/>
+            <a:off x="888546" y="2634095"/>
+            <a:ext cx="7366907" cy="874032"/>
           </a:xfrm>
         </p:spPr>
         <p:txBody>
           <a:bodyPr>
-            <a:normAutofit/>
+            <a:normAutofit fontScale="92500" lnSpcReduction="20000"/>
           </a:bodyPr>
           <a:lstStyle/>
           <a:p>
@@ -5184,7 +5385,32 @@
             </a:pPr>
             <a:r>
               <a:rPr lang="en-US" sz="3200" dirty="0" smtClean="0"/>
-              <a:t>Goal: Add an undetectable backdoor to </a:t>
+              <a:t>If </a:t>
+            </a:r>
+            <a:r>
+              <a:rPr lang="en-US" sz="3200" dirty="0" err="1" smtClean="0"/>
+              <a:t>login.c</a:t>
+            </a:r>
+            <a:r>
+              <a:rPr lang="en-US" sz="3200" dirty="0" smtClean="0"/>
+              <a:t> is a program responsible for logins,</a:t>
+            </a:r>
+          </a:p>
+          <a:p>
+            <a:pPr marL="0" indent="0">
+              <a:buNone/>
+            </a:pPr>
+            <a:r>
+              <a:rPr lang="en-US" sz="3200" dirty="0"/>
+              <a:t>a</a:t>
+            </a:r>
+            <a:r>
+              <a:rPr lang="en-US" sz="3200" dirty="0" smtClean="0"/>
+              <a:t>dd an </a:t>
+            </a:r>
+            <a:r>
+              <a:rPr lang="en-US" sz="3200" dirty="0" smtClean="0"/>
+              <a:t>undetectable backdoor to </a:t>
             </a:r>
             <a:r>
               <a:rPr lang="en-US" sz="3200" dirty="0" err="1" smtClean="0"/>
@@ -5934,7 +6160,7 @@
         </p:blipFill>
         <p:spPr>
           <a:xfrm>
-            <a:off x="2121315" y="715344"/>
+            <a:off x="296000" y="724646"/>
             <a:ext cx="4901369" cy="4093028"/>
           </a:xfrm>
           <a:prstGeom prst="rect">
@@ -5942,6 +6168,472 @@
           </a:prstGeom>
         </p:spPr>
       </p:pic>
+      <p:sp>
+        <p:nvSpPr>
+          <p:cNvPr id="5" name="Rectangle 4"/>
+          <p:cNvSpPr/>
+          <p:nvPr/>
+        </p:nvSpPr>
+        <p:spPr>
+          <a:xfrm>
+            <a:off x="5876382" y="1570953"/>
+            <a:ext cx="1257300" cy="396240"/>
+          </a:xfrm>
+          <a:prstGeom prst="rect">
+            <a:avLst/>
+          </a:prstGeom>
+          <a:solidFill>
+            <a:srgbClr val="7030A0"/>
+          </a:solidFill>
+          <a:ln>
+            <a:solidFill>
+              <a:schemeClr val="tx1"/>
+            </a:solidFill>
+          </a:ln>
+        </p:spPr>
+        <p:style>
+          <a:lnRef idx="2">
+            <a:schemeClr val="accent1">
+              <a:shade val="50000"/>
+            </a:schemeClr>
+          </a:lnRef>
+          <a:fillRef idx="1">
+            <a:schemeClr val="accent1"/>
+          </a:fillRef>
+          <a:effectRef idx="0">
+            <a:schemeClr val="accent1"/>
+          </a:effectRef>
+          <a:fontRef idx="minor">
+            <a:schemeClr val="lt1"/>
+          </a:fontRef>
+        </p:style>
+        <p:txBody>
+          <a:bodyPr rtlCol="0" anchor="ctr"/>
+          <a:lstStyle/>
+          <a:p>
+            <a:pPr algn="ctr"/>
+            <a:r>
+              <a:rPr lang="en-SG" sz="1200" dirty="0" smtClean="0"/>
+              <a:t>Code…</a:t>
+            </a:r>
+            <a:endParaRPr lang="en-SG" sz="1200" dirty="0"/>
+          </a:p>
+        </p:txBody>
+      </p:sp>
+      <p:sp>
+        <p:nvSpPr>
+          <p:cNvPr id="9" name="Rectangle 8"/>
+          <p:cNvSpPr/>
+          <p:nvPr/>
+        </p:nvSpPr>
+        <p:spPr>
+          <a:xfrm>
+            <a:off x="7133682" y="1570953"/>
+            <a:ext cx="1217412" cy="396240"/>
+          </a:xfrm>
+          <a:prstGeom prst="rect">
+            <a:avLst/>
+          </a:prstGeom>
+          <a:solidFill>
+            <a:srgbClr val="00B050"/>
+          </a:solidFill>
+          <a:ln>
+            <a:solidFill>
+              <a:schemeClr val="tx1"/>
+            </a:solidFill>
+          </a:ln>
+        </p:spPr>
+        <p:style>
+          <a:lnRef idx="2">
+            <a:schemeClr val="accent1">
+              <a:shade val="50000"/>
+            </a:schemeClr>
+          </a:lnRef>
+          <a:fillRef idx="1">
+            <a:schemeClr val="accent1"/>
+          </a:fillRef>
+          <a:effectRef idx="0">
+            <a:schemeClr val="accent1"/>
+          </a:effectRef>
+          <a:fontRef idx="minor">
+            <a:schemeClr val="lt1"/>
+          </a:fontRef>
+        </p:style>
+        <p:txBody>
+          <a:bodyPr rtlCol="0" anchor="ctr"/>
+          <a:lstStyle/>
+          <a:p>
+            <a:pPr algn="ctr"/>
+            <a:r>
+              <a:rPr lang="en-SG" sz="1200" dirty="0" smtClean="0"/>
+              <a:t>Code…</a:t>
+            </a:r>
+            <a:endParaRPr lang="en-SG" sz="1200" dirty="0"/>
+          </a:p>
+        </p:txBody>
+      </p:sp>
+      <p:cxnSp>
+        <p:nvCxnSpPr>
+          <p:cNvPr id="11" name="Straight Arrow Connector 10"/>
+          <p:cNvCxnSpPr/>
+          <p:nvPr/>
+        </p:nvCxnSpPr>
+        <p:spPr>
+          <a:xfrm>
+            <a:off x="7133682" y="1059180"/>
+            <a:ext cx="0" cy="426720"/>
+          </a:xfrm>
+          <a:prstGeom prst="straightConnector1">
+            <a:avLst/>
+          </a:prstGeom>
+          <a:ln>
+            <a:tailEnd type="triangle"/>
+          </a:ln>
+        </p:spPr>
+        <p:style>
+          <a:lnRef idx="1">
+            <a:schemeClr val="accent1"/>
+          </a:lnRef>
+          <a:fillRef idx="0">
+            <a:schemeClr val="accent1"/>
+          </a:fillRef>
+          <a:effectRef idx="0">
+            <a:schemeClr val="accent1"/>
+          </a:effectRef>
+          <a:fontRef idx="minor">
+            <a:schemeClr val="tx1"/>
+          </a:fontRef>
+        </p:style>
+      </p:cxnSp>
+      <p:sp>
+        <p:nvSpPr>
+          <p:cNvPr id="12" name="TextBox 11"/>
+          <p:cNvSpPr txBox="1"/>
+          <p:nvPr/>
+        </p:nvSpPr>
+        <p:spPr>
+          <a:xfrm>
+            <a:off x="5945651" y="554588"/>
+            <a:ext cx="2442635" cy="553998"/>
+          </a:xfrm>
+          <a:prstGeom prst="rect">
+            <a:avLst/>
+          </a:prstGeom>
+          <a:noFill/>
+        </p:spPr>
+        <p:txBody>
+          <a:bodyPr wrap="square" rtlCol="0">
+            <a:spAutoFit/>
+          </a:bodyPr>
+          <a:lstStyle/>
+          <a:p>
+            <a:r>
+              <a:rPr lang="en-SG" dirty="0" smtClean="0"/>
+              <a:t>Position to inject code:</a:t>
+            </a:r>
+          </a:p>
+          <a:p>
+            <a:r>
+              <a:rPr lang="en-SG" sz="1200" dirty="0" smtClean="0"/>
+              <a:t>“</a:t>
+            </a:r>
+            <a:r>
+              <a:rPr lang="en-SG" sz="1200" dirty="0" err="1" smtClean="0"/>
+              <a:t>printf</a:t>
+            </a:r>
+            <a:r>
+              <a:rPr lang="en-SG" sz="1200" dirty="0" smtClean="0"/>
+              <a:t>(TEXT_UNAUTHORISED)”</a:t>
+            </a:r>
+            <a:endParaRPr lang="en-SG" sz="1200" dirty="0"/>
+          </a:p>
+        </p:txBody>
+      </p:sp>
+      <p:sp>
+        <p:nvSpPr>
+          <p:cNvPr id="14" name="Rectangle 13"/>
+          <p:cNvSpPr/>
+          <p:nvPr/>
+        </p:nvSpPr>
+        <p:spPr>
+          <a:xfrm>
+            <a:off x="5382540" y="3564592"/>
+            <a:ext cx="1257300" cy="396240"/>
+          </a:xfrm>
+          <a:prstGeom prst="rect">
+            <a:avLst/>
+          </a:prstGeom>
+          <a:solidFill>
+            <a:srgbClr val="7030A0"/>
+          </a:solidFill>
+          <a:ln>
+            <a:solidFill>
+              <a:schemeClr val="tx1"/>
+            </a:solidFill>
+          </a:ln>
+        </p:spPr>
+        <p:style>
+          <a:lnRef idx="2">
+            <a:schemeClr val="accent1">
+              <a:shade val="50000"/>
+            </a:schemeClr>
+          </a:lnRef>
+          <a:fillRef idx="1">
+            <a:schemeClr val="accent1"/>
+          </a:fillRef>
+          <a:effectRef idx="0">
+            <a:schemeClr val="accent1"/>
+          </a:effectRef>
+          <a:fontRef idx="minor">
+            <a:schemeClr val="lt1"/>
+          </a:fontRef>
+        </p:style>
+        <p:txBody>
+          <a:bodyPr rtlCol="0" anchor="ctr"/>
+          <a:lstStyle/>
+          <a:p>
+            <a:pPr algn="ctr"/>
+            <a:r>
+              <a:rPr lang="en-SG" sz="1200" dirty="0"/>
+              <a:t>Pre-injected code</a:t>
+            </a:r>
+            <a:endParaRPr lang="en-SG" sz="1200" dirty="0"/>
+          </a:p>
+        </p:txBody>
+      </p:sp>
+      <p:sp>
+        <p:nvSpPr>
+          <p:cNvPr id="15" name="Rectangle 14"/>
+          <p:cNvSpPr/>
+          <p:nvPr/>
+        </p:nvSpPr>
+        <p:spPr>
+          <a:xfrm>
+            <a:off x="7853952" y="3563511"/>
+            <a:ext cx="1217412" cy="396240"/>
+          </a:xfrm>
+          <a:prstGeom prst="rect">
+            <a:avLst/>
+          </a:prstGeom>
+          <a:solidFill>
+            <a:srgbClr val="00B050"/>
+          </a:solidFill>
+          <a:ln>
+            <a:solidFill>
+              <a:schemeClr val="tx1"/>
+            </a:solidFill>
+          </a:ln>
+        </p:spPr>
+        <p:style>
+          <a:lnRef idx="2">
+            <a:schemeClr val="accent1">
+              <a:shade val="50000"/>
+            </a:schemeClr>
+          </a:lnRef>
+          <a:fillRef idx="1">
+            <a:schemeClr val="accent1"/>
+          </a:fillRef>
+          <a:effectRef idx="0">
+            <a:schemeClr val="accent1"/>
+          </a:effectRef>
+          <a:fontRef idx="minor">
+            <a:schemeClr val="lt1"/>
+          </a:fontRef>
+        </p:style>
+        <p:txBody>
+          <a:bodyPr rtlCol="0" anchor="ctr"/>
+          <a:lstStyle/>
+          <a:p>
+            <a:pPr algn="ctr"/>
+            <a:r>
+              <a:rPr lang="en-SG" sz="1200" dirty="0"/>
+              <a:t>Post-injected code</a:t>
+            </a:r>
+            <a:endParaRPr lang="en-SG" sz="1200" dirty="0"/>
+          </a:p>
+        </p:txBody>
+      </p:sp>
+      <p:sp>
+        <p:nvSpPr>
+          <p:cNvPr id="16" name="Rectangle 15"/>
+          <p:cNvSpPr/>
+          <p:nvPr/>
+        </p:nvSpPr>
+        <p:spPr>
+          <a:xfrm>
+            <a:off x="6634242" y="3565376"/>
+            <a:ext cx="1237356" cy="396240"/>
+          </a:xfrm>
+          <a:prstGeom prst="rect">
+            <a:avLst/>
+          </a:prstGeom>
+          <a:solidFill>
+            <a:srgbClr val="FF0000"/>
+          </a:solidFill>
+          <a:ln>
+            <a:solidFill>
+              <a:schemeClr val="tx1"/>
+            </a:solidFill>
+          </a:ln>
+        </p:spPr>
+        <p:style>
+          <a:lnRef idx="2">
+            <a:schemeClr val="accent3">
+              <a:shade val="50000"/>
+            </a:schemeClr>
+          </a:lnRef>
+          <a:fillRef idx="1">
+            <a:schemeClr val="accent3"/>
+          </a:fillRef>
+          <a:effectRef idx="0">
+            <a:schemeClr val="accent3"/>
+          </a:effectRef>
+          <a:fontRef idx="minor">
+            <a:schemeClr val="lt1"/>
+          </a:fontRef>
+        </p:style>
+        <p:txBody>
+          <a:bodyPr rtlCol="0" anchor="ctr"/>
+          <a:lstStyle/>
+          <a:p>
+            <a:pPr algn="ctr"/>
+            <a:r>
+              <a:rPr lang="en-SG" sz="1400" dirty="0" smtClean="0">
+                <a:solidFill>
+                  <a:schemeClr val="bg1"/>
+                </a:solidFill>
+              </a:rPr>
+              <a:t>Injected code</a:t>
+            </a:r>
+            <a:endParaRPr lang="en-SG" sz="1400" dirty="0">
+              <a:solidFill>
+                <a:schemeClr val="bg1"/>
+              </a:solidFill>
+            </a:endParaRPr>
+          </a:p>
+        </p:txBody>
+      </p:sp>
+      <p:sp>
+        <p:nvSpPr>
+          <p:cNvPr id="19" name="Down Arrow 18"/>
+          <p:cNvSpPr/>
+          <p:nvPr/>
+        </p:nvSpPr>
+        <p:spPr>
+          <a:xfrm rot="823560">
+            <a:off x="6107958" y="2095273"/>
+            <a:ext cx="187686" cy="1390658"/>
+          </a:xfrm>
+          <a:prstGeom prst="downArrow">
+            <a:avLst/>
+          </a:prstGeom>
+        </p:spPr>
+        <p:style>
+          <a:lnRef idx="2">
+            <a:schemeClr val="accent1">
+              <a:shade val="50000"/>
+            </a:schemeClr>
+          </a:lnRef>
+          <a:fillRef idx="1">
+            <a:schemeClr val="accent1"/>
+          </a:fillRef>
+          <a:effectRef idx="0">
+            <a:schemeClr val="accent1"/>
+          </a:effectRef>
+          <a:fontRef idx="minor">
+            <a:schemeClr val="lt1"/>
+          </a:fontRef>
+        </p:style>
+        <p:txBody>
+          <a:bodyPr rtlCol="0" anchor="ctr"/>
+          <a:lstStyle/>
+          <a:p>
+            <a:pPr algn="ctr"/>
+            <a:endParaRPr lang="en-SG"/>
+          </a:p>
+        </p:txBody>
+      </p:sp>
+      <p:sp>
+        <p:nvSpPr>
+          <p:cNvPr id="20" name="Down Arrow 19"/>
+          <p:cNvSpPr/>
+          <p:nvPr/>
+        </p:nvSpPr>
+        <p:spPr>
+          <a:xfrm rot="20267568">
+            <a:off x="8071821" y="2113792"/>
+            <a:ext cx="187686" cy="1390658"/>
+          </a:xfrm>
+          <a:prstGeom prst="downArrow">
+            <a:avLst/>
+          </a:prstGeom>
+        </p:spPr>
+        <p:style>
+          <a:lnRef idx="2">
+            <a:schemeClr val="accent1">
+              <a:shade val="50000"/>
+            </a:schemeClr>
+          </a:lnRef>
+          <a:fillRef idx="1">
+            <a:schemeClr val="accent1"/>
+          </a:fillRef>
+          <a:effectRef idx="0">
+            <a:schemeClr val="accent1"/>
+          </a:effectRef>
+          <a:fontRef idx="minor">
+            <a:schemeClr val="lt1"/>
+          </a:fontRef>
+        </p:style>
+        <p:txBody>
+          <a:bodyPr rtlCol="0" anchor="ctr"/>
+          <a:lstStyle/>
+          <a:p>
+            <a:pPr algn="ctr"/>
+            <a:endParaRPr lang="en-SG"/>
+          </a:p>
+        </p:txBody>
+      </p:sp>
+      <p:sp>
+        <p:nvSpPr>
+          <p:cNvPr id="21" name="Rectangle 20"/>
+          <p:cNvSpPr/>
+          <p:nvPr/>
+        </p:nvSpPr>
+        <p:spPr>
+          <a:xfrm>
+            <a:off x="5381246" y="3569418"/>
+            <a:ext cx="3688824" cy="396240"/>
+          </a:xfrm>
+          <a:prstGeom prst="rect">
+            <a:avLst/>
+          </a:prstGeom>
+          <a:noFill/>
+        </p:spPr>
+        <p:style>
+          <a:lnRef idx="2">
+            <a:schemeClr val="dk1">
+              <a:shade val="50000"/>
+            </a:schemeClr>
+          </a:lnRef>
+          <a:fillRef idx="1">
+            <a:schemeClr val="dk1"/>
+          </a:fillRef>
+          <a:effectRef idx="0">
+            <a:schemeClr val="dk1"/>
+          </a:effectRef>
+          <a:fontRef idx="minor">
+            <a:schemeClr val="lt1"/>
+          </a:fontRef>
+        </p:style>
+        <p:txBody>
+          <a:bodyPr rtlCol="0" anchor="ctr"/>
+          <a:lstStyle/>
+          <a:p>
+            <a:pPr algn="ctr"/>
+            <a:endParaRPr lang="en-SG"/>
+          </a:p>
+        </p:txBody>
+      </p:sp>
     </p:spTree>
     <p:extLst>
       <p:ext uri="{BB962C8B-B14F-4D97-AF65-F5344CB8AC3E}">
@@ -5952,6 +6644,799 @@
   <p:clrMapOvr>
     <a:masterClrMapping/>
   </p:clrMapOvr>
+  <p:timing>
+    <p:tnLst>
+      <p:par>
+        <p:cTn id="1" dur="indefinite" restart="never" nodeType="tmRoot">
+          <p:childTnLst>
+            <p:seq concurrent="1" nextAc="seek">
+              <p:cTn id="2" dur="indefinite" nodeType="mainSeq">
+                <p:childTnLst>
+                  <p:par>
+                    <p:cTn id="3" fill="hold">
+                      <p:stCondLst>
+                        <p:cond delay="indefinite"/>
+                      </p:stCondLst>
+                      <p:childTnLst>
+                        <p:par>
+                          <p:cTn id="4" fill="hold">
+                            <p:stCondLst>
+                              <p:cond delay="0"/>
+                            </p:stCondLst>
+                            <p:childTnLst>
+                              <p:par>
+                                <p:cTn id="5" presetID="10" presetClass="entr" presetSubtype="0" fill="hold" nodeType="clickEffect">
+                                  <p:stCondLst>
+                                    <p:cond delay="0"/>
+                                  </p:stCondLst>
+                                  <p:childTnLst>
+                                    <p:set>
+                                      <p:cBhvr>
+                                        <p:cTn id="6" dur="1" fill="hold">
+                                          <p:stCondLst>
+                                            <p:cond delay="0"/>
+                                          </p:stCondLst>
+                                        </p:cTn>
+                                        <p:tgtEl>
+                                          <p:spTgt spid="6">
+                                            <p:txEl>
+                                              <p:pRg st="0" end="0"/>
+                                            </p:txEl>
+                                          </p:spTgt>
+                                        </p:tgtEl>
+                                        <p:attrNameLst>
+                                          <p:attrName>style.visibility</p:attrName>
+                                        </p:attrNameLst>
+                                      </p:cBhvr>
+                                      <p:to>
+                                        <p:strVal val="visible"/>
+                                      </p:to>
+                                    </p:set>
+                                    <p:animEffect transition="in" filter="fade">
+                                      <p:cBhvr>
+                                        <p:cTn id="7" dur="500"/>
+                                        <p:tgtEl>
+                                          <p:spTgt spid="6">
+                                            <p:txEl>
+                                              <p:pRg st="0" end="0"/>
+                                            </p:txEl>
+                                          </p:spTgt>
+                                        </p:tgtEl>
+                                      </p:cBhvr>
+                                    </p:animEffect>
+                                  </p:childTnLst>
+                                </p:cTn>
+                              </p:par>
+                            </p:childTnLst>
+                          </p:cTn>
+                        </p:par>
+                      </p:childTnLst>
+                    </p:cTn>
+                  </p:par>
+                  <p:par>
+                    <p:cTn id="8" fill="hold">
+                      <p:stCondLst>
+                        <p:cond delay="indefinite"/>
+                      </p:stCondLst>
+                      <p:childTnLst>
+                        <p:par>
+                          <p:cTn id="9" fill="hold">
+                            <p:stCondLst>
+                              <p:cond delay="0"/>
+                            </p:stCondLst>
+                            <p:childTnLst>
+                              <p:par>
+                                <p:cTn id="10" presetID="10" presetClass="entr" presetSubtype="0" fill="hold" grpId="0" nodeType="clickEffect">
+                                  <p:stCondLst>
+                                    <p:cond delay="0"/>
+                                  </p:stCondLst>
+                                  <p:childTnLst>
+                                    <p:set>
+                                      <p:cBhvr>
+                                        <p:cTn id="11" dur="1" fill="hold">
+                                          <p:stCondLst>
+                                            <p:cond delay="0"/>
+                                          </p:stCondLst>
+                                        </p:cTn>
+                                        <p:tgtEl>
+                                          <p:spTgt spid="5"/>
+                                        </p:tgtEl>
+                                        <p:attrNameLst>
+                                          <p:attrName>style.visibility</p:attrName>
+                                        </p:attrNameLst>
+                                      </p:cBhvr>
+                                      <p:to>
+                                        <p:strVal val="visible"/>
+                                      </p:to>
+                                    </p:set>
+                                    <p:animEffect transition="in" filter="fade">
+                                      <p:cBhvr>
+                                        <p:cTn id="12" dur="500"/>
+                                        <p:tgtEl>
+                                          <p:spTgt spid="5"/>
+                                        </p:tgtEl>
+                                      </p:cBhvr>
+                                    </p:animEffect>
+                                  </p:childTnLst>
+                                </p:cTn>
+                              </p:par>
+                              <p:par>
+                                <p:cTn id="13" presetID="10" presetClass="entr" presetSubtype="0" fill="hold" grpId="0" nodeType="withEffect">
+                                  <p:stCondLst>
+                                    <p:cond delay="0"/>
+                                  </p:stCondLst>
+                                  <p:childTnLst>
+                                    <p:set>
+                                      <p:cBhvr>
+                                        <p:cTn id="14" dur="1" fill="hold">
+                                          <p:stCondLst>
+                                            <p:cond delay="0"/>
+                                          </p:stCondLst>
+                                        </p:cTn>
+                                        <p:tgtEl>
+                                          <p:spTgt spid="9"/>
+                                        </p:tgtEl>
+                                        <p:attrNameLst>
+                                          <p:attrName>style.visibility</p:attrName>
+                                        </p:attrNameLst>
+                                      </p:cBhvr>
+                                      <p:to>
+                                        <p:strVal val="visible"/>
+                                      </p:to>
+                                    </p:set>
+                                    <p:animEffect transition="in" filter="fade">
+                                      <p:cBhvr>
+                                        <p:cTn id="15" dur="500"/>
+                                        <p:tgtEl>
+                                          <p:spTgt spid="9"/>
+                                        </p:tgtEl>
+                                      </p:cBhvr>
+                                    </p:animEffect>
+                                  </p:childTnLst>
+                                </p:cTn>
+                              </p:par>
+                            </p:childTnLst>
+                          </p:cTn>
+                        </p:par>
+                      </p:childTnLst>
+                    </p:cTn>
+                  </p:par>
+                  <p:par>
+                    <p:cTn id="16" fill="hold">
+                      <p:stCondLst>
+                        <p:cond delay="indefinite"/>
+                      </p:stCondLst>
+                      <p:childTnLst>
+                        <p:par>
+                          <p:cTn id="17" fill="hold">
+                            <p:stCondLst>
+                              <p:cond delay="0"/>
+                            </p:stCondLst>
+                            <p:childTnLst>
+                              <p:par>
+                                <p:cTn id="18" presetID="10" presetClass="entr" presetSubtype="0" fill="hold" nodeType="clickEffect">
+                                  <p:stCondLst>
+                                    <p:cond delay="0"/>
+                                  </p:stCondLst>
+                                  <p:childTnLst>
+                                    <p:set>
+                                      <p:cBhvr>
+                                        <p:cTn id="19" dur="1" fill="hold">
+                                          <p:stCondLst>
+                                            <p:cond delay="0"/>
+                                          </p:stCondLst>
+                                        </p:cTn>
+                                        <p:tgtEl>
+                                          <p:spTgt spid="11"/>
+                                        </p:tgtEl>
+                                        <p:attrNameLst>
+                                          <p:attrName>style.visibility</p:attrName>
+                                        </p:attrNameLst>
+                                      </p:cBhvr>
+                                      <p:to>
+                                        <p:strVal val="visible"/>
+                                      </p:to>
+                                    </p:set>
+                                    <p:animEffect transition="in" filter="fade">
+                                      <p:cBhvr>
+                                        <p:cTn id="20" dur="500"/>
+                                        <p:tgtEl>
+                                          <p:spTgt spid="11"/>
+                                        </p:tgtEl>
+                                      </p:cBhvr>
+                                    </p:animEffect>
+                                  </p:childTnLst>
+                                </p:cTn>
+                              </p:par>
+                              <p:par>
+                                <p:cTn id="21" presetID="10" presetClass="entr" presetSubtype="0" fill="hold" grpId="0" nodeType="withEffect">
+                                  <p:stCondLst>
+                                    <p:cond delay="0"/>
+                                  </p:stCondLst>
+                                  <p:childTnLst>
+                                    <p:set>
+                                      <p:cBhvr>
+                                        <p:cTn id="22" dur="1" fill="hold">
+                                          <p:stCondLst>
+                                            <p:cond delay="0"/>
+                                          </p:stCondLst>
+                                        </p:cTn>
+                                        <p:tgtEl>
+                                          <p:spTgt spid="12"/>
+                                        </p:tgtEl>
+                                        <p:attrNameLst>
+                                          <p:attrName>style.visibility</p:attrName>
+                                        </p:attrNameLst>
+                                      </p:cBhvr>
+                                      <p:to>
+                                        <p:strVal val="visible"/>
+                                      </p:to>
+                                    </p:set>
+                                    <p:animEffect transition="in" filter="fade">
+                                      <p:cBhvr>
+                                        <p:cTn id="23" dur="500"/>
+                                        <p:tgtEl>
+                                          <p:spTgt spid="12"/>
+                                        </p:tgtEl>
+                                      </p:cBhvr>
+                                    </p:animEffect>
+                                  </p:childTnLst>
+                                </p:cTn>
+                              </p:par>
+                            </p:childTnLst>
+                          </p:cTn>
+                        </p:par>
+                      </p:childTnLst>
+                    </p:cTn>
+                  </p:par>
+                  <p:par>
+                    <p:cTn id="24" fill="hold">
+                      <p:stCondLst>
+                        <p:cond delay="indefinite"/>
+                      </p:stCondLst>
+                      <p:childTnLst>
+                        <p:par>
+                          <p:cTn id="25" fill="hold">
+                            <p:stCondLst>
+                              <p:cond delay="0"/>
+                            </p:stCondLst>
+                            <p:childTnLst>
+                              <p:par>
+                                <p:cTn id="26" presetID="10" presetClass="entr" presetSubtype="0" fill="hold" grpId="0" nodeType="clickEffect">
+                                  <p:stCondLst>
+                                    <p:cond delay="0"/>
+                                  </p:stCondLst>
+                                  <p:childTnLst>
+                                    <p:set>
+                                      <p:cBhvr>
+                                        <p:cTn id="27" dur="1" fill="hold">
+                                          <p:stCondLst>
+                                            <p:cond delay="0"/>
+                                          </p:stCondLst>
+                                        </p:cTn>
+                                        <p:tgtEl>
+                                          <p:spTgt spid="21"/>
+                                        </p:tgtEl>
+                                        <p:attrNameLst>
+                                          <p:attrName>style.visibility</p:attrName>
+                                        </p:attrNameLst>
+                                      </p:cBhvr>
+                                      <p:to>
+                                        <p:strVal val="visible"/>
+                                      </p:to>
+                                    </p:set>
+                                    <p:animEffect transition="in" filter="fade">
+                                      <p:cBhvr>
+                                        <p:cTn id="28" dur="500"/>
+                                        <p:tgtEl>
+                                          <p:spTgt spid="21"/>
+                                        </p:tgtEl>
+                                      </p:cBhvr>
+                                    </p:animEffect>
+                                  </p:childTnLst>
+                                </p:cTn>
+                              </p:par>
+                            </p:childTnLst>
+                          </p:cTn>
+                        </p:par>
+                      </p:childTnLst>
+                    </p:cTn>
+                  </p:par>
+                  <p:par>
+                    <p:cTn id="29" fill="hold">
+                      <p:stCondLst>
+                        <p:cond delay="indefinite"/>
+                      </p:stCondLst>
+                      <p:childTnLst>
+                        <p:par>
+                          <p:cTn id="30" fill="hold">
+                            <p:stCondLst>
+                              <p:cond delay="0"/>
+                            </p:stCondLst>
+                            <p:childTnLst>
+                              <p:par>
+                                <p:cTn id="31" presetID="10" presetClass="entr" presetSubtype="0" fill="hold" grpId="0" nodeType="clickEffect">
+                                  <p:stCondLst>
+                                    <p:cond delay="0"/>
+                                  </p:stCondLst>
+                                  <p:childTnLst>
+                                    <p:set>
+                                      <p:cBhvr>
+                                        <p:cTn id="32" dur="1" fill="hold">
+                                          <p:stCondLst>
+                                            <p:cond delay="0"/>
+                                          </p:stCondLst>
+                                        </p:cTn>
+                                        <p:tgtEl>
+                                          <p:spTgt spid="14"/>
+                                        </p:tgtEl>
+                                        <p:attrNameLst>
+                                          <p:attrName>style.visibility</p:attrName>
+                                        </p:attrNameLst>
+                                      </p:cBhvr>
+                                      <p:to>
+                                        <p:strVal val="visible"/>
+                                      </p:to>
+                                    </p:set>
+                                    <p:animEffect transition="in" filter="fade">
+                                      <p:cBhvr>
+                                        <p:cTn id="33" dur="500"/>
+                                        <p:tgtEl>
+                                          <p:spTgt spid="14"/>
+                                        </p:tgtEl>
+                                      </p:cBhvr>
+                                    </p:animEffect>
+                                  </p:childTnLst>
+                                </p:cTn>
+                              </p:par>
+                              <p:par>
+                                <p:cTn id="34" presetID="10" presetClass="entr" presetSubtype="0" fill="hold" grpId="0" nodeType="withEffect">
+                                  <p:stCondLst>
+                                    <p:cond delay="0"/>
+                                  </p:stCondLst>
+                                  <p:childTnLst>
+                                    <p:set>
+                                      <p:cBhvr>
+                                        <p:cTn id="35" dur="1" fill="hold">
+                                          <p:stCondLst>
+                                            <p:cond delay="0"/>
+                                          </p:stCondLst>
+                                        </p:cTn>
+                                        <p:tgtEl>
+                                          <p:spTgt spid="19"/>
+                                        </p:tgtEl>
+                                        <p:attrNameLst>
+                                          <p:attrName>style.visibility</p:attrName>
+                                        </p:attrNameLst>
+                                      </p:cBhvr>
+                                      <p:to>
+                                        <p:strVal val="visible"/>
+                                      </p:to>
+                                    </p:set>
+                                    <p:animEffect transition="in" filter="fade">
+                                      <p:cBhvr>
+                                        <p:cTn id="36" dur="500"/>
+                                        <p:tgtEl>
+                                          <p:spTgt spid="19"/>
+                                        </p:tgtEl>
+                                      </p:cBhvr>
+                                    </p:animEffect>
+                                  </p:childTnLst>
+                                </p:cTn>
+                              </p:par>
+                            </p:childTnLst>
+                          </p:cTn>
+                        </p:par>
+                      </p:childTnLst>
+                    </p:cTn>
+                  </p:par>
+                  <p:par>
+                    <p:cTn id="37" fill="hold">
+                      <p:stCondLst>
+                        <p:cond delay="indefinite"/>
+                      </p:stCondLst>
+                      <p:childTnLst>
+                        <p:par>
+                          <p:cTn id="38" fill="hold">
+                            <p:stCondLst>
+                              <p:cond delay="0"/>
+                            </p:stCondLst>
+                            <p:childTnLst>
+                              <p:par>
+                                <p:cTn id="39" presetID="10" presetClass="entr" presetSubtype="0" fill="hold" grpId="0" nodeType="clickEffect">
+                                  <p:stCondLst>
+                                    <p:cond delay="0"/>
+                                  </p:stCondLst>
+                                  <p:childTnLst>
+                                    <p:set>
+                                      <p:cBhvr>
+                                        <p:cTn id="40" dur="1" fill="hold">
+                                          <p:stCondLst>
+                                            <p:cond delay="0"/>
+                                          </p:stCondLst>
+                                        </p:cTn>
+                                        <p:tgtEl>
+                                          <p:spTgt spid="16"/>
+                                        </p:tgtEl>
+                                        <p:attrNameLst>
+                                          <p:attrName>style.visibility</p:attrName>
+                                        </p:attrNameLst>
+                                      </p:cBhvr>
+                                      <p:to>
+                                        <p:strVal val="visible"/>
+                                      </p:to>
+                                    </p:set>
+                                    <p:animEffect transition="in" filter="fade">
+                                      <p:cBhvr>
+                                        <p:cTn id="41" dur="500"/>
+                                        <p:tgtEl>
+                                          <p:spTgt spid="16"/>
+                                        </p:tgtEl>
+                                      </p:cBhvr>
+                                    </p:animEffect>
+                                  </p:childTnLst>
+                                </p:cTn>
+                              </p:par>
+                            </p:childTnLst>
+                          </p:cTn>
+                        </p:par>
+                      </p:childTnLst>
+                    </p:cTn>
+                  </p:par>
+                  <p:par>
+                    <p:cTn id="42" fill="hold">
+                      <p:stCondLst>
+                        <p:cond delay="indefinite"/>
+                      </p:stCondLst>
+                      <p:childTnLst>
+                        <p:par>
+                          <p:cTn id="43" fill="hold">
+                            <p:stCondLst>
+                              <p:cond delay="0"/>
+                            </p:stCondLst>
+                            <p:childTnLst>
+                              <p:par>
+                                <p:cTn id="44" presetID="10" presetClass="entr" presetSubtype="0" fill="hold" grpId="0" nodeType="clickEffect">
+                                  <p:stCondLst>
+                                    <p:cond delay="0"/>
+                                  </p:stCondLst>
+                                  <p:childTnLst>
+                                    <p:set>
+                                      <p:cBhvr>
+                                        <p:cTn id="45" dur="1" fill="hold">
+                                          <p:stCondLst>
+                                            <p:cond delay="0"/>
+                                          </p:stCondLst>
+                                        </p:cTn>
+                                        <p:tgtEl>
+                                          <p:spTgt spid="15"/>
+                                        </p:tgtEl>
+                                        <p:attrNameLst>
+                                          <p:attrName>style.visibility</p:attrName>
+                                        </p:attrNameLst>
+                                      </p:cBhvr>
+                                      <p:to>
+                                        <p:strVal val="visible"/>
+                                      </p:to>
+                                    </p:set>
+                                    <p:animEffect transition="in" filter="fade">
+                                      <p:cBhvr>
+                                        <p:cTn id="46" dur="500"/>
+                                        <p:tgtEl>
+                                          <p:spTgt spid="15"/>
+                                        </p:tgtEl>
+                                      </p:cBhvr>
+                                    </p:animEffect>
+                                  </p:childTnLst>
+                                </p:cTn>
+                              </p:par>
+                              <p:par>
+                                <p:cTn id="47" presetID="10" presetClass="entr" presetSubtype="0" fill="hold" grpId="0" nodeType="withEffect">
+                                  <p:stCondLst>
+                                    <p:cond delay="0"/>
+                                  </p:stCondLst>
+                                  <p:childTnLst>
+                                    <p:set>
+                                      <p:cBhvr>
+                                        <p:cTn id="48" dur="1" fill="hold">
+                                          <p:stCondLst>
+                                            <p:cond delay="0"/>
+                                          </p:stCondLst>
+                                        </p:cTn>
+                                        <p:tgtEl>
+                                          <p:spTgt spid="20"/>
+                                        </p:tgtEl>
+                                        <p:attrNameLst>
+                                          <p:attrName>style.visibility</p:attrName>
+                                        </p:attrNameLst>
+                                      </p:cBhvr>
+                                      <p:to>
+                                        <p:strVal val="visible"/>
+                                      </p:to>
+                                    </p:set>
+                                    <p:animEffect transition="in" filter="fade">
+                                      <p:cBhvr>
+                                        <p:cTn id="49" dur="500"/>
+                                        <p:tgtEl>
+                                          <p:spTgt spid="20"/>
+                                        </p:tgtEl>
+                                      </p:cBhvr>
+                                    </p:animEffect>
+                                  </p:childTnLst>
+                                </p:cTn>
+                              </p:par>
+                            </p:childTnLst>
+                          </p:cTn>
+                        </p:par>
+                      </p:childTnLst>
+                    </p:cTn>
+                  </p:par>
+                  <p:par>
+                    <p:cTn id="50" fill="hold">
+                      <p:stCondLst>
+                        <p:cond delay="indefinite"/>
+                      </p:stCondLst>
+                      <p:childTnLst>
+                        <p:par>
+                          <p:cTn id="51" fill="hold">
+                            <p:stCondLst>
+                              <p:cond delay="0"/>
+                            </p:stCondLst>
+                            <p:childTnLst>
+                              <p:par>
+                                <p:cTn id="52" presetID="10" presetClass="entr" presetSubtype="0" fill="hold" nodeType="clickEffect">
+                                  <p:stCondLst>
+                                    <p:cond delay="0"/>
+                                  </p:stCondLst>
+                                  <p:childTnLst>
+                                    <p:set>
+                                      <p:cBhvr>
+                                        <p:cTn id="53" dur="1" fill="hold">
+                                          <p:stCondLst>
+                                            <p:cond delay="0"/>
+                                          </p:stCondLst>
+                                        </p:cTn>
+                                        <p:tgtEl>
+                                          <p:spTgt spid="6">
+                                            <p:txEl>
+                                              <p:pRg st="1" end="1"/>
+                                            </p:txEl>
+                                          </p:spTgt>
+                                        </p:tgtEl>
+                                        <p:attrNameLst>
+                                          <p:attrName>style.visibility</p:attrName>
+                                        </p:attrNameLst>
+                                      </p:cBhvr>
+                                      <p:to>
+                                        <p:strVal val="visible"/>
+                                      </p:to>
+                                    </p:set>
+                                    <p:animEffect transition="in" filter="fade">
+                                      <p:cBhvr>
+                                        <p:cTn id="54" dur="500"/>
+                                        <p:tgtEl>
+                                          <p:spTgt spid="6">
+                                            <p:txEl>
+                                              <p:pRg st="1" end="1"/>
+                                            </p:txEl>
+                                          </p:spTgt>
+                                        </p:tgtEl>
+                                      </p:cBhvr>
+                                    </p:animEffect>
+                                  </p:childTnLst>
+                                </p:cTn>
+                              </p:par>
+                              <p:par>
+                                <p:cTn id="55" presetID="10" presetClass="entr" presetSubtype="0" fill="hold" nodeType="withEffect">
+                                  <p:stCondLst>
+                                    <p:cond delay="0"/>
+                                  </p:stCondLst>
+                                  <p:childTnLst>
+                                    <p:set>
+                                      <p:cBhvr>
+                                        <p:cTn id="56" dur="1" fill="hold">
+                                          <p:stCondLst>
+                                            <p:cond delay="0"/>
+                                          </p:stCondLst>
+                                        </p:cTn>
+                                        <p:tgtEl>
+                                          <p:spTgt spid="6">
+                                            <p:txEl>
+                                              <p:pRg st="2" end="2"/>
+                                            </p:txEl>
+                                          </p:spTgt>
+                                        </p:tgtEl>
+                                        <p:attrNameLst>
+                                          <p:attrName>style.visibility</p:attrName>
+                                        </p:attrNameLst>
+                                      </p:cBhvr>
+                                      <p:to>
+                                        <p:strVal val="visible"/>
+                                      </p:to>
+                                    </p:set>
+                                    <p:animEffect transition="in" filter="fade">
+                                      <p:cBhvr>
+                                        <p:cTn id="57" dur="500"/>
+                                        <p:tgtEl>
+                                          <p:spTgt spid="6">
+                                            <p:txEl>
+                                              <p:pRg st="2" end="2"/>
+                                            </p:txEl>
+                                          </p:spTgt>
+                                        </p:tgtEl>
+                                      </p:cBhvr>
+                                    </p:animEffect>
+                                  </p:childTnLst>
+                                </p:cTn>
+                              </p:par>
+                              <p:par>
+                                <p:cTn id="58" presetID="10" presetClass="entr" presetSubtype="0" fill="hold" nodeType="withEffect">
+                                  <p:stCondLst>
+                                    <p:cond delay="0"/>
+                                  </p:stCondLst>
+                                  <p:childTnLst>
+                                    <p:set>
+                                      <p:cBhvr>
+                                        <p:cTn id="59" dur="1" fill="hold">
+                                          <p:stCondLst>
+                                            <p:cond delay="0"/>
+                                          </p:stCondLst>
+                                        </p:cTn>
+                                        <p:tgtEl>
+                                          <p:spTgt spid="6">
+                                            <p:txEl>
+                                              <p:pRg st="3" end="3"/>
+                                            </p:txEl>
+                                          </p:spTgt>
+                                        </p:tgtEl>
+                                        <p:attrNameLst>
+                                          <p:attrName>style.visibility</p:attrName>
+                                        </p:attrNameLst>
+                                      </p:cBhvr>
+                                      <p:to>
+                                        <p:strVal val="visible"/>
+                                      </p:to>
+                                    </p:set>
+                                    <p:animEffect transition="in" filter="fade">
+                                      <p:cBhvr>
+                                        <p:cTn id="60" dur="500"/>
+                                        <p:tgtEl>
+                                          <p:spTgt spid="6">
+                                            <p:txEl>
+                                              <p:pRg st="3" end="3"/>
+                                            </p:txEl>
+                                          </p:spTgt>
+                                        </p:tgtEl>
+                                      </p:cBhvr>
+                                    </p:animEffect>
+                                  </p:childTnLst>
+                                </p:cTn>
+                              </p:par>
+                              <p:par>
+                                <p:cTn id="61" presetID="10" presetClass="entr" presetSubtype="0" fill="hold" nodeType="withEffect">
+                                  <p:stCondLst>
+                                    <p:cond delay="0"/>
+                                  </p:stCondLst>
+                                  <p:childTnLst>
+                                    <p:set>
+                                      <p:cBhvr>
+                                        <p:cTn id="62" dur="1" fill="hold">
+                                          <p:stCondLst>
+                                            <p:cond delay="0"/>
+                                          </p:stCondLst>
+                                        </p:cTn>
+                                        <p:tgtEl>
+                                          <p:spTgt spid="6">
+                                            <p:txEl>
+                                              <p:pRg st="4" end="4"/>
+                                            </p:txEl>
+                                          </p:spTgt>
+                                        </p:tgtEl>
+                                        <p:attrNameLst>
+                                          <p:attrName>style.visibility</p:attrName>
+                                        </p:attrNameLst>
+                                      </p:cBhvr>
+                                      <p:to>
+                                        <p:strVal val="visible"/>
+                                      </p:to>
+                                    </p:set>
+                                    <p:animEffect transition="in" filter="fade">
+                                      <p:cBhvr>
+                                        <p:cTn id="63" dur="500"/>
+                                        <p:tgtEl>
+                                          <p:spTgt spid="6">
+                                            <p:txEl>
+                                              <p:pRg st="4" end="4"/>
+                                            </p:txEl>
+                                          </p:spTgt>
+                                        </p:tgtEl>
+                                      </p:cBhvr>
+                                    </p:animEffect>
+                                  </p:childTnLst>
+                                </p:cTn>
+                              </p:par>
+                              <p:par>
+                                <p:cTn id="64" presetID="10" presetClass="entr" presetSubtype="0" fill="hold" nodeType="withEffect">
+                                  <p:stCondLst>
+                                    <p:cond delay="0"/>
+                                  </p:stCondLst>
+                                  <p:childTnLst>
+                                    <p:set>
+                                      <p:cBhvr>
+                                        <p:cTn id="65" dur="1" fill="hold">
+                                          <p:stCondLst>
+                                            <p:cond delay="0"/>
+                                          </p:stCondLst>
+                                        </p:cTn>
+                                        <p:tgtEl>
+                                          <p:spTgt spid="6">
+                                            <p:txEl>
+                                              <p:pRg st="5" end="5"/>
+                                            </p:txEl>
+                                          </p:spTgt>
+                                        </p:tgtEl>
+                                        <p:attrNameLst>
+                                          <p:attrName>style.visibility</p:attrName>
+                                        </p:attrNameLst>
+                                      </p:cBhvr>
+                                      <p:to>
+                                        <p:strVal val="visible"/>
+                                      </p:to>
+                                    </p:set>
+                                    <p:animEffect transition="in" filter="fade">
+                                      <p:cBhvr>
+                                        <p:cTn id="66" dur="500"/>
+                                        <p:tgtEl>
+                                          <p:spTgt spid="6">
+                                            <p:txEl>
+                                              <p:pRg st="5" end="5"/>
+                                            </p:txEl>
+                                          </p:spTgt>
+                                        </p:tgtEl>
+                                      </p:cBhvr>
+                                    </p:animEffect>
+                                  </p:childTnLst>
+                                </p:cTn>
+                              </p:par>
+                            </p:childTnLst>
+                          </p:cTn>
+                        </p:par>
+                      </p:childTnLst>
+                    </p:cTn>
+                  </p:par>
+                </p:childTnLst>
+              </p:cTn>
+              <p:prevCondLst>
+                <p:cond evt="onPrev" delay="0">
+                  <p:tgtEl>
+                    <p:sldTgt/>
+                  </p:tgtEl>
+                </p:cond>
+              </p:prevCondLst>
+              <p:nextCondLst>
+                <p:cond evt="onNext" delay="0">
+                  <p:tgtEl>
+                    <p:sldTgt/>
+                  </p:tgtEl>
+                </p:cond>
+              </p:nextCondLst>
+            </p:seq>
+          </p:childTnLst>
+        </p:cTn>
+      </p:par>
+    </p:tnLst>
+    <p:bldLst>
+      <p:bldP spid="5" grpId="0" animBg="1"/>
+      <p:bldP spid="9" grpId="0" animBg="1"/>
+      <p:bldP spid="12" grpId="0"/>
+      <p:bldP spid="14" grpId="0" animBg="1"/>
+      <p:bldP spid="15" grpId="0" animBg="1"/>
+      <p:bldP spid="16" grpId="0" animBg="1"/>
+      <p:bldP spid="19" grpId="0" animBg="1"/>
+      <p:bldP spid="20" grpId="0" animBg="1"/>
+      <p:bldP spid="21" grpId="0" animBg="1"/>
+    </p:bldLst>
+  </p:timing>
 </p:sld>
 </file>
 
@@ -8468,11 +9953,7 @@
             </a:pPr>
             <a:r>
               <a:rPr lang="en-US" sz="2000" i="1" dirty="0" smtClean="0"/>
-              <a:t>“</a:t>
-            </a:r>
-            <a:r>
-              <a:rPr lang="en-US" sz="2000" i="1" dirty="0" smtClean="0"/>
-              <a:t>To </a:t>
+              <a:t>“To </a:t>
             </a:r>
             <a:r>
               <a:rPr lang="en-US" sz="2000" i="1" dirty="0"/>
@@ -9728,7 +11209,15 @@
           <a:p>
             <a:r>
               <a:rPr lang="en-SG" sz="2000" dirty="0"/>
-              <a:t>TCC can be malicious but not malicious in a way that affects GCC</a:t>
+              <a:t>TCC can be malicious but </a:t>
+            </a:r>
+            <a:r>
+              <a:rPr lang="en-SG" sz="2000" dirty="0" smtClean="0"/>
+              <a:t>unlikely to be malicious </a:t>
+            </a:r>
+            <a:r>
+              <a:rPr lang="en-SG" sz="2000" dirty="0"/>
+              <a:t>in a way that affects GCC</a:t>
             </a:r>
           </a:p>
           <a:p>
@@ -11135,7 +12624,6 @@
               <a:rPr lang="en-SG" dirty="0" smtClean="0"/>
               <a:t>PhD student, University of Glasgow</a:t>
             </a:r>
-            <a:endParaRPr lang="en-SG" dirty="0" smtClean="0"/>
           </a:p>
           <a:p>
             <a:endParaRPr lang="en-SG" dirty="0">
@@ -12468,11 +13956,7 @@
           <a:p>
             <a:r>
               <a:rPr lang="en-US" dirty="0" smtClean="0"/>
-              <a:t>An external virus can get the job done </a:t>
-            </a:r>
-            <a:r>
-              <a:rPr lang="en-US" dirty="0" smtClean="0"/>
-              <a:t>equally</a:t>
+              <a:t>An external virus can get the job done equally</a:t>
             </a:r>
           </a:p>
           <a:p>
@@ -12715,6 +14199,87 @@
           </a:p>
         </p:txBody>
       </p:sp>
+      <p:sp>
+        <p:nvSpPr>
+          <p:cNvPr id="5" name="TextBox 4"/>
+          <p:cNvSpPr txBox="1"/>
+          <p:nvPr/>
+        </p:nvSpPr>
+        <p:spPr>
+          <a:xfrm>
+            <a:off x="4271554" y="6174859"/>
+            <a:ext cx="4872446" cy="615553"/>
+          </a:xfrm>
+          <a:prstGeom prst="rect">
+            <a:avLst/>
+          </a:prstGeom>
+          <a:noFill/>
+        </p:spPr>
+        <p:txBody>
+          <a:bodyPr wrap="square" rtlCol="0">
+            <a:spAutoFit/>
+          </a:bodyPr>
+          <a:lstStyle/>
+          <a:p>
+            <a:r>
+              <a:rPr lang="en-SG" dirty="0" smtClean="0"/>
+              <a:t>By: Yeo Kheng Meng (</a:t>
+            </a:r>
+            <a:r>
+              <a:rPr lang="en-SG" dirty="0" smtClean="0">
+                <a:hlinkClick r:id="rId2"/>
+              </a:rPr>
+              <a:t>yeokm1@gmail.com)</a:t>
+            </a:r>
+            <a:endParaRPr lang="en-SG" dirty="0" smtClean="0"/>
+          </a:p>
+          <a:p>
+            <a:r>
+              <a:rPr lang="en-SG" sz="1600" dirty="0">
+                <a:hlinkClick r:id="rId3"/>
+              </a:rPr>
+              <a:t>https://</a:t>
+            </a:r>
+            <a:r>
+              <a:rPr lang="en-SG" sz="1600" dirty="0" smtClean="0">
+                <a:hlinkClick r:id="rId3"/>
+              </a:rPr>
+              <a:t>github.com/yeokm1/reflections-of-trusting-trust</a:t>
+            </a:r>
+            <a:endParaRPr lang="en-SG" sz="1600" dirty="0" smtClean="0"/>
+          </a:p>
+        </p:txBody>
+      </p:sp>
+      <p:sp>
+        <p:nvSpPr>
+          <p:cNvPr id="6" name="TextBox 5"/>
+          <p:cNvSpPr txBox="1"/>
+          <p:nvPr/>
+        </p:nvSpPr>
+        <p:spPr>
+          <a:xfrm>
+            <a:off x="0" y="6174859"/>
+            <a:ext cx="3552497" cy="369332"/>
+          </a:xfrm>
+          <a:prstGeom prst="rect">
+            <a:avLst/>
+          </a:prstGeom>
+          <a:noFill/>
+        </p:spPr>
+        <p:txBody>
+          <a:bodyPr wrap="square" rtlCol="0">
+            <a:spAutoFit/>
+          </a:bodyPr>
+          <a:lstStyle/>
+          <a:p>
+            <a:r>
+              <a:rPr lang="en-SG" dirty="0" smtClean="0"/>
+              <a:t>Papers We Love #16 (25 Jan 2016)</a:t>
+            </a:r>
+            <a:endParaRPr lang="en-SG" dirty="0"/>
+          </a:p>
+        </p:txBody>
+      </p:sp>
     </p:spTree>
     <p:extLst>
       <p:ext uri="{BB962C8B-B14F-4D97-AF65-F5344CB8AC3E}">
@@ -12864,6 +14429,341 @@
   <p:clrMapOvr>
     <a:masterClrMapping/>
   </p:clrMapOvr>
+  <p:timing>
+    <p:tnLst>
+      <p:par>
+        <p:cTn id="1" dur="indefinite" restart="never" nodeType="tmRoot">
+          <p:childTnLst>
+            <p:seq concurrent="1" nextAc="seek">
+              <p:cTn id="2" dur="indefinite" nodeType="mainSeq">
+                <p:childTnLst>
+                  <p:par>
+                    <p:cTn id="3" fill="hold">
+                      <p:stCondLst>
+                        <p:cond delay="indefinite"/>
+                      </p:stCondLst>
+                      <p:childTnLst>
+                        <p:par>
+                          <p:cTn id="4" fill="hold">
+                            <p:stCondLst>
+                              <p:cond delay="0"/>
+                            </p:stCondLst>
+                            <p:childTnLst>
+                              <p:par>
+                                <p:cTn id="5" presetID="10" presetClass="entr" presetSubtype="0" fill="hold" nodeType="clickEffect">
+                                  <p:stCondLst>
+                                    <p:cond delay="0"/>
+                                  </p:stCondLst>
+                                  <p:childTnLst>
+                                    <p:set>
+                                      <p:cBhvr>
+                                        <p:cTn id="6" dur="1" fill="hold">
+                                          <p:stCondLst>
+                                            <p:cond delay="0"/>
+                                          </p:stCondLst>
+                                        </p:cTn>
+                                        <p:tgtEl>
+                                          <p:spTgt spid="3">
+                                            <p:txEl>
+                                              <p:pRg st="0" end="0"/>
+                                            </p:txEl>
+                                          </p:spTgt>
+                                        </p:tgtEl>
+                                        <p:attrNameLst>
+                                          <p:attrName>style.visibility</p:attrName>
+                                        </p:attrNameLst>
+                                      </p:cBhvr>
+                                      <p:to>
+                                        <p:strVal val="visible"/>
+                                      </p:to>
+                                    </p:set>
+                                    <p:animEffect transition="in" filter="fade">
+                                      <p:cBhvr>
+                                        <p:cTn id="7" dur="500"/>
+                                        <p:tgtEl>
+                                          <p:spTgt spid="3">
+                                            <p:txEl>
+                                              <p:pRg st="0" end="0"/>
+                                            </p:txEl>
+                                          </p:spTgt>
+                                        </p:tgtEl>
+                                      </p:cBhvr>
+                                    </p:animEffect>
+                                  </p:childTnLst>
+                                </p:cTn>
+                              </p:par>
+                            </p:childTnLst>
+                          </p:cTn>
+                        </p:par>
+                      </p:childTnLst>
+                    </p:cTn>
+                  </p:par>
+                  <p:par>
+                    <p:cTn id="8" fill="hold">
+                      <p:stCondLst>
+                        <p:cond delay="indefinite"/>
+                      </p:stCondLst>
+                      <p:childTnLst>
+                        <p:par>
+                          <p:cTn id="9" fill="hold">
+                            <p:stCondLst>
+                              <p:cond delay="0"/>
+                            </p:stCondLst>
+                            <p:childTnLst>
+                              <p:par>
+                                <p:cTn id="10" presetID="10" presetClass="entr" presetSubtype="0" fill="hold" nodeType="clickEffect">
+                                  <p:stCondLst>
+                                    <p:cond delay="0"/>
+                                  </p:stCondLst>
+                                  <p:childTnLst>
+                                    <p:set>
+                                      <p:cBhvr>
+                                        <p:cTn id="11" dur="1" fill="hold">
+                                          <p:stCondLst>
+                                            <p:cond delay="0"/>
+                                          </p:stCondLst>
+                                        </p:cTn>
+                                        <p:tgtEl>
+                                          <p:spTgt spid="3">
+                                            <p:txEl>
+                                              <p:pRg st="1" end="1"/>
+                                            </p:txEl>
+                                          </p:spTgt>
+                                        </p:tgtEl>
+                                        <p:attrNameLst>
+                                          <p:attrName>style.visibility</p:attrName>
+                                        </p:attrNameLst>
+                                      </p:cBhvr>
+                                      <p:to>
+                                        <p:strVal val="visible"/>
+                                      </p:to>
+                                    </p:set>
+                                    <p:animEffect transition="in" filter="fade">
+                                      <p:cBhvr>
+                                        <p:cTn id="12" dur="500"/>
+                                        <p:tgtEl>
+                                          <p:spTgt spid="3">
+                                            <p:txEl>
+                                              <p:pRg st="1" end="1"/>
+                                            </p:txEl>
+                                          </p:spTgt>
+                                        </p:tgtEl>
+                                      </p:cBhvr>
+                                    </p:animEffect>
+                                  </p:childTnLst>
+                                </p:cTn>
+                              </p:par>
+                            </p:childTnLst>
+                          </p:cTn>
+                        </p:par>
+                      </p:childTnLst>
+                    </p:cTn>
+                  </p:par>
+                  <p:par>
+                    <p:cTn id="13" fill="hold">
+                      <p:stCondLst>
+                        <p:cond delay="indefinite"/>
+                      </p:stCondLst>
+                      <p:childTnLst>
+                        <p:par>
+                          <p:cTn id="14" fill="hold">
+                            <p:stCondLst>
+                              <p:cond delay="0"/>
+                            </p:stCondLst>
+                            <p:childTnLst>
+                              <p:par>
+                                <p:cTn id="15" presetID="10" presetClass="entr" presetSubtype="0" fill="hold" nodeType="clickEffect">
+                                  <p:stCondLst>
+                                    <p:cond delay="0"/>
+                                  </p:stCondLst>
+                                  <p:childTnLst>
+                                    <p:set>
+                                      <p:cBhvr>
+                                        <p:cTn id="16" dur="1" fill="hold">
+                                          <p:stCondLst>
+                                            <p:cond delay="0"/>
+                                          </p:stCondLst>
+                                        </p:cTn>
+                                        <p:tgtEl>
+                                          <p:spTgt spid="3">
+                                            <p:txEl>
+                                              <p:pRg st="2" end="2"/>
+                                            </p:txEl>
+                                          </p:spTgt>
+                                        </p:tgtEl>
+                                        <p:attrNameLst>
+                                          <p:attrName>style.visibility</p:attrName>
+                                        </p:attrNameLst>
+                                      </p:cBhvr>
+                                      <p:to>
+                                        <p:strVal val="visible"/>
+                                      </p:to>
+                                    </p:set>
+                                    <p:animEffect transition="in" filter="fade">
+                                      <p:cBhvr>
+                                        <p:cTn id="17" dur="500"/>
+                                        <p:tgtEl>
+                                          <p:spTgt spid="3">
+                                            <p:txEl>
+                                              <p:pRg st="2" end="2"/>
+                                            </p:txEl>
+                                          </p:spTgt>
+                                        </p:tgtEl>
+                                      </p:cBhvr>
+                                    </p:animEffect>
+                                  </p:childTnLst>
+                                </p:cTn>
+                              </p:par>
+                            </p:childTnLst>
+                          </p:cTn>
+                        </p:par>
+                      </p:childTnLst>
+                    </p:cTn>
+                  </p:par>
+                  <p:par>
+                    <p:cTn id="18" fill="hold">
+                      <p:stCondLst>
+                        <p:cond delay="indefinite"/>
+                      </p:stCondLst>
+                      <p:childTnLst>
+                        <p:par>
+                          <p:cTn id="19" fill="hold">
+                            <p:stCondLst>
+                              <p:cond delay="0"/>
+                            </p:stCondLst>
+                            <p:childTnLst>
+                              <p:par>
+                                <p:cTn id="20" presetID="10" presetClass="entr" presetSubtype="0" fill="hold" nodeType="clickEffect">
+                                  <p:stCondLst>
+                                    <p:cond delay="0"/>
+                                  </p:stCondLst>
+                                  <p:childTnLst>
+                                    <p:set>
+                                      <p:cBhvr>
+                                        <p:cTn id="21" dur="1" fill="hold">
+                                          <p:stCondLst>
+                                            <p:cond delay="0"/>
+                                          </p:stCondLst>
+                                        </p:cTn>
+                                        <p:tgtEl>
+                                          <p:spTgt spid="3">
+                                            <p:txEl>
+                                              <p:pRg st="3" end="3"/>
+                                            </p:txEl>
+                                          </p:spTgt>
+                                        </p:tgtEl>
+                                        <p:attrNameLst>
+                                          <p:attrName>style.visibility</p:attrName>
+                                        </p:attrNameLst>
+                                      </p:cBhvr>
+                                      <p:to>
+                                        <p:strVal val="visible"/>
+                                      </p:to>
+                                    </p:set>
+                                    <p:animEffect transition="in" filter="fade">
+                                      <p:cBhvr>
+                                        <p:cTn id="22" dur="500"/>
+                                        <p:tgtEl>
+                                          <p:spTgt spid="3">
+                                            <p:txEl>
+                                              <p:pRg st="3" end="3"/>
+                                            </p:txEl>
+                                          </p:spTgt>
+                                        </p:tgtEl>
+                                      </p:cBhvr>
+                                    </p:animEffect>
+                                  </p:childTnLst>
+                                </p:cTn>
+                              </p:par>
+                            </p:childTnLst>
+                          </p:cTn>
+                        </p:par>
+                      </p:childTnLst>
+                    </p:cTn>
+                  </p:par>
+                  <p:par>
+                    <p:cTn id="23" fill="hold">
+                      <p:stCondLst>
+                        <p:cond delay="indefinite"/>
+                      </p:stCondLst>
+                      <p:childTnLst>
+                        <p:par>
+                          <p:cTn id="24" fill="hold">
+                            <p:stCondLst>
+                              <p:cond delay="0"/>
+                            </p:stCondLst>
+                            <p:childTnLst>
+                              <p:par>
+                                <p:cTn id="25" presetID="10" presetClass="entr" presetSubtype="0" fill="hold" nodeType="clickEffect">
+                                  <p:stCondLst>
+                                    <p:cond delay="0"/>
+                                  </p:stCondLst>
+                                  <p:childTnLst>
+                                    <p:set>
+                                      <p:cBhvr>
+                                        <p:cTn id="26" dur="1" fill="hold">
+                                          <p:stCondLst>
+                                            <p:cond delay="0"/>
+                                          </p:stCondLst>
+                                        </p:cTn>
+                                        <p:tgtEl>
+                                          <p:spTgt spid="3">
+                                            <p:txEl>
+                                              <p:pRg st="6" end="6"/>
+                                            </p:txEl>
+                                          </p:spTgt>
+                                        </p:tgtEl>
+                                        <p:attrNameLst>
+                                          <p:attrName>style.visibility</p:attrName>
+                                        </p:attrNameLst>
+                                      </p:cBhvr>
+                                      <p:to>
+                                        <p:strVal val="visible"/>
+                                      </p:to>
+                                    </p:set>
+                                    <p:animEffect transition="in" filter="fade">
+                                      <p:cBhvr>
+                                        <p:cTn id="27" dur="500"/>
+                                        <p:tgtEl>
+                                          <p:spTgt spid="3">
+                                            <p:txEl>
+                                              <p:pRg st="6" end="6"/>
+                                            </p:txEl>
+                                          </p:spTgt>
+                                        </p:tgtEl>
+                                      </p:cBhvr>
+                                    </p:animEffect>
+                                  </p:childTnLst>
+                                </p:cTn>
+                              </p:par>
+                            </p:childTnLst>
+                          </p:cTn>
+                        </p:par>
+                      </p:childTnLst>
+                    </p:cTn>
+                  </p:par>
+                </p:childTnLst>
+              </p:cTn>
+              <p:prevCondLst>
+                <p:cond evt="onPrev" delay="0">
+                  <p:tgtEl>
+                    <p:sldTgt/>
+                  </p:tgtEl>
+                </p:cond>
+              </p:prevCondLst>
+              <p:nextCondLst>
+                <p:cond evt="onNext" delay="0">
+                  <p:tgtEl>
+                    <p:sldTgt/>
+                  </p:tgtEl>
+                </p:cond>
+              </p:nextCondLst>
+            </p:seq>
+          </p:childTnLst>
+        </p:cTn>
+      </p:par>
+    </p:tnLst>
+  </p:timing>
 </p:sld>
 </file>
 
@@ -13035,6 +14935,330 @@
   <p:clrMapOvr>
     <a:masterClrMapping/>
   </p:clrMapOvr>
+  <p:timing>
+    <p:tnLst>
+      <p:par>
+        <p:cTn id="1" dur="indefinite" restart="never" nodeType="tmRoot">
+          <p:childTnLst>
+            <p:seq concurrent="1" nextAc="seek">
+              <p:cTn id="2" dur="indefinite" nodeType="mainSeq">
+                <p:childTnLst>
+                  <p:par>
+                    <p:cTn id="3" fill="hold">
+                      <p:stCondLst>
+                        <p:cond delay="indefinite"/>
+                      </p:stCondLst>
+                      <p:childTnLst>
+                        <p:par>
+                          <p:cTn id="4" fill="hold">
+                            <p:stCondLst>
+                              <p:cond delay="0"/>
+                            </p:stCondLst>
+                            <p:childTnLst>
+                              <p:par>
+                                <p:cTn id="5" presetID="10" presetClass="entr" presetSubtype="0" fill="hold" nodeType="clickEffect">
+                                  <p:stCondLst>
+                                    <p:cond delay="0"/>
+                                  </p:stCondLst>
+                                  <p:childTnLst>
+                                    <p:set>
+                                      <p:cBhvr>
+                                        <p:cTn id="6" dur="1" fill="hold">
+                                          <p:stCondLst>
+                                            <p:cond delay="0"/>
+                                          </p:stCondLst>
+                                        </p:cTn>
+                                        <p:tgtEl>
+                                          <p:spTgt spid="3">
+                                            <p:txEl>
+                                              <p:pRg st="2" end="2"/>
+                                            </p:txEl>
+                                          </p:spTgt>
+                                        </p:tgtEl>
+                                        <p:attrNameLst>
+                                          <p:attrName>style.visibility</p:attrName>
+                                        </p:attrNameLst>
+                                      </p:cBhvr>
+                                      <p:to>
+                                        <p:strVal val="visible"/>
+                                      </p:to>
+                                    </p:set>
+                                    <p:animEffect transition="in" filter="fade">
+                                      <p:cBhvr>
+                                        <p:cTn id="7" dur="500"/>
+                                        <p:tgtEl>
+                                          <p:spTgt spid="3">
+                                            <p:txEl>
+                                              <p:pRg st="2" end="2"/>
+                                            </p:txEl>
+                                          </p:spTgt>
+                                        </p:tgtEl>
+                                      </p:cBhvr>
+                                    </p:animEffect>
+                                  </p:childTnLst>
+                                </p:cTn>
+                              </p:par>
+                              <p:par>
+                                <p:cTn id="8" presetID="10" presetClass="entr" presetSubtype="0" fill="hold" nodeType="withEffect">
+                                  <p:stCondLst>
+                                    <p:cond delay="0"/>
+                                  </p:stCondLst>
+                                  <p:childTnLst>
+                                    <p:set>
+                                      <p:cBhvr>
+                                        <p:cTn id="9" dur="1" fill="hold">
+                                          <p:stCondLst>
+                                            <p:cond delay="0"/>
+                                          </p:stCondLst>
+                                        </p:cTn>
+                                        <p:tgtEl>
+                                          <p:spTgt spid="3">
+                                            <p:txEl>
+                                              <p:pRg st="3" end="3"/>
+                                            </p:txEl>
+                                          </p:spTgt>
+                                        </p:tgtEl>
+                                        <p:attrNameLst>
+                                          <p:attrName>style.visibility</p:attrName>
+                                        </p:attrNameLst>
+                                      </p:cBhvr>
+                                      <p:to>
+                                        <p:strVal val="visible"/>
+                                      </p:to>
+                                    </p:set>
+                                    <p:animEffect transition="in" filter="fade">
+                                      <p:cBhvr>
+                                        <p:cTn id="10" dur="500"/>
+                                        <p:tgtEl>
+                                          <p:spTgt spid="3">
+                                            <p:txEl>
+                                              <p:pRg st="3" end="3"/>
+                                            </p:txEl>
+                                          </p:spTgt>
+                                        </p:tgtEl>
+                                      </p:cBhvr>
+                                    </p:animEffect>
+                                  </p:childTnLst>
+                                </p:cTn>
+                              </p:par>
+                              <p:par>
+                                <p:cTn id="11" presetID="10" presetClass="entr" presetSubtype="0" fill="hold" nodeType="withEffect">
+                                  <p:stCondLst>
+                                    <p:cond delay="0"/>
+                                  </p:stCondLst>
+                                  <p:childTnLst>
+                                    <p:set>
+                                      <p:cBhvr>
+                                        <p:cTn id="12" dur="1" fill="hold">
+                                          <p:stCondLst>
+                                            <p:cond delay="0"/>
+                                          </p:stCondLst>
+                                        </p:cTn>
+                                        <p:tgtEl>
+                                          <p:spTgt spid="3">
+                                            <p:txEl>
+                                              <p:pRg st="4" end="4"/>
+                                            </p:txEl>
+                                          </p:spTgt>
+                                        </p:tgtEl>
+                                        <p:attrNameLst>
+                                          <p:attrName>style.visibility</p:attrName>
+                                        </p:attrNameLst>
+                                      </p:cBhvr>
+                                      <p:to>
+                                        <p:strVal val="visible"/>
+                                      </p:to>
+                                    </p:set>
+                                    <p:animEffect transition="in" filter="fade">
+                                      <p:cBhvr>
+                                        <p:cTn id="13" dur="500"/>
+                                        <p:tgtEl>
+                                          <p:spTgt spid="3">
+                                            <p:txEl>
+                                              <p:pRg st="4" end="4"/>
+                                            </p:txEl>
+                                          </p:spTgt>
+                                        </p:tgtEl>
+                                      </p:cBhvr>
+                                    </p:animEffect>
+                                  </p:childTnLst>
+                                </p:cTn>
+                              </p:par>
+                            </p:childTnLst>
+                          </p:cTn>
+                        </p:par>
+                      </p:childTnLst>
+                    </p:cTn>
+                  </p:par>
+                  <p:par>
+                    <p:cTn id="14" fill="hold">
+                      <p:stCondLst>
+                        <p:cond delay="indefinite"/>
+                      </p:stCondLst>
+                      <p:childTnLst>
+                        <p:par>
+                          <p:cTn id="15" fill="hold">
+                            <p:stCondLst>
+                              <p:cond delay="0"/>
+                            </p:stCondLst>
+                            <p:childTnLst>
+                              <p:par>
+                                <p:cTn id="16" presetID="10" presetClass="entr" presetSubtype="0" fill="hold" nodeType="clickEffect">
+                                  <p:stCondLst>
+                                    <p:cond delay="0"/>
+                                  </p:stCondLst>
+                                  <p:childTnLst>
+                                    <p:set>
+                                      <p:cBhvr>
+                                        <p:cTn id="17" dur="1" fill="hold">
+                                          <p:stCondLst>
+                                            <p:cond delay="0"/>
+                                          </p:stCondLst>
+                                        </p:cTn>
+                                        <p:tgtEl>
+                                          <p:spTgt spid="3">
+                                            <p:txEl>
+                                              <p:pRg st="5" end="5"/>
+                                            </p:txEl>
+                                          </p:spTgt>
+                                        </p:tgtEl>
+                                        <p:attrNameLst>
+                                          <p:attrName>style.visibility</p:attrName>
+                                        </p:attrNameLst>
+                                      </p:cBhvr>
+                                      <p:to>
+                                        <p:strVal val="visible"/>
+                                      </p:to>
+                                    </p:set>
+                                    <p:animEffect transition="in" filter="fade">
+                                      <p:cBhvr>
+                                        <p:cTn id="18" dur="500"/>
+                                        <p:tgtEl>
+                                          <p:spTgt spid="3">
+                                            <p:txEl>
+                                              <p:pRg st="5" end="5"/>
+                                            </p:txEl>
+                                          </p:spTgt>
+                                        </p:tgtEl>
+                                      </p:cBhvr>
+                                    </p:animEffect>
+                                  </p:childTnLst>
+                                </p:cTn>
+                              </p:par>
+                              <p:par>
+                                <p:cTn id="19" presetID="10" presetClass="entr" presetSubtype="0" fill="hold" nodeType="withEffect">
+                                  <p:stCondLst>
+                                    <p:cond delay="0"/>
+                                  </p:stCondLst>
+                                  <p:childTnLst>
+                                    <p:set>
+                                      <p:cBhvr>
+                                        <p:cTn id="20" dur="1" fill="hold">
+                                          <p:stCondLst>
+                                            <p:cond delay="0"/>
+                                          </p:stCondLst>
+                                        </p:cTn>
+                                        <p:tgtEl>
+                                          <p:spTgt spid="3">
+                                            <p:txEl>
+                                              <p:pRg st="6" end="6"/>
+                                            </p:txEl>
+                                          </p:spTgt>
+                                        </p:tgtEl>
+                                        <p:attrNameLst>
+                                          <p:attrName>style.visibility</p:attrName>
+                                        </p:attrNameLst>
+                                      </p:cBhvr>
+                                      <p:to>
+                                        <p:strVal val="visible"/>
+                                      </p:to>
+                                    </p:set>
+                                    <p:animEffect transition="in" filter="fade">
+                                      <p:cBhvr>
+                                        <p:cTn id="21" dur="500"/>
+                                        <p:tgtEl>
+                                          <p:spTgt spid="3">
+                                            <p:txEl>
+                                              <p:pRg st="6" end="6"/>
+                                            </p:txEl>
+                                          </p:spTgt>
+                                        </p:tgtEl>
+                                      </p:cBhvr>
+                                    </p:animEffect>
+                                  </p:childTnLst>
+                                </p:cTn>
+                              </p:par>
+                              <p:par>
+                                <p:cTn id="22" presetID="10" presetClass="entr" presetSubtype="0" fill="hold" nodeType="withEffect">
+                                  <p:stCondLst>
+                                    <p:cond delay="0"/>
+                                  </p:stCondLst>
+                                  <p:childTnLst>
+                                    <p:set>
+                                      <p:cBhvr>
+                                        <p:cTn id="23" dur="1" fill="hold">
+                                          <p:stCondLst>
+                                            <p:cond delay="0"/>
+                                          </p:stCondLst>
+                                        </p:cTn>
+                                        <p:tgtEl>
+                                          <p:spTgt spid="3">
+                                            <p:txEl>
+                                              <p:pRg st="7" end="7"/>
+                                            </p:txEl>
+                                          </p:spTgt>
+                                        </p:tgtEl>
+                                        <p:attrNameLst>
+                                          <p:attrName>style.visibility</p:attrName>
+                                        </p:attrNameLst>
+                                      </p:cBhvr>
+                                      <p:to>
+                                        <p:strVal val="visible"/>
+                                      </p:to>
+                                    </p:set>
+                                    <p:animEffect transition="in" filter="fade">
+                                      <p:cBhvr>
+                                        <p:cTn id="24" dur="500"/>
+                                        <p:tgtEl>
+                                          <p:spTgt spid="3">
+                                            <p:txEl>
+                                              <p:pRg st="7" end="7"/>
+                                            </p:txEl>
+                                          </p:spTgt>
+                                        </p:tgtEl>
+                                      </p:cBhvr>
+                                    </p:animEffect>
+                                  </p:childTnLst>
+                                </p:cTn>
+                              </p:par>
+                            </p:childTnLst>
+                          </p:cTn>
+                        </p:par>
+                      </p:childTnLst>
+                    </p:cTn>
+                  </p:par>
+                </p:childTnLst>
+              </p:cTn>
+              <p:prevCondLst>
+                <p:cond evt="onPrev" delay="0">
+                  <p:tgtEl>
+                    <p:sldTgt/>
+                  </p:tgtEl>
+                </p:cond>
+              </p:prevCondLst>
+              <p:nextCondLst>
+                <p:cond evt="onNext" delay="0">
+                  <p:tgtEl>
+                    <p:sldTgt/>
+                  </p:tgtEl>
+                </p:cond>
+              </p:nextCondLst>
+            </p:seq>
+          </p:childTnLst>
+        </p:cTn>
+      </p:par>
+    </p:tnLst>
+  </p:timing>
 </p:sld>
 </file>
 
@@ -13383,6 +15607,244 @@
   <p:clrMapOvr>
     <a:masterClrMapping/>
   </p:clrMapOvr>
+  <p:timing>
+    <p:tnLst>
+      <p:par>
+        <p:cTn id="1" dur="indefinite" restart="never" nodeType="tmRoot">
+          <p:childTnLst>
+            <p:seq concurrent="1" nextAc="seek">
+              <p:cTn id="2" dur="indefinite" nodeType="mainSeq">
+                <p:childTnLst>
+                  <p:par>
+                    <p:cTn id="3" fill="hold">
+                      <p:stCondLst>
+                        <p:cond delay="indefinite"/>
+                      </p:stCondLst>
+                      <p:childTnLst>
+                        <p:par>
+                          <p:cTn id="4" fill="hold">
+                            <p:stCondLst>
+                              <p:cond delay="0"/>
+                            </p:stCondLst>
+                            <p:childTnLst>
+                              <p:par>
+                                <p:cTn id="5" presetID="10" presetClass="entr" presetSubtype="0" fill="hold" nodeType="clickEffect">
+                                  <p:stCondLst>
+                                    <p:cond delay="0"/>
+                                  </p:stCondLst>
+                                  <p:childTnLst>
+                                    <p:set>
+                                      <p:cBhvr>
+                                        <p:cTn id="6" dur="1" fill="hold">
+                                          <p:stCondLst>
+                                            <p:cond delay="0"/>
+                                          </p:stCondLst>
+                                        </p:cTn>
+                                        <p:tgtEl>
+                                          <p:spTgt spid="3">
+                                            <p:txEl>
+                                              <p:pRg st="0" end="0"/>
+                                            </p:txEl>
+                                          </p:spTgt>
+                                        </p:tgtEl>
+                                        <p:attrNameLst>
+                                          <p:attrName>style.visibility</p:attrName>
+                                        </p:attrNameLst>
+                                      </p:cBhvr>
+                                      <p:to>
+                                        <p:strVal val="visible"/>
+                                      </p:to>
+                                    </p:set>
+                                    <p:animEffect transition="in" filter="fade">
+                                      <p:cBhvr>
+                                        <p:cTn id="7" dur="500"/>
+                                        <p:tgtEl>
+                                          <p:spTgt spid="3">
+                                            <p:txEl>
+                                              <p:pRg st="0" end="0"/>
+                                            </p:txEl>
+                                          </p:spTgt>
+                                        </p:tgtEl>
+                                      </p:cBhvr>
+                                    </p:animEffect>
+                                  </p:childTnLst>
+                                </p:cTn>
+                              </p:par>
+                            </p:childTnLst>
+                          </p:cTn>
+                        </p:par>
+                      </p:childTnLst>
+                    </p:cTn>
+                  </p:par>
+                  <p:par>
+                    <p:cTn id="8" fill="hold">
+                      <p:stCondLst>
+                        <p:cond delay="indefinite"/>
+                      </p:stCondLst>
+                      <p:childTnLst>
+                        <p:par>
+                          <p:cTn id="9" fill="hold">
+                            <p:stCondLst>
+                              <p:cond delay="0"/>
+                            </p:stCondLst>
+                            <p:childTnLst>
+                              <p:par>
+                                <p:cTn id="10" presetID="10" presetClass="entr" presetSubtype="0" fill="hold" nodeType="clickEffect">
+                                  <p:stCondLst>
+                                    <p:cond delay="0"/>
+                                  </p:stCondLst>
+                                  <p:childTnLst>
+                                    <p:set>
+                                      <p:cBhvr>
+                                        <p:cTn id="11" dur="1" fill="hold">
+                                          <p:stCondLst>
+                                            <p:cond delay="0"/>
+                                          </p:stCondLst>
+                                        </p:cTn>
+                                        <p:tgtEl>
+                                          <p:spTgt spid="3">
+                                            <p:txEl>
+                                              <p:pRg st="1" end="1"/>
+                                            </p:txEl>
+                                          </p:spTgt>
+                                        </p:tgtEl>
+                                        <p:attrNameLst>
+                                          <p:attrName>style.visibility</p:attrName>
+                                        </p:attrNameLst>
+                                      </p:cBhvr>
+                                      <p:to>
+                                        <p:strVal val="visible"/>
+                                      </p:to>
+                                    </p:set>
+                                    <p:animEffect transition="in" filter="fade">
+                                      <p:cBhvr>
+                                        <p:cTn id="12" dur="500"/>
+                                        <p:tgtEl>
+                                          <p:spTgt spid="3">
+                                            <p:txEl>
+                                              <p:pRg st="1" end="1"/>
+                                            </p:txEl>
+                                          </p:spTgt>
+                                        </p:tgtEl>
+                                      </p:cBhvr>
+                                    </p:animEffect>
+                                  </p:childTnLst>
+                                </p:cTn>
+                              </p:par>
+                              <p:par>
+                                <p:cTn id="13" presetID="10" presetClass="entr" presetSubtype="0" fill="hold" nodeType="withEffect">
+                                  <p:stCondLst>
+                                    <p:cond delay="0"/>
+                                  </p:stCondLst>
+                                  <p:childTnLst>
+                                    <p:set>
+                                      <p:cBhvr>
+                                        <p:cTn id="14" dur="1" fill="hold">
+                                          <p:stCondLst>
+                                            <p:cond delay="0"/>
+                                          </p:stCondLst>
+                                        </p:cTn>
+                                        <p:tgtEl>
+                                          <p:spTgt spid="3">
+                                            <p:txEl>
+                                              <p:pRg st="2" end="2"/>
+                                            </p:txEl>
+                                          </p:spTgt>
+                                        </p:tgtEl>
+                                        <p:attrNameLst>
+                                          <p:attrName>style.visibility</p:attrName>
+                                        </p:attrNameLst>
+                                      </p:cBhvr>
+                                      <p:to>
+                                        <p:strVal val="visible"/>
+                                      </p:to>
+                                    </p:set>
+                                    <p:animEffect transition="in" filter="fade">
+                                      <p:cBhvr>
+                                        <p:cTn id="15" dur="500"/>
+                                        <p:tgtEl>
+                                          <p:spTgt spid="3">
+                                            <p:txEl>
+                                              <p:pRg st="2" end="2"/>
+                                            </p:txEl>
+                                          </p:spTgt>
+                                        </p:tgtEl>
+                                      </p:cBhvr>
+                                    </p:animEffect>
+                                  </p:childTnLst>
+                                </p:cTn>
+                              </p:par>
+                              <p:par>
+                                <p:cTn id="16" presetID="10" presetClass="entr" presetSubtype="0" fill="hold" nodeType="withEffect">
+                                  <p:stCondLst>
+                                    <p:cond delay="0"/>
+                                  </p:stCondLst>
+                                  <p:childTnLst>
+                                    <p:set>
+                                      <p:cBhvr>
+                                        <p:cTn id="17" dur="1" fill="hold">
+                                          <p:stCondLst>
+                                            <p:cond delay="0"/>
+                                          </p:stCondLst>
+                                        </p:cTn>
+                                        <p:tgtEl>
+                                          <p:spTgt spid="3">
+                                            <p:txEl>
+                                              <p:pRg st="3" end="3"/>
+                                            </p:txEl>
+                                          </p:spTgt>
+                                        </p:tgtEl>
+                                        <p:attrNameLst>
+                                          <p:attrName>style.visibility</p:attrName>
+                                        </p:attrNameLst>
+                                      </p:cBhvr>
+                                      <p:to>
+                                        <p:strVal val="visible"/>
+                                      </p:to>
+                                    </p:set>
+                                    <p:animEffect transition="in" filter="fade">
+                                      <p:cBhvr>
+                                        <p:cTn id="18" dur="500"/>
+                                        <p:tgtEl>
+                                          <p:spTgt spid="3">
+                                            <p:txEl>
+                                              <p:pRg st="3" end="3"/>
+                                            </p:txEl>
+                                          </p:spTgt>
+                                        </p:tgtEl>
+                                      </p:cBhvr>
+                                    </p:animEffect>
+                                  </p:childTnLst>
+                                </p:cTn>
+                              </p:par>
+                            </p:childTnLst>
+                          </p:cTn>
+                        </p:par>
+                      </p:childTnLst>
+                    </p:cTn>
+                  </p:par>
+                </p:childTnLst>
+              </p:cTn>
+              <p:prevCondLst>
+                <p:cond evt="onPrev" delay="0">
+                  <p:tgtEl>
+                    <p:sldTgt/>
+                  </p:tgtEl>
+                </p:cond>
+              </p:prevCondLst>
+              <p:nextCondLst>
+                <p:cond evt="onNext" delay="0">
+                  <p:tgtEl>
+                    <p:sldTgt/>
+                  </p:tgtEl>
+                </p:cond>
+              </p:nextCondLst>
+            </p:seq>
+          </p:childTnLst>
+        </p:cTn>
+      </p:par>
+    </p:tnLst>
+  </p:timing>
 </p:sld>
 </file>
 
@@ -13482,14 +15944,14 @@
                 <a:gridCol w="3048000">
                   <a:extLst>
                     <a:ext uri="{9D8B030D-6E8A-4147-A177-3AD203B41FA5}">
-                      <a16:colId xmlns="" xmlns:a16="http://schemas.microsoft.com/office/drawing/2014/main" val="20000"/>
+                      <a16:colId xmlns:a16="http://schemas.microsoft.com/office/drawing/2014/main" val="20000"/>
                     </a:ext>
                   </a:extLst>
                 </a:gridCol>
                 <a:gridCol w="3048000">
                   <a:extLst>
                     <a:ext uri="{9D8B030D-6E8A-4147-A177-3AD203B41FA5}">
-                      <a16:colId xmlns="" xmlns:a16="http://schemas.microsoft.com/office/drawing/2014/main" val="20001"/>
+                      <a16:colId xmlns:a16="http://schemas.microsoft.com/office/drawing/2014/main" val="20001"/>
                     </a:ext>
                   </a:extLst>
                 </a:gridCol>
@@ -13525,7 +15987,7 @@
                 </a:tc>
                 <a:extLst>
                   <a:ext uri="{0D108BD9-81ED-4DB2-BD59-A6C34878D82A}">
-                    <a16:rowId xmlns="" xmlns:a16="http://schemas.microsoft.com/office/drawing/2014/main" val="10000"/>
+                    <a16:rowId xmlns:a16="http://schemas.microsoft.com/office/drawing/2014/main" val="10000"/>
                   </a:ext>
                 </a:extLst>
               </a:tr>
@@ -13593,7 +16055,7 @@
                 </a:tc>
                 <a:extLst>
                   <a:ext uri="{0D108BD9-81ED-4DB2-BD59-A6C34878D82A}">
-                    <a16:rowId xmlns="" xmlns:a16="http://schemas.microsoft.com/office/drawing/2014/main" val="10001"/>
+                    <a16:rowId xmlns:a16="http://schemas.microsoft.com/office/drawing/2014/main" val="10001"/>
                   </a:ext>
                 </a:extLst>
               </a:tr>
@@ -13632,7 +16094,7 @@
                 </a:tc>
                 <a:extLst>
                   <a:ext uri="{0D108BD9-81ED-4DB2-BD59-A6C34878D82A}">
-                    <a16:rowId xmlns="" xmlns:a16="http://schemas.microsoft.com/office/drawing/2014/main" val="10002"/>
+                    <a16:rowId xmlns:a16="http://schemas.microsoft.com/office/drawing/2014/main" val="10002"/>
                   </a:ext>
                 </a:extLst>
               </a:tr>
@@ -13704,7 +16166,7 @@
                 </a:tc>
                 <a:extLst>
                   <a:ext uri="{0D108BD9-81ED-4DB2-BD59-A6C34878D82A}">
-                    <a16:rowId xmlns="" xmlns:a16="http://schemas.microsoft.com/office/drawing/2014/main" val="10003"/>
+                    <a16:rowId xmlns:a16="http://schemas.microsoft.com/office/drawing/2014/main" val="10003"/>
                   </a:ext>
                 </a:extLst>
               </a:tr>
@@ -13760,7 +16222,7 @@
                 </a:tc>
                 <a:extLst>
                   <a:ext uri="{0D108BD9-81ED-4DB2-BD59-A6C34878D82A}">
-                    <a16:rowId xmlns="" xmlns:a16="http://schemas.microsoft.com/office/drawing/2014/main" val="10004"/>
+                    <a16:rowId xmlns:a16="http://schemas.microsoft.com/office/drawing/2014/main" val="10004"/>
                   </a:ext>
                 </a:extLst>
               </a:tr>
@@ -13824,7 +16286,7 @@
                 </a:tc>
                 <a:extLst>
                   <a:ext uri="{0D108BD9-81ED-4DB2-BD59-A6C34878D82A}">
-                    <a16:rowId xmlns="" xmlns:a16="http://schemas.microsoft.com/office/drawing/2014/main" val="10005"/>
+                    <a16:rowId xmlns:a16="http://schemas.microsoft.com/office/drawing/2014/main" val="10005"/>
                   </a:ext>
                 </a:extLst>
               </a:tr>
